--- a/Presentation/MultiSpider_Presentation.pptx
+++ b/Presentation/MultiSpider_Presentation.pptx
@@ -215,7 +215,7 @@
           <a:p>
             <a:fld id="{8A84F52A-5AE2-4062-AF77-CB63F6320DA2}" type="datetimeFigureOut">
               <a:rPr lang="en-US" smtClean="0"/>
-              <a:t>4/10/2024</a:t>
+              <a:t>4/11/2024</a:t>
             </a:fld>
             <a:endParaRPr lang="en-US"/>
           </a:p>
@@ -800,7 +800,7 @@
           <a:p>
             <a:fld id="{84196782-5064-4F60-81B4-A0AB91B324D3}" type="datetimeFigureOut">
               <a:rPr lang="el-GR" smtClean="0"/>
-              <a:t>10/4/2024</a:t>
+              <a:t>11/4/2024</a:t>
             </a:fld>
             <a:endParaRPr lang="el-GR"/>
           </a:p>
@@ -1000,7 +1000,7 @@
           <a:p>
             <a:fld id="{84196782-5064-4F60-81B4-A0AB91B324D3}" type="datetimeFigureOut">
               <a:rPr lang="el-GR" smtClean="0"/>
-              <a:t>10/4/2024</a:t>
+              <a:t>11/4/2024</a:t>
             </a:fld>
             <a:endParaRPr lang="el-GR"/>
           </a:p>
@@ -1210,7 +1210,7 @@
           <a:p>
             <a:fld id="{84196782-5064-4F60-81B4-A0AB91B324D3}" type="datetimeFigureOut">
               <a:rPr lang="el-GR" smtClean="0"/>
-              <a:t>10/4/2024</a:t>
+              <a:t>11/4/2024</a:t>
             </a:fld>
             <a:endParaRPr lang="el-GR"/>
           </a:p>
@@ -1410,7 +1410,7 @@
           <a:p>
             <a:fld id="{84196782-5064-4F60-81B4-A0AB91B324D3}" type="datetimeFigureOut">
               <a:rPr lang="el-GR" smtClean="0"/>
-              <a:t>10/4/2024</a:t>
+              <a:t>11/4/2024</a:t>
             </a:fld>
             <a:endParaRPr lang="el-GR"/>
           </a:p>
@@ -1686,7 +1686,7 @@
           <a:p>
             <a:fld id="{84196782-5064-4F60-81B4-A0AB91B324D3}" type="datetimeFigureOut">
               <a:rPr lang="el-GR" smtClean="0"/>
-              <a:t>10/4/2024</a:t>
+              <a:t>11/4/2024</a:t>
             </a:fld>
             <a:endParaRPr lang="el-GR"/>
           </a:p>
@@ -1954,7 +1954,7 @@
           <a:p>
             <a:fld id="{84196782-5064-4F60-81B4-A0AB91B324D3}" type="datetimeFigureOut">
               <a:rPr lang="el-GR" smtClean="0"/>
-              <a:t>10/4/2024</a:t>
+              <a:t>11/4/2024</a:t>
             </a:fld>
             <a:endParaRPr lang="el-GR"/>
           </a:p>
@@ -2369,7 +2369,7 @@
           <a:p>
             <a:fld id="{84196782-5064-4F60-81B4-A0AB91B324D3}" type="datetimeFigureOut">
               <a:rPr lang="el-GR" smtClean="0"/>
-              <a:t>10/4/2024</a:t>
+              <a:t>11/4/2024</a:t>
             </a:fld>
             <a:endParaRPr lang="el-GR"/>
           </a:p>
@@ -2511,7 +2511,7 @@
           <a:p>
             <a:fld id="{84196782-5064-4F60-81B4-A0AB91B324D3}" type="datetimeFigureOut">
               <a:rPr lang="el-GR" smtClean="0"/>
-              <a:t>10/4/2024</a:t>
+              <a:t>11/4/2024</a:t>
             </a:fld>
             <a:endParaRPr lang="el-GR"/>
           </a:p>
@@ -2624,7 +2624,7 @@
           <a:p>
             <a:fld id="{84196782-5064-4F60-81B4-A0AB91B324D3}" type="datetimeFigureOut">
               <a:rPr lang="el-GR" smtClean="0"/>
-              <a:t>10/4/2024</a:t>
+              <a:t>11/4/2024</a:t>
             </a:fld>
             <a:endParaRPr lang="el-GR"/>
           </a:p>
@@ -2937,7 +2937,7 @@
           <a:p>
             <a:fld id="{84196782-5064-4F60-81B4-A0AB91B324D3}" type="datetimeFigureOut">
               <a:rPr lang="el-GR" smtClean="0"/>
-              <a:t>10/4/2024</a:t>
+              <a:t>11/4/2024</a:t>
             </a:fld>
             <a:endParaRPr lang="el-GR"/>
           </a:p>
@@ -3226,7 +3226,7 @@
           <a:p>
             <a:fld id="{84196782-5064-4F60-81B4-A0AB91B324D3}" type="datetimeFigureOut">
               <a:rPr lang="el-GR" smtClean="0"/>
-              <a:t>10/4/2024</a:t>
+              <a:t>11/4/2024</a:t>
             </a:fld>
             <a:endParaRPr lang="el-GR"/>
           </a:p>
@@ -3469,7 +3469,7 @@
           <a:p>
             <a:fld id="{84196782-5064-4F60-81B4-A0AB91B324D3}" type="datetimeFigureOut">
               <a:rPr lang="el-GR" smtClean="0"/>
-              <a:t>10/4/2024</a:t>
+              <a:t>11/4/2024</a:t>
             </a:fld>
             <a:endParaRPr lang="el-GR"/>
           </a:p>
@@ -5290,7 +5290,7 @@
         </p:spPr>
         <p:txBody>
           <a:bodyPr>
-            <a:normAutofit fontScale="85000" lnSpcReduction="20000"/>
+            <a:normAutofit fontScale="70000" lnSpcReduction="20000"/>
           </a:bodyPr>
           <a:lstStyle/>
           <a:p>
@@ -5320,7 +5320,7 @@
             </a:r>
             <a:r>
               <a:rPr lang="en-US" dirty="0"/>
-              <a:t> Implementation (?)</a:t>
+              <a:t> Implementation (?) second phase</a:t>
             </a:r>
           </a:p>
           <a:p>
@@ -5346,15 +5346,14 @@
           <a:p>
             <a:pPr lvl="1"/>
             <a:r>
-              <a:rPr lang="en-US"/>
+              <a:rPr lang="en-US" dirty="0"/>
               <a:t>Zero-Shot ✅ (Translate-then-Train ?)</a:t>
             </a:r>
-            <a:endParaRPr lang="en-US" dirty="0"/>
-          </a:p>
-          <a:p>
-            <a:r>
-              <a:rPr lang="en-US" dirty="0"/>
-              <a:t>Benchmarking Tools</a:t>
+          </a:p>
+          <a:p>
+            <a:r>
+              <a:rPr lang="en-US" dirty="0"/>
+              <a:t>Benchmarking Tools // in each epoch I save a checkpoint</a:t>
             </a:r>
           </a:p>
           <a:p>
@@ -5420,7 +5419,25 @@
             </a:r>
             <a:r>
               <a:rPr lang="en-US" dirty="0"/>
-              <a:t> (???)</a:t>
+              <a:t> (???) with finetuning</a:t>
+            </a:r>
+          </a:p>
+          <a:p>
+            <a:r>
+              <a:rPr lang="en-US" dirty="0" err="1"/>
+              <a:t>BackUp</a:t>
+            </a:r>
+            <a:r>
+              <a:rPr lang="en-US" dirty="0"/>
+              <a:t>: Some </a:t>
+            </a:r>
+            <a:r>
+              <a:rPr lang="en-US" dirty="0" err="1"/>
+              <a:t>gpt</a:t>
+            </a:r>
+            <a:r>
+              <a:rPr lang="en-US" dirty="0"/>
+              <a:t> model with prompt engineering, with question &amp; schema</a:t>
             </a:r>
           </a:p>
           <a:p>

--- a/Presentation/MultiSpider_Presentation.pptx
+++ b/Presentation/MultiSpider_Presentation.pptx
@@ -26,7 +26,7 @@
     <p:sldId id="274" r:id="rId17"/>
     <p:sldId id="272" r:id="rId18"/>
     <p:sldId id="277" r:id="rId19"/>
-    <p:sldId id="259" r:id="rId20"/>
+    <p:sldId id="291" r:id="rId20"/>
   </p:sldIdLst>
   <p:sldSz cx="12192000" cy="6858000"/>
   <p:notesSz cx="6858000" cy="9144000"/>
@@ -215,7 +215,7 @@
           <a:p>
             <a:fld id="{8A84F52A-5AE2-4062-AF77-CB63F6320DA2}" type="datetimeFigureOut">
               <a:rPr lang="en-US" smtClean="0"/>
-              <a:t>4/11/2024</a:t>
+              <a:t>4/13/2024</a:t>
             </a:fld>
             <a:endParaRPr lang="en-US"/>
           </a:p>
@@ -651,6 +651,94 @@
 </p:notes>
 </file>
 
+<file path=ppt/notesSlides/notesSlide3.xml><?xml version="1.0" encoding="utf-8"?>
+<p:notes xmlns:a="http://schemas.openxmlformats.org/drawingml/2006/main" xmlns:r="http://schemas.openxmlformats.org/officeDocument/2006/relationships" xmlns:p="http://schemas.openxmlformats.org/presentationml/2006/main">
+  <p:cSld>
+    <p:spTree>
+      <p:nvGrpSpPr>
+        <p:cNvPr id="1" name=""/>
+        <p:cNvGrpSpPr/>
+        <p:nvPr/>
+      </p:nvGrpSpPr>
+      <p:grpSpPr>
+        <a:xfrm>
+          <a:off x="0" y="0"/>
+          <a:ext cx="0" cy="0"/>
+          <a:chOff x="0" y="0"/>
+          <a:chExt cx="0" cy="0"/>
+        </a:xfrm>
+      </p:grpSpPr>
+      <p:sp>
+        <p:nvSpPr>
+          <p:cNvPr id="2" name="Slide Image Placeholder 1"/>
+          <p:cNvSpPr>
+            <a:spLocks noGrp="1" noRot="1" noChangeAspect="1"/>
+          </p:cNvSpPr>
+          <p:nvPr>
+            <p:ph type="sldImg"/>
+          </p:nvPr>
+        </p:nvSpPr>
+        <p:spPr/>
+      </p:sp>
+      <p:sp>
+        <p:nvSpPr>
+          <p:cNvPr id="3" name="Notes Placeholder 2"/>
+          <p:cNvSpPr>
+            <a:spLocks noGrp="1"/>
+          </p:cNvSpPr>
+          <p:nvPr>
+            <p:ph type="body" idx="1"/>
+          </p:nvPr>
+        </p:nvSpPr>
+        <p:spPr/>
+        <p:txBody>
+          <a:bodyPr/>
+          <a:lstStyle/>
+          <a:p>
+            <a:r>
+              <a:rPr lang="en-US" dirty="0"/>
+              <a:t>Explain Exact match accuracy</a:t>
+            </a:r>
+            <a:endParaRPr lang="el-GR" dirty="0"/>
+          </a:p>
+        </p:txBody>
+      </p:sp>
+      <p:sp>
+        <p:nvSpPr>
+          <p:cNvPr id="4" name="Slide Number Placeholder 3"/>
+          <p:cNvSpPr>
+            <a:spLocks noGrp="1"/>
+          </p:cNvSpPr>
+          <p:nvPr>
+            <p:ph type="sldNum" sz="quarter" idx="5"/>
+          </p:nvPr>
+        </p:nvSpPr>
+        <p:spPr/>
+        <p:txBody>
+          <a:bodyPr/>
+          <a:lstStyle/>
+          <a:p>
+            <a:fld id="{5C8EBDBD-B5B6-4C5C-8990-1648C105756E}" type="slidenum">
+              <a:rPr lang="en-US" smtClean="0"/>
+              <a:t>12</a:t>
+            </a:fld>
+            <a:endParaRPr lang="en-US"/>
+          </a:p>
+        </p:txBody>
+      </p:sp>
+    </p:spTree>
+    <p:extLst>
+      <p:ext uri="{BB962C8B-B14F-4D97-AF65-F5344CB8AC3E}">
+        <p14:creationId xmlns:p14="http://schemas.microsoft.com/office/powerpoint/2010/main" val="617923041"/>
+      </p:ext>
+    </p:extLst>
+  </p:cSld>
+  <p:clrMapOvr>
+    <a:masterClrMapping/>
+  </p:clrMapOvr>
+</p:notes>
+</file>
+
 <file path=ppt/slideLayouts/slideLayout1.xml><?xml version="1.0" encoding="utf-8"?>
 <p:sldLayout xmlns:a="http://schemas.openxmlformats.org/drawingml/2006/main" xmlns:r="http://schemas.openxmlformats.org/officeDocument/2006/relationships" xmlns:p="http://schemas.openxmlformats.org/presentationml/2006/main" type="title" preserve="1">
   <p:cSld name="Title Slide">
@@ -800,7 +888,7 @@
           <a:p>
             <a:fld id="{84196782-5064-4F60-81B4-A0AB91B324D3}" type="datetimeFigureOut">
               <a:rPr lang="el-GR" smtClean="0"/>
-              <a:t>11/4/2024</a:t>
+              <a:t>13/4/2024</a:t>
             </a:fld>
             <a:endParaRPr lang="el-GR"/>
           </a:p>
@@ -1000,7 +1088,7 @@
           <a:p>
             <a:fld id="{84196782-5064-4F60-81B4-A0AB91B324D3}" type="datetimeFigureOut">
               <a:rPr lang="el-GR" smtClean="0"/>
-              <a:t>11/4/2024</a:t>
+              <a:t>13/4/2024</a:t>
             </a:fld>
             <a:endParaRPr lang="el-GR"/>
           </a:p>
@@ -1210,7 +1298,7 @@
           <a:p>
             <a:fld id="{84196782-5064-4F60-81B4-A0AB91B324D3}" type="datetimeFigureOut">
               <a:rPr lang="el-GR" smtClean="0"/>
-              <a:t>11/4/2024</a:t>
+              <a:t>13/4/2024</a:t>
             </a:fld>
             <a:endParaRPr lang="el-GR"/>
           </a:p>
@@ -1410,7 +1498,7 @@
           <a:p>
             <a:fld id="{84196782-5064-4F60-81B4-A0AB91B324D3}" type="datetimeFigureOut">
               <a:rPr lang="el-GR" smtClean="0"/>
-              <a:t>11/4/2024</a:t>
+              <a:t>13/4/2024</a:t>
             </a:fld>
             <a:endParaRPr lang="el-GR"/>
           </a:p>
@@ -1686,7 +1774,7 @@
           <a:p>
             <a:fld id="{84196782-5064-4F60-81B4-A0AB91B324D3}" type="datetimeFigureOut">
               <a:rPr lang="el-GR" smtClean="0"/>
-              <a:t>11/4/2024</a:t>
+              <a:t>13/4/2024</a:t>
             </a:fld>
             <a:endParaRPr lang="el-GR"/>
           </a:p>
@@ -1954,7 +2042,7 @@
           <a:p>
             <a:fld id="{84196782-5064-4F60-81B4-A0AB91B324D3}" type="datetimeFigureOut">
               <a:rPr lang="el-GR" smtClean="0"/>
-              <a:t>11/4/2024</a:t>
+              <a:t>13/4/2024</a:t>
             </a:fld>
             <a:endParaRPr lang="el-GR"/>
           </a:p>
@@ -2369,7 +2457,7 @@
           <a:p>
             <a:fld id="{84196782-5064-4F60-81B4-A0AB91B324D3}" type="datetimeFigureOut">
               <a:rPr lang="el-GR" smtClean="0"/>
-              <a:t>11/4/2024</a:t>
+              <a:t>13/4/2024</a:t>
             </a:fld>
             <a:endParaRPr lang="el-GR"/>
           </a:p>
@@ -2511,7 +2599,7 @@
           <a:p>
             <a:fld id="{84196782-5064-4F60-81B4-A0AB91B324D3}" type="datetimeFigureOut">
               <a:rPr lang="el-GR" smtClean="0"/>
-              <a:t>11/4/2024</a:t>
+              <a:t>13/4/2024</a:t>
             </a:fld>
             <a:endParaRPr lang="el-GR"/>
           </a:p>
@@ -2624,7 +2712,7 @@
           <a:p>
             <a:fld id="{84196782-5064-4F60-81B4-A0AB91B324D3}" type="datetimeFigureOut">
               <a:rPr lang="el-GR" smtClean="0"/>
-              <a:t>11/4/2024</a:t>
+              <a:t>13/4/2024</a:t>
             </a:fld>
             <a:endParaRPr lang="el-GR"/>
           </a:p>
@@ -2937,7 +3025,7 @@
           <a:p>
             <a:fld id="{84196782-5064-4F60-81B4-A0AB91B324D3}" type="datetimeFigureOut">
               <a:rPr lang="el-GR" smtClean="0"/>
-              <a:t>11/4/2024</a:t>
+              <a:t>13/4/2024</a:t>
             </a:fld>
             <a:endParaRPr lang="el-GR"/>
           </a:p>
@@ -3226,7 +3314,7 @@
           <a:p>
             <a:fld id="{84196782-5064-4F60-81B4-A0AB91B324D3}" type="datetimeFigureOut">
               <a:rPr lang="el-GR" smtClean="0"/>
-              <a:t>11/4/2024</a:t>
+              <a:t>13/4/2024</a:t>
             </a:fld>
             <a:endParaRPr lang="el-GR"/>
           </a:p>
@@ -3469,7 +3557,7 @@
           <a:p>
             <a:fld id="{84196782-5064-4F60-81B4-A0AB91B324D3}" type="datetimeFigureOut">
               <a:rPr lang="el-GR" smtClean="0"/>
-              <a:t>11/4/2024</a:t>
+              <a:t>13/4/2024</a:t>
             </a:fld>
             <a:endParaRPr lang="el-GR"/>
           </a:p>
@@ -4351,7 +4439,10 @@
               <a:rPr lang="en-US" dirty="0" err="1"/>
               <a:t>mBart</a:t>
             </a:r>
-            <a:endParaRPr lang="en-US" dirty="0"/>
+            <a:r>
+              <a:rPr lang="en-US" dirty="0"/>
+              <a:t>.</a:t>
+            </a:r>
           </a:p>
           <a:p>
             <a:r>
@@ -4577,7 +4668,7 @@
           </p:nvPr>
         </p:nvPicPr>
         <p:blipFill>
-          <a:blip r:embed="rId2"/>
+          <a:blip r:embed="rId3"/>
           <a:stretch>
             <a:fillRect/>
           </a:stretch>
@@ -4768,7 +4859,7 @@
             <a:pPr lvl="1"/>
             <a:r>
               <a:rPr lang="en-US" dirty="0"/>
-              <a:t>Caused by the schema-linking problem (i.e. the syntactic difference between question tokens and schema)</a:t>
+              <a:t>Caused by the schema-linking problem (i.e. the syntactic difference between question tokens and schema).</a:t>
             </a:r>
           </a:p>
           <a:p>
@@ -4889,7 +4980,7 @@
             <a:pPr lvl="1"/>
             <a:r>
               <a:rPr lang="en-US" dirty="0"/>
-              <a:t>Addressing the schema linking problem by synthesizing more schema-token pairs</a:t>
+              <a:t>Addressing the schema linking problem by synthesizing more schema-token pairs.</a:t>
             </a:r>
           </a:p>
           <a:p>
@@ -5182,14 +5273,14 @@
             <a:pPr lvl="1"/>
             <a:r>
               <a:rPr lang="en-US" dirty="0"/>
-              <a:t>Expands the training data with schema variations</a:t>
+              <a:t>Expands the training data with schema variations.</a:t>
             </a:r>
           </a:p>
           <a:p>
             <a:pPr lvl="1"/>
             <a:r>
               <a:rPr lang="en-US" dirty="0"/>
-              <a:t>Boosts model performance</a:t>
+              <a:t>Boosts model performance.</a:t>
             </a:r>
           </a:p>
           <a:p>
@@ -5260,7 +5351,7 @@
           <a:p>
             <a:r>
               <a:rPr lang="en-US" dirty="0"/>
-              <a:t>Our approach</a:t>
+              <a:t>Our Approach</a:t>
             </a:r>
             <a:endParaRPr lang="el-GR" dirty="0"/>
           </a:p>
@@ -5303,14 +5394,14 @@
             <a:pPr lvl="1"/>
             <a:r>
               <a:rPr lang="en-US" dirty="0"/>
-              <a:t>Greek version of the Spider Dataset, following the same translation technique (schema + questions)</a:t>
+              <a:t>Greek version of the Spider Dataset, following the same translation technique (schema + questions).</a:t>
             </a:r>
           </a:p>
           <a:p>
             <a:pPr lvl="1"/>
             <a:r>
               <a:rPr lang="en-US" dirty="0"/>
-              <a:t>Utilize Meltemi LLM in place of Google-NMT</a:t>
+              <a:t>Utilize Meltemi LLM in place of Google-NMT.</a:t>
             </a:r>
           </a:p>
           <a:p>
@@ -5320,7 +5411,7 @@
             </a:r>
             <a:r>
               <a:rPr lang="en-US" dirty="0"/>
-              <a:t> Implementation (?) second phase</a:t>
+              <a:t> Implementation will be implemented if there is enough time.</a:t>
             </a:r>
           </a:p>
           <a:p>
@@ -5333,7 +5424,7 @@
             <a:pPr lvl="1"/>
             <a:r>
               <a:rPr lang="en-US" dirty="0"/>
-              <a:t>Multilingual	</a:t>
+              <a:t>Multilingual</a:t>
             </a:r>
           </a:p>
           <a:p>
@@ -5347,89 +5438,137 @@
             <a:pPr lvl="1"/>
             <a:r>
               <a:rPr lang="en-US" dirty="0"/>
-              <a:t>Zero-Shot ✅ (Translate-then-Train ?)</a:t>
-            </a:r>
-          </a:p>
-          <a:p>
-            <a:r>
-              <a:rPr lang="en-US" dirty="0"/>
+              <a:t>Zero-Shot</a:t>
+            </a:r>
+          </a:p>
+          <a:p>
+            <a:r>
+              <a:rPr lang="en-US" dirty="0">
+                <a:highlight>
+                  <a:srgbClr val="FFFF00"/>
+                </a:highlight>
+              </a:rPr>
               <a:t>Benchmarking Tools // in each epoch I save a checkpoint</a:t>
             </a:r>
           </a:p>
           <a:p>
             <a:pPr lvl="1"/>
             <a:r>
-              <a:rPr lang="en-US" dirty="0" err="1"/>
+              <a:rPr lang="en-US" dirty="0" err="1">
+                <a:highlight>
+                  <a:srgbClr val="FFFF00"/>
+                </a:highlight>
+              </a:rPr>
               <a:t>mRat</a:t>
             </a:r>
             <a:r>
-              <a:rPr lang="en-US" dirty="0"/>
+              <a:rPr lang="en-US" dirty="0">
+                <a:highlight>
+                  <a:srgbClr val="FFFF00"/>
+                </a:highlight>
+              </a:rPr>
               <a:t>-SQL </a:t>
             </a:r>
           </a:p>
           <a:p>
             <a:pPr lvl="2"/>
             <a:r>
-              <a:rPr lang="en-US" dirty="0" err="1"/>
+              <a:rPr lang="en-US" dirty="0" err="1">
+                <a:highlight>
+                  <a:srgbClr val="FFFF00"/>
+                </a:highlight>
+              </a:rPr>
               <a:t>Enoder</a:t>
             </a:r>
             <a:r>
-              <a:rPr lang="en-US" dirty="0"/>
+              <a:rPr lang="en-US" dirty="0">
+                <a:highlight>
+                  <a:srgbClr val="FFFF00"/>
+                </a:highlight>
+              </a:rPr>
               <a:t> options: </a:t>
             </a:r>
             <a:r>
-              <a:rPr lang="en-US" dirty="0" err="1"/>
+              <a:rPr lang="en-US" dirty="0" err="1">
+                <a:highlight>
+                  <a:srgbClr val="FFFF00"/>
+                </a:highlight>
+              </a:rPr>
               <a:t>mBert</a:t>
             </a:r>
             <a:r>
-              <a:rPr lang="en-US" dirty="0"/>
+              <a:rPr lang="en-US" dirty="0">
+                <a:highlight>
+                  <a:srgbClr val="FFFF00"/>
+                </a:highlight>
+              </a:rPr>
               <a:t>, mT5 (large, base), ??</a:t>
             </a:r>
           </a:p>
           <a:p>
             <a:pPr lvl="1"/>
             <a:r>
-              <a:rPr lang="en-US" dirty="0"/>
+              <a:rPr lang="en-US" dirty="0">
+                <a:highlight>
+                  <a:srgbClr val="FFFF00"/>
+                </a:highlight>
+              </a:rPr>
               <a:t>DAIL-SQL ?</a:t>
             </a:r>
           </a:p>
           <a:p>
             <a:pPr lvl="2"/>
             <a:r>
-              <a:rPr lang="en-US" dirty="0"/>
+              <a:rPr lang="en-US" dirty="0">
+                <a:highlight>
+                  <a:srgbClr val="FFFF00"/>
+                </a:highlight>
+              </a:rPr>
               <a:t>Due to it being few-shot</a:t>
             </a:r>
           </a:p>
           <a:p>
             <a:pPr lvl="1"/>
             <a:r>
-              <a:rPr lang="en-US" dirty="0"/>
+              <a:rPr lang="en-US" dirty="0">
+                <a:highlight>
+                  <a:srgbClr val="FFFF00"/>
+                </a:highlight>
+              </a:rPr>
               <a:t>Seq2Seq</a:t>
             </a:r>
           </a:p>
           <a:p>
             <a:pPr lvl="2"/>
             <a:r>
-              <a:rPr lang="en-US" dirty="0"/>
+              <a:rPr lang="en-US" dirty="0">
+                <a:highlight>
+                  <a:srgbClr val="FFFF00"/>
+                </a:highlight>
+              </a:rPr>
               <a:t>mT5, </a:t>
             </a:r>
             <a:r>
-              <a:rPr lang="en-US" dirty="0" err="1"/>
+              <a:rPr lang="en-US" dirty="0" err="1">
+                <a:highlight>
+                  <a:srgbClr val="FFFF00"/>
+                </a:highlight>
+              </a:rPr>
               <a:t>mBart</a:t>
             </a:r>
             <a:r>
-              <a:rPr lang="en-US" dirty="0"/>
+              <a:rPr lang="en-US" dirty="0">
+                <a:highlight>
+                  <a:srgbClr val="FFFF00"/>
+                </a:highlight>
+              </a:rPr>
               <a:t> (???) with finetuning</a:t>
             </a:r>
           </a:p>
           <a:p>
             <a:r>
-              <a:rPr lang="en-US" dirty="0" err="1"/>
-              <a:t>BackUp</a:t>
-            </a:r>
-            <a:r>
-              <a:rPr lang="en-US" dirty="0"/>
-              <a:t>: Some </a:t>
+              <a:rPr lang="en-US" dirty="0"/>
+              <a:t>Backup: Some </a:t>
             </a:r>
             <a:r>
               <a:rPr lang="en-US" dirty="0" err="1"/>
@@ -5437,12 +5576,8 @@
             </a:r>
             <a:r>
               <a:rPr lang="en-US" dirty="0"/>
-              <a:t> model with prompt engineering, with question &amp; schema</a:t>
-            </a:r>
-          </a:p>
-          <a:p>
-            <a:pPr lvl="1"/>
-            <a:endParaRPr lang="el-GR" dirty="0"/>
+              <a:t> model with prompt engineering, (question &amp; schema as input).</a:t>
+            </a:r>
           </a:p>
         </p:txBody>
       </p:sp>
@@ -5476,162 +5611,57 @@
           <a:chExt cx="0" cy="0"/>
         </a:xfrm>
       </p:grpSpPr>
-      <p:sp>
-        <p:nvSpPr>
-          <p:cNvPr id="2" name="Title 1">
-            <a:extLst>
-              <a:ext uri="{FF2B5EF4-FFF2-40B4-BE49-F238E27FC236}">
-                <a16:creationId xmlns:a16="http://schemas.microsoft.com/office/drawing/2014/main" id="{865324DF-D26F-4D4A-7FC9-D9659A6296DD}"/>
-              </a:ext>
-            </a:extLst>
-          </p:cNvPr>
-          <p:cNvSpPr>
-            <a:spLocks noGrp="1"/>
-          </p:cNvSpPr>
-          <p:nvPr>
-            <p:ph type="title"/>
-          </p:nvPr>
-        </p:nvSpPr>
-        <p:spPr/>
-        <p:txBody>
-          <a:bodyPr/>
-          <a:lstStyle/>
-          <a:p>
-            <a:r>
-              <a:rPr lang="en-US" dirty="0"/>
-              <a:t>Questions</a:t>
-            </a:r>
-            <a:endParaRPr lang="el-GR" dirty="0"/>
-          </a:p>
-        </p:txBody>
-      </p:sp>
-      <p:sp>
-        <p:nvSpPr>
-          <p:cNvPr id="3" name="Content Placeholder 2">
-            <a:extLst>
-              <a:ext uri="{FF2B5EF4-FFF2-40B4-BE49-F238E27FC236}">
-                <a16:creationId xmlns:a16="http://schemas.microsoft.com/office/drawing/2014/main" id="{83A89861-51FD-3AC5-F2BD-A37A7B2FF3E4}"/>
-              </a:ext>
-            </a:extLst>
-          </p:cNvPr>
-          <p:cNvSpPr>
-            <a:spLocks noGrp="1"/>
-          </p:cNvSpPr>
-          <p:nvPr>
-            <p:ph idx="1"/>
-          </p:nvPr>
-        </p:nvSpPr>
-        <p:spPr/>
-        <p:txBody>
-          <a:bodyPr>
-            <a:normAutofit lnSpcReduction="10000"/>
-          </a:bodyPr>
-          <a:lstStyle/>
-          <a:p>
-            <a:r>
-              <a:rPr lang="en-US" dirty="0"/>
-              <a:t>Is Meltemi available as open source? If not, what is the procedure for requesting access?</a:t>
-            </a:r>
-          </a:p>
-          <a:p>
-            <a:r>
-              <a:rPr lang="en-US" dirty="0"/>
-              <a:t>Do we need to translate the schema as well or only the questions?</a:t>
-            </a:r>
-          </a:p>
-          <a:p>
-            <a:pPr lvl="1"/>
-            <a:r>
-              <a:rPr lang="en-US" dirty="0"/>
-              <a:t>Do we need to translate the attributes in </a:t>
-            </a:r>
-            <a:r>
-              <a:rPr lang="en-US" dirty="0" err="1"/>
-              <a:t>sql</a:t>
-            </a:r>
-            <a:r>
-              <a:rPr lang="en-US" dirty="0"/>
-              <a:t> query  also?</a:t>
-            </a:r>
-          </a:p>
-          <a:p>
-            <a:r>
-              <a:rPr lang="en-US" dirty="0"/>
-              <a:t>Multilingual Embeddings with </a:t>
-            </a:r>
-            <a:r>
-              <a:rPr lang="en-US" dirty="0" err="1"/>
-              <a:t>greek</a:t>
-            </a:r>
-            <a:r>
-              <a:rPr lang="en-US" dirty="0"/>
-              <a:t>?</a:t>
-            </a:r>
-          </a:p>
-          <a:p>
-            <a:r>
-              <a:rPr lang="en-US" dirty="0"/>
-              <a:t>What is meant by pipeline </a:t>
-            </a:r>
-            <a:r>
-              <a:rPr lang="en-US" dirty="0" err="1"/>
-              <a:t>greek</a:t>
-            </a:r>
-            <a:r>
-              <a:rPr lang="en-US" dirty="0"/>
-              <a:t>-to-</a:t>
-            </a:r>
-            <a:r>
-              <a:rPr lang="en-US" dirty="0" err="1"/>
-              <a:t>english</a:t>
-            </a:r>
-            <a:r>
-              <a:rPr lang="en-US" dirty="0"/>
-              <a:t>-to-</a:t>
-            </a:r>
-            <a:r>
-              <a:rPr lang="en-US" dirty="0" err="1"/>
-              <a:t>sql</a:t>
-            </a:r>
-            <a:r>
-              <a:rPr lang="en-US" dirty="0"/>
-              <a:t>?</a:t>
-            </a:r>
-          </a:p>
-          <a:p>
-            <a:r>
-              <a:rPr lang="en-US" dirty="0"/>
-              <a:t>Do we only keep the question and the query from the spider dataset for the train? What about the ‘</a:t>
-            </a:r>
-            <a:r>
-              <a:rPr lang="en-US" dirty="0" err="1"/>
-              <a:t>sql</a:t>
-            </a:r>
-            <a:r>
-              <a:rPr lang="en-US" dirty="0"/>
-              <a:t>’ attribute?</a:t>
-            </a:r>
-          </a:p>
-          <a:p>
-            <a:r>
-              <a:rPr lang="en-US" dirty="0"/>
-              <a:t>How do we utilize the ‘</a:t>
-            </a:r>
-            <a:r>
-              <a:rPr lang="en-US" dirty="0" err="1"/>
-              <a:t>tables.json</a:t>
-            </a:r>
-            <a:r>
-              <a:rPr lang="en-US" dirty="0"/>
-              <a:t>’ information in the fine-tuning phase?</a:t>
-            </a:r>
-          </a:p>
-        </p:txBody>
-      </p:sp>
+      <p:pic>
+        <p:nvPicPr>
+          <p:cNvPr id="1026" name="Picture 2" descr="Thank You Images – Browse 282,620 Stock Photos, Vectors, and Video | Adobe  Stock">
+            <a:extLst>
+              <a:ext uri="{FF2B5EF4-FFF2-40B4-BE49-F238E27FC236}">
+                <a16:creationId xmlns:a16="http://schemas.microsoft.com/office/drawing/2014/main" id="{CDD56559-44DE-42E2-8A48-78BDA549B58D}"/>
+              </a:ext>
+            </a:extLst>
+          </p:cNvPr>
+          <p:cNvPicPr>
+            <a:picLocks noChangeAspect="1" noChangeArrowheads="1"/>
+          </p:cNvPicPr>
+          <p:nvPr/>
+        </p:nvPicPr>
+        <p:blipFill>
+          <a:blip r:embed="rId2">
+            <a:extLst>
+              <a:ext uri="{28A0092B-C50C-407E-A947-70E740481C1C}">
+                <a14:useLocalDpi xmlns:a14="http://schemas.microsoft.com/office/drawing/2010/main" val="0"/>
+              </a:ext>
+            </a:extLst>
+          </a:blip>
+          <a:srcRect/>
+          <a:stretch>
+            <a:fillRect/>
+          </a:stretch>
+        </p:blipFill>
+        <p:spPr bwMode="auto">
+          <a:xfrm>
+            <a:off x="2066925" y="1714500"/>
+            <a:ext cx="8058150" cy="3429000"/>
+          </a:xfrm>
+          <a:prstGeom prst="rect">
+            <a:avLst/>
+          </a:prstGeom>
+          <a:noFill/>
+          <a:extLst>
+            <a:ext uri="{909E8E84-426E-40DD-AFC4-6F175D3DCCD1}">
+              <a14:hiddenFill xmlns:a14="http://schemas.microsoft.com/office/drawing/2010/main">
+                <a:solidFill>
+                  <a:srgbClr val="FFFFFF"/>
+                </a:solidFill>
+              </a14:hiddenFill>
+            </a:ext>
+          </a:extLst>
+        </p:spPr>
+      </p:pic>
     </p:spTree>
     <p:extLst>
       <p:ext uri="{BB962C8B-B14F-4D97-AF65-F5344CB8AC3E}">
-        <p14:creationId xmlns:p14="http://schemas.microsoft.com/office/powerpoint/2010/main" val="1011648100"/>
+        <p14:creationId xmlns:p14="http://schemas.microsoft.com/office/powerpoint/2010/main" val="264760685"/>
       </p:ext>
     </p:extLst>
   </p:cSld>
@@ -5708,7 +5738,67 @@
           <a:bodyPr/>
           <a:lstStyle/>
           <a:p>
-            <a:endParaRPr lang="el-GR"/>
+            <a:r>
+              <a:rPr lang="en-US" dirty="0"/>
+              <a:t>Introduction</a:t>
+            </a:r>
+          </a:p>
+          <a:p>
+            <a:r>
+              <a:rPr lang="en-US" dirty="0" err="1"/>
+              <a:t>MultiSpider</a:t>
+            </a:r>
+            <a:endParaRPr lang="en-US" dirty="0"/>
+          </a:p>
+          <a:p>
+            <a:r>
+              <a:rPr lang="en-US" dirty="0"/>
+              <a:t>Translation Pipeline</a:t>
+            </a:r>
+          </a:p>
+          <a:p>
+            <a:r>
+              <a:rPr lang="en-US" dirty="0"/>
+              <a:t>Schema Augmentation: </a:t>
+            </a:r>
+            <a:r>
+              <a:rPr lang="en-US" dirty="0" err="1"/>
+              <a:t>SAVe</a:t>
+            </a:r>
+            <a:endParaRPr lang="en-US" dirty="0"/>
+          </a:p>
+          <a:p>
+            <a:r>
+              <a:rPr lang="en-US" dirty="0"/>
+              <a:t>Experiment Settings, Results &amp; Discussion</a:t>
+            </a:r>
+          </a:p>
+          <a:p>
+            <a:r>
+              <a:rPr lang="en-US" dirty="0"/>
+              <a:t>Related Work</a:t>
+            </a:r>
+          </a:p>
+          <a:p>
+            <a:r>
+              <a:rPr lang="en-US" dirty="0"/>
+              <a:t>Conclusion</a:t>
+            </a:r>
+          </a:p>
+          <a:p>
+            <a:r>
+              <a:rPr lang="en-US" dirty="0"/>
+              <a:t>Our Approach</a:t>
+            </a:r>
+          </a:p>
+          <a:p>
+            <a:endParaRPr lang="en-US" dirty="0"/>
+          </a:p>
+          <a:p>
+            <a:endParaRPr lang="en-US" dirty="0"/>
+          </a:p>
+          <a:p>
+            <a:endParaRPr lang="el-GR" dirty="0"/>
           </a:p>
         </p:txBody>
       </p:sp>
@@ -5957,7 +6047,15 @@
           <a:p>
             <a:r>
               <a:rPr lang="en-US" dirty="0"/>
-              <a:t>Multilingual NL2SQL datasets exist* but suffer from low-quality translations and incomplete translations.</a:t>
+              <a:t>Multilingual NL2SQL datasets exist</a:t>
+            </a:r>
+            <a:r>
+              <a:rPr lang="en-US" sz="2400" dirty="0"/>
+              <a:t>*</a:t>
+            </a:r>
+            <a:r>
+              <a:rPr lang="en-US" dirty="0"/>
+              <a:t> but suffer from low-quality translations and incomplete translations.</a:t>
             </a:r>
           </a:p>
           <a:p>
@@ -6206,7 +6304,7 @@
             <a:pPr lvl="1"/>
             <a:r>
               <a:rPr lang="en-US" dirty="0"/>
-              <a:t>Insufficient context and domain knowledge for proper translation</a:t>
+              <a:t>Insufficient context and domain knowledge for proper translation.</a:t>
             </a:r>
           </a:p>
           <a:p>
@@ -6219,7 +6317,7 @@
             <a:pPr lvl="1"/>
             <a:r>
               <a:rPr lang="en-US" dirty="0"/>
-              <a:t>The context of the questions might not be enough to cope with entity polysemy</a:t>
+              <a:t>The context of the questions might not be enough to cope with entity polysemy.</a:t>
             </a:r>
           </a:p>
           <a:p>
@@ -6260,7 +6358,7 @@
             </a:r>
             <a:r>
               <a:rPr lang="fr-FR" dirty="0"/>
-              <a:t> translations</a:t>
+              <a:t> translations.</a:t>
             </a:r>
             <a:endParaRPr lang="en-US" dirty="0"/>
           </a:p>
@@ -6673,7 +6771,7 @@
             <a:pPr lvl="1"/>
             <a:r>
               <a:rPr lang="en-US" dirty="0"/>
-              <a:t>Morphological variants (i.e. syntactic changes)</a:t>
+              <a:t>Morphological variants (i.e. syntactic changes).</a:t>
             </a:r>
           </a:p>
           <a:p>

--- a/Presentation/MultiSpider_Presentation.pptx
+++ b/Presentation/MultiSpider_Presentation.pptx
@@ -215,7 +215,7 @@
           <a:p>
             <a:fld id="{8A84F52A-5AE2-4062-AF77-CB63F6320DA2}" type="datetimeFigureOut">
               <a:rPr lang="en-US" smtClean="0"/>
-              <a:t>4/13/2024</a:t>
+              <a:t>4/14/2024</a:t>
             </a:fld>
             <a:endParaRPr lang="en-US"/>
           </a:p>
@@ -527,7 +527,18 @@
           <a:bodyPr/>
           <a:lstStyle/>
           <a:p>
-            <a:endParaRPr lang="en-US" dirty="0"/>
+            <a:r>
+              <a:rPr lang="en-US" dirty="0"/>
+              <a:t>We are going to present the work of </a:t>
+            </a:r>
+            <a:r>
+              <a:rPr lang="en-US" dirty="0" err="1"/>
+              <a:t>Multispider</a:t>
+            </a:r>
+            <a:r>
+              <a:rPr lang="en-US" dirty="0"/>
+              <a:t>, an extension of the Spider dataset designed for benchmarking text-to-SQL systems. This dataset contains examples in various languages, allowing for the evaluation of text-to-SQL models with inputs in languages beyond English.</a:t>
+            </a:r>
           </a:p>
         </p:txBody>
       </p:sp>
@@ -558,6 +569,110 @@
     <p:extLst>
       <p:ext uri="{BB962C8B-B14F-4D97-AF65-F5344CB8AC3E}">
         <p14:creationId xmlns:p14="http://schemas.microsoft.com/office/powerpoint/2010/main" val="2039206581"/>
+      </p:ext>
+    </p:extLst>
+  </p:cSld>
+  <p:clrMapOvr>
+    <a:masterClrMapping/>
+  </p:clrMapOvr>
+</p:notes>
+</file>
+
+<file path=ppt/notesSlides/notesSlide10.xml><?xml version="1.0" encoding="utf-8"?>
+<p:notes xmlns:a="http://schemas.openxmlformats.org/drawingml/2006/main" xmlns:r="http://schemas.openxmlformats.org/officeDocument/2006/relationships" xmlns:p="http://schemas.openxmlformats.org/presentationml/2006/main">
+  <p:cSld>
+    <p:spTree>
+      <p:nvGrpSpPr>
+        <p:cNvPr id="1" name=""/>
+        <p:cNvGrpSpPr/>
+        <p:nvPr/>
+      </p:nvGrpSpPr>
+      <p:grpSpPr>
+        <a:xfrm>
+          <a:off x="0" y="0"/>
+          <a:ext cx="0" cy="0"/>
+          <a:chOff x="0" y="0"/>
+          <a:chExt cx="0" cy="0"/>
+        </a:xfrm>
+      </p:grpSpPr>
+      <p:sp>
+        <p:nvSpPr>
+          <p:cNvPr id="2" name="Slide Image Placeholder 1"/>
+          <p:cNvSpPr>
+            <a:spLocks noGrp="1" noRot="1" noChangeAspect="1"/>
+          </p:cNvSpPr>
+          <p:nvPr>
+            <p:ph type="sldImg"/>
+          </p:nvPr>
+        </p:nvSpPr>
+        <p:spPr/>
+      </p:sp>
+      <p:sp>
+        <p:nvSpPr>
+          <p:cNvPr id="3" name="Notes Placeholder 2"/>
+          <p:cNvSpPr>
+            <a:spLocks noGrp="1"/>
+          </p:cNvSpPr>
+          <p:nvPr>
+            <p:ph type="body" idx="1"/>
+          </p:nvPr>
+        </p:nvSpPr>
+        <p:spPr/>
+        <p:txBody>
+          <a:bodyPr/>
+          <a:lstStyle/>
+          <a:p>
+            <a:r>
+              <a:rPr lang="en-US" dirty="0"/>
+              <a:t>The </a:t>
+            </a:r>
+            <a:r>
+              <a:rPr lang="en-US" dirty="0" err="1"/>
+              <a:t>SAVe</a:t>
+            </a:r>
+            <a:r>
+              <a:rPr lang="en-US" dirty="0"/>
+              <a:t> framework increased performance by an average of around 1.8% in exact accuracy across all languages. This improvement is attributed to </a:t>
+            </a:r>
+            <a:r>
+              <a:rPr lang="en-US" dirty="0" err="1"/>
+              <a:t>SAVe</a:t>
+            </a:r>
+            <a:r>
+              <a:rPr lang="en-US" dirty="0"/>
+              <a:t> addressing the schema linking problem by synthesizing additional schema-token pairs and by enhancing the robustness of the text-to-SQL model by varying the schema input.</a:t>
+            </a:r>
+            <a:endParaRPr lang="el-GR" dirty="0"/>
+          </a:p>
+        </p:txBody>
+      </p:sp>
+      <p:sp>
+        <p:nvSpPr>
+          <p:cNvPr id="4" name="Slide Number Placeholder 3"/>
+          <p:cNvSpPr>
+            <a:spLocks noGrp="1"/>
+          </p:cNvSpPr>
+          <p:nvPr>
+            <p:ph type="sldNum" sz="quarter" idx="5"/>
+          </p:nvPr>
+        </p:nvSpPr>
+        <p:spPr/>
+        <p:txBody>
+          <a:bodyPr/>
+          <a:lstStyle/>
+          <a:p>
+            <a:fld id="{5C8EBDBD-B5B6-4C5C-8990-1648C105756E}" type="slidenum">
+              <a:rPr lang="en-US" smtClean="0"/>
+              <a:t>15</a:t>
+            </a:fld>
+            <a:endParaRPr lang="en-US"/>
+          </a:p>
+        </p:txBody>
+      </p:sp>
+    </p:spTree>
+    <p:extLst>
+      <p:ext uri="{BB962C8B-B14F-4D97-AF65-F5344CB8AC3E}">
+        <p14:creationId xmlns:p14="http://schemas.microsoft.com/office/powerpoint/2010/main" val="553391448"/>
       </p:ext>
     </p:extLst>
   </p:cSld>
@@ -586,7 +701,7 @@
       </p:grpSpPr>
       <p:sp>
         <p:nvSpPr>
-          <p:cNvPr id="2" name="Θέση εικόνας διαφάνειας 1"/>
+          <p:cNvPr id="2" name="Slide Image Placeholder 1"/>
           <p:cNvSpPr>
             <a:spLocks noGrp="1" noRot="1" noChangeAspect="1"/>
           </p:cNvSpPr>
@@ -598,7 +713,7 @@
       </p:sp>
       <p:sp>
         <p:nvSpPr>
-          <p:cNvPr id="3" name="Θέση σημειώσεων 2"/>
+          <p:cNvPr id="3" name="Notes Placeholder 2"/>
           <p:cNvSpPr>
             <a:spLocks noGrp="1"/>
           </p:cNvSpPr>
@@ -611,13 +726,78 @@
           <a:bodyPr/>
           <a:lstStyle/>
           <a:p>
-            <a:endParaRPr lang="en-US" dirty="0"/>
-          </a:p>
-        </p:txBody>
-      </p:sp>
-      <p:sp>
-        <p:nvSpPr>
-          <p:cNvPr id="4" name="Θέση αριθμού διαφάνειας 3"/>
+            <a:r>
+              <a:rPr lang="en-US" b="0" i="0" dirty="0">
+                <a:solidFill>
+                  <a:srgbClr val="0D0D0D"/>
+                </a:solidFill>
+                <a:effectLst/>
+                <a:highlight>
+                  <a:srgbClr val="FFFFFF"/>
+                </a:highlight>
+                <a:latin typeface="Söhne"/>
+              </a:rPr>
+              <a:t>So, we'll begin with the introduction where we are going to explain some of the basic concepts. Then, we’ll dive into the fundamentals of </a:t>
+            </a:r>
+            <a:r>
+              <a:rPr lang="en-US" b="0" i="0" dirty="0" err="1">
+                <a:solidFill>
+                  <a:srgbClr val="0D0D0D"/>
+                </a:solidFill>
+                <a:effectLst/>
+                <a:highlight>
+                  <a:srgbClr val="FFFFFF"/>
+                </a:highlight>
+                <a:latin typeface="Söhne"/>
+              </a:rPr>
+              <a:t>MultiSpider</a:t>
+            </a:r>
+            <a:r>
+              <a:rPr lang="en-US" b="0" i="0" dirty="0">
+                <a:solidFill>
+                  <a:srgbClr val="0D0D0D"/>
+                </a:solidFill>
+                <a:effectLst/>
+                <a:highlight>
+                  <a:srgbClr val="FFFFFF"/>
+                </a:highlight>
+                <a:latin typeface="Söhne"/>
+              </a:rPr>
+              <a:t> and we'll discuss how data is translated and how the </a:t>
+            </a:r>
+            <a:r>
+              <a:rPr lang="en-US" b="0" i="0" dirty="0" err="1">
+                <a:solidFill>
+                  <a:srgbClr val="0D0D0D"/>
+                </a:solidFill>
+                <a:effectLst/>
+                <a:highlight>
+                  <a:srgbClr val="FFFFFF"/>
+                </a:highlight>
+                <a:latin typeface="Söhne"/>
+              </a:rPr>
+              <a:t>SAVe</a:t>
+            </a:r>
+            <a:r>
+              <a:rPr lang="en-US" b="0" i="0" dirty="0">
+                <a:solidFill>
+                  <a:srgbClr val="0D0D0D"/>
+                </a:solidFill>
+                <a:effectLst/>
+                <a:highlight>
+                  <a:srgbClr val="FFFFFF"/>
+                </a:highlight>
+                <a:latin typeface="Söhne"/>
+              </a:rPr>
+              <a:t> framework is utilized to enrich data schemas. Afterward, we'll review the experiments and their corresponding results. We will also reference some existing work. Finally, we'll conclude and provide an overview of our approach.</a:t>
+            </a:r>
+            <a:endParaRPr lang="el-GR" dirty="0"/>
+          </a:p>
+        </p:txBody>
+      </p:sp>
+      <p:sp>
+        <p:nvSpPr>
+          <p:cNvPr id="4" name="Slide Number Placeholder 3"/>
           <p:cNvSpPr>
             <a:spLocks noGrp="1"/>
           </p:cNvSpPr>
@@ -632,16 +812,16 @@
           <a:p>
             <a:fld id="{5C8EBDBD-B5B6-4C5C-8990-1648C105756E}" type="slidenum">
               <a:rPr lang="en-US" smtClean="0"/>
-              <a:t>5</a:t>
+              <a:t>2</a:t>
             </a:fld>
-            <a:endParaRPr lang="en-US"/>
+            <a:endParaRPr lang="en-US" dirty="0"/>
           </a:p>
         </p:txBody>
       </p:sp>
     </p:spTree>
     <p:extLst>
       <p:ext uri="{BB962C8B-B14F-4D97-AF65-F5344CB8AC3E}">
-        <p14:creationId xmlns:p14="http://schemas.microsoft.com/office/powerpoint/2010/main" val="427794524"/>
+        <p14:creationId xmlns:p14="http://schemas.microsoft.com/office/powerpoint/2010/main" val="320340048"/>
       </p:ext>
     </p:extLst>
   </p:cSld>
@@ -697,7 +877,449 @@
           <a:p>
             <a:r>
               <a:rPr lang="en-US" dirty="0"/>
-              <a:t>Explain Exact match accuracy</a:t>
+              <a:t>To start with, text-to-SQL or natural language-to-SQL is a task in natural language processing where the goal is to automatically generate SQL queries from natural language text*. To assess the behavior of NL2SQL models, a benchmark dataset is needed. One such dataset is Spider, which was developed by Yale University. The dataset consist of pairs of questions and SQL queries, where the SQL queries serve as responses to the questions. Additionally, it includes the definitions of the database, such as table names and column names, which are referenced in the SQL queries. The questions are grouped into categories like ‘easy, hard, extra hard’ based on the difficulty level of generating the corresponding SQL queries. </a:t>
+            </a:r>
+          </a:p>
+          <a:p>
+            <a:r>
+              <a:rPr lang="en-US" dirty="0"/>
+              <a:t>The spider creation pipeline can be viewed on the right of the screen.</a:t>
+            </a:r>
+          </a:p>
+          <a:p>
+            <a:endParaRPr lang="en-US" b="0" i="0" dirty="0">
+              <a:solidFill>
+                <a:srgbClr val="212529"/>
+              </a:solidFill>
+              <a:effectLst/>
+              <a:highlight>
+                <a:srgbClr val="FFFFFF"/>
+              </a:highlight>
+              <a:latin typeface="Lato" panose="020F0502020204030203" pitchFamily="34" charset="0"/>
+            </a:endParaRPr>
+          </a:p>
+          <a:p>
+            <a:r>
+              <a:rPr lang="en-US" b="0" i="0" dirty="0">
+                <a:solidFill>
+                  <a:srgbClr val="212529"/>
+                </a:solidFill>
+                <a:effectLst/>
+                <a:highlight>
+                  <a:srgbClr val="FFFFFF"/>
+                </a:highlight>
+                <a:latin typeface="Lato" panose="020F0502020204030203" pitchFamily="34" charset="0"/>
+              </a:rPr>
+              <a:t>*The task involves converting the text input into a structured representation and then using this representation to generate a semantically correct SQL query that can be executed on a database.</a:t>
+            </a:r>
+            <a:endParaRPr lang="el-GR" dirty="0"/>
+          </a:p>
+        </p:txBody>
+      </p:sp>
+      <p:sp>
+        <p:nvSpPr>
+          <p:cNvPr id="4" name="Slide Number Placeholder 3"/>
+          <p:cNvSpPr>
+            <a:spLocks noGrp="1"/>
+          </p:cNvSpPr>
+          <p:nvPr>
+            <p:ph type="sldNum" sz="quarter" idx="5"/>
+          </p:nvPr>
+        </p:nvSpPr>
+        <p:spPr/>
+        <p:txBody>
+          <a:bodyPr/>
+          <a:lstStyle/>
+          <a:p>
+            <a:fld id="{5C8EBDBD-B5B6-4C5C-8990-1648C105756E}" type="slidenum">
+              <a:rPr lang="en-US" smtClean="0"/>
+              <a:t>3</a:t>
+            </a:fld>
+            <a:endParaRPr lang="en-US" dirty="0"/>
+          </a:p>
+        </p:txBody>
+      </p:sp>
+    </p:spTree>
+    <p:extLst>
+      <p:ext uri="{BB962C8B-B14F-4D97-AF65-F5344CB8AC3E}">
+        <p14:creationId xmlns:p14="http://schemas.microsoft.com/office/powerpoint/2010/main" val="4073850253"/>
+      </p:ext>
+    </p:extLst>
+  </p:cSld>
+  <p:clrMapOvr>
+    <a:masterClrMapping/>
+  </p:clrMapOvr>
+</p:notes>
+</file>
+
+<file path=ppt/notesSlides/notesSlide4.xml><?xml version="1.0" encoding="utf-8"?>
+<p:notes xmlns:a="http://schemas.openxmlformats.org/drawingml/2006/main" xmlns:r="http://schemas.openxmlformats.org/officeDocument/2006/relationships" xmlns:p="http://schemas.openxmlformats.org/presentationml/2006/main">
+  <p:cSld>
+    <p:spTree>
+      <p:nvGrpSpPr>
+        <p:cNvPr id="1" name=""/>
+        <p:cNvGrpSpPr/>
+        <p:nvPr/>
+      </p:nvGrpSpPr>
+      <p:grpSpPr>
+        <a:xfrm>
+          <a:off x="0" y="0"/>
+          <a:ext cx="0" cy="0"/>
+          <a:chOff x="0" y="0"/>
+          <a:chExt cx="0" cy="0"/>
+        </a:xfrm>
+      </p:grpSpPr>
+      <p:sp>
+        <p:nvSpPr>
+          <p:cNvPr id="2" name="Slide Image Placeholder 1"/>
+          <p:cNvSpPr>
+            <a:spLocks noGrp="1" noRot="1" noChangeAspect="1"/>
+          </p:cNvSpPr>
+          <p:nvPr>
+            <p:ph type="sldImg"/>
+          </p:nvPr>
+        </p:nvSpPr>
+        <p:spPr/>
+      </p:sp>
+      <p:sp>
+        <p:nvSpPr>
+          <p:cNvPr id="3" name="Notes Placeholder 2"/>
+          <p:cNvSpPr>
+            <a:spLocks noGrp="1"/>
+          </p:cNvSpPr>
+          <p:nvPr>
+            <p:ph type="body" idx="1"/>
+          </p:nvPr>
+        </p:nvSpPr>
+        <p:spPr/>
+        <p:txBody>
+          <a:bodyPr/>
+          <a:lstStyle/>
+          <a:p>
+            <a:r>
+              <a:rPr lang="en-US" dirty="0"/>
+              <a:t>What about text-to-SQL datasets that are not in English? Generally, such datasets exist, but their translations are often described as poor and incomplete. This work aims to expand the Spider dataset to include seven mainstream languages: German, French, Spanish, Chinese, Japanese, Vietnamese and to introduce a novel schema augmentation method called </a:t>
+            </a:r>
+            <a:r>
+              <a:rPr lang="en-US" dirty="0" err="1"/>
+              <a:t>SAVe</a:t>
+            </a:r>
+            <a:r>
+              <a:rPr lang="en-US" dirty="0"/>
+              <a:t>. This method offers variations to the schema definition to improve generalization.</a:t>
+            </a:r>
+            <a:endParaRPr lang="el-GR" dirty="0"/>
+          </a:p>
+        </p:txBody>
+      </p:sp>
+      <p:sp>
+        <p:nvSpPr>
+          <p:cNvPr id="4" name="Slide Number Placeholder 3"/>
+          <p:cNvSpPr>
+            <a:spLocks noGrp="1"/>
+          </p:cNvSpPr>
+          <p:nvPr>
+            <p:ph type="sldNum" sz="quarter" idx="5"/>
+          </p:nvPr>
+        </p:nvSpPr>
+        <p:spPr/>
+        <p:txBody>
+          <a:bodyPr/>
+          <a:lstStyle/>
+          <a:p>
+            <a:fld id="{5C8EBDBD-B5B6-4C5C-8990-1648C105756E}" type="slidenum">
+              <a:rPr lang="en-US" smtClean="0"/>
+              <a:t>4</a:t>
+            </a:fld>
+            <a:endParaRPr lang="en-US"/>
+          </a:p>
+        </p:txBody>
+      </p:sp>
+    </p:spTree>
+    <p:extLst>
+      <p:ext uri="{BB962C8B-B14F-4D97-AF65-F5344CB8AC3E}">
+        <p14:creationId xmlns:p14="http://schemas.microsoft.com/office/powerpoint/2010/main" val="1534421880"/>
+      </p:ext>
+    </p:extLst>
+  </p:cSld>
+  <p:clrMapOvr>
+    <a:masterClrMapping/>
+  </p:clrMapOvr>
+</p:notes>
+</file>
+
+<file path=ppt/notesSlides/notesSlide5.xml><?xml version="1.0" encoding="utf-8"?>
+<p:notes xmlns:a="http://schemas.openxmlformats.org/drawingml/2006/main" xmlns:r="http://schemas.openxmlformats.org/officeDocument/2006/relationships" xmlns:p="http://schemas.openxmlformats.org/presentationml/2006/main">
+  <p:cSld>
+    <p:spTree>
+      <p:nvGrpSpPr>
+        <p:cNvPr id="1" name=""/>
+        <p:cNvGrpSpPr/>
+        <p:nvPr/>
+      </p:nvGrpSpPr>
+      <p:grpSpPr>
+        <a:xfrm>
+          <a:off x="0" y="0"/>
+          <a:ext cx="0" cy="0"/>
+          <a:chOff x="0" y="0"/>
+          <a:chExt cx="0" cy="0"/>
+        </a:xfrm>
+      </p:grpSpPr>
+      <p:sp>
+        <p:nvSpPr>
+          <p:cNvPr id="2" name="Θέση εικόνας διαφάνειας 1"/>
+          <p:cNvSpPr>
+            <a:spLocks noGrp="1" noRot="1" noChangeAspect="1"/>
+          </p:cNvSpPr>
+          <p:nvPr>
+            <p:ph type="sldImg"/>
+          </p:nvPr>
+        </p:nvSpPr>
+        <p:spPr/>
+      </p:sp>
+      <p:sp>
+        <p:nvSpPr>
+          <p:cNvPr id="3" name="Θέση σημειώσεων 2"/>
+          <p:cNvSpPr>
+            <a:spLocks noGrp="1"/>
+          </p:cNvSpPr>
+          <p:nvPr>
+            <p:ph type="body" idx="1"/>
+          </p:nvPr>
+        </p:nvSpPr>
+        <p:spPr/>
+        <p:txBody>
+          <a:bodyPr/>
+          <a:lstStyle/>
+          <a:p>
+            <a:r>
+              <a:rPr lang="en-US" dirty="0"/>
+              <a:t>The challenges that </a:t>
+            </a:r>
+            <a:r>
+              <a:rPr lang="en-US" dirty="0" err="1"/>
+              <a:t>MultiSpider</a:t>
+            </a:r>
+            <a:r>
+              <a:rPr lang="en-US" dirty="0"/>
+              <a:t> faces are grouped into three categories: schema translation, lexical and structural challenges. Schema translation poses challenges due to insufficient context and domain knowledge for accurate translation. The lexical challenges involve dealing with entity polysemy, which may not be clear from the context of the question. Structural challenges refer to the complex logic or syntactic structure that leads inaccurate translation. It is clear that </a:t>
+            </a:r>
+            <a:r>
+              <a:rPr lang="en-US" sz="1800" b="0" i="0" u="none" strike="noStrike" baseline="0" dirty="0">
+                <a:latin typeface="NimbusRomNo9L-Regu"/>
+              </a:rPr>
+              <a:t>the lexical and structural challenges are further enhanced in </a:t>
+            </a:r>
+            <a:r>
+              <a:rPr lang="en-US" sz="1800" dirty="0" err="1"/>
+              <a:t>MultiSpider</a:t>
+            </a:r>
+            <a:r>
+              <a:rPr lang="en-US" sz="1800" b="0" i="0" u="none" strike="noStrike" baseline="0" dirty="0">
+                <a:latin typeface="NimbusRomNo9L-Regu"/>
+              </a:rPr>
+              <a:t> due to specific language properties.</a:t>
+            </a:r>
+            <a:endParaRPr lang="en-US" dirty="0"/>
+          </a:p>
+        </p:txBody>
+      </p:sp>
+      <p:sp>
+        <p:nvSpPr>
+          <p:cNvPr id="4" name="Θέση αριθμού διαφάνειας 3"/>
+          <p:cNvSpPr>
+            <a:spLocks noGrp="1"/>
+          </p:cNvSpPr>
+          <p:nvPr>
+            <p:ph type="sldNum" sz="quarter" idx="5"/>
+          </p:nvPr>
+        </p:nvSpPr>
+        <p:spPr/>
+        <p:txBody>
+          <a:bodyPr/>
+          <a:lstStyle/>
+          <a:p>
+            <a:fld id="{5C8EBDBD-B5B6-4C5C-8990-1648C105756E}" type="slidenum">
+              <a:rPr lang="en-US" smtClean="0"/>
+              <a:t>5</a:t>
+            </a:fld>
+            <a:endParaRPr lang="en-US"/>
+          </a:p>
+        </p:txBody>
+      </p:sp>
+    </p:spTree>
+    <p:extLst>
+      <p:ext uri="{BB962C8B-B14F-4D97-AF65-F5344CB8AC3E}">
+        <p14:creationId xmlns:p14="http://schemas.microsoft.com/office/powerpoint/2010/main" val="427794524"/>
+      </p:ext>
+    </p:extLst>
+  </p:cSld>
+  <p:clrMapOvr>
+    <a:masterClrMapping/>
+  </p:clrMapOvr>
+</p:notes>
+</file>
+
+<file path=ppt/notesSlides/notesSlide6.xml><?xml version="1.0" encoding="utf-8"?>
+<p:notes xmlns:a="http://schemas.openxmlformats.org/drawingml/2006/main" xmlns:r="http://schemas.openxmlformats.org/officeDocument/2006/relationships" xmlns:p="http://schemas.openxmlformats.org/presentationml/2006/main">
+  <p:cSld>
+    <p:spTree>
+      <p:nvGrpSpPr>
+        <p:cNvPr id="1" name=""/>
+        <p:cNvGrpSpPr/>
+        <p:nvPr/>
+      </p:nvGrpSpPr>
+      <p:grpSpPr>
+        <a:xfrm>
+          <a:off x="0" y="0"/>
+          <a:ext cx="0" cy="0"/>
+          <a:chOff x="0" y="0"/>
+          <a:chExt cx="0" cy="0"/>
+        </a:xfrm>
+      </p:grpSpPr>
+      <p:sp>
+        <p:nvSpPr>
+          <p:cNvPr id="2" name="Slide Image Placeholder 1"/>
+          <p:cNvSpPr>
+            <a:spLocks noGrp="1" noRot="1" noChangeAspect="1"/>
+          </p:cNvSpPr>
+          <p:nvPr>
+            <p:ph type="sldImg"/>
+          </p:nvPr>
+        </p:nvSpPr>
+        <p:spPr/>
+      </p:sp>
+      <p:sp>
+        <p:nvSpPr>
+          <p:cNvPr id="3" name="Notes Placeholder 2"/>
+          <p:cNvSpPr>
+            <a:spLocks noGrp="1"/>
+          </p:cNvSpPr>
+          <p:nvPr>
+            <p:ph type="body" idx="1"/>
+          </p:nvPr>
+        </p:nvSpPr>
+        <p:spPr/>
+        <p:txBody>
+          <a:bodyPr/>
+          <a:lstStyle/>
+          <a:p>
+            <a:pPr algn="l"/>
+            <a:r>
+              <a:rPr lang="en-US" dirty="0"/>
+              <a:t>To translate the original dataset, Google Neural Machine Translation was utilized. Firstly, schema translation was performed, followed by question translation to reference the translated schema. Then, highly qualified translators validated and improved the translation as needed. Finally, the best translation was chosen through voting among three annotators.</a:t>
+            </a:r>
+            <a:endParaRPr lang="el-GR" dirty="0"/>
+          </a:p>
+        </p:txBody>
+      </p:sp>
+      <p:sp>
+        <p:nvSpPr>
+          <p:cNvPr id="4" name="Slide Number Placeholder 3"/>
+          <p:cNvSpPr>
+            <a:spLocks noGrp="1"/>
+          </p:cNvSpPr>
+          <p:nvPr>
+            <p:ph type="sldNum" sz="quarter" idx="5"/>
+          </p:nvPr>
+        </p:nvSpPr>
+        <p:spPr/>
+        <p:txBody>
+          <a:bodyPr/>
+          <a:lstStyle/>
+          <a:p>
+            <a:fld id="{5C8EBDBD-B5B6-4C5C-8990-1648C105756E}" type="slidenum">
+              <a:rPr lang="en-US" smtClean="0"/>
+              <a:t>7</a:t>
+            </a:fld>
+            <a:endParaRPr lang="en-US"/>
+          </a:p>
+        </p:txBody>
+      </p:sp>
+    </p:spTree>
+    <p:extLst>
+      <p:ext uri="{BB962C8B-B14F-4D97-AF65-F5344CB8AC3E}">
+        <p14:creationId xmlns:p14="http://schemas.microsoft.com/office/powerpoint/2010/main" val="2736383426"/>
+      </p:ext>
+    </p:extLst>
+  </p:cSld>
+  <p:clrMapOvr>
+    <a:masterClrMapping/>
+  </p:clrMapOvr>
+</p:notes>
+</file>
+
+<file path=ppt/notesSlides/notesSlide7.xml><?xml version="1.0" encoding="utf-8"?>
+<p:notes xmlns:a="http://schemas.openxmlformats.org/drawingml/2006/main" xmlns:r="http://schemas.openxmlformats.org/officeDocument/2006/relationships" xmlns:p="http://schemas.openxmlformats.org/presentationml/2006/main">
+  <p:cSld>
+    <p:spTree>
+      <p:nvGrpSpPr>
+        <p:cNvPr id="1" name=""/>
+        <p:cNvGrpSpPr/>
+        <p:nvPr/>
+      </p:nvGrpSpPr>
+      <p:grpSpPr>
+        <a:xfrm>
+          <a:off x="0" y="0"/>
+          <a:ext cx="0" cy="0"/>
+          <a:chOff x="0" y="0"/>
+          <a:chExt cx="0" cy="0"/>
+        </a:xfrm>
+      </p:grpSpPr>
+      <p:sp>
+        <p:nvSpPr>
+          <p:cNvPr id="2" name="Slide Image Placeholder 1"/>
+          <p:cNvSpPr>
+            <a:spLocks noGrp="1" noRot="1" noChangeAspect="1"/>
+          </p:cNvSpPr>
+          <p:nvPr>
+            <p:ph type="sldImg"/>
+          </p:nvPr>
+        </p:nvSpPr>
+        <p:spPr/>
+      </p:sp>
+      <p:sp>
+        <p:nvSpPr>
+          <p:cNvPr id="3" name="Notes Placeholder 2"/>
+          <p:cNvSpPr>
+            <a:spLocks noGrp="1"/>
+          </p:cNvSpPr>
+          <p:nvPr>
+            <p:ph type="body" idx="1"/>
+          </p:nvPr>
+        </p:nvSpPr>
+        <p:spPr/>
+        <p:txBody>
+          <a:bodyPr/>
+          <a:lstStyle/>
+          <a:p>
+            <a:r>
+              <a:rPr lang="en-US" dirty="0"/>
+              <a:t>For the experimental results, the Exact Match Accuracy metric was used, which measures the percentage of queries for which the generated SQL query exactly matches the ground truth SQL query. In the monolingual training (using only target language training data), we observe that Rat-SQL with XLM-R outperformed the MBART performance both with and without the </a:t>
+            </a:r>
+            <a:r>
+              <a:rPr lang="en-US" dirty="0" err="1"/>
+              <a:t>SAVe</a:t>
+            </a:r>
+            <a:r>
+              <a:rPr lang="en-US" dirty="0"/>
+              <a:t> framework, achieving an average exact accuracy of 63.2% across all languages with the utilization of </a:t>
+            </a:r>
+            <a:r>
+              <a:rPr lang="en-US" dirty="0" err="1"/>
+              <a:t>SAVe</a:t>
+            </a:r>
+            <a:r>
+              <a:rPr lang="en-US" dirty="0"/>
+              <a:t>. Similarly, in the multilingual training (using training data from multiple languages), the corresponding result was 66.7%. It is noteworthy here that the </a:t>
+            </a:r>
+            <a:r>
+              <a:rPr lang="en-US" dirty="0" err="1"/>
+              <a:t>SAVe</a:t>
+            </a:r>
+            <a:r>
+              <a:rPr lang="en-US" dirty="0"/>
+              <a:t> framework boosted performance across all examined models. Additionally, it's important to mention that the best performance was achieved in the English language in all cases, indicating the potential growth of pretrained seq2seq models in text-to-SQL.</a:t>
             </a:r>
             <a:endParaRPr lang="el-GR" dirty="0"/>
           </a:p>
@@ -730,6 +1352,183 @@
     <p:extLst>
       <p:ext uri="{BB962C8B-B14F-4D97-AF65-F5344CB8AC3E}">
         <p14:creationId xmlns:p14="http://schemas.microsoft.com/office/powerpoint/2010/main" val="617923041"/>
+      </p:ext>
+    </p:extLst>
+  </p:cSld>
+  <p:clrMapOvr>
+    <a:masterClrMapping/>
+  </p:clrMapOvr>
+</p:notes>
+</file>
+
+<file path=ppt/notesSlides/notesSlide8.xml><?xml version="1.0" encoding="utf-8"?>
+<p:notes xmlns:a="http://schemas.openxmlformats.org/drawingml/2006/main" xmlns:r="http://schemas.openxmlformats.org/officeDocument/2006/relationships" xmlns:p="http://schemas.openxmlformats.org/presentationml/2006/main">
+  <p:cSld>
+    <p:spTree>
+      <p:nvGrpSpPr>
+        <p:cNvPr id="1" name=""/>
+        <p:cNvGrpSpPr/>
+        <p:nvPr/>
+      </p:nvGrpSpPr>
+      <p:grpSpPr>
+        <a:xfrm>
+          <a:off x="0" y="0"/>
+          <a:ext cx="0" cy="0"/>
+          <a:chOff x="0" y="0"/>
+          <a:chExt cx="0" cy="0"/>
+        </a:xfrm>
+      </p:grpSpPr>
+      <p:sp>
+        <p:nvSpPr>
+          <p:cNvPr id="2" name="Slide Image Placeholder 1"/>
+          <p:cNvSpPr>
+            <a:spLocks noGrp="1" noRot="1" noChangeAspect="1"/>
+          </p:cNvSpPr>
+          <p:nvPr>
+            <p:ph type="sldImg"/>
+          </p:nvPr>
+        </p:nvSpPr>
+        <p:spPr/>
+      </p:sp>
+      <p:sp>
+        <p:nvSpPr>
+          <p:cNvPr id="3" name="Notes Placeholder 2"/>
+          <p:cNvSpPr>
+            <a:spLocks noGrp="1"/>
+          </p:cNvSpPr>
+          <p:nvPr>
+            <p:ph type="body" idx="1"/>
+          </p:nvPr>
+        </p:nvSpPr>
+        <p:spPr/>
+        <p:txBody>
+          <a:bodyPr/>
+          <a:lstStyle/>
+          <a:p>
+            <a:pPr algn="l"/>
+            <a:r>
+              <a:rPr lang="en-US" dirty="0"/>
+              <a:t>Regarding the zero-shot setting, we can observe that performance largely depends on the choice of pre-trained encoder, where a better model enables better zero-shot transfer. It is also evident that direct prediction yields better performance than translate-then-predict, since machine translation might introduce errors, especially in schema translation. Finally, it can be seen that with a strong pretrained language model and machine translation model, the translate-then-train-then-predict setting receives promising results.</a:t>
+            </a:r>
+            <a:endParaRPr lang="el-GR" dirty="0"/>
+          </a:p>
+        </p:txBody>
+      </p:sp>
+      <p:sp>
+        <p:nvSpPr>
+          <p:cNvPr id="4" name="Slide Number Placeholder 3"/>
+          <p:cNvSpPr>
+            <a:spLocks noGrp="1"/>
+          </p:cNvSpPr>
+          <p:nvPr>
+            <p:ph type="sldNum" sz="quarter" idx="5"/>
+          </p:nvPr>
+        </p:nvSpPr>
+        <p:spPr/>
+        <p:txBody>
+          <a:bodyPr/>
+          <a:lstStyle/>
+          <a:p>
+            <a:fld id="{5C8EBDBD-B5B6-4C5C-8990-1648C105756E}" type="slidenum">
+              <a:rPr lang="en-US" smtClean="0"/>
+              <a:t>13</a:t>
+            </a:fld>
+            <a:endParaRPr lang="en-US"/>
+          </a:p>
+        </p:txBody>
+      </p:sp>
+    </p:spTree>
+    <p:extLst>
+      <p:ext uri="{BB962C8B-B14F-4D97-AF65-F5344CB8AC3E}">
+        <p14:creationId xmlns:p14="http://schemas.microsoft.com/office/powerpoint/2010/main" val="2702620085"/>
+      </p:ext>
+    </p:extLst>
+  </p:cSld>
+  <p:clrMapOvr>
+    <a:masterClrMapping/>
+  </p:clrMapOvr>
+</p:notes>
+</file>
+
+<file path=ppt/notesSlides/notesSlide9.xml><?xml version="1.0" encoding="utf-8"?>
+<p:notes xmlns:a="http://schemas.openxmlformats.org/drawingml/2006/main" xmlns:r="http://schemas.openxmlformats.org/officeDocument/2006/relationships" xmlns:p="http://schemas.openxmlformats.org/presentationml/2006/main">
+  <p:cSld>
+    <p:spTree>
+      <p:nvGrpSpPr>
+        <p:cNvPr id="1" name=""/>
+        <p:cNvGrpSpPr/>
+        <p:nvPr/>
+      </p:nvGrpSpPr>
+      <p:grpSpPr>
+        <a:xfrm>
+          <a:off x="0" y="0"/>
+          <a:ext cx="0" cy="0"/>
+          <a:chOff x="0" y="0"/>
+          <a:chExt cx="0" cy="0"/>
+        </a:xfrm>
+      </p:grpSpPr>
+      <p:sp>
+        <p:nvSpPr>
+          <p:cNvPr id="2" name="Slide Image Placeholder 1"/>
+          <p:cNvSpPr>
+            <a:spLocks noGrp="1" noRot="1" noChangeAspect="1"/>
+          </p:cNvSpPr>
+          <p:nvPr>
+            <p:ph type="sldImg"/>
+          </p:nvPr>
+        </p:nvSpPr>
+        <p:spPr/>
+      </p:sp>
+      <p:sp>
+        <p:nvSpPr>
+          <p:cNvPr id="3" name="Notes Placeholder 2"/>
+          <p:cNvSpPr>
+            <a:spLocks noGrp="1"/>
+          </p:cNvSpPr>
+          <p:nvPr>
+            <p:ph type="body" idx="1"/>
+          </p:nvPr>
+        </p:nvSpPr>
+        <p:spPr/>
+        <p:txBody>
+          <a:bodyPr/>
+          <a:lstStyle/>
+          <a:p>
+            <a:r>
+              <a:rPr lang="en-US" dirty="0"/>
+              <a:t>We mentioned earlier that there is a performance drop in non-English languages. Why is that? There are two kinds of mistakes that cause this reduction. Firstly, we have lexical mistakes, which refer to the schema not being grounded in SQL. This is usually caused by the syntactic differences between the schema and tokens, also known as the schema-linking problem. Then, we have structural mistakes, which refer to the incorrect prediction of SQL operators which caused by dialectal variations in question annotation.</a:t>
+            </a:r>
+            <a:endParaRPr lang="el-GR" dirty="0"/>
+          </a:p>
+        </p:txBody>
+      </p:sp>
+      <p:sp>
+        <p:nvSpPr>
+          <p:cNvPr id="4" name="Slide Number Placeholder 3"/>
+          <p:cNvSpPr>
+            <a:spLocks noGrp="1"/>
+          </p:cNvSpPr>
+          <p:nvPr>
+            <p:ph type="sldNum" sz="quarter" idx="5"/>
+          </p:nvPr>
+        </p:nvSpPr>
+        <p:spPr/>
+        <p:txBody>
+          <a:bodyPr/>
+          <a:lstStyle/>
+          <a:p>
+            <a:fld id="{5C8EBDBD-B5B6-4C5C-8990-1648C105756E}" type="slidenum">
+              <a:rPr lang="en-US" smtClean="0"/>
+              <a:t>14</a:t>
+            </a:fld>
+            <a:endParaRPr lang="en-US" dirty="0"/>
+          </a:p>
+        </p:txBody>
+      </p:sp>
+    </p:spTree>
+    <p:extLst>
+      <p:ext uri="{BB962C8B-B14F-4D97-AF65-F5344CB8AC3E}">
+        <p14:creationId xmlns:p14="http://schemas.microsoft.com/office/powerpoint/2010/main" val="3769344082"/>
       </p:ext>
     </p:extLst>
   </p:cSld>
@@ -888,7 +1687,7 @@
           <a:p>
             <a:fld id="{84196782-5064-4F60-81B4-A0AB91B324D3}" type="datetimeFigureOut">
               <a:rPr lang="el-GR" smtClean="0"/>
-              <a:t>13/4/2024</a:t>
+              <a:t>14/4/2024</a:t>
             </a:fld>
             <a:endParaRPr lang="el-GR"/>
           </a:p>
@@ -1088,7 +1887,7 @@
           <a:p>
             <a:fld id="{84196782-5064-4F60-81B4-A0AB91B324D3}" type="datetimeFigureOut">
               <a:rPr lang="el-GR" smtClean="0"/>
-              <a:t>13/4/2024</a:t>
+              <a:t>14/4/2024</a:t>
             </a:fld>
             <a:endParaRPr lang="el-GR"/>
           </a:p>
@@ -1298,7 +2097,7 @@
           <a:p>
             <a:fld id="{84196782-5064-4F60-81B4-A0AB91B324D3}" type="datetimeFigureOut">
               <a:rPr lang="el-GR" smtClean="0"/>
-              <a:t>13/4/2024</a:t>
+              <a:t>14/4/2024</a:t>
             </a:fld>
             <a:endParaRPr lang="el-GR"/>
           </a:p>
@@ -1498,7 +2297,7 @@
           <a:p>
             <a:fld id="{84196782-5064-4F60-81B4-A0AB91B324D3}" type="datetimeFigureOut">
               <a:rPr lang="el-GR" smtClean="0"/>
-              <a:t>13/4/2024</a:t>
+              <a:t>14/4/2024</a:t>
             </a:fld>
             <a:endParaRPr lang="el-GR"/>
           </a:p>
@@ -1774,7 +2573,7 @@
           <a:p>
             <a:fld id="{84196782-5064-4F60-81B4-A0AB91B324D3}" type="datetimeFigureOut">
               <a:rPr lang="el-GR" smtClean="0"/>
-              <a:t>13/4/2024</a:t>
+              <a:t>14/4/2024</a:t>
             </a:fld>
             <a:endParaRPr lang="el-GR"/>
           </a:p>
@@ -2042,7 +2841,7 @@
           <a:p>
             <a:fld id="{84196782-5064-4F60-81B4-A0AB91B324D3}" type="datetimeFigureOut">
               <a:rPr lang="el-GR" smtClean="0"/>
-              <a:t>13/4/2024</a:t>
+              <a:t>14/4/2024</a:t>
             </a:fld>
             <a:endParaRPr lang="el-GR"/>
           </a:p>
@@ -2457,7 +3256,7 @@
           <a:p>
             <a:fld id="{84196782-5064-4F60-81B4-A0AB91B324D3}" type="datetimeFigureOut">
               <a:rPr lang="el-GR" smtClean="0"/>
-              <a:t>13/4/2024</a:t>
+              <a:t>14/4/2024</a:t>
             </a:fld>
             <a:endParaRPr lang="el-GR"/>
           </a:p>
@@ -2599,7 +3398,7 @@
           <a:p>
             <a:fld id="{84196782-5064-4F60-81B4-A0AB91B324D3}" type="datetimeFigureOut">
               <a:rPr lang="el-GR" smtClean="0"/>
-              <a:t>13/4/2024</a:t>
+              <a:t>14/4/2024</a:t>
             </a:fld>
             <a:endParaRPr lang="el-GR"/>
           </a:p>
@@ -2712,7 +3511,7 @@
           <a:p>
             <a:fld id="{84196782-5064-4F60-81B4-A0AB91B324D3}" type="datetimeFigureOut">
               <a:rPr lang="el-GR" smtClean="0"/>
-              <a:t>13/4/2024</a:t>
+              <a:t>14/4/2024</a:t>
             </a:fld>
             <a:endParaRPr lang="el-GR"/>
           </a:p>
@@ -3025,7 +3824,7 @@
           <a:p>
             <a:fld id="{84196782-5064-4F60-81B4-A0AB91B324D3}" type="datetimeFigureOut">
               <a:rPr lang="el-GR" smtClean="0"/>
-              <a:t>13/4/2024</a:t>
+              <a:t>14/4/2024</a:t>
             </a:fld>
             <a:endParaRPr lang="el-GR"/>
           </a:p>
@@ -3314,7 +4113,7 @@
           <a:p>
             <a:fld id="{84196782-5064-4F60-81B4-A0AB91B324D3}" type="datetimeFigureOut">
               <a:rPr lang="el-GR" smtClean="0"/>
-              <a:t>13/4/2024</a:t>
+              <a:t>14/4/2024</a:t>
             </a:fld>
             <a:endParaRPr lang="el-GR"/>
           </a:p>
@@ -3557,7 +4356,7 @@
           <a:p>
             <a:fld id="{84196782-5064-4F60-81B4-A0AB91B324D3}" type="datetimeFigureOut">
               <a:rPr lang="el-GR" smtClean="0"/>
-              <a:t>13/4/2024</a:t>
+              <a:t>14/4/2024</a:t>
             </a:fld>
             <a:endParaRPr lang="el-GR"/>
           </a:p>
@@ -4753,7 +5552,7 @@
           <p:nvPr/>
         </p:nvPicPr>
         <p:blipFill>
-          <a:blip r:embed="rId2"/>
+          <a:blip r:embed="rId3"/>
           <a:stretch>
             <a:fillRect/>
           </a:stretch>
@@ -5791,15 +6590,6 @@
               <a:t>Our Approach</a:t>
             </a:r>
           </a:p>
-          <a:p>
-            <a:endParaRPr lang="en-US" dirty="0"/>
-          </a:p>
-          <a:p>
-            <a:endParaRPr lang="en-US" dirty="0"/>
-          </a:p>
-          <a:p>
-            <a:endParaRPr lang="el-GR" dirty="0"/>
-          </a:p>
         </p:txBody>
       </p:sp>
     </p:spTree>
@@ -5945,7 +6735,7 @@
           <p:nvPr/>
         </p:nvPicPr>
         <p:blipFill>
-          <a:blip r:embed="rId2"/>
+          <a:blip r:embed="rId3"/>
           <a:stretch>
             <a:fillRect/>
           </a:stretch>
@@ -6189,7 +6979,7 @@
           <p:nvPr/>
         </p:nvPicPr>
         <p:blipFill>
-          <a:blip r:embed="rId2"/>
+          <a:blip r:embed="rId3"/>
           <a:stretch>
             <a:fillRect/>
           </a:stretch>
@@ -6394,6 +7184,256 @@
           </a:prstGeom>
         </p:spPr>
       </p:pic>
+      <p:sp>
+        <p:nvSpPr>
+          <p:cNvPr id="3" name="TextBox 2">
+            <a:extLst>
+              <a:ext uri="{FF2B5EF4-FFF2-40B4-BE49-F238E27FC236}">
+                <a16:creationId xmlns:a16="http://schemas.microsoft.com/office/drawing/2014/main" id="{06635652-B4BE-B194-C03A-165806222488}"/>
+              </a:ext>
+            </a:extLst>
+          </p:cNvPr>
+          <p:cNvSpPr txBox="1"/>
+          <p:nvPr/>
+        </p:nvSpPr>
+        <p:spPr>
+          <a:xfrm>
+            <a:off x="11159173" y="4923126"/>
+            <a:ext cx="976902" cy="923330"/>
+          </a:xfrm>
+          <a:prstGeom prst="rect">
+            <a:avLst/>
+          </a:prstGeom>
+          <a:noFill/>
+          <a:ln>
+            <a:solidFill>
+              <a:schemeClr val="tx1"/>
+            </a:solidFill>
+          </a:ln>
+        </p:spPr>
+        <p:txBody>
+          <a:bodyPr wrap="square" rtlCol="0">
+            <a:spAutoFit/>
+          </a:bodyPr>
+          <a:lstStyle/>
+          <a:p>
+            <a:pPr algn="ctr"/>
+            <a:r>
+              <a:rPr lang="en-US" dirty="0"/>
+              <a:t>From old to young</a:t>
+            </a:r>
+            <a:endParaRPr lang="el-GR" dirty="0"/>
+          </a:p>
+        </p:txBody>
+      </p:sp>
+      <p:cxnSp>
+        <p:nvCxnSpPr>
+          <p:cNvPr id="9" name="Straight Arrow Connector 8">
+            <a:extLst>
+              <a:ext uri="{FF2B5EF4-FFF2-40B4-BE49-F238E27FC236}">
+                <a16:creationId xmlns:a16="http://schemas.microsoft.com/office/drawing/2014/main" id="{72B23D88-52E8-17BA-F2D9-4367F025591E}"/>
+              </a:ext>
+            </a:extLst>
+          </p:cNvPr>
+          <p:cNvCxnSpPr>
+            <a:cxnSpLocks/>
+          </p:cNvCxnSpPr>
+          <p:nvPr/>
+        </p:nvCxnSpPr>
+        <p:spPr>
+          <a:xfrm>
+            <a:off x="10579261" y="5370653"/>
+            <a:ext cx="579912" cy="0"/>
+          </a:xfrm>
+          <a:prstGeom prst="straightConnector1">
+            <a:avLst/>
+          </a:prstGeom>
+          <a:ln>
+            <a:tailEnd type="triangle"/>
+          </a:ln>
+        </p:spPr>
+        <p:style>
+          <a:lnRef idx="2">
+            <a:schemeClr val="accent1"/>
+          </a:lnRef>
+          <a:fillRef idx="0">
+            <a:schemeClr val="accent1"/>
+          </a:fillRef>
+          <a:effectRef idx="1">
+            <a:schemeClr val="accent1"/>
+          </a:effectRef>
+          <a:fontRef idx="minor">
+            <a:schemeClr val="tx1"/>
+          </a:fontRef>
+        </p:style>
+      </p:cxnSp>
+      <p:sp>
+        <p:nvSpPr>
+          <p:cNvPr id="11" name="TextBox 10">
+            <a:extLst>
+              <a:ext uri="{FF2B5EF4-FFF2-40B4-BE49-F238E27FC236}">
+                <a16:creationId xmlns:a16="http://schemas.microsoft.com/office/drawing/2014/main" id="{4213927D-DE77-902F-F3DC-4C3C63F26891}"/>
+              </a:ext>
+            </a:extLst>
+          </p:cNvPr>
+          <p:cNvSpPr txBox="1"/>
+          <p:nvPr/>
+        </p:nvSpPr>
+        <p:spPr>
+          <a:xfrm>
+            <a:off x="10982426" y="4124612"/>
+            <a:ext cx="1209574" cy="646331"/>
+          </a:xfrm>
+          <a:prstGeom prst="rect">
+            <a:avLst/>
+          </a:prstGeom>
+          <a:noFill/>
+          <a:ln>
+            <a:solidFill>
+              <a:schemeClr val="tx1"/>
+            </a:solidFill>
+          </a:ln>
+        </p:spPr>
+        <p:txBody>
+          <a:bodyPr wrap="square" rtlCol="0">
+            <a:spAutoFit/>
+          </a:bodyPr>
+          <a:lstStyle/>
+          <a:p>
+            <a:pPr algn="ctr"/>
+            <a:r>
+              <a:rPr lang="en-US" dirty="0"/>
+              <a:t>Dominant hand</a:t>
+            </a:r>
+            <a:endParaRPr lang="el-GR" dirty="0"/>
+          </a:p>
+        </p:txBody>
+      </p:sp>
+      <p:sp>
+        <p:nvSpPr>
+          <p:cNvPr id="12" name="TextBox 11">
+            <a:extLst>
+              <a:ext uri="{FF2B5EF4-FFF2-40B4-BE49-F238E27FC236}">
+                <a16:creationId xmlns:a16="http://schemas.microsoft.com/office/drawing/2014/main" id="{D04199B6-A0FD-D108-6E24-D1D72803D547}"/>
+              </a:ext>
+            </a:extLst>
+          </p:cNvPr>
+          <p:cNvSpPr txBox="1"/>
+          <p:nvPr/>
+        </p:nvSpPr>
+        <p:spPr>
+          <a:xfrm>
+            <a:off x="10982426" y="3318637"/>
+            <a:ext cx="1209574" cy="646331"/>
+          </a:xfrm>
+          <a:prstGeom prst="rect">
+            <a:avLst/>
+          </a:prstGeom>
+          <a:noFill/>
+          <a:ln>
+            <a:solidFill>
+              <a:schemeClr val="tx1"/>
+            </a:solidFill>
+          </a:ln>
+        </p:spPr>
+        <p:txBody>
+          <a:bodyPr wrap="square" rtlCol="0">
+            <a:spAutoFit/>
+          </a:bodyPr>
+          <a:lstStyle/>
+          <a:p>
+            <a:pPr algn="ctr"/>
+            <a:r>
+              <a:rPr lang="en-US" dirty="0"/>
+              <a:t>Left-handed</a:t>
+            </a:r>
+            <a:endParaRPr lang="el-GR" dirty="0"/>
+          </a:p>
+        </p:txBody>
+      </p:sp>
+      <p:cxnSp>
+        <p:nvCxnSpPr>
+          <p:cNvPr id="13" name="Straight Arrow Connector 12">
+            <a:extLst>
+              <a:ext uri="{FF2B5EF4-FFF2-40B4-BE49-F238E27FC236}">
+                <a16:creationId xmlns:a16="http://schemas.microsoft.com/office/drawing/2014/main" id="{03D35308-BF1B-3A25-1144-D2105014FC47}"/>
+              </a:ext>
+            </a:extLst>
+          </p:cNvPr>
+          <p:cNvCxnSpPr>
+            <a:cxnSpLocks/>
+            <a:endCxn id="11" idx="1"/>
+          </p:cNvCxnSpPr>
+          <p:nvPr/>
+        </p:nvCxnSpPr>
+        <p:spPr>
+          <a:xfrm flipV="1">
+            <a:off x="10402514" y="4447778"/>
+            <a:ext cx="579912" cy="195599"/>
+          </a:xfrm>
+          <a:prstGeom prst="straightConnector1">
+            <a:avLst/>
+          </a:prstGeom>
+          <a:ln>
+            <a:tailEnd type="triangle"/>
+          </a:ln>
+        </p:spPr>
+        <p:style>
+          <a:lnRef idx="2">
+            <a:schemeClr val="accent1"/>
+          </a:lnRef>
+          <a:fillRef idx="0">
+            <a:schemeClr val="accent1"/>
+          </a:fillRef>
+          <a:effectRef idx="1">
+            <a:schemeClr val="accent1"/>
+          </a:effectRef>
+          <a:fontRef idx="minor">
+            <a:schemeClr val="tx1"/>
+          </a:fontRef>
+        </p:style>
+      </p:cxnSp>
+      <p:cxnSp>
+        <p:nvCxnSpPr>
+          <p:cNvPr id="15" name="Straight Arrow Connector 14">
+            <a:extLst>
+              <a:ext uri="{FF2B5EF4-FFF2-40B4-BE49-F238E27FC236}">
+                <a16:creationId xmlns:a16="http://schemas.microsoft.com/office/drawing/2014/main" id="{5FECD5E4-5601-17F2-FF21-B9051735D4DE}"/>
+              </a:ext>
+            </a:extLst>
+          </p:cNvPr>
+          <p:cNvCxnSpPr>
+            <a:cxnSpLocks/>
+          </p:cNvCxnSpPr>
+          <p:nvPr/>
+        </p:nvCxnSpPr>
+        <p:spPr>
+          <a:xfrm flipV="1">
+            <a:off x="10402514" y="3641802"/>
+            <a:ext cx="579912" cy="805975"/>
+          </a:xfrm>
+          <a:prstGeom prst="straightConnector1">
+            <a:avLst/>
+          </a:prstGeom>
+          <a:ln>
+            <a:tailEnd type="triangle"/>
+          </a:ln>
+        </p:spPr>
+        <p:style>
+          <a:lnRef idx="2">
+            <a:schemeClr val="accent1"/>
+          </a:lnRef>
+          <a:fillRef idx="0">
+            <a:schemeClr val="accent1"/>
+          </a:fillRef>
+          <a:effectRef idx="1">
+            <a:schemeClr val="accent1"/>
+          </a:effectRef>
+          <a:fontRef idx="minor">
+            <a:schemeClr val="tx1"/>
+          </a:fontRef>
+        </p:style>
+      </p:cxnSp>
     </p:spTree>
     <p:extLst>
       <p:ext uri="{BB962C8B-B14F-4D97-AF65-F5344CB8AC3E}">
@@ -6611,13 +7651,13 @@
           <a:p>
             <a:r>
               <a:rPr lang="en-US" dirty="0"/>
+              <a:t>Translation Order: Schema → Questions.</a:t>
+            </a:r>
+          </a:p>
+          <a:p>
+            <a:r>
+              <a:rPr lang="en-US" dirty="0"/>
               <a:t>Highly qualified translators were employed to validate and post-edit the translations.</a:t>
-            </a:r>
-          </a:p>
-          <a:p>
-            <a:r>
-              <a:rPr lang="en-US" dirty="0"/>
-              <a:t>Translation Order: Schema → Questions.</a:t>
             </a:r>
           </a:p>
           <a:p>
@@ -6643,7 +7683,7 @@
           <p:nvPr/>
         </p:nvPicPr>
         <p:blipFill>
-          <a:blip r:embed="rId2"/>
+          <a:blip r:embed="rId3"/>
           <a:stretch>
             <a:fillRect/>
           </a:stretch>

--- a/Presentation/MultiSpider_Presentation.pptx
+++ b/Presentation/MultiSpider_Presentation.pptx
@@ -624,7 +624,7 @@
           <a:p>
             <a:r>
               <a:rPr lang="en-US" dirty="0"/>
-              <a:t>The </a:t>
+              <a:t>Regarding the effect of </a:t>
             </a:r>
             <a:r>
               <a:rPr lang="en-US" dirty="0" err="1"/>
@@ -632,7 +632,7 @@
             </a:r>
             <a:r>
               <a:rPr lang="en-US" dirty="0"/>
-              <a:t> framework increased performance by an average of around 1.8% in exact accuracy across all languages. This improvement is attributed to </a:t>
+              <a:t>, the framework increased performance by an average of around 1.8% in exact accuracy across all languages. This improvement is attributed to </a:t>
             </a:r>
             <a:r>
               <a:rPr lang="en-US" dirty="0" err="1"/>
@@ -998,7 +998,7 @@
           <a:p>
             <a:r>
               <a:rPr lang="en-US" dirty="0"/>
-              <a:t>What about text-to-SQL datasets that are not in English? Generally, such datasets exist, but their translations are often described as poor and incomplete. This work aims to expand the Spider dataset to include seven mainstream languages: German, French, Spanish, Chinese, Japanese, Vietnamese and to introduce a novel schema augmentation method called </a:t>
+              <a:t>What about text-to-SQL datasets that are not in English? Generally, such datasets exist, but their translations are often described as poor and incomplete. This work aims to expand the Spider dataset to include seven mainstream languages: German, French, Spanish, Chinese, Japanese, Vietnamese. The work is also introduces a novel schema augmentation method called </a:t>
             </a:r>
             <a:r>
               <a:rPr lang="en-US" dirty="0" err="1"/>
@@ -1108,17 +1108,7 @@
               <a:rPr lang="en-US" sz="1800" b="0" i="0" u="none" strike="noStrike" baseline="0" dirty="0">
                 <a:latin typeface="NimbusRomNo9L-Regu"/>
               </a:rPr>
-              <a:t>the lexical and structural challenges are further enhanced in </a:t>
-            </a:r>
-            <a:r>
-              <a:rPr lang="en-US" sz="1800" dirty="0" err="1"/>
-              <a:t>MultiSpider</a:t>
-            </a:r>
-            <a:r>
-              <a:rPr lang="en-US" sz="1800" b="0" i="0" u="none" strike="noStrike" baseline="0" dirty="0">
-                <a:latin typeface="NimbusRomNo9L-Regu"/>
-              </a:rPr>
-              <a:t> due to specific language properties.</a:t>
+              <a:t>the lexical and structural challenges are further enhanced due to specific language properties.</a:t>
             </a:r>
             <a:endParaRPr lang="en-US" dirty="0"/>
           </a:p>
@@ -1295,7 +1285,7 @@
           <a:p>
             <a:r>
               <a:rPr lang="en-US" dirty="0"/>
-              <a:t>For the experimental results, the Exact Match Accuracy metric was used, which measures the percentage of queries for which the generated SQL query exactly matches the ground truth SQL query. In the monolingual training (using only target language training data), we observe that Rat-SQL with XLM-R outperformed the MBART performance both with and without the </a:t>
+              <a:t>For the experimental results, the Exact Match Accuracy metric was used. The metric measures the percentage of queries for which the generated SQL query exactly matches the ground truth SQL query. In the monolingual training (using only target language training data), we observe that Rat-SQL with XLM-R outperformed the MBART performance both with and without the </a:t>
             </a:r>
             <a:r>
               <a:rPr lang="en-US" dirty="0" err="1"/>
@@ -1311,7 +1301,7 @@
             </a:r>
             <a:r>
               <a:rPr lang="en-US" dirty="0"/>
-              <a:t>. Similarly, in the multilingual training (using training data from multiple languages), the corresponding result was 66.7%. It is noteworthy here that the </a:t>
+              <a:t>. Similarly, in the multilingual training (using training data from multiple languages), the corresponding result was 66.7%. It is noteworthy here that train the model with the concatenation of the data in all languages enhance its performance. Also, the </a:t>
             </a:r>
             <a:r>
               <a:rPr lang="en-US" dirty="0" err="1"/>
@@ -1408,7 +1398,7 @@
             <a:pPr algn="l"/>
             <a:r>
               <a:rPr lang="en-US" dirty="0"/>
-              <a:t>Regarding the zero-shot setting, we can observe that performance largely depends on the choice of pre-trained encoder, where a better model enables better zero-shot transfer. It is also evident that direct prediction yields better performance than translate-then-predict, since machine translation might introduce errors, especially in schema translation. Finally, it can be seen that with a strong pretrained language model and machine translation model, the translate-then-train-then-predict setting receives promising results.</a:t>
+              <a:t>Regarding the zero-shot setting, we can observe that performance largely depends on the choice of pre-trained encoder, where a better model enables better zero-shot transfer. It is also evident that direct prediction yields better performance than translate-then-predict, since machine translation might introduce errors, especially in schema translation. Finally, it can be seen that with a strong pretrained language model and machine translation model, the translate-then-train setting receives promising results.</a:t>
             </a:r>
             <a:endParaRPr lang="el-GR" dirty="0"/>
           </a:p>

--- a/Presentation/MultiSpider_Presentation.pptx
+++ b/Presentation/MultiSpider_Presentation.pptx
@@ -5,7 +5,7 @@
     <p:sldMasterId id="2147483648" r:id="rId1"/>
   </p:sldMasterIdLst>
   <p:notesMasterIdLst>
-    <p:notesMasterId r:id="rId21"/>
+    <p:notesMasterId r:id="rId22"/>
   </p:notesMasterIdLst>
   <p:sldIdLst>
     <p:sldId id="256" r:id="rId2"/>
@@ -26,7 +26,8 @@
     <p:sldId id="274" r:id="rId17"/>
     <p:sldId id="272" r:id="rId18"/>
     <p:sldId id="277" r:id="rId19"/>
-    <p:sldId id="291" r:id="rId20"/>
+    <p:sldId id="292" r:id="rId20"/>
+    <p:sldId id="291" r:id="rId21"/>
   </p:sldIdLst>
   <p:sldSz cx="12192000" cy="6858000"/>
   <p:notesSz cx="6858000" cy="9144000"/>
@@ -597,6 +598,450 @@
       </p:grpSpPr>
       <p:sp>
         <p:nvSpPr>
+          <p:cNvPr id="2" name="Θέση εικόνας διαφάνειας 1"/>
+          <p:cNvSpPr>
+            <a:spLocks noGrp="1" noRot="1" noChangeAspect="1"/>
+          </p:cNvSpPr>
+          <p:nvPr>
+            <p:ph type="sldImg"/>
+          </p:nvPr>
+        </p:nvSpPr>
+        <p:spPr/>
+      </p:sp>
+      <p:sp>
+        <p:nvSpPr>
+          <p:cNvPr id="3" name="Θέση σημειώσεων 2"/>
+          <p:cNvSpPr>
+            <a:spLocks noGrp="1"/>
+          </p:cNvSpPr>
+          <p:nvPr>
+            <p:ph type="body" idx="1"/>
+          </p:nvPr>
+        </p:nvSpPr>
+        <p:spPr/>
+        <p:txBody>
+          <a:bodyPr/>
+          <a:lstStyle/>
+          <a:p>
+            <a:r>
+              <a:rPr lang="en-US" dirty="0"/>
+              <a:t>The experiments themselves can be classified into three main categories:</a:t>
+            </a:r>
+          </a:p>
+          <a:p>
+            <a:endParaRPr lang="en-US" dirty="0"/>
+          </a:p>
+          <a:p>
+            <a:pPr marL="228600" indent="-228600">
+              <a:buAutoNum type="arabicParenR"/>
+            </a:pPr>
+            <a:r>
+              <a:rPr lang="en-US" dirty="0"/>
+              <a:t>Monolingual: In this case the parser was trained only on the target language</a:t>
+            </a:r>
+          </a:p>
+          <a:p>
+            <a:pPr marL="228600" indent="-228600">
+              <a:buAutoNum type="arabicParenR"/>
+            </a:pPr>
+            <a:r>
+              <a:rPr lang="en-US" dirty="0"/>
+              <a:t>Multilingual: In this case the parser was trained on all languages</a:t>
+            </a:r>
+          </a:p>
+          <a:p>
+            <a:pPr marL="228600" indent="-228600">
+              <a:buAutoNum type="arabicParenR"/>
+            </a:pPr>
+            <a:r>
+              <a:rPr lang="en-US" dirty="0"/>
+              <a:t>Finally for the Zero-Shot examples the parser was trained on the original Spider Dataset but multiple prediction methods were applied</a:t>
+            </a:r>
+          </a:p>
+          <a:p>
+            <a:pPr marL="685800" lvl="1" indent="-228600">
+              <a:buAutoNum type="arabicParenR"/>
+            </a:pPr>
+            <a:r>
+              <a:rPr lang="en-US" dirty="0"/>
+              <a:t>Directly predict: Here the schema and the query were given to the parser in the target language</a:t>
+            </a:r>
+          </a:p>
+          <a:p>
+            <a:pPr marL="685800" lvl="1" indent="-228600">
+              <a:buAutoNum type="arabicParenR"/>
+            </a:pPr>
+            <a:r>
+              <a:rPr lang="en-US" dirty="0"/>
+              <a:t>Translate-then-predict: Here, the input is translated from the target into English using NMT and then fed to the parser</a:t>
+            </a:r>
+          </a:p>
+          <a:p>
+            <a:pPr marL="685800" lvl="1" indent="-228600">
+              <a:buAutoNum type="arabicParenR"/>
+            </a:pPr>
+            <a:r>
+              <a:rPr lang="en-US" dirty="0"/>
+              <a:t>Translate-then-train: Here, the data were translated from the target language to English using </a:t>
+            </a:r>
+            <a:r>
+              <a:rPr lang="en-US" dirty="0" err="1"/>
+              <a:t>google’s</a:t>
+            </a:r>
+            <a:r>
+              <a:rPr lang="en-US" dirty="0"/>
+              <a:t> NMT. The model was trained and queried with this this data</a:t>
+            </a:r>
+          </a:p>
+          <a:p>
+            <a:endParaRPr lang="en-US" dirty="0"/>
+          </a:p>
+        </p:txBody>
+      </p:sp>
+      <p:sp>
+        <p:nvSpPr>
+          <p:cNvPr id="4" name="Θέση αριθμού διαφάνειας 3"/>
+          <p:cNvSpPr>
+            <a:spLocks noGrp="1"/>
+          </p:cNvSpPr>
+          <p:nvPr>
+            <p:ph type="sldNum" sz="quarter" idx="5"/>
+          </p:nvPr>
+        </p:nvSpPr>
+        <p:spPr/>
+        <p:txBody>
+          <a:bodyPr/>
+          <a:lstStyle/>
+          <a:p>
+            <a:fld id="{5C8EBDBD-B5B6-4C5C-8990-1648C105756E}" type="slidenum">
+              <a:rPr lang="en-US" smtClean="0"/>
+              <a:t>11</a:t>
+            </a:fld>
+            <a:endParaRPr lang="en-US"/>
+          </a:p>
+        </p:txBody>
+      </p:sp>
+    </p:spTree>
+    <p:extLst>
+      <p:ext uri="{BB962C8B-B14F-4D97-AF65-F5344CB8AC3E}">
+        <p14:creationId xmlns:p14="http://schemas.microsoft.com/office/powerpoint/2010/main" val="2397256437"/>
+      </p:ext>
+    </p:extLst>
+  </p:cSld>
+  <p:clrMapOvr>
+    <a:masterClrMapping/>
+  </p:clrMapOvr>
+</p:notes>
+</file>
+
+<file path=ppt/notesSlides/notesSlide11.xml><?xml version="1.0" encoding="utf-8"?>
+<p:notes xmlns:a="http://schemas.openxmlformats.org/drawingml/2006/main" xmlns:r="http://schemas.openxmlformats.org/officeDocument/2006/relationships" xmlns:p="http://schemas.openxmlformats.org/presentationml/2006/main">
+  <p:cSld>
+    <p:spTree>
+      <p:nvGrpSpPr>
+        <p:cNvPr id="1" name=""/>
+        <p:cNvGrpSpPr/>
+        <p:nvPr/>
+      </p:nvGrpSpPr>
+      <p:grpSpPr>
+        <a:xfrm>
+          <a:off x="0" y="0"/>
+          <a:ext cx="0" cy="0"/>
+          <a:chOff x="0" y="0"/>
+          <a:chExt cx="0" cy="0"/>
+        </a:xfrm>
+      </p:grpSpPr>
+      <p:sp>
+        <p:nvSpPr>
+          <p:cNvPr id="2" name="Slide Image Placeholder 1"/>
+          <p:cNvSpPr>
+            <a:spLocks noGrp="1" noRot="1" noChangeAspect="1"/>
+          </p:cNvSpPr>
+          <p:nvPr>
+            <p:ph type="sldImg"/>
+          </p:nvPr>
+        </p:nvSpPr>
+        <p:spPr/>
+      </p:sp>
+      <p:sp>
+        <p:nvSpPr>
+          <p:cNvPr id="3" name="Notes Placeholder 2"/>
+          <p:cNvSpPr>
+            <a:spLocks noGrp="1"/>
+          </p:cNvSpPr>
+          <p:nvPr>
+            <p:ph type="body" idx="1"/>
+          </p:nvPr>
+        </p:nvSpPr>
+        <p:spPr/>
+        <p:txBody>
+          <a:bodyPr/>
+          <a:lstStyle/>
+          <a:p>
+            <a:r>
+              <a:rPr lang="en-US" dirty="0"/>
+              <a:t>For the experimental results, the Exact Match Accuracy metric was used. The metric measures the percentage of queries for which the generated SQL query exactly matches the ground truth SQL query. In the monolingual training (using only target language training data), we observe that Rat-SQL with XLM-R outperformed the MBART performance both with and without the </a:t>
+            </a:r>
+            <a:r>
+              <a:rPr lang="en-US" dirty="0" err="1"/>
+              <a:t>SAVe</a:t>
+            </a:r>
+            <a:r>
+              <a:rPr lang="en-US" dirty="0"/>
+              <a:t> framework, achieving an average exact accuracy of 63.2% across all languages with the utilization of </a:t>
+            </a:r>
+            <a:r>
+              <a:rPr lang="en-US" dirty="0" err="1"/>
+              <a:t>SAVe</a:t>
+            </a:r>
+            <a:r>
+              <a:rPr lang="en-US" dirty="0"/>
+              <a:t>. Similarly, in the multilingual training (using training data from multiple languages), the corresponding result was 66.7%. It is noteworthy here that train the model with the concatenation of the data in all languages enhance its performance. Also, the </a:t>
+            </a:r>
+            <a:r>
+              <a:rPr lang="en-US" dirty="0" err="1"/>
+              <a:t>SAVe</a:t>
+            </a:r>
+            <a:r>
+              <a:rPr lang="en-US" dirty="0"/>
+              <a:t> framework boosted performance across all examined models. Additionally, it's important to mention that the best performance was achieved in the English language in all cases, indicating the potential growth of pretrained seq2seq models in text-to-SQL.</a:t>
+            </a:r>
+            <a:endParaRPr lang="el-GR" dirty="0"/>
+          </a:p>
+        </p:txBody>
+      </p:sp>
+      <p:sp>
+        <p:nvSpPr>
+          <p:cNvPr id="4" name="Slide Number Placeholder 3"/>
+          <p:cNvSpPr>
+            <a:spLocks noGrp="1"/>
+          </p:cNvSpPr>
+          <p:nvPr>
+            <p:ph type="sldNum" sz="quarter" idx="5"/>
+          </p:nvPr>
+        </p:nvSpPr>
+        <p:spPr/>
+        <p:txBody>
+          <a:bodyPr/>
+          <a:lstStyle/>
+          <a:p>
+            <a:fld id="{5C8EBDBD-B5B6-4C5C-8990-1648C105756E}" type="slidenum">
+              <a:rPr lang="en-US" smtClean="0"/>
+              <a:t>12</a:t>
+            </a:fld>
+            <a:endParaRPr lang="en-US"/>
+          </a:p>
+        </p:txBody>
+      </p:sp>
+    </p:spTree>
+    <p:extLst>
+      <p:ext uri="{BB962C8B-B14F-4D97-AF65-F5344CB8AC3E}">
+        <p14:creationId xmlns:p14="http://schemas.microsoft.com/office/powerpoint/2010/main" val="617923041"/>
+      </p:ext>
+    </p:extLst>
+  </p:cSld>
+  <p:clrMapOvr>
+    <a:masterClrMapping/>
+  </p:clrMapOvr>
+</p:notes>
+</file>
+
+<file path=ppt/notesSlides/notesSlide12.xml><?xml version="1.0" encoding="utf-8"?>
+<p:notes xmlns:a="http://schemas.openxmlformats.org/drawingml/2006/main" xmlns:r="http://schemas.openxmlformats.org/officeDocument/2006/relationships" xmlns:p="http://schemas.openxmlformats.org/presentationml/2006/main">
+  <p:cSld>
+    <p:spTree>
+      <p:nvGrpSpPr>
+        <p:cNvPr id="1" name=""/>
+        <p:cNvGrpSpPr/>
+        <p:nvPr/>
+      </p:nvGrpSpPr>
+      <p:grpSpPr>
+        <a:xfrm>
+          <a:off x="0" y="0"/>
+          <a:ext cx="0" cy="0"/>
+          <a:chOff x="0" y="0"/>
+          <a:chExt cx="0" cy="0"/>
+        </a:xfrm>
+      </p:grpSpPr>
+      <p:sp>
+        <p:nvSpPr>
+          <p:cNvPr id="2" name="Slide Image Placeholder 1"/>
+          <p:cNvSpPr>
+            <a:spLocks noGrp="1" noRot="1" noChangeAspect="1"/>
+          </p:cNvSpPr>
+          <p:nvPr>
+            <p:ph type="sldImg"/>
+          </p:nvPr>
+        </p:nvSpPr>
+        <p:spPr/>
+      </p:sp>
+      <p:sp>
+        <p:nvSpPr>
+          <p:cNvPr id="3" name="Notes Placeholder 2"/>
+          <p:cNvSpPr>
+            <a:spLocks noGrp="1"/>
+          </p:cNvSpPr>
+          <p:nvPr>
+            <p:ph type="body" idx="1"/>
+          </p:nvPr>
+        </p:nvSpPr>
+        <p:spPr/>
+        <p:txBody>
+          <a:bodyPr/>
+          <a:lstStyle/>
+          <a:p>
+            <a:pPr algn="l"/>
+            <a:r>
+              <a:rPr lang="en-US" dirty="0"/>
+              <a:t>Regarding the zero-shot setting, we can observe that performance largely depends on the choice of pre-trained encoder, where a better model enables better zero-shot transfer. It is also evident that direct prediction yields better performance than translate-then-predict, since machine translation might introduce errors, especially in schema translation. Finally, it can be seen that with a strong pretrained language model and machine translation model, the translate-then-train setting receives promising results.</a:t>
+            </a:r>
+            <a:endParaRPr lang="el-GR" dirty="0"/>
+          </a:p>
+        </p:txBody>
+      </p:sp>
+      <p:sp>
+        <p:nvSpPr>
+          <p:cNvPr id="4" name="Slide Number Placeholder 3"/>
+          <p:cNvSpPr>
+            <a:spLocks noGrp="1"/>
+          </p:cNvSpPr>
+          <p:nvPr>
+            <p:ph type="sldNum" sz="quarter" idx="5"/>
+          </p:nvPr>
+        </p:nvSpPr>
+        <p:spPr/>
+        <p:txBody>
+          <a:bodyPr/>
+          <a:lstStyle/>
+          <a:p>
+            <a:fld id="{5C8EBDBD-B5B6-4C5C-8990-1648C105756E}" type="slidenum">
+              <a:rPr lang="en-US" smtClean="0"/>
+              <a:t>13</a:t>
+            </a:fld>
+            <a:endParaRPr lang="en-US"/>
+          </a:p>
+        </p:txBody>
+      </p:sp>
+    </p:spTree>
+    <p:extLst>
+      <p:ext uri="{BB962C8B-B14F-4D97-AF65-F5344CB8AC3E}">
+        <p14:creationId xmlns:p14="http://schemas.microsoft.com/office/powerpoint/2010/main" val="2702620085"/>
+      </p:ext>
+    </p:extLst>
+  </p:cSld>
+  <p:clrMapOvr>
+    <a:masterClrMapping/>
+  </p:clrMapOvr>
+</p:notes>
+</file>
+
+<file path=ppt/notesSlides/notesSlide13.xml><?xml version="1.0" encoding="utf-8"?>
+<p:notes xmlns:a="http://schemas.openxmlformats.org/drawingml/2006/main" xmlns:r="http://schemas.openxmlformats.org/officeDocument/2006/relationships" xmlns:p="http://schemas.openxmlformats.org/presentationml/2006/main">
+  <p:cSld>
+    <p:spTree>
+      <p:nvGrpSpPr>
+        <p:cNvPr id="1" name=""/>
+        <p:cNvGrpSpPr/>
+        <p:nvPr/>
+      </p:nvGrpSpPr>
+      <p:grpSpPr>
+        <a:xfrm>
+          <a:off x="0" y="0"/>
+          <a:ext cx="0" cy="0"/>
+          <a:chOff x="0" y="0"/>
+          <a:chExt cx="0" cy="0"/>
+        </a:xfrm>
+      </p:grpSpPr>
+      <p:sp>
+        <p:nvSpPr>
+          <p:cNvPr id="2" name="Slide Image Placeholder 1"/>
+          <p:cNvSpPr>
+            <a:spLocks noGrp="1" noRot="1" noChangeAspect="1"/>
+          </p:cNvSpPr>
+          <p:nvPr>
+            <p:ph type="sldImg"/>
+          </p:nvPr>
+        </p:nvSpPr>
+        <p:spPr/>
+      </p:sp>
+      <p:sp>
+        <p:nvSpPr>
+          <p:cNvPr id="3" name="Notes Placeholder 2"/>
+          <p:cNvSpPr>
+            <a:spLocks noGrp="1"/>
+          </p:cNvSpPr>
+          <p:nvPr>
+            <p:ph type="body" idx="1"/>
+          </p:nvPr>
+        </p:nvSpPr>
+        <p:spPr/>
+        <p:txBody>
+          <a:bodyPr/>
+          <a:lstStyle/>
+          <a:p>
+            <a:r>
+              <a:rPr lang="en-US" dirty="0"/>
+              <a:t>We mentioned earlier that there is a performance drop in non-English languages. Why is that? There are two kinds of mistakes that cause this reduction. Firstly, we have lexical mistakes, which refer to the schema not being grounded in SQL. This is usually caused by the syntactic differences between the schema and tokens, also known as the schema-linking problem. Then, we have structural mistakes, which refer to the incorrect prediction of SQL operators which caused by dialectal variations in question annotation.</a:t>
+            </a:r>
+            <a:endParaRPr lang="el-GR" dirty="0"/>
+          </a:p>
+        </p:txBody>
+      </p:sp>
+      <p:sp>
+        <p:nvSpPr>
+          <p:cNvPr id="4" name="Slide Number Placeholder 3"/>
+          <p:cNvSpPr>
+            <a:spLocks noGrp="1"/>
+          </p:cNvSpPr>
+          <p:nvPr>
+            <p:ph type="sldNum" sz="quarter" idx="5"/>
+          </p:nvPr>
+        </p:nvSpPr>
+        <p:spPr/>
+        <p:txBody>
+          <a:bodyPr/>
+          <a:lstStyle/>
+          <a:p>
+            <a:fld id="{5C8EBDBD-B5B6-4C5C-8990-1648C105756E}" type="slidenum">
+              <a:rPr lang="en-US" smtClean="0"/>
+              <a:t>14</a:t>
+            </a:fld>
+            <a:endParaRPr lang="en-US" dirty="0"/>
+          </a:p>
+        </p:txBody>
+      </p:sp>
+    </p:spTree>
+    <p:extLst>
+      <p:ext uri="{BB962C8B-B14F-4D97-AF65-F5344CB8AC3E}">
+        <p14:creationId xmlns:p14="http://schemas.microsoft.com/office/powerpoint/2010/main" val="3769344082"/>
+      </p:ext>
+    </p:extLst>
+  </p:cSld>
+  <p:clrMapOvr>
+    <a:masterClrMapping/>
+  </p:clrMapOvr>
+</p:notes>
+</file>
+
+<file path=ppt/notesSlides/notesSlide14.xml><?xml version="1.0" encoding="utf-8"?>
+<p:notes xmlns:a="http://schemas.openxmlformats.org/drawingml/2006/main" xmlns:r="http://schemas.openxmlformats.org/officeDocument/2006/relationships" xmlns:p="http://schemas.openxmlformats.org/presentationml/2006/main">
+  <p:cSld>
+    <p:spTree>
+      <p:nvGrpSpPr>
+        <p:cNvPr id="1" name=""/>
+        <p:cNvGrpSpPr/>
+        <p:nvPr/>
+      </p:nvGrpSpPr>
+      <p:grpSpPr>
+        <a:xfrm>
+          <a:off x="0" y="0"/>
+          <a:ext cx="0" cy="0"/>
+          <a:chOff x="0" y="0"/>
+          <a:chExt cx="0" cy="0"/>
+        </a:xfrm>
+      </p:grpSpPr>
+      <p:sp>
+        <p:nvSpPr>
           <p:cNvPr id="2" name="Slide Image Placeholder 1"/>
           <p:cNvSpPr>
             <a:spLocks noGrp="1" noRot="1" noChangeAspect="1"/>
@@ -673,6 +1118,646 @@
     <p:extLst>
       <p:ext uri="{BB962C8B-B14F-4D97-AF65-F5344CB8AC3E}">
         <p14:creationId xmlns:p14="http://schemas.microsoft.com/office/powerpoint/2010/main" val="553391448"/>
+      </p:ext>
+    </p:extLst>
+  </p:cSld>
+  <p:clrMapOvr>
+    <a:masterClrMapping/>
+  </p:clrMapOvr>
+</p:notes>
+</file>
+
+<file path=ppt/notesSlides/notesSlide15.xml><?xml version="1.0" encoding="utf-8"?>
+<p:notes xmlns:a="http://schemas.openxmlformats.org/drawingml/2006/main" xmlns:r="http://schemas.openxmlformats.org/officeDocument/2006/relationships" xmlns:p="http://schemas.openxmlformats.org/presentationml/2006/main">
+  <p:cSld>
+    <p:spTree>
+      <p:nvGrpSpPr>
+        <p:cNvPr id="1" name=""/>
+        <p:cNvGrpSpPr/>
+        <p:nvPr/>
+      </p:nvGrpSpPr>
+      <p:grpSpPr>
+        <a:xfrm>
+          <a:off x="0" y="0"/>
+          <a:ext cx="0" cy="0"/>
+          <a:chOff x="0" y="0"/>
+          <a:chExt cx="0" cy="0"/>
+        </a:xfrm>
+      </p:grpSpPr>
+      <p:sp>
+        <p:nvSpPr>
+          <p:cNvPr id="2" name="Θέση εικόνας διαφάνειας 1"/>
+          <p:cNvSpPr>
+            <a:spLocks noGrp="1" noRot="1" noChangeAspect="1"/>
+          </p:cNvSpPr>
+          <p:nvPr>
+            <p:ph type="sldImg"/>
+          </p:nvPr>
+        </p:nvSpPr>
+        <p:spPr/>
+      </p:sp>
+      <p:sp>
+        <p:nvSpPr>
+          <p:cNvPr id="3" name="Θέση σημειώσεων 2"/>
+          <p:cNvSpPr>
+            <a:spLocks noGrp="1"/>
+          </p:cNvSpPr>
+          <p:nvPr>
+            <p:ph type="body" idx="1"/>
+          </p:nvPr>
+        </p:nvSpPr>
+        <p:spPr/>
+        <p:txBody>
+          <a:bodyPr/>
+          <a:lstStyle/>
+          <a:p>
+            <a:r>
+              <a:rPr lang="en-US" dirty="0"/>
+              <a:t>Before closing, let’s look at the general field of Text-To-SQL.</a:t>
+            </a:r>
+          </a:p>
+          <a:p>
+            <a:endParaRPr lang="en-US" dirty="0"/>
+          </a:p>
+          <a:p>
+            <a:r>
+              <a:rPr lang="en-US" dirty="0"/>
+              <a:t>Regarding Datasets, some non-English datasets already exist. For example, the Vietnamese the Chinese Spider</a:t>
+            </a:r>
+          </a:p>
+          <a:p>
+            <a:r>
+              <a:rPr lang="en-US" dirty="0"/>
+              <a:t>Regarding Systems the two main categories are</a:t>
+            </a:r>
+          </a:p>
+          <a:p>
+            <a:pPr marL="228600" indent="-228600">
+              <a:buAutoNum type="arabicParenR"/>
+            </a:pPr>
+            <a:r>
+              <a:rPr lang="en-US" dirty="0"/>
+              <a:t>Task specific NL2SQL models such as the RAT-SQL shown before. We would like to point out that this model uses relation aware transformers, for example </a:t>
+            </a:r>
+            <a:r>
+              <a:rPr lang="en-US" dirty="0" err="1"/>
+              <a:t>mBert</a:t>
+            </a:r>
+            <a:endParaRPr lang="en-US" dirty="0"/>
+          </a:p>
+          <a:p>
+            <a:pPr marL="228600" indent="-228600">
+              <a:buAutoNum type="arabicParenR"/>
+            </a:pPr>
+            <a:r>
+              <a:rPr lang="en-US" dirty="0"/>
+              <a:t>Encoder-Decoder models which attempt to formulate the SQL Translation task as a seq2seq translation problem. Some examples are Bart, T5 and their multilingual counterparts </a:t>
+            </a:r>
+            <a:r>
+              <a:rPr lang="en-US" dirty="0" err="1"/>
+              <a:t>mBart</a:t>
+            </a:r>
+            <a:r>
+              <a:rPr lang="en-US" dirty="0"/>
+              <a:t> and mT5</a:t>
+            </a:r>
+          </a:p>
+          <a:p>
+            <a:endParaRPr lang="en-US" dirty="0"/>
+          </a:p>
+        </p:txBody>
+      </p:sp>
+      <p:sp>
+        <p:nvSpPr>
+          <p:cNvPr id="4" name="Θέση αριθμού διαφάνειας 3"/>
+          <p:cNvSpPr>
+            <a:spLocks noGrp="1"/>
+          </p:cNvSpPr>
+          <p:nvPr>
+            <p:ph type="sldNum" sz="quarter" idx="5"/>
+          </p:nvPr>
+        </p:nvSpPr>
+        <p:spPr/>
+        <p:txBody>
+          <a:bodyPr/>
+          <a:lstStyle/>
+          <a:p>
+            <a:fld id="{5C8EBDBD-B5B6-4C5C-8990-1648C105756E}" type="slidenum">
+              <a:rPr lang="en-US" smtClean="0"/>
+              <a:t>16</a:t>
+            </a:fld>
+            <a:endParaRPr lang="en-US"/>
+          </a:p>
+        </p:txBody>
+      </p:sp>
+    </p:spTree>
+    <p:extLst>
+      <p:ext uri="{BB962C8B-B14F-4D97-AF65-F5344CB8AC3E}">
+        <p14:creationId xmlns:p14="http://schemas.microsoft.com/office/powerpoint/2010/main" val="4239430761"/>
+      </p:ext>
+    </p:extLst>
+  </p:cSld>
+  <p:clrMapOvr>
+    <a:masterClrMapping/>
+  </p:clrMapOvr>
+</p:notes>
+</file>
+
+<file path=ppt/notesSlides/notesSlide16.xml><?xml version="1.0" encoding="utf-8"?>
+<p:notes xmlns:a="http://schemas.openxmlformats.org/drawingml/2006/main" xmlns:r="http://schemas.openxmlformats.org/officeDocument/2006/relationships" xmlns:p="http://schemas.openxmlformats.org/presentationml/2006/main">
+  <p:cSld>
+    <p:spTree>
+      <p:nvGrpSpPr>
+        <p:cNvPr id="1" name=""/>
+        <p:cNvGrpSpPr/>
+        <p:nvPr/>
+      </p:nvGrpSpPr>
+      <p:grpSpPr>
+        <a:xfrm>
+          <a:off x="0" y="0"/>
+          <a:ext cx="0" cy="0"/>
+          <a:chOff x="0" y="0"/>
+          <a:chExt cx="0" cy="0"/>
+        </a:xfrm>
+      </p:grpSpPr>
+      <p:sp>
+        <p:nvSpPr>
+          <p:cNvPr id="2" name="Θέση εικόνας διαφάνειας 1"/>
+          <p:cNvSpPr>
+            <a:spLocks noGrp="1" noRot="1" noChangeAspect="1"/>
+          </p:cNvSpPr>
+          <p:nvPr>
+            <p:ph type="sldImg"/>
+          </p:nvPr>
+        </p:nvSpPr>
+        <p:spPr/>
+      </p:sp>
+      <p:sp>
+        <p:nvSpPr>
+          <p:cNvPr id="3" name="Θέση σημειώσεων 2"/>
+          <p:cNvSpPr>
+            <a:spLocks noGrp="1"/>
+          </p:cNvSpPr>
+          <p:nvPr>
+            <p:ph type="body" idx="1"/>
+          </p:nvPr>
+        </p:nvSpPr>
+        <p:spPr/>
+        <p:txBody>
+          <a:bodyPr/>
+          <a:lstStyle/>
+          <a:p>
+            <a:r>
+              <a:rPr lang="en-US" dirty="0"/>
+              <a:t>To conclude this presentation, we would like to quickly re-iterate the main points.</a:t>
+            </a:r>
+          </a:p>
+          <a:p>
+            <a:endParaRPr lang="en-US" dirty="0"/>
+          </a:p>
+          <a:p>
+            <a:pPr marL="228600" indent="-228600">
+              <a:buAutoNum type="arabicParenR"/>
+            </a:pPr>
+            <a:r>
+              <a:rPr lang="en-US" dirty="0" err="1"/>
+              <a:t>MultiSpider</a:t>
+            </a:r>
+            <a:r>
+              <a:rPr lang="en-US" dirty="0"/>
+              <a:t> is the largest high-quality multilingual dataset, covering 7 languages and has been proven to be challenging for text-to-SQL-tasks</a:t>
+            </a:r>
+          </a:p>
+          <a:p>
+            <a:pPr marL="228600" indent="-228600">
+              <a:buAutoNum type="arabicParenR"/>
+            </a:pPr>
+            <a:r>
+              <a:rPr lang="en-US" dirty="0"/>
+              <a:t>The main challenges when trying to translate the Spider Dataset were lexical but also structural</a:t>
+            </a:r>
+          </a:p>
+          <a:p>
+            <a:pPr marL="228600" indent="-228600">
+              <a:buAutoNum type="arabicParenR"/>
+            </a:pPr>
+            <a:r>
+              <a:rPr lang="en-US" dirty="0"/>
+              <a:t>To account for these problems the </a:t>
+            </a:r>
+            <a:r>
+              <a:rPr lang="en-US" dirty="0" err="1"/>
+              <a:t>SAVe</a:t>
+            </a:r>
+            <a:r>
+              <a:rPr lang="en-US" dirty="0"/>
+              <a:t> schema augmentation was introduced. It tripled the training data, using the same SQL Questions and different schema variations.</a:t>
+            </a:r>
+          </a:p>
+          <a:p>
+            <a:pPr marL="228600" indent="-228600">
+              <a:buAutoNum type="arabicParenR"/>
+            </a:pPr>
+            <a:r>
+              <a:rPr lang="en-US" dirty="0"/>
+              <a:t>Models trained with the augmented dataset showed a 1.8% increase in accuracy.</a:t>
+            </a:r>
+          </a:p>
+          <a:p>
+            <a:endParaRPr lang="en-US" dirty="0"/>
+          </a:p>
+        </p:txBody>
+      </p:sp>
+      <p:sp>
+        <p:nvSpPr>
+          <p:cNvPr id="4" name="Θέση αριθμού διαφάνειας 3"/>
+          <p:cNvSpPr>
+            <a:spLocks noGrp="1"/>
+          </p:cNvSpPr>
+          <p:nvPr>
+            <p:ph type="sldNum" sz="quarter" idx="5"/>
+          </p:nvPr>
+        </p:nvSpPr>
+        <p:spPr/>
+        <p:txBody>
+          <a:bodyPr/>
+          <a:lstStyle/>
+          <a:p>
+            <a:fld id="{5C8EBDBD-B5B6-4C5C-8990-1648C105756E}" type="slidenum">
+              <a:rPr lang="en-US" smtClean="0"/>
+              <a:t>17</a:t>
+            </a:fld>
+            <a:endParaRPr lang="en-US"/>
+          </a:p>
+        </p:txBody>
+      </p:sp>
+    </p:spTree>
+    <p:extLst>
+      <p:ext uri="{BB962C8B-B14F-4D97-AF65-F5344CB8AC3E}">
+        <p14:creationId xmlns:p14="http://schemas.microsoft.com/office/powerpoint/2010/main" val="1036075796"/>
+      </p:ext>
+    </p:extLst>
+  </p:cSld>
+  <p:clrMapOvr>
+    <a:masterClrMapping/>
+  </p:clrMapOvr>
+</p:notes>
+</file>
+
+<file path=ppt/notesSlides/notesSlide17.xml><?xml version="1.0" encoding="utf-8"?>
+<p:notes xmlns:a="http://schemas.openxmlformats.org/drawingml/2006/main" xmlns:r="http://schemas.openxmlformats.org/officeDocument/2006/relationships" xmlns:p="http://schemas.openxmlformats.org/presentationml/2006/main">
+  <p:cSld>
+    <p:spTree>
+      <p:nvGrpSpPr>
+        <p:cNvPr id="1" name=""/>
+        <p:cNvGrpSpPr/>
+        <p:nvPr/>
+      </p:nvGrpSpPr>
+      <p:grpSpPr>
+        <a:xfrm>
+          <a:off x="0" y="0"/>
+          <a:ext cx="0" cy="0"/>
+          <a:chOff x="0" y="0"/>
+          <a:chExt cx="0" cy="0"/>
+        </a:xfrm>
+      </p:grpSpPr>
+      <p:sp>
+        <p:nvSpPr>
+          <p:cNvPr id="2" name="Θέση εικόνας διαφάνειας 1"/>
+          <p:cNvSpPr>
+            <a:spLocks noGrp="1" noRot="1" noChangeAspect="1"/>
+          </p:cNvSpPr>
+          <p:nvPr>
+            <p:ph type="sldImg"/>
+          </p:nvPr>
+        </p:nvSpPr>
+        <p:spPr/>
+      </p:sp>
+      <p:sp>
+        <p:nvSpPr>
+          <p:cNvPr id="3" name="Θέση σημειώσεων 2"/>
+          <p:cNvSpPr>
+            <a:spLocks noGrp="1"/>
+          </p:cNvSpPr>
+          <p:nvPr>
+            <p:ph type="body" idx="1"/>
+          </p:nvPr>
+        </p:nvSpPr>
+        <p:spPr/>
+        <p:txBody>
+          <a:bodyPr/>
+          <a:lstStyle/>
+          <a:p>
+            <a:r>
+              <a:rPr lang="en-US" dirty="0"/>
+              <a:t>Now for the hands-on part, for our approach we will attempt to translate the Spider Dataset Greek, introducing the GR-Spider.</a:t>
+            </a:r>
+          </a:p>
+          <a:p>
+            <a:r>
+              <a:rPr lang="en-US" dirty="0"/>
+              <a:t>For the translation process we will use:</a:t>
+            </a:r>
+          </a:p>
+          <a:p>
+            <a:pPr marL="228600" indent="-228600">
+              <a:buAutoNum type="arabicParenR"/>
+            </a:pPr>
+            <a:r>
+              <a:rPr lang="en-US" dirty="0"/>
+              <a:t>the recently released Meltemi LLM</a:t>
+            </a:r>
+          </a:p>
+          <a:p>
+            <a:pPr marL="228600" indent="-228600">
+              <a:buAutoNum type="arabicParenR"/>
+            </a:pPr>
+            <a:r>
+              <a:rPr lang="en-US" dirty="0"/>
+              <a:t>The open NMT translation model</a:t>
+            </a:r>
+            <a:endParaRPr lang="el-GR" dirty="0"/>
+          </a:p>
+          <a:p>
+            <a:pPr marL="228600" indent="-228600">
+              <a:buAutoNum type="arabicParenR"/>
+            </a:pPr>
+            <a:endParaRPr lang="el-GR" dirty="0"/>
+          </a:p>
+          <a:p>
+            <a:pPr marL="0" indent="0">
+              <a:buNone/>
+            </a:pPr>
+            <a:r>
+              <a:rPr lang="en-US" dirty="0"/>
+              <a:t>In order to benchmark the dataset we will use the same techniques as </a:t>
+            </a:r>
+            <a:r>
+              <a:rPr lang="en-US" dirty="0" err="1"/>
+              <a:t>Multispider</a:t>
+            </a:r>
+            <a:r>
+              <a:rPr lang="en-US" dirty="0"/>
+              <a:t>. Namely:</a:t>
+            </a:r>
+          </a:p>
+          <a:p>
+            <a:pPr marL="228600" indent="-228600">
+              <a:buAutoNum type="arabicParenR"/>
+            </a:pPr>
+            <a:r>
+              <a:rPr lang="en-US" dirty="0"/>
+              <a:t>Monolingual</a:t>
+            </a:r>
+          </a:p>
+          <a:p>
+            <a:pPr marL="228600" indent="-228600">
+              <a:buAutoNum type="arabicParenR"/>
+            </a:pPr>
+            <a:r>
+              <a:rPr lang="en-US" dirty="0"/>
+              <a:t>Multilingual (English and Greek)</a:t>
+            </a:r>
+          </a:p>
+          <a:p>
+            <a:pPr marL="228600" indent="-228600">
+              <a:buAutoNum type="arabicParenR"/>
+            </a:pPr>
+            <a:r>
+              <a:rPr lang="en-US" dirty="0"/>
+              <a:t>Zero-Shot</a:t>
+            </a:r>
+          </a:p>
+          <a:p>
+            <a:pPr marL="228600" indent="-228600">
+              <a:buAutoNum type="arabicParenR"/>
+            </a:pPr>
+            <a:endParaRPr lang="en-US" dirty="0"/>
+          </a:p>
+          <a:p>
+            <a:pPr marL="0" indent="0">
+              <a:buNone/>
+            </a:pPr>
+            <a:r>
+              <a:rPr lang="en-US" dirty="0"/>
+              <a:t>For the benchmarking tools, </a:t>
+            </a:r>
+            <a:r>
+              <a:rPr lang="en-US" b="1" dirty="0"/>
+              <a:t>should our computational resources allow</a:t>
+            </a:r>
+            <a:r>
+              <a:rPr lang="en-US" dirty="0"/>
+              <a:t> </a:t>
+            </a:r>
+            <a:r>
+              <a:rPr lang="en-US" b="1" dirty="0"/>
+              <a:t>it</a:t>
+            </a:r>
+            <a:r>
+              <a:rPr lang="en-US" b="0" dirty="0"/>
+              <a:t> we would like to use</a:t>
+            </a:r>
+          </a:p>
+          <a:p>
+            <a:pPr marL="228600" indent="-228600">
+              <a:buAutoNum type="arabicParenR"/>
+            </a:pPr>
+            <a:r>
+              <a:rPr lang="en-US" b="0" dirty="0"/>
+              <a:t>RAT-SQL model with encoders</a:t>
+            </a:r>
+          </a:p>
+          <a:p>
+            <a:pPr marL="685800" lvl="1" indent="-228600">
+              <a:buAutoNum type="arabicParenR"/>
+            </a:pPr>
+            <a:r>
+              <a:rPr lang="en-US" b="0" dirty="0" err="1"/>
+              <a:t>mBert</a:t>
+            </a:r>
+            <a:r>
+              <a:rPr lang="en-US" b="0" dirty="0"/>
+              <a:t>, mT5</a:t>
+            </a:r>
+          </a:p>
+          <a:p>
+            <a:pPr marL="228600" lvl="0" indent="-228600">
+              <a:buAutoNum type="arabicParenR"/>
+            </a:pPr>
+            <a:r>
+              <a:rPr lang="en-US" b="0" dirty="0"/>
+              <a:t>mT5 as an encoder – decoder model, in order to test the seq2seq SQL Translation</a:t>
+            </a:r>
+          </a:p>
+          <a:p>
+            <a:pPr marL="228600" lvl="0" indent="-228600">
+              <a:buAutoNum type="arabicParenR"/>
+            </a:pPr>
+            <a:r>
+              <a:rPr lang="en-US" b="0" dirty="0"/>
+              <a:t>DAIL-SQL model which heavily relies on out of the box GPTs</a:t>
+            </a:r>
+          </a:p>
+        </p:txBody>
+      </p:sp>
+      <p:sp>
+        <p:nvSpPr>
+          <p:cNvPr id="4" name="Θέση αριθμού διαφάνειας 3"/>
+          <p:cNvSpPr>
+            <a:spLocks noGrp="1"/>
+          </p:cNvSpPr>
+          <p:nvPr>
+            <p:ph type="sldNum" sz="quarter" idx="5"/>
+          </p:nvPr>
+        </p:nvSpPr>
+        <p:spPr/>
+        <p:txBody>
+          <a:bodyPr/>
+          <a:lstStyle/>
+          <a:p>
+            <a:fld id="{5C8EBDBD-B5B6-4C5C-8990-1648C105756E}" type="slidenum">
+              <a:rPr lang="en-US" smtClean="0"/>
+              <a:t>18</a:t>
+            </a:fld>
+            <a:endParaRPr lang="en-US"/>
+          </a:p>
+        </p:txBody>
+      </p:sp>
+    </p:spTree>
+    <p:extLst>
+      <p:ext uri="{BB962C8B-B14F-4D97-AF65-F5344CB8AC3E}">
+        <p14:creationId xmlns:p14="http://schemas.microsoft.com/office/powerpoint/2010/main" val="4211491477"/>
+      </p:ext>
+    </p:extLst>
+  </p:cSld>
+  <p:clrMapOvr>
+    <a:masterClrMapping/>
+  </p:clrMapOvr>
+</p:notes>
+</file>
+
+<file path=ppt/notesSlides/notesSlide18.xml><?xml version="1.0" encoding="utf-8"?>
+<p:notes xmlns:a="http://schemas.openxmlformats.org/drawingml/2006/main" xmlns:r="http://schemas.openxmlformats.org/officeDocument/2006/relationships" xmlns:p="http://schemas.openxmlformats.org/presentationml/2006/main">
+  <p:cSld>
+    <p:spTree>
+      <p:nvGrpSpPr>
+        <p:cNvPr id="1" name=""/>
+        <p:cNvGrpSpPr/>
+        <p:nvPr/>
+      </p:nvGrpSpPr>
+      <p:grpSpPr>
+        <a:xfrm>
+          <a:off x="0" y="0"/>
+          <a:ext cx="0" cy="0"/>
+          <a:chOff x="0" y="0"/>
+          <a:chExt cx="0" cy="0"/>
+        </a:xfrm>
+      </p:grpSpPr>
+      <p:sp>
+        <p:nvSpPr>
+          <p:cNvPr id="2" name="Θέση εικόνας διαφάνειας 1"/>
+          <p:cNvSpPr>
+            <a:spLocks noGrp="1" noRot="1" noChangeAspect="1"/>
+          </p:cNvSpPr>
+          <p:nvPr>
+            <p:ph type="sldImg"/>
+          </p:nvPr>
+        </p:nvSpPr>
+        <p:spPr/>
+      </p:sp>
+      <p:sp>
+        <p:nvSpPr>
+          <p:cNvPr id="3" name="Θέση σημειώσεων 2"/>
+          <p:cNvSpPr>
+            <a:spLocks noGrp="1"/>
+          </p:cNvSpPr>
+          <p:nvPr>
+            <p:ph type="body" idx="1"/>
+          </p:nvPr>
+        </p:nvSpPr>
+        <p:spPr/>
+        <p:txBody>
+          <a:bodyPr/>
+          <a:lstStyle/>
+          <a:p>
+            <a:r>
+              <a:rPr lang="en-US" dirty="0"/>
+              <a:t>Here is our timeline.</a:t>
+            </a:r>
+          </a:p>
+          <a:p>
+            <a:r>
+              <a:rPr lang="en-US" dirty="0"/>
+              <a:t>As you can see many tasks will have to be done in parallel.</a:t>
+            </a:r>
+          </a:p>
+          <a:p>
+            <a:endParaRPr lang="en-US" dirty="0"/>
+          </a:p>
+          <a:p>
+            <a:r>
+              <a:rPr lang="en-US" dirty="0"/>
+              <a:t>We would like to point out the Feasibility Study.</a:t>
+            </a:r>
+          </a:p>
+          <a:p>
+            <a:r>
+              <a:rPr lang="en-US" dirty="0"/>
+              <a:t>The goal is to see what can we run with the computational resources we have available.</a:t>
+            </a:r>
+          </a:p>
+          <a:p>
+            <a:r>
+              <a:rPr lang="en-US" dirty="0"/>
+              <a:t>This will determine the final models which will be used for benchmarking.</a:t>
+            </a:r>
+          </a:p>
+          <a:p>
+            <a:endParaRPr lang="en-US" dirty="0"/>
+          </a:p>
+          <a:p>
+            <a:r>
+              <a:rPr lang="en-US" dirty="0"/>
+              <a:t>In NL2SQL Model Dev Test phase we will run all the proposed benchmarks with the dev set, in order to </a:t>
+            </a:r>
+            <a:r>
+              <a:rPr lang="en-US"/>
+              <a:t>make adjustments.</a:t>
+            </a:r>
+          </a:p>
+          <a:p>
+            <a:endParaRPr lang="en-US" dirty="0"/>
+          </a:p>
+        </p:txBody>
+      </p:sp>
+      <p:sp>
+        <p:nvSpPr>
+          <p:cNvPr id="4" name="Θέση αριθμού διαφάνειας 3"/>
+          <p:cNvSpPr>
+            <a:spLocks noGrp="1"/>
+          </p:cNvSpPr>
+          <p:nvPr>
+            <p:ph type="sldNum" sz="quarter" idx="5"/>
+          </p:nvPr>
+        </p:nvSpPr>
+        <p:spPr/>
+        <p:txBody>
+          <a:bodyPr/>
+          <a:lstStyle/>
+          <a:p>
+            <a:fld id="{5C8EBDBD-B5B6-4C5C-8990-1648C105756E}" type="slidenum">
+              <a:rPr lang="en-US" smtClean="0"/>
+              <a:t>19</a:t>
+            </a:fld>
+            <a:endParaRPr lang="en-US"/>
+          </a:p>
+        </p:txBody>
+      </p:sp>
+    </p:spTree>
+    <p:extLst>
+      <p:ext uri="{BB962C8B-B14F-4D97-AF65-F5344CB8AC3E}">
+        <p14:creationId xmlns:p14="http://schemas.microsoft.com/office/powerpoint/2010/main" val="1119757050"/>
       </p:ext>
     </p:extLst>
   </p:cSld>
@@ -1258,7 +2343,7 @@
       </p:grpSpPr>
       <p:sp>
         <p:nvSpPr>
-          <p:cNvPr id="2" name="Slide Image Placeholder 1"/>
+          <p:cNvPr id="2" name="Θέση εικόνας διαφάνειας 1"/>
           <p:cNvSpPr>
             <a:spLocks noGrp="1" noRot="1" noChangeAspect="1"/>
           </p:cNvSpPr>
@@ -1270,7 +2355,7 @@
       </p:sp>
       <p:sp>
         <p:nvSpPr>
-          <p:cNvPr id="3" name="Notes Placeholder 2"/>
+          <p:cNvPr id="3" name="Θέση σημειώσεων 2"/>
           <p:cNvSpPr>
             <a:spLocks noGrp="1"/>
           </p:cNvSpPr>
@@ -1285,7 +2370,7 @@
           <a:p>
             <a:r>
               <a:rPr lang="en-US" dirty="0"/>
-              <a:t>For the experimental results, the Exact Match Accuracy metric was used. The metric measures the percentage of queries for which the generated SQL query exactly matches the ground truth SQL query. In the monolingual training (using only target language training data), we observe that Rat-SQL with XLM-R outperformed the MBART performance both with and without the </a:t>
+              <a:t>In order to face the translation challenges, </a:t>
             </a:r>
             <a:r>
               <a:rPr lang="en-US" dirty="0" err="1"/>
@@ -1293,31 +2378,115 @@
             </a:r>
             <a:r>
               <a:rPr lang="en-US" dirty="0"/>
-              <a:t> framework, achieving an average exact accuracy of 63.2% across all languages with the utilization of </a:t>
-            </a:r>
-            <a:r>
-              <a:rPr lang="en-US" dirty="0" err="1"/>
-              <a:t>SAVe</a:t>
-            </a:r>
-            <a:r>
-              <a:rPr lang="en-US" dirty="0"/>
-              <a:t>. Similarly, in the multilingual training (using training data from multiple languages), the corresponding result was 66.7%. It is noteworthy here that train the model with the concatenation of the data in all languages enhance its performance. Also, the </a:t>
-            </a:r>
-            <a:r>
-              <a:rPr lang="en-US" dirty="0" err="1"/>
-              <a:t>SAVe</a:t>
-            </a:r>
-            <a:r>
-              <a:rPr lang="en-US" dirty="0"/>
-              <a:t> framework boosted performance across all examined models. Additionally, it's important to mention that the best performance was achieved in the English language in all cases, indicating the potential growth of pretrained seq2seq models in text-to-SQL.</a:t>
-            </a:r>
-            <a:endParaRPr lang="el-GR" dirty="0"/>
-          </a:p>
-        </p:txBody>
-      </p:sp>
-      <p:sp>
-        <p:nvSpPr>
-          <p:cNvPr id="4" name="Slide Number Placeholder 3"/>
+              <a:t> is introduced. It’s goal is to generate more schema variations to enhance the grounding ability of the parser.</a:t>
+            </a:r>
+          </a:p>
+          <a:p>
+            <a:r>
+              <a:rPr lang="en-US" dirty="0"/>
+              <a:t>Schema augmentation was chosen rather than question augmentation since it’s more efficient. The augmentation of a single table covers all the affiliated questions.</a:t>
+            </a:r>
+          </a:p>
+          <a:p>
+            <a:r>
+              <a:rPr lang="en-US" dirty="0"/>
+              <a:t>Augmentation is achieved by randomly replacing words from the translated schema with their synonyms.</a:t>
+            </a:r>
+          </a:p>
+          <a:p>
+            <a:r>
+              <a:rPr lang="en-US" dirty="0"/>
+              <a:t>Those synonyms can be classified into two categories:</a:t>
+            </a:r>
+          </a:p>
+          <a:p>
+            <a:pPr marL="228600" indent="-228600">
+              <a:buAutoNum type="arabicParenR"/>
+            </a:pPr>
+            <a:r>
+              <a:rPr lang="en-US" dirty="0"/>
+              <a:t>Synonyms with different lemmas</a:t>
+            </a:r>
+          </a:p>
+          <a:p>
+            <a:pPr marL="685800" lvl="1" indent="-228600">
+              <a:buAutoNum type="arabicParenR"/>
+            </a:pPr>
+            <a:r>
+              <a:rPr lang="en-US" dirty="0"/>
+              <a:t>(e.g. CHIEF and BRAIN are the candidates of HEAD)</a:t>
+            </a:r>
+          </a:p>
+          <a:p>
+            <a:pPr marL="228600" indent="-228600">
+              <a:buAutoNum type="arabicParenR"/>
+            </a:pPr>
+            <a:r>
+              <a:rPr lang="en-US" dirty="0"/>
+              <a:t>Morphological Variants, which essentially means changes in the syntax</a:t>
+            </a:r>
+          </a:p>
+          <a:p>
+            <a:endParaRPr lang="en-US" dirty="0"/>
+          </a:p>
+          <a:p>
+            <a:pPr marL="0" marR="0" lvl="0" indent="0" algn="l" defTabSz="914400" rtl="0" eaLnBrk="1" fontAlgn="auto" latinLnBrk="0" hangingPunct="1">
+              <a:lnSpc>
+                <a:spcPct val="100000"/>
+              </a:lnSpc>
+              <a:spcBef>
+                <a:spcPts val="0"/>
+              </a:spcBef>
+              <a:spcAft>
+                <a:spcPts val="0"/>
+              </a:spcAft>
+              <a:buClrTx/>
+              <a:buSzTx/>
+              <a:buFontTx/>
+              <a:buNone/>
+              <a:tabLst/>
+              <a:defRPr/>
+            </a:pPr>
+            <a:r>
+              <a:rPr lang="en-US" dirty="0"/>
+              <a:t>*(When we talk about </a:t>
+            </a:r>
+            <a:r>
+              <a:rPr lang="en-US" b="1" i="0" dirty="0">
+                <a:solidFill>
+                  <a:srgbClr val="111111"/>
+                </a:solidFill>
+                <a:effectLst/>
+                <a:highlight>
+                  <a:srgbClr val="FFFFFF"/>
+                </a:highlight>
+                <a:latin typeface="-apple-system"/>
+              </a:rPr>
+              <a:t>Semantic parsing</a:t>
+            </a:r>
+            <a:r>
+              <a:rPr lang="en-US" b="0" i="0" dirty="0">
+                <a:solidFill>
+                  <a:srgbClr val="111111"/>
+                </a:solidFill>
+                <a:effectLst/>
+                <a:highlight>
+                  <a:srgbClr val="FFFFFF"/>
+                </a:highlight>
+                <a:latin typeface="-apple-system"/>
+              </a:rPr>
+              <a:t> we are talking about mapping natural language to machine-interpretable expressions (e.g., SQL queries or logical forms))</a:t>
+            </a:r>
+            <a:endParaRPr lang="en-US" dirty="0"/>
+          </a:p>
+          <a:p>
+            <a:endParaRPr lang="en-US" dirty="0"/>
+          </a:p>
+        </p:txBody>
+      </p:sp>
+      <p:sp>
+        <p:nvSpPr>
+          <p:cNvPr id="4" name="Θέση αριθμού διαφάνειας 3"/>
           <p:cNvSpPr>
             <a:spLocks noGrp="1"/>
           </p:cNvSpPr>
@@ -1332,7 +2501,7 @@
           <a:p>
             <a:fld id="{5C8EBDBD-B5B6-4C5C-8990-1648C105756E}" type="slidenum">
               <a:rPr lang="en-US" smtClean="0"/>
-              <a:t>12</a:t>
+              <a:t>8</a:t>
             </a:fld>
             <a:endParaRPr lang="en-US"/>
           </a:p>
@@ -1341,7 +2510,7 @@
     </p:spTree>
     <p:extLst>
       <p:ext uri="{BB962C8B-B14F-4D97-AF65-F5344CB8AC3E}">
-        <p14:creationId xmlns:p14="http://schemas.microsoft.com/office/powerpoint/2010/main" val="617923041"/>
+        <p14:creationId xmlns:p14="http://schemas.microsoft.com/office/powerpoint/2010/main" val="1728045935"/>
       </p:ext>
     </p:extLst>
   </p:cSld>
@@ -1370,7 +2539,7 @@
       </p:grpSpPr>
       <p:sp>
         <p:nvSpPr>
-          <p:cNvPr id="2" name="Slide Image Placeholder 1"/>
+          <p:cNvPr id="2" name="Θέση εικόνας διαφάνειας 1"/>
           <p:cNvSpPr>
             <a:spLocks noGrp="1" noRot="1" noChangeAspect="1"/>
           </p:cNvSpPr>
@@ -1382,7 +2551,7 @@
       </p:sp>
       <p:sp>
         <p:nvSpPr>
-          <p:cNvPr id="3" name="Notes Placeholder 2"/>
+          <p:cNvPr id="3" name="Θέση σημειώσεων 2"/>
           <p:cNvSpPr>
             <a:spLocks noGrp="1"/>
           </p:cNvSpPr>
@@ -1395,18 +2564,97 @@
           <a:bodyPr/>
           <a:lstStyle/>
           <a:p>
-            <a:pPr algn="l"/>
-            <a:r>
-              <a:rPr lang="en-US" dirty="0"/>
-              <a:t>Regarding the zero-shot setting, we can observe that performance largely depends on the choice of pre-trained encoder, where a better model enables better zero-shot transfer. It is also evident that direct prediction yields better performance than translate-then-predict, since machine translation might introduce errors, especially in schema translation. Finally, it can be seen that with a strong pretrained language model and machine translation model, the translate-then-train setting receives promising results.</a:t>
-            </a:r>
-            <a:endParaRPr lang="el-GR" dirty="0"/>
-          </a:p>
-        </p:txBody>
-      </p:sp>
-      <p:sp>
-        <p:nvSpPr>
-          <p:cNvPr id="4" name="Slide Number Placeholder 3"/>
+            <a:r>
+              <a:rPr lang="en-US" dirty="0"/>
+              <a:t>Okay, now lets take a look at the algorithm behind schema augmentation</a:t>
+            </a:r>
+          </a:p>
+          <a:p>
+            <a:endParaRPr lang="en-US" dirty="0"/>
+          </a:p>
+          <a:p>
+            <a:r>
+              <a:rPr lang="en-US" dirty="0"/>
+              <a:t>The first step is </a:t>
+            </a:r>
+            <a:r>
+              <a:rPr lang="en-US" b="1" dirty="0"/>
+              <a:t>Back Translation</a:t>
+            </a:r>
+          </a:p>
+          <a:p>
+            <a:r>
+              <a:rPr lang="en-US" b="0" dirty="0"/>
+              <a:t>Here, synonym candidates of the schema are generated. To ensure the synonyms are relevant, a special template is used, which utilizes the context of the schema</a:t>
+            </a:r>
+          </a:p>
+          <a:p>
+            <a:endParaRPr lang="en-US" b="0" dirty="0"/>
+          </a:p>
+          <a:p>
+            <a:r>
+              <a:rPr lang="en-US" b="0" dirty="0"/>
+              <a:t>The second step is </a:t>
+            </a:r>
+            <a:r>
+              <a:rPr lang="en-US" b="1" dirty="0"/>
+              <a:t>Candidate Collection</a:t>
+            </a:r>
+          </a:p>
+          <a:p>
+            <a:r>
+              <a:rPr lang="en-US" b="0" dirty="0"/>
+              <a:t>In total, K * N synonyms are generated for each entity, where K the Languages and N the rounds of translation.</a:t>
+            </a:r>
+          </a:p>
+          <a:p>
+            <a:r>
+              <a:rPr lang="en-US" b="0" dirty="0"/>
+              <a:t>Both variables are determined by the user.</a:t>
+            </a:r>
+          </a:p>
+          <a:p>
+            <a:r>
+              <a:rPr lang="en-US" b="0" dirty="0"/>
+              <a:t>The produced word sets can, and will most likely contain duplicates. This however is not an issue.</a:t>
+            </a:r>
+          </a:p>
+          <a:p>
+            <a:r>
+              <a:rPr lang="en-US" b="0" dirty="0"/>
+              <a:t>Why?</a:t>
+            </a:r>
+          </a:p>
+          <a:p>
+            <a:endParaRPr lang="en-US" b="0" dirty="0"/>
+          </a:p>
+          <a:p>
+            <a:r>
+              <a:rPr lang="en-US" b="0" dirty="0"/>
+              <a:t>Because of the last step</a:t>
+            </a:r>
+            <a:r>
+              <a:rPr lang="en-US" b="1" dirty="0"/>
+              <a:t>: Schema Verification</a:t>
+            </a:r>
+          </a:p>
+          <a:p>
+            <a:r>
+              <a:rPr lang="en-US" b="0" dirty="0"/>
+              <a:t>In order to select the bet fitting synonym, a natural language inference model is used. Synonyms above a defined threshold are selected.</a:t>
+            </a:r>
+          </a:p>
+          <a:p>
+            <a:r>
+              <a:rPr lang="en-US" dirty="0"/>
+              <a:t>The main challenge in schema verification is to compute the similarity of contextualized schema (head of department vs. brain of department)</a:t>
+            </a:r>
+          </a:p>
+        </p:txBody>
+      </p:sp>
+      <p:sp>
+        <p:nvSpPr>
+          <p:cNvPr id="4" name="Θέση αριθμού διαφάνειας 3"/>
           <p:cNvSpPr>
             <a:spLocks noGrp="1"/>
           </p:cNvSpPr>
@@ -1421,7 +2669,7 @@
           <a:p>
             <a:fld id="{5C8EBDBD-B5B6-4C5C-8990-1648C105756E}" type="slidenum">
               <a:rPr lang="en-US" smtClean="0"/>
-              <a:t>13</a:t>
+              <a:t>9</a:t>
             </a:fld>
             <a:endParaRPr lang="en-US"/>
           </a:p>
@@ -1430,7 +2678,7 @@
     </p:spTree>
     <p:extLst>
       <p:ext uri="{BB962C8B-B14F-4D97-AF65-F5344CB8AC3E}">
-        <p14:creationId xmlns:p14="http://schemas.microsoft.com/office/powerpoint/2010/main" val="2702620085"/>
+        <p14:creationId xmlns:p14="http://schemas.microsoft.com/office/powerpoint/2010/main" val="3319100067"/>
       </p:ext>
     </p:extLst>
   </p:cSld>
@@ -1459,7 +2707,7 @@
       </p:grpSpPr>
       <p:sp>
         <p:nvSpPr>
-          <p:cNvPr id="2" name="Slide Image Placeholder 1"/>
+          <p:cNvPr id="2" name="Θέση εικόνας διαφάνειας 1"/>
           <p:cNvSpPr>
             <a:spLocks noGrp="1" noRot="1" noChangeAspect="1"/>
           </p:cNvSpPr>
@@ -1471,7 +2719,7 @@
       </p:sp>
       <p:sp>
         <p:nvSpPr>
-          <p:cNvPr id="3" name="Notes Placeholder 2"/>
+          <p:cNvPr id="3" name="Θέση σημειώσεων 2"/>
           <p:cNvSpPr>
             <a:spLocks noGrp="1"/>
           </p:cNvSpPr>
@@ -1486,15 +2734,115 @@
           <a:p>
             <a:r>
               <a:rPr lang="en-US" dirty="0"/>
-              <a:t>We mentioned earlier that there is a performance drop in non-English languages. Why is that? There are two kinds of mistakes that cause this reduction. Firstly, we have lexical mistakes, which refer to the schema not being grounded in SQL. This is usually caused by the syntactic differences between the schema and tokens, also known as the schema-linking problem. Then, we have structural mistakes, which refer to the incorrect prediction of SQL operators which caused by dialectal variations in question annotation.</a:t>
-            </a:r>
-            <a:endParaRPr lang="el-GR" dirty="0"/>
-          </a:p>
-        </p:txBody>
-      </p:sp>
-      <p:sp>
-        <p:nvSpPr>
-          <p:cNvPr id="4" name="Slide Number Placeholder 3"/>
+              <a:t>Lets take a look at the performance of the </a:t>
+            </a:r>
+            <a:r>
+              <a:rPr lang="en-US" dirty="0" err="1"/>
+              <a:t>MultiSpider</a:t>
+            </a:r>
+            <a:r>
+              <a:rPr lang="en-US" dirty="0"/>
+              <a:t> Dataset.</a:t>
+            </a:r>
+          </a:p>
+          <a:p>
+            <a:endParaRPr lang="en-US" dirty="0"/>
+          </a:p>
+          <a:p>
+            <a:r>
+              <a:rPr lang="en-US" i="0" dirty="0"/>
+              <a:t>In order to evaluate the performance of the dataset, two main tools were used:</a:t>
+            </a:r>
+          </a:p>
+          <a:p>
+            <a:endParaRPr lang="en-US" i="0" dirty="0"/>
+          </a:p>
+          <a:p>
+            <a:pPr marL="228600" indent="-228600">
+              <a:buAutoNum type="arabicParenR"/>
+            </a:pPr>
+            <a:r>
+              <a:rPr lang="en-US" i="0" dirty="0"/>
+              <a:t>The RAT-SQL task specific model</a:t>
+            </a:r>
+          </a:p>
+          <a:p>
+            <a:pPr marL="228600" indent="-228600">
+              <a:buAutoNum type="arabicParenR"/>
+            </a:pPr>
+            <a:r>
+              <a:rPr lang="en-US" i="0" dirty="0"/>
+              <a:t>The pretrained multilingual encoder-decoder </a:t>
+            </a:r>
+            <a:r>
+              <a:rPr lang="en-US" i="0" dirty="0" err="1"/>
+              <a:t>mBart</a:t>
+            </a:r>
+            <a:endParaRPr lang="en-US" i="0" dirty="0"/>
+          </a:p>
+          <a:p>
+            <a:pPr marL="228600" indent="-228600">
+              <a:buAutoNum type="arabicParenR"/>
+            </a:pPr>
+            <a:endParaRPr lang="en-US" i="0" dirty="0"/>
+          </a:p>
+          <a:p>
+            <a:pPr marL="0" indent="0">
+              <a:buNone/>
+            </a:pPr>
+            <a:r>
+              <a:rPr lang="en-US" i="0" dirty="0"/>
+              <a:t>RAT-SQL allows the use of different encoders to pre-process the dataset.</a:t>
+            </a:r>
+          </a:p>
+          <a:p>
+            <a:pPr marL="0" indent="0">
+              <a:buNone/>
+            </a:pPr>
+            <a:r>
+              <a:rPr lang="en-US" i="0" dirty="0"/>
+              <a:t>Due to the </a:t>
+            </a:r>
+            <a:r>
+              <a:rPr lang="en-US" i="0" dirty="0" err="1"/>
+              <a:t>multiligual</a:t>
+            </a:r>
+            <a:r>
+              <a:rPr lang="en-US" i="0" dirty="0"/>
+              <a:t> nature of the dataset </a:t>
+            </a:r>
+            <a:r>
+              <a:rPr lang="en-US" i="0" dirty="0" err="1"/>
+              <a:t>mBert</a:t>
+            </a:r>
+            <a:r>
+              <a:rPr lang="en-US" i="0" dirty="0"/>
+              <a:t> and XLM-Roberta-Large were used.</a:t>
+            </a:r>
+          </a:p>
+          <a:p>
+            <a:pPr marL="0" indent="0">
+              <a:buNone/>
+            </a:pPr>
+            <a:endParaRPr lang="en-US" i="0" dirty="0"/>
+          </a:p>
+          <a:p>
+            <a:pPr marL="0" indent="0">
+              <a:buNone/>
+            </a:pPr>
+            <a:r>
+              <a:rPr lang="en-US" i="0" dirty="0"/>
+              <a:t>The evaluation metric for all the scores shown in the next slides is the exact match accuracy between the produced and the correct SQL.</a:t>
+            </a:r>
+          </a:p>
+          <a:p>
+            <a:endParaRPr lang="en-US" dirty="0"/>
+          </a:p>
+        </p:txBody>
+      </p:sp>
+      <p:sp>
+        <p:nvSpPr>
+          <p:cNvPr id="4" name="Θέση αριθμού διαφάνειας 3"/>
           <p:cNvSpPr>
             <a:spLocks noGrp="1"/>
           </p:cNvSpPr>
@@ -1509,16 +2857,16 @@
           <a:p>
             <a:fld id="{5C8EBDBD-B5B6-4C5C-8990-1648C105756E}" type="slidenum">
               <a:rPr lang="en-US" smtClean="0"/>
-              <a:t>14</a:t>
+              <a:t>10</a:t>
             </a:fld>
-            <a:endParaRPr lang="en-US" dirty="0"/>
+            <a:endParaRPr lang="en-US"/>
           </a:p>
         </p:txBody>
       </p:sp>
     </p:spTree>
     <p:extLst>
       <p:ext uri="{BB962C8B-B14F-4D97-AF65-F5344CB8AC3E}">
-        <p14:creationId xmlns:p14="http://schemas.microsoft.com/office/powerpoint/2010/main" val="3769344082"/>
+        <p14:creationId xmlns:p14="http://schemas.microsoft.com/office/powerpoint/2010/main" val="984634387"/>
       </p:ext>
     </p:extLst>
   </p:cSld>
@@ -5239,16 +6587,6 @@
               <a:t>Evaluation Metric: exact match accuracy on all examples</a:t>
             </a:r>
           </a:p>
-          <a:p>
-            <a:r>
-              <a:rPr lang="en-US" dirty="0">
-                <a:highlight>
-                  <a:srgbClr val="FFFF00"/>
-                </a:highlight>
-              </a:rPr>
-              <a:t>For the training process, the augmented data were used in the first epochs. Then the model was finetuned using the translated training data</a:t>
-            </a:r>
-          </a:p>
         </p:txBody>
       </p:sp>
     </p:spTree>
@@ -6170,20 +7508,20 @@
         </p:spPr>
         <p:txBody>
           <a:bodyPr>
-            <a:normAutofit fontScale="70000" lnSpcReduction="20000"/>
+            <a:normAutofit fontScale="85000" lnSpcReduction="20000"/>
           </a:bodyPr>
           <a:lstStyle/>
           <a:p>
             <a:r>
               <a:rPr lang="en-US" dirty="0"/>
-              <a:t>G-Spider</a:t>
+              <a:t>GR-Spider</a:t>
             </a:r>
           </a:p>
           <a:p>
             <a:pPr lvl="1"/>
             <a:r>
               <a:rPr lang="en-US" dirty="0"/>
-              <a:t>Greek version of the Spider Dataset, following the same translation technique (schema + questions).</a:t>
+              <a:t>Greek version of the Spider Dataset, following the same translation technique (schema then questions).</a:t>
             </a:r>
           </a:p>
           <a:p>
@@ -6195,177 +7533,98 @@
           </a:p>
           <a:p>
             <a:r>
+              <a:rPr lang="en-US" dirty="0"/>
+              <a:t>Benchmarking Techniques</a:t>
+            </a:r>
+          </a:p>
+          <a:p>
+            <a:pPr lvl="1"/>
+            <a:r>
+              <a:rPr lang="en-US" dirty="0"/>
+              <a:t>Multilingual</a:t>
+            </a:r>
+          </a:p>
+          <a:p>
+            <a:pPr lvl="1"/>
+            <a:r>
+              <a:rPr lang="en-US" dirty="0"/>
+              <a:t>Monolingual</a:t>
+            </a:r>
+          </a:p>
+          <a:p>
+            <a:pPr lvl="1"/>
+            <a:r>
+              <a:rPr lang="en-US" dirty="0"/>
+              <a:t>Zero-Shot</a:t>
+            </a:r>
+          </a:p>
+          <a:p>
+            <a:r>
+              <a:rPr lang="en-US" dirty="0"/>
+              <a:t>Benchmarking Tools</a:t>
+            </a:r>
+          </a:p>
+          <a:p>
+            <a:pPr lvl="1"/>
+            <a:r>
               <a:rPr lang="en-US" dirty="0" err="1"/>
-              <a:t>SAVe</a:t>
-            </a:r>
-            <a:r>
-              <a:rPr lang="en-US" dirty="0"/>
-              <a:t> Implementation will be implemented if there is enough time.</a:t>
-            </a:r>
-          </a:p>
-          <a:p>
-            <a:r>
-              <a:rPr lang="en-US" dirty="0"/>
-              <a:t>Benchmarking Techniques</a:t>
+              <a:t>mRat</a:t>
+            </a:r>
+            <a:r>
+              <a:rPr lang="en-US" dirty="0"/>
+              <a:t>-SQL </a:t>
+            </a:r>
+          </a:p>
+          <a:p>
+            <a:pPr lvl="2"/>
+            <a:r>
+              <a:rPr lang="en-US" dirty="0" err="1"/>
+              <a:t>Enoder</a:t>
+            </a:r>
+            <a:r>
+              <a:rPr lang="en-US" dirty="0"/>
+              <a:t> options: </a:t>
+            </a:r>
+            <a:r>
+              <a:rPr lang="en-US" dirty="0" err="1"/>
+              <a:t>mBert</a:t>
+            </a:r>
+            <a:r>
+              <a:rPr lang="en-US" dirty="0"/>
+              <a:t> / mT5</a:t>
             </a:r>
           </a:p>
           <a:p>
             <a:pPr lvl="1"/>
             <a:r>
               <a:rPr lang="en-US" dirty="0"/>
-              <a:t>Multilingual</a:t>
-            </a:r>
+              <a:t>Encoder – Decoder models</a:t>
+            </a:r>
+          </a:p>
+          <a:p>
+            <a:pPr lvl="2"/>
+            <a:r>
+              <a:rPr lang="en-US" dirty="0"/>
+              <a:t>mT5 / </a:t>
+            </a:r>
+            <a:r>
+              <a:rPr lang="en-US" dirty="0" err="1"/>
+              <a:t>mBart</a:t>
+            </a:r>
+            <a:endParaRPr lang="en-US" dirty="0"/>
           </a:p>
           <a:p>
             <a:pPr lvl="1"/>
             <a:r>
               <a:rPr lang="en-US" dirty="0"/>
-              <a:t>Monolingual</a:t>
-            </a:r>
-          </a:p>
-          <a:p>
-            <a:pPr lvl="1"/>
-            <a:r>
-              <a:rPr lang="en-US" dirty="0"/>
-              <a:t>Zero-Shot</a:t>
-            </a:r>
-          </a:p>
-          <a:p>
-            <a:r>
-              <a:rPr lang="en-US" dirty="0">
-                <a:highlight>
-                  <a:srgbClr val="FFFF00"/>
-                </a:highlight>
-              </a:rPr>
-              <a:t>Benchmarking Tools // in each epoch I save a checkpoint</a:t>
-            </a:r>
-          </a:p>
-          <a:p>
-            <a:pPr lvl="1"/>
-            <a:r>
-              <a:rPr lang="en-US" dirty="0" err="1">
-                <a:highlight>
-                  <a:srgbClr val="FFFF00"/>
-                </a:highlight>
-              </a:rPr>
-              <a:t>mRat</a:t>
-            </a:r>
-            <a:r>
-              <a:rPr lang="en-US" dirty="0">
-                <a:highlight>
-                  <a:srgbClr val="FFFF00"/>
-                </a:highlight>
-              </a:rPr>
-              <a:t>-SQL </a:t>
+              <a:t>DAIL-SQL (?)</a:t>
             </a:r>
           </a:p>
           <a:p>
             <a:pPr lvl="2"/>
             <a:r>
-              <a:rPr lang="en-US" dirty="0" err="1">
-                <a:highlight>
-                  <a:srgbClr val="FFFF00"/>
-                </a:highlight>
-              </a:rPr>
-              <a:t>Enoder</a:t>
-            </a:r>
-            <a:r>
-              <a:rPr lang="en-US" dirty="0">
-                <a:highlight>
-                  <a:srgbClr val="FFFF00"/>
-                </a:highlight>
-              </a:rPr>
-              <a:t> options: </a:t>
-            </a:r>
-            <a:r>
-              <a:rPr lang="en-US" dirty="0" err="1">
-                <a:highlight>
-                  <a:srgbClr val="FFFF00"/>
-                </a:highlight>
-              </a:rPr>
-              <a:t>mBert</a:t>
-            </a:r>
-            <a:r>
-              <a:rPr lang="en-US" dirty="0">
-                <a:highlight>
-                  <a:srgbClr val="FFFF00"/>
-                </a:highlight>
-              </a:rPr>
-              <a:t>, mT5 (large, base), ??</a:t>
-            </a:r>
-          </a:p>
-          <a:p>
-            <a:pPr lvl="1"/>
-            <a:r>
-              <a:rPr lang="en-US" dirty="0">
-                <a:highlight>
-                  <a:srgbClr val="FFFF00"/>
-                </a:highlight>
-              </a:rPr>
-              <a:t>DAIL-SQL ?</a:t>
-            </a:r>
-          </a:p>
-          <a:p>
-            <a:pPr lvl="2"/>
-            <a:r>
-              <a:rPr lang="en-US" dirty="0">
-                <a:highlight>
-                  <a:srgbClr val="FFFF00"/>
-                </a:highlight>
-              </a:rPr>
-              <a:t>Due to it being few-shot</a:t>
-            </a:r>
-          </a:p>
-          <a:p>
-            <a:pPr lvl="1"/>
-            <a:r>
-              <a:rPr lang="en-US" dirty="0">
-                <a:highlight>
-                  <a:srgbClr val="FFFF00"/>
-                </a:highlight>
-              </a:rPr>
-              <a:t>Seq2Seq</a:t>
-            </a:r>
-          </a:p>
-          <a:p>
-            <a:pPr lvl="2"/>
-            <a:r>
-              <a:rPr lang="en-US" dirty="0">
-                <a:highlight>
-                  <a:srgbClr val="FFFF00"/>
-                </a:highlight>
-              </a:rPr>
-              <a:t>mT5, </a:t>
-            </a:r>
-            <a:r>
-              <a:rPr lang="en-US" dirty="0" err="1">
-                <a:highlight>
-                  <a:srgbClr val="FFFF00"/>
-                </a:highlight>
-              </a:rPr>
-              <a:t>mBart</a:t>
-            </a:r>
-            <a:r>
-              <a:rPr lang="en-US" dirty="0">
-                <a:highlight>
-                  <a:srgbClr val="FFFF00"/>
-                </a:highlight>
-              </a:rPr>
-              <a:t> (???) with finetuning</a:t>
-            </a:r>
-          </a:p>
-          <a:p>
-            <a:r>
-              <a:rPr lang="en-US" dirty="0"/>
-              <a:t>Backup: Some </a:t>
-            </a:r>
-            <a:r>
-              <a:rPr lang="en-US" dirty="0" err="1"/>
-              <a:t>gpt</a:t>
-            </a:r>
-            <a:r>
-              <a:rPr lang="en-US" dirty="0"/>
-              <a:t> model with prompt engineering, (question &amp; schema as input).</a:t>
+              <a:rPr lang="en-US" dirty="0"/>
+              <a:t>Heavily relies on out of the box LLMs (GPT3.5 – Turbo, GPT4)</a:t>
             </a:r>
           </a:p>
         </p:txBody>
@@ -6384,6 +7643,5996 @@
 </file>
 
 <file path=ppt/slides/slide19.xml><?xml version="1.0" encoding="utf-8"?>
+<p:sld xmlns:a="http://schemas.openxmlformats.org/drawingml/2006/main" xmlns:r="http://schemas.openxmlformats.org/officeDocument/2006/relationships" xmlns:p="http://schemas.openxmlformats.org/presentationml/2006/main">
+  <p:cSld>
+    <p:spTree>
+      <p:nvGrpSpPr>
+        <p:cNvPr id="1" name=""/>
+        <p:cNvGrpSpPr/>
+        <p:nvPr/>
+      </p:nvGrpSpPr>
+      <p:grpSpPr>
+        <a:xfrm>
+          <a:off x="0" y="0"/>
+          <a:ext cx="0" cy="0"/>
+          <a:chOff x="0" y="0"/>
+          <a:chExt cx="0" cy="0"/>
+        </a:xfrm>
+      </p:grpSpPr>
+      <p:graphicFrame>
+        <p:nvGraphicFramePr>
+          <p:cNvPr id="6" name="Table 3">
+            <a:extLst>
+              <a:ext uri="{FF2B5EF4-FFF2-40B4-BE49-F238E27FC236}">
+                <a16:creationId xmlns:a16="http://schemas.microsoft.com/office/drawing/2014/main" id="{D426DA53-2E9C-DCCD-7098-2041A13DDE45}"/>
+              </a:ext>
+            </a:extLst>
+          </p:cNvPr>
+          <p:cNvGraphicFramePr>
+            <a:graphicFrameLocks noGrp="1"/>
+          </p:cNvGraphicFramePr>
+          <p:nvPr>
+            <p:extLst>
+              <p:ext uri="{D42A27DB-BD31-4B8C-83A1-F6EECF244321}">
+                <p14:modId xmlns:p14="http://schemas.microsoft.com/office/powerpoint/2010/main" val="831628607"/>
+              </p:ext>
+            </p:extLst>
+          </p:nvPr>
+        </p:nvGraphicFramePr>
+        <p:xfrm>
+          <a:off x="2429529" y="1212644"/>
+          <a:ext cx="7332942" cy="4155840"/>
+        </p:xfrm>
+        <a:graphic>
+          <a:graphicData uri="http://schemas.openxmlformats.org/drawingml/2006/table">
+            <a:tbl>
+              <a:tblPr firstRow="1" bandRow="1">
+                <a:tableStyleId>{5C22544A-7EE6-4342-B048-85BDC9FD1C3A}</a:tableStyleId>
+              </a:tblPr>
+              <a:tblGrid>
+                <a:gridCol w="2271711">
+                  <a:extLst>
+                    <a:ext uri="{9D8B030D-6E8A-4147-A177-3AD203B41FA5}">
+                      <a16:colId xmlns:a16="http://schemas.microsoft.com/office/drawing/2014/main" val="20000"/>
+                    </a:ext>
+                  </a:extLst>
+                </a:gridCol>
+                <a:gridCol w="723033">
+                  <a:extLst>
+                    <a:ext uri="{9D8B030D-6E8A-4147-A177-3AD203B41FA5}">
+                      <a16:colId xmlns:a16="http://schemas.microsoft.com/office/drawing/2014/main" val="20001"/>
+                    </a:ext>
+                  </a:extLst>
+                </a:gridCol>
+                <a:gridCol w="723033">
+                  <a:extLst>
+                    <a:ext uri="{9D8B030D-6E8A-4147-A177-3AD203B41FA5}">
+                      <a16:colId xmlns:a16="http://schemas.microsoft.com/office/drawing/2014/main" val="2891368053"/>
+                    </a:ext>
+                  </a:extLst>
+                </a:gridCol>
+                <a:gridCol w="723033">
+                  <a:extLst>
+                    <a:ext uri="{9D8B030D-6E8A-4147-A177-3AD203B41FA5}">
+                      <a16:colId xmlns:a16="http://schemas.microsoft.com/office/drawing/2014/main" val="20002"/>
+                    </a:ext>
+                  </a:extLst>
+                </a:gridCol>
+                <a:gridCol w="723033">
+                  <a:extLst>
+                    <a:ext uri="{9D8B030D-6E8A-4147-A177-3AD203B41FA5}">
+                      <a16:colId xmlns:a16="http://schemas.microsoft.com/office/drawing/2014/main" val="1487620711"/>
+                    </a:ext>
+                  </a:extLst>
+                </a:gridCol>
+                <a:gridCol w="723033">
+                  <a:extLst>
+                    <a:ext uri="{9D8B030D-6E8A-4147-A177-3AD203B41FA5}">
+                      <a16:colId xmlns:a16="http://schemas.microsoft.com/office/drawing/2014/main" val="20003"/>
+                    </a:ext>
+                  </a:extLst>
+                </a:gridCol>
+                <a:gridCol w="723033">
+                  <a:extLst>
+                    <a:ext uri="{9D8B030D-6E8A-4147-A177-3AD203B41FA5}">
+                      <a16:colId xmlns:a16="http://schemas.microsoft.com/office/drawing/2014/main" val="2450468692"/>
+                    </a:ext>
+                  </a:extLst>
+                </a:gridCol>
+                <a:gridCol w="723033">
+                  <a:extLst>
+                    <a:ext uri="{9D8B030D-6E8A-4147-A177-3AD203B41FA5}">
+                      <a16:colId xmlns:a16="http://schemas.microsoft.com/office/drawing/2014/main" val="20004"/>
+                    </a:ext>
+                  </a:extLst>
+                </a:gridCol>
+              </a:tblGrid>
+              <a:tr h="432626">
+                <a:tc>
+                  <a:txBody>
+                    <a:bodyPr/>
+                    <a:lstStyle/>
+                    <a:p>
+                      <a:r>
+                        <a:rPr lang="en-US" sz="2400" dirty="0"/>
+                        <a:t>   </a:t>
+                      </a:r>
+                      <a:endParaRPr lang="el-GR" sz="2400" dirty="0"/>
+                    </a:p>
+                  </a:txBody>
+                  <a:tcPr marL="96000" marR="96000" marT="48000" marB="48000" anchor="ctr">
+                    <a:lnR w="12700" cap="flat" cmpd="sng" algn="ctr">
+                      <a:solidFill>
+                        <a:schemeClr val="bg1">
+                          <a:lumMod val="75000"/>
+                        </a:schemeClr>
+                      </a:solidFill>
+                      <a:prstDash val="solid"/>
+                      <a:round/>
+                      <a:headEnd type="none" w="med" len="med"/>
+                      <a:tailEnd type="none" w="med" len="med"/>
+                    </a:lnR>
+                    <a:lnT w="12700" cap="flat" cmpd="sng" algn="ctr">
+                      <a:noFill/>
+                      <a:prstDash val="solid"/>
+                      <a:round/>
+                      <a:headEnd type="none" w="med" len="med"/>
+                      <a:tailEnd type="none" w="med" len="med"/>
+                    </a:lnT>
+                    <a:lnB w="12700" cap="flat" cmpd="sng" algn="ctr">
+                      <a:noFill/>
+                      <a:prstDash val="solid"/>
+                      <a:round/>
+                      <a:headEnd type="none" w="med" len="med"/>
+                      <a:tailEnd type="none" w="med" len="med"/>
+                    </a:lnB>
+                    <a:solidFill>
+                      <a:schemeClr val="bg1"/>
+                    </a:solidFill>
+                  </a:tcPr>
+                </a:tc>
+                <a:tc>
+                  <a:txBody>
+                    <a:bodyPr/>
+                    <a:lstStyle/>
+                    <a:p>
+                      <a:pPr algn="ctr"/>
+                      <a:r>
+                        <a:rPr lang="en-US" sz="1100" dirty="0"/>
+                        <a:t>April 15</a:t>
+                      </a:r>
+                      <a:endParaRPr lang="el-GR" sz="1100" dirty="0"/>
+                    </a:p>
+                  </a:txBody>
+                  <a:tcPr marL="96000" marR="96000" marT="48000" marB="48000" anchor="ctr">
+                    <a:lnL w="12700" cap="flat" cmpd="sng" algn="ctr">
+                      <a:solidFill>
+                        <a:schemeClr val="bg1">
+                          <a:lumMod val="75000"/>
+                        </a:schemeClr>
+                      </a:solidFill>
+                      <a:prstDash val="solid"/>
+                      <a:round/>
+                      <a:headEnd type="none" w="med" len="med"/>
+                      <a:tailEnd type="none" w="med" len="med"/>
+                    </a:lnL>
+                    <a:lnR w="12700" cap="flat" cmpd="sng" algn="ctr">
+                      <a:solidFill>
+                        <a:schemeClr val="bg1"/>
+                      </a:solidFill>
+                      <a:prstDash val="solid"/>
+                      <a:round/>
+                      <a:headEnd type="none" w="med" len="med"/>
+                      <a:tailEnd type="none" w="med" len="med"/>
+                    </a:lnR>
+                    <a:lnT w="12700" cap="flat" cmpd="sng" algn="ctr">
+                      <a:noFill/>
+                      <a:prstDash val="solid"/>
+                      <a:round/>
+                      <a:headEnd type="none" w="med" len="med"/>
+                      <a:tailEnd type="none" w="med" len="med"/>
+                    </a:lnT>
+                    <a:lnB w="12700" cap="flat" cmpd="sng" algn="ctr">
+                      <a:solidFill>
+                        <a:schemeClr val="tx1"/>
+                      </a:solidFill>
+                      <a:prstDash val="solid"/>
+                      <a:round/>
+                      <a:headEnd type="none" w="med" len="med"/>
+                      <a:tailEnd type="none" w="med" len="med"/>
+                    </a:lnB>
+                    <a:solidFill>
+                      <a:schemeClr val="accent1"/>
+                    </a:solidFill>
+                  </a:tcPr>
+                </a:tc>
+                <a:tc>
+                  <a:txBody>
+                    <a:bodyPr/>
+                    <a:lstStyle/>
+                    <a:p>
+                      <a:pPr marL="0" marR="0" lvl="0" indent="0" algn="ctr" rtl="0" eaLnBrk="1" fontAlgn="auto" latinLnBrk="0" hangingPunct="1">
+                        <a:lnSpc>
+                          <a:spcPct val="100000"/>
+                        </a:lnSpc>
+                        <a:spcBef>
+                          <a:spcPts val="0"/>
+                        </a:spcBef>
+                        <a:spcAft>
+                          <a:spcPts val="0"/>
+                        </a:spcAft>
+                        <a:buClrTx/>
+                        <a:buSzTx/>
+                        <a:buFontTx/>
+                        <a:buNone/>
+                      </a:pPr>
+                      <a:r>
+                        <a:rPr lang="en-US" sz="1100" dirty="0"/>
+                        <a:t>April 22</a:t>
+                      </a:r>
+                      <a:endParaRPr lang="el-GR" sz="1100" dirty="0"/>
+                    </a:p>
+                  </a:txBody>
+                  <a:tcPr marL="96000" marR="96000" marT="48000" marB="48000" anchor="ctr">
+                    <a:lnL w="12700" cap="flat" cmpd="sng" algn="ctr">
+                      <a:solidFill>
+                        <a:schemeClr val="bg1"/>
+                      </a:solidFill>
+                      <a:prstDash val="solid"/>
+                      <a:round/>
+                      <a:headEnd type="none" w="med" len="med"/>
+                      <a:tailEnd type="none" w="med" len="med"/>
+                    </a:lnL>
+                    <a:lnR w="12700" cap="flat" cmpd="sng" algn="ctr">
+                      <a:solidFill>
+                        <a:schemeClr val="bg1"/>
+                      </a:solidFill>
+                      <a:prstDash val="solid"/>
+                      <a:round/>
+                      <a:headEnd type="none" w="med" len="med"/>
+                      <a:tailEnd type="none" w="med" len="med"/>
+                    </a:lnR>
+                    <a:lnT w="12700" cap="flat" cmpd="sng" algn="ctr">
+                      <a:noFill/>
+                      <a:prstDash val="solid"/>
+                      <a:round/>
+                      <a:headEnd type="none" w="med" len="med"/>
+                      <a:tailEnd type="none" w="med" len="med"/>
+                    </a:lnT>
+                    <a:lnB w="12700" cap="flat" cmpd="sng" algn="ctr">
+                      <a:solidFill>
+                        <a:schemeClr val="tx1"/>
+                      </a:solidFill>
+                      <a:prstDash val="solid"/>
+                      <a:round/>
+                      <a:headEnd type="none" w="med" len="med"/>
+                      <a:tailEnd type="none" w="med" len="med"/>
+                    </a:lnB>
+                    <a:solidFill>
+                      <a:schemeClr val="accent1"/>
+                    </a:solidFill>
+                  </a:tcPr>
+                </a:tc>
+                <a:tc>
+                  <a:txBody>
+                    <a:bodyPr/>
+                    <a:lstStyle/>
+                    <a:p>
+                      <a:pPr marL="0" marR="0" lvl="0" indent="0" algn="ctr" rtl="0" eaLnBrk="1" fontAlgn="auto" latinLnBrk="0" hangingPunct="1">
+                        <a:lnSpc>
+                          <a:spcPct val="100000"/>
+                        </a:lnSpc>
+                        <a:spcBef>
+                          <a:spcPts val="0"/>
+                        </a:spcBef>
+                        <a:spcAft>
+                          <a:spcPts val="0"/>
+                        </a:spcAft>
+                        <a:buClrTx/>
+                        <a:buSzTx/>
+                        <a:buFontTx/>
+                        <a:buNone/>
+                      </a:pPr>
+                      <a:r>
+                        <a:rPr lang="en-US" sz="1100" dirty="0"/>
+                        <a:t>April 29</a:t>
+                      </a:r>
+                      <a:endParaRPr lang="el-GR" sz="1100" dirty="0"/>
+                    </a:p>
+                  </a:txBody>
+                  <a:tcPr marL="96000" marR="96000" marT="48000" marB="48000" anchor="ctr">
+                    <a:lnL w="12700" cap="flat" cmpd="sng" algn="ctr">
+                      <a:solidFill>
+                        <a:schemeClr val="bg1"/>
+                      </a:solidFill>
+                      <a:prstDash val="solid"/>
+                      <a:round/>
+                      <a:headEnd type="none" w="med" len="med"/>
+                      <a:tailEnd type="none" w="med" len="med"/>
+                    </a:lnL>
+                    <a:lnR w="12700" cap="flat" cmpd="sng" algn="ctr">
+                      <a:solidFill>
+                        <a:schemeClr val="bg1"/>
+                      </a:solidFill>
+                      <a:prstDash val="solid"/>
+                      <a:round/>
+                      <a:headEnd type="none" w="med" len="med"/>
+                      <a:tailEnd type="none" w="med" len="med"/>
+                    </a:lnR>
+                    <a:lnT w="12700" cap="flat" cmpd="sng" algn="ctr">
+                      <a:noFill/>
+                      <a:prstDash val="solid"/>
+                      <a:round/>
+                      <a:headEnd type="none" w="med" len="med"/>
+                      <a:tailEnd type="none" w="med" len="med"/>
+                    </a:lnT>
+                    <a:lnB w="12700" cap="flat" cmpd="sng" algn="ctr">
+                      <a:solidFill>
+                        <a:schemeClr val="tx1"/>
+                      </a:solidFill>
+                      <a:prstDash val="solid"/>
+                      <a:round/>
+                      <a:headEnd type="none" w="med" len="med"/>
+                      <a:tailEnd type="none" w="med" len="med"/>
+                    </a:lnB>
+                    <a:solidFill>
+                      <a:schemeClr val="accent1"/>
+                    </a:solidFill>
+                  </a:tcPr>
+                </a:tc>
+                <a:tc>
+                  <a:txBody>
+                    <a:bodyPr/>
+                    <a:lstStyle/>
+                    <a:p>
+                      <a:pPr marL="0" marR="0" lvl="0" indent="0" algn="ctr" rtl="0" eaLnBrk="1" fontAlgn="auto" latinLnBrk="0" hangingPunct="1">
+                        <a:lnSpc>
+                          <a:spcPct val="100000"/>
+                        </a:lnSpc>
+                        <a:spcBef>
+                          <a:spcPts val="0"/>
+                        </a:spcBef>
+                        <a:spcAft>
+                          <a:spcPts val="0"/>
+                        </a:spcAft>
+                        <a:buClrTx/>
+                        <a:buSzTx/>
+                        <a:buFontTx/>
+                        <a:buNone/>
+                      </a:pPr>
+                      <a:r>
+                        <a:rPr lang="en-US" sz="1100" dirty="0"/>
+                        <a:t>May 6</a:t>
+                      </a:r>
+                      <a:endParaRPr lang="el-GR" sz="1100" dirty="0"/>
+                    </a:p>
+                  </a:txBody>
+                  <a:tcPr marL="96000" marR="96000" marT="48000" marB="48000" anchor="ctr">
+                    <a:lnL w="12700" cap="flat" cmpd="sng" algn="ctr">
+                      <a:solidFill>
+                        <a:schemeClr val="bg1"/>
+                      </a:solidFill>
+                      <a:prstDash val="solid"/>
+                      <a:round/>
+                      <a:headEnd type="none" w="med" len="med"/>
+                      <a:tailEnd type="none" w="med" len="med"/>
+                    </a:lnL>
+                    <a:lnR w="12700" cap="flat" cmpd="sng" algn="ctr">
+                      <a:solidFill>
+                        <a:schemeClr val="bg1"/>
+                      </a:solidFill>
+                      <a:prstDash val="solid"/>
+                      <a:round/>
+                      <a:headEnd type="none" w="med" len="med"/>
+                      <a:tailEnd type="none" w="med" len="med"/>
+                    </a:lnR>
+                    <a:lnT w="12700" cap="flat" cmpd="sng" algn="ctr">
+                      <a:noFill/>
+                      <a:prstDash val="solid"/>
+                      <a:round/>
+                      <a:headEnd type="none" w="med" len="med"/>
+                      <a:tailEnd type="none" w="med" len="med"/>
+                    </a:lnT>
+                    <a:lnB w="12700" cap="flat" cmpd="sng" algn="ctr">
+                      <a:solidFill>
+                        <a:schemeClr val="tx1"/>
+                      </a:solidFill>
+                      <a:prstDash val="solid"/>
+                      <a:round/>
+                      <a:headEnd type="none" w="med" len="med"/>
+                      <a:tailEnd type="none" w="med" len="med"/>
+                    </a:lnB>
+                    <a:solidFill>
+                      <a:schemeClr val="accent1"/>
+                    </a:solidFill>
+                  </a:tcPr>
+                </a:tc>
+                <a:tc>
+                  <a:txBody>
+                    <a:bodyPr/>
+                    <a:lstStyle/>
+                    <a:p>
+                      <a:pPr algn="ctr"/>
+                      <a:r>
+                        <a:rPr lang="en-US" sz="1100" dirty="0"/>
+                        <a:t>May 20</a:t>
+                      </a:r>
+                      <a:endParaRPr lang="el-GR" sz="1100" dirty="0"/>
+                    </a:p>
+                  </a:txBody>
+                  <a:tcPr marL="96000" marR="96000" marT="48000" marB="48000" anchor="ctr">
+                    <a:lnL w="12700" cap="flat" cmpd="sng" algn="ctr">
+                      <a:solidFill>
+                        <a:schemeClr val="bg1"/>
+                      </a:solidFill>
+                      <a:prstDash val="solid"/>
+                      <a:round/>
+                      <a:headEnd type="none" w="med" len="med"/>
+                      <a:tailEnd type="none" w="med" len="med"/>
+                    </a:lnL>
+                    <a:lnR w="12700" cap="flat" cmpd="sng" algn="ctr">
+                      <a:solidFill>
+                        <a:schemeClr val="bg1"/>
+                      </a:solidFill>
+                      <a:prstDash val="solid"/>
+                      <a:round/>
+                      <a:headEnd type="none" w="med" len="med"/>
+                      <a:tailEnd type="none" w="med" len="med"/>
+                    </a:lnR>
+                    <a:lnT w="12700" cap="flat" cmpd="sng" algn="ctr">
+                      <a:noFill/>
+                      <a:prstDash val="solid"/>
+                      <a:round/>
+                      <a:headEnd type="none" w="med" len="med"/>
+                      <a:tailEnd type="none" w="med" len="med"/>
+                    </a:lnT>
+                    <a:lnB w="12700" cap="flat" cmpd="sng" algn="ctr">
+                      <a:solidFill>
+                        <a:schemeClr val="tx1"/>
+                      </a:solidFill>
+                      <a:prstDash val="solid"/>
+                      <a:round/>
+                      <a:headEnd type="none" w="med" len="med"/>
+                      <a:tailEnd type="none" w="med" len="med"/>
+                    </a:lnB>
+                    <a:solidFill>
+                      <a:srgbClr val="156082"/>
+                    </a:solidFill>
+                  </a:tcPr>
+                </a:tc>
+                <a:tc>
+                  <a:txBody>
+                    <a:bodyPr/>
+                    <a:lstStyle/>
+                    <a:p>
+                      <a:pPr algn="ctr"/>
+                      <a:r>
+                        <a:rPr lang="en-US" sz="1100" dirty="0"/>
+                        <a:t>June 4</a:t>
+                      </a:r>
+                      <a:endParaRPr lang="el-GR" sz="1100" dirty="0"/>
+                    </a:p>
+                  </a:txBody>
+                  <a:tcPr marL="96000" marR="96000" marT="48000" marB="48000" anchor="ctr">
+                    <a:lnL w="12700" cap="flat" cmpd="sng" algn="ctr">
+                      <a:solidFill>
+                        <a:schemeClr val="bg1"/>
+                      </a:solidFill>
+                      <a:prstDash val="solid"/>
+                      <a:round/>
+                      <a:headEnd type="none" w="med" len="med"/>
+                      <a:tailEnd type="none" w="med" len="med"/>
+                    </a:lnL>
+                    <a:lnR w="12700" cap="flat" cmpd="sng" algn="ctr">
+                      <a:solidFill>
+                        <a:schemeClr val="bg1"/>
+                      </a:solidFill>
+                      <a:prstDash val="solid"/>
+                      <a:round/>
+                      <a:headEnd type="none" w="med" len="med"/>
+                      <a:tailEnd type="none" w="med" len="med"/>
+                    </a:lnR>
+                    <a:lnT w="12700" cap="flat" cmpd="sng" algn="ctr">
+                      <a:noFill/>
+                      <a:prstDash val="solid"/>
+                      <a:round/>
+                      <a:headEnd type="none" w="med" len="med"/>
+                      <a:tailEnd type="none" w="med" len="med"/>
+                    </a:lnT>
+                    <a:lnB w="12700" cap="flat" cmpd="sng" algn="ctr">
+                      <a:solidFill>
+                        <a:schemeClr val="tx1"/>
+                      </a:solidFill>
+                      <a:prstDash val="solid"/>
+                      <a:round/>
+                      <a:headEnd type="none" w="med" len="med"/>
+                      <a:tailEnd type="none" w="med" len="med"/>
+                    </a:lnB>
+                    <a:solidFill>
+                      <a:srgbClr val="156082"/>
+                    </a:solidFill>
+                  </a:tcPr>
+                </a:tc>
+                <a:tc>
+                  <a:txBody>
+                    <a:bodyPr/>
+                    <a:lstStyle/>
+                    <a:p>
+                      <a:pPr algn="ctr"/>
+                      <a:r>
+                        <a:rPr lang="en-US" sz="1100" dirty="0"/>
+                        <a:t>June 11</a:t>
+                      </a:r>
+                      <a:endParaRPr lang="el-GR" sz="1100" dirty="0"/>
+                    </a:p>
+                  </a:txBody>
+                  <a:tcPr marL="96000" marR="96000" marT="48000" marB="48000" anchor="ctr">
+                    <a:lnL w="12700" cap="flat" cmpd="sng" algn="ctr">
+                      <a:solidFill>
+                        <a:schemeClr val="bg1"/>
+                      </a:solidFill>
+                      <a:prstDash val="solid"/>
+                      <a:round/>
+                      <a:headEnd type="none" w="med" len="med"/>
+                      <a:tailEnd type="none" w="med" len="med"/>
+                    </a:lnL>
+                    <a:lnR w="12700" cap="flat" cmpd="sng" algn="ctr">
+                      <a:solidFill>
+                        <a:schemeClr val="bg1"/>
+                      </a:solidFill>
+                      <a:prstDash val="solid"/>
+                      <a:round/>
+                      <a:headEnd type="none" w="med" len="med"/>
+                      <a:tailEnd type="none" w="med" len="med"/>
+                    </a:lnR>
+                    <a:lnT w="12700" cap="flat" cmpd="sng" algn="ctr">
+                      <a:noFill/>
+                      <a:prstDash val="solid"/>
+                      <a:round/>
+                      <a:headEnd type="none" w="med" len="med"/>
+                      <a:tailEnd type="none" w="med" len="med"/>
+                    </a:lnT>
+                    <a:lnB w="12700" cap="flat" cmpd="sng" algn="ctr">
+                      <a:solidFill>
+                        <a:schemeClr val="tx1"/>
+                      </a:solidFill>
+                      <a:prstDash val="solid"/>
+                      <a:round/>
+                      <a:headEnd type="none" w="med" len="med"/>
+                      <a:tailEnd type="none" w="med" len="med"/>
+                    </a:lnB>
+                    <a:solidFill>
+                      <a:srgbClr val="156082"/>
+                    </a:solidFill>
+                  </a:tcPr>
+                </a:tc>
+                <a:extLst>
+                  <a:ext uri="{0D108BD9-81ED-4DB2-BD59-A6C34878D82A}">
+                    <a16:rowId xmlns:a16="http://schemas.microsoft.com/office/drawing/2014/main" val="10000"/>
+                  </a:ext>
+                </a:extLst>
+              </a:tr>
+              <a:tr h="432626">
+                <a:tc>
+                  <a:txBody>
+                    <a:bodyPr/>
+                    <a:lstStyle/>
+                    <a:p>
+                      <a:pPr marL="629920" indent="0">
+                        <a:tabLst>
+                          <a:tab pos="630238" algn="l"/>
+                        </a:tabLst>
+                      </a:pPr>
+                      <a:r>
+                        <a:rPr lang="en-US" sz="1000" b="1" kern="1200" dirty="0">
+                          <a:solidFill>
+                            <a:schemeClr val="dk1"/>
+                          </a:solidFill>
+                          <a:effectLst/>
+                          <a:latin typeface="+mn-lt"/>
+                          <a:ea typeface="+mn-ea"/>
+                          <a:cs typeface="+mn-cs"/>
+                        </a:rPr>
+                        <a:t>Machine Dataset Translation</a:t>
+                      </a:r>
+                      <a:endParaRPr lang="en-GB" sz="1000" b="1" dirty="0">
+                        <a:solidFill>
+                          <a:schemeClr val="tx1"/>
+                        </a:solidFill>
+                      </a:endParaRPr>
+                    </a:p>
+                  </a:txBody>
+                  <a:tcPr marL="0" marR="48000" marT="48000" marB="48000" anchor="ctr">
+                    <a:lnR w="12700" cap="flat" cmpd="sng" algn="ctr">
+                      <a:solidFill>
+                        <a:schemeClr val="bg1">
+                          <a:lumMod val="75000"/>
+                        </a:schemeClr>
+                      </a:solidFill>
+                      <a:prstDash val="solid"/>
+                      <a:round/>
+                      <a:headEnd type="none" w="med" len="med"/>
+                      <a:tailEnd type="none" w="med" len="med"/>
+                    </a:lnR>
+                    <a:lnT w="12700" cap="flat" cmpd="sng" algn="ctr">
+                      <a:noFill/>
+                      <a:prstDash val="solid"/>
+                      <a:round/>
+                      <a:headEnd type="none" w="med" len="med"/>
+                      <a:tailEnd type="none" w="med" len="med"/>
+                    </a:lnT>
+                    <a:lnB w="6350" cap="flat" cmpd="sng" algn="ctr">
+                      <a:solidFill>
+                        <a:schemeClr val="tx1">
+                          <a:lumMod val="50000"/>
+                          <a:lumOff val="50000"/>
+                        </a:schemeClr>
+                      </a:solidFill>
+                      <a:prstDash val="solid"/>
+                      <a:round/>
+                      <a:headEnd type="none" w="med" len="med"/>
+                      <a:tailEnd type="none" w="med" len="med"/>
+                    </a:lnB>
+                    <a:solidFill>
+                      <a:schemeClr val="accent2">
+                        <a:lumMod val="20000"/>
+                        <a:lumOff val="80000"/>
+                      </a:schemeClr>
+                    </a:solidFill>
+                  </a:tcPr>
+                </a:tc>
+                <a:tc>
+                  <a:txBody>
+                    <a:bodyPr/>
+                    <a:lstStyle/>
+                    <a:p>
+                      <a:endParaRPr lang="en-GB" sz="1600" dirty="0"/>
+                    </a:p>
+                  </a:txBody>
+                  <a:tcPr marL="96000" marR="96000" marT="48000" marB="48000" anchor="ctr">
+                    <a:lnL w="12700" cap="flat" cmpd="sng" algn="ctr">
+                      <a:solidFill>
+                        <a:schemeClr val="bg1">
+                          <a:lumMod val="75000"/>
+                        </a:schemeClr>
+                      </a:solidFill>
+                      <a:prstDash val="solid"/>
+                      <a:round/>
+                      <a:headEnd type="none" w="med" len="med"/>
+                      <a:tailEnd type="none" w="med" len="med"/>
+                    </a:lnL>
+                    <a:lnR w="6350" cap="flat" cmpd="sng" algn="ctr">
+                      <a:solidFill>
+                        <a:schemeClr val="tx1">
+                          <a:lumMod val="50000"/>
+                          <a:lumOff val="50000"/>
+                        </a:schemeClr>
+                      </a:solidFill>
+                      <a:prstDash val="lgDash"/>
+                      <a:round/>
+                      <a:headEnd type="none" w="med" len="med"/>
+                      <a:tailEnd type="none" w="med" len="med"/>
+                    </a:lnR>
+                    <a:lnT w="12700" cap="flat" cmpd="sng" algn="ctr">
+                      <a:solidFill>
+                        <a:schemeClr val="tx1"/>
+                      </a:solidFill>
+                      <a:prstDash val="solid"/>
+                      <a:round/>
+                      <a:headEnd type="none" w="med" len="med"/>
+                      <a:tailEnd type="none" w="med" len="med"/>
+                    </a:lnT>
+                    <a:lnB w="6350" cap="flat" cmpd="sng" algn="ctr">
+                      <a:solidFill>
+                        <a:schemeClr val="tx1">
+                          <a:lumMod val="50000"/>
+                          <a:lumOff val="50000"/>
+                        </a:schemeClr>
+                      </a:solidFill>
+                      <a:prstDash val="solid"/>
+                      <a:round/>
+                      <a:headEnd type="none" w="med" len="med"/>
+                      <a:tailEnd type="none" w="med" len="med"/>
+                    </a:lnB>
+                    <a:noFill/>
+                  </a:tcPr>
+                </a:tc>
+                <a:tc>
+                  <a:txBody>
+                    <a:bodyPr/>
+                    <a:lstStyle/>
+                    <a:p>
+                      <a:endParaRPr lang="en-GB" sz="1600"/>
+                    </a:p>
+                  </a:txBody>
+                  <a:tcPr marL="96000" marR="96000" marT="48000" marB="48000" anchor="ctr">
+                    <a:lnL w="6350" cap="flat" cmpd="sng" algn="ctr">
+                      <a:solidFill>
+                        <a:schemeClr val="tx1">
+                          <a:lumMod val="50000"/>
+                          <a:lumOff val="50000"/>
+                        </a:schemeClr>
+                      </a:solidFill>
+                      <a:prstDash val="lgDash"/>
+                      <a:round/>
+                      <a:headEnd type="none" w="med" len="med"/>
+                      <a:tailEnd type="none" w="med" len="med"/>
+                    </a:lnL>
+                    <a:lnR w="6350" cap="flat" cmpd="sng" algn="ctr">
+                      <a:solidFill>
+                        <a:schemeClr val="tx1">
+                          <a:lumMod val="50000"/>
+                          <a:lumOff val="50000"/>
+                        </a:schemeClr>
+                      </a:solidFill>
+                      <a:prstDash val="lgDash"/>
+                      <a:round/>
+                      <a:headEnd type="none" w="med" len="med"/>
+                      <a:tailEnd type="none" w="med" len="med"/>
+                    </a:lnR>
+                    <a:lnT w="12700" cap="flat" cmpd="sng" algn="ctr">
+                      <a:solidFill>
+                        <a:schemeClr val="tx1"/>
+                      </a:solidFill>
+                      <a:prstDash val="solid"/>
+                      <a:round/>
+                      <a:headEnd type="none" w="med" len="med"/>
+                      <a:tailEnd type="none" w="med" len="med"/>
+                    </a:lnT>
+                    <a:lnB w="6350" cap="flat" cmpd="sng" algn="ctr">
+                      <a:solidFill>
+                        <a:schemeClr val="tx1">
+                          <a:lumMod val="50000"/>
+                          <a:lumOff val="50000"/>
+                        </a:schemeClr>
+                      </a:solidFill>
+                      <a:prstDash val="solid"/>
+                      <a:round/>
+                      <a:headEnd type="none" w="med" len="med"/>
+                      <a:tailEnd type="none" w="med" len="med"/>
+                    </a:lnB>
+                    <a:noFill/>
+                  </a:tcPr>
+                </a:tc>
+                <a:tc>
+                  <a:txBody>
+                    <a:bodyPr/>
+                    <a:lstStyle/>
+                    <a:p>
+                      <a:endParaRPr lang="el-GR" sz="2400"/>
+                    </a:p>
+                  </a:txBody>
+                  <a:tcPr marL="96000" marR="96000" marT="48000" marB="48000" anchor="ctr">
+                    <a:lnL w="6350" cap="flat" cmpd="sng" algn="ctr">
+                      <a:solidFill>
+                        <a:schemeClr val="tx1">
+                          <a:lumMod val="50000"/>
+                          <a:lumOff val="50000"/>
+                        </a:schemeClr>
+                      </a:solidFill>
+                      <a:prstDash val="lgDash"/>
+                      <a:round/>
+                      <a:headEnd type="none" w="med" len="med"/>
+                      <a:tailEnd type="none" w="med" len="med"/>
+                    </a:lnL>
+                    <a:lnR w="6350" cap="flat" cmpd="sng" algn="ctr">
+                      <a:solidFill>
+                        <a:schemeClr val="tx1">
+                          <a:lumMod val="50000"/>
+                          <a:lumOff val="50000"/>
+                        </a:schemeClr>
+                      </a:solidFill>
+                      <a:prstDash val="lgDash"/>
+                      <a:round/>
+                      <a:headEnd type="none" w="med" len="med"/>
+                      <a:tailEnd type="none" w="med" len="med"/>
+                    </a:lnR>
+                    <a:lnT w="12700" cap="flat" cmpd="sng" algn="ctr">
+                      <a:solidFill>
+                        <a:schemeClr val="tx1"/>
+                      </a:solidFill>
+                      <a:prstDash val="solid"/>
+                      <a:round/>
+                      <a:headEnd type="none" w="med" len="med"/>
+                      <a:tailEnd type="none" w="med" len="med"/>
+                    </a:lnT>
+                    <a:lnB w="6350" cap="flat" cmpd="sng" algn="ctr">
+                      <a:solidFill>
+                        <a:schemeClr val="tx1">
+                          <a:lumMod val="50000"/>
+                          <a:lumOff val="50000"/>
+                        </a:schemeClr>
+                      </a:solidFill>
+                      <a:prstDash val="solid"/>
+                      <a:round/>
+                      <a:headEnd type="none" w="med" len="med"/>
+                      <a:tailEnd type="none" w="med" len="med"/>
+                    </a:lnB>
+                    <a:noFill/>
+                  </a:tcPr>
+                </a:tc>
+                <a:tc>
+                  <a:txBody>
+                    <a:bodyPr/>
+                    <a:lstStyle/>
+                    <a:p>
+                      <a:endParaRPr lang="el-GR" sz="2400"/>
+                    </a:p>
+                  </a:txBody>
+                  <a:tcPr marL="96000" marR="96000" marT="48000" marB="48000" anchor="ctr">
+                    <a:lnL w="6350" cap="flat" cmpd="sng" algn="ctr">
+                      <a:solidFill>
+                        <a:schemeClr val="tx1">
+                          <a:lumMod val="50000"/>
+                          <a:lumOff val="50000"/>
+                        </a:schemeClr>
+                      </a:solidFill>
+                      <a:prstDash val="lgDash"/>
+                      <a:round/>
+                      <a:headEnd type="none" w="med" len="med"/>
+                      <a:tailEnd type="none" w="med" len="med"/>
+                    </a:lnL>
+                    <a:lnR w="6350" cap="flat" cmpd="sng" algn="ctr">
+                      <a:solidFill>
+                        <a:schemeClr val="tx1">
+                          <a:lumMod val="50000"/>
+                          <a:lumOff val="50000"/>
+                        </a:schemeClr>
+                      </a:solidFill>
+                      <a:prstDash val="lgDash"/>
+                      <a:round/>
+                      <a:headEnd type="none" w="med" len="med"/>
+                      <a:tailEnd type="none" w="med" len="med"/>
+                    </a:lnR>
+                    <a:lnT w="12700" cap="flat" cmpd="sng" algn="ctr">
+                      <a:solidFill>
+                        <a:schemeClr val="tx1"/>
+                      </a:solidFill>
+                      <a:prstDash val="solid"/>
+                      <a:round/>
+                      <a:headEnd type="none" w="med" len="med"/>
+                      <a:tailEnd type="none" w="med" len="med"/>
+                    </a:lnT>
+                    <a:lnB w="6350" cap="flat" cmpd="sng" algn="ctr">
+                      <a:solidFill>
+                        <a:schemeClr val="tx1">
+                          <a:lumMod val="50000"/>
+                          <a:lumOff val="50000"/>
+                        </a:schemeClr>
+                      </a:solidFill>
+                      <a:prstDash val="solid"/>
+                      <a:round/>
+                      <a:headEnd type="none" w="med" len="med"/>
+                      <a:tailEnd type="none" w="med" len="med"/>
+                    </a:lnB>
+                    <a:noFill/>
+                  </a:tcPr>
+                </a:tc>
+                <a:tc>
+                  <a:txBody>
+                    <a:bodyPr/>
+                    <a:lstStyle/>
+                    <a:p>
+                      <a:endParaRPr lang="el-GR" sz="2400" dirty="0"/>
+                    </a:p>
+                  </a:txBody>
+                  <a:tcPr marL="96000" marR="96000" marT="48000" marB="48000" anchor="ctr">
+                    <a:lnL w="6350" cap="flat" cmpd="sng" algn="ctr">
+                      <a:solidFill>
+                        <a:schemeClr val="tx1">
+                          <a:lumMod val="50000"/>
+                          <a:lumOff val="50000"/>
+                        </a:schemeClr>
+                      </a:solidFill>
+                      <a:prstDash val="lgDash"/>
+                      <a:round/>
+                      <a:headEnd type="none" w="med" len="med"/>
+                      <a:tailEnd type="none" w="med" len="med"/>
+                    </a:lnL>
+                    <a:lnR w="6350" cap="flat" cmpd="sng" algn="ctr">
+                      <a:solidFill>
+                        <a:schemeClr val="tx1">
+                          <a:lumMod val="50000"/>
+                          <a:lumOff val="50000"/>
+                        </a:schemeClr>
+                      </a:solidFill>
+                      <a:prstDash val="lgDash"/>
+                      <a:round/>
+                      <a:headEnd type="none" w="med" len="med"/>
+                      <a:tailEnd type="none" w="med" len="med"/>
+                    </a:lnR>
+                    <a:lnT w="12700" cap="flat" cmpd="sng" algn="ctr">
+                      <a:solidFill>
+                        <a:schemeClr val="tx1"/>
+                      </a:solidFill>
+                      <a:prstDash val="solid"/>
+                      <a:round/>
+                      <a:headEnd type="none" w="med" len="med"/>
+                      <a:tailEnd type="none" w="med" len="med"/>
+                    </a:lnT>
+                    <a:lnB w="6350" cap="flat" cmpd="sng" algn="ctr">
+                      <a:solidFill>
+                        <a:schemeClr val="tx1">
+                          <a:lumMod val="50000"/>
+                          <a:lumOff val="50000"/>
+                        </a:schemeClr>
+                      </a:solidFill>
+                      <a:prstDash val="solid"/>
+                      <a:round/>
+                      <a:headEnd type="none" w="med" len="med"/>
+                      <a:tailEnd type="none" w="med" len="med"/>
+                    </a:lnB>
+                    <a:noFill/>
+                  </a:tcPr>
+                </a:tc>
+                <a:tc>
+                  <a:txBody>
+                    <a:bodyPr/>
+                    <a:lstStyle/>
+                    <a:p>
+                      <a:endParaRPr lang="el-GR" sz="2400" dirty="0">
+                        <a:highlight>
+                          <a:srgbClr val="FFFF00"/>
+                        </a:highlight>
+                      </a:endParaRPr>
+                    </a:p>
+                  </a:txBody>
+                  <a:tcPr marL="96000" marR="96000" marT="48000" marB="48000" anchor="ctr">
+                    <a:lnL w="6350" cap="flat" cmpd="sng" algn="ctr">
+                      <a:solidFill>
+                        <a:schemeClr val="tx1">
+                          <a:lumMod val="50000"/>
+                          <a:lumOff val="50000"/>
+                        </a:schemeClr>
+                      </a:solidFill>
+                      <a:prstDash val="lgDash"/>
+                      <a:round/>
+                      <a:headEnd type="none" w="med" len="med"/>
+                      <a:tailEnd type="none" w="med" len="med"/>
+                    </a:lnL>
+                    <a:lnR w="6350" cap="flat" cmpd="sng" algn="ctr">
+                      <a:solidFill>
+                        <a:schemeClr val="tx1">
+                          <a:lumMod val="50000"/>
+                          <a:lumOff val="50000"/>
+                        </a:schemeClr>
+                      </a:solidFill>
+                      <a:prstDash val="lgDash"/>
+                      <a:round/>
+                      <a:headEnd type="none" w="med" len="med"/>
+                      <a:tailEnd type="none" w="med" len="med"/>
+                    </a:lnR>
+                    <a:lnT w="12700" cap="flat" cmpd="sng" algn="ctr">
+                      <a:solidFill>
+                        <a:schemeClr val="tx1"/>
+                      </a:solidFill>
+                      <a:prstDash val="solid"/>
+                      <a:round/>
+                      <a:headEnd type="none" w="med" len="med"/>
+                      <a:tailEnd type="none" w="med" len="med"/>
+                    </a:lnT>
+                    <a:lnB w="6350" cap="flat" cmpd="sng" algn="ctr">
+                      <a:solidFill>
+                        <a:schemeClr val="tx1">
+                          <a:lumMod val="50000"/>
+                          <a:lumOff val="50000"/>
+                        </a:schemeClr>
+                      </a:solidFill>
+                      <a:prstDash val="solid"/>
+                      <a:round/>
+                      <a:headEnd type="none" w="med" len="med"/>
+                      <a:tailEnd type="none" w="med" len="med"/>
+                    </a:lnB>
+                    <a:solidFill>
+                      <a:schemeClr val="bg1"/>
+                    </a:solidFill>
+                  </a:tcPr>
+                </a:tc>
+                <a:tc>
+                  <a:txBody>
+                    <a:bodyPr/>
+                    <a:lstStyle/>
+                    <a:p>
+                      <a:endParaRPr lang="el-GR" sz="2400"/>
+                    </a:p>
+                  </a:txBody>
+                  <a:tcPr marL="96000" marR="96000" marT="48000" marB="48000" anchor="ctr">
+                    <a:lnL w="6350" cap="flat" cmpd="sng" algn="ctr">
+                      <a:solidFill>
+                        <a:schemeClr val="tx1">
+                          <a:lumMod val="50000"/>
+                          <a:lumOff val="50000"/>
+                        </a:schemeClr>
+                      </a:solidFill>
+                      <a:prstDash val="lgDash"/>
+                      <a:round/>
+                      <a:headEnd type="none" w="med" len="med"/>
+                      <a:tailEnd type="none" w="med" len="med"/>
+                    </a:lnL>
+                    <a:lnR w="6350" cap="flat" cmpd="sng" algn="ctr">
+                      <a:solidFill>
+                        <a:schemeClr val="tx1">
+                          <a:lumMod val="50000"/>
+                          <a:lumOff val="50000"/>
+                        </a:schemeClr>
+                      </a:solidFill>
+                      <a:prstDash val="lgDash"/>
+                      <a:round/>
+                      <a:headEnd type="none" w="med" len="med"/>
+                      <a:tailEnd type="none" w="med" len="med"/>
+                    </a:lnR>
+                    <a:lnT w="12700" cap="flat" cmpd="sng" algn="ctr">
+                      <a:solidFill>
+                        <a:schemeClr val="tx1"/>
+                      </a:solidFill>
+                      <a:prstDash val="solid"/>
+                      <a:round/>
+                      <a:headEnd type="none" w="med" len="med"/>
+                      <a:tailEnd type="none" w="med" len="med"/>
+                    </a:lnT>
+                    <a:lnB w="6350" cap="flat" cmpd="sng" algn="ctr">
+                      <a:solidFill>
+                        <a:schemeClr val="tx1">
+                          <a:lumMod val="50000"/>
+                          <a:lumOff val="50000"/>
+                        </a:schemeClr>
+                      </a:solidFill>
+                      <a:prstDash val="solid"/>
+                      <a:round/>
+                      <a:headEnd type="none" w="med" len="med"/>
+                      <a:tailEnd type="none" w="med" len="med"/>
+                    </a:lnB>
+                    <a:noFill/>
+                  </a:tcPr>
+                </a:tc>
+                <a:extLst>
+                  <a:ext uri="{0D108BD9-81ED-4DB2-BD59-A6C34878D82A}">
+                    <a16:rowId xmlns:a16="http://schemas.microsoft.com/office/drawing/2014/main" val="10001"/>
+                  </a:ext>
+                </a:extLst>
+              </a:tr>
+              <a:tr h="426590">
+                <a:tc>
+                  <a:txBody>
+                    <a:bodyPr/>
+                    <a:lstStyle/>
+                    <a:p>
+                      <a:pPr marL="629920" indent="0" algn="l" defTabSz="914400" rtl="0" eaLnBrk="1" latinLnBrk="0" hangingPunct="1">
+                        <a:tabLst>
+                          <a:tab pos="630238" algn="l"/>
+                        </a:tabLst>
+                      </a:pPr>
+                      <a:r>
+                        <a:rPr lang="en-GB" sz="1000" b="1" kern="1200" dirty="0">
+                          <a:solidFill>
+                            <a:schemeClr val="dk1"/>
+                          </a:solidFill>
+                          <a:effectLst/>
+                          <a:latin typeface="+mn-lt"/>
+                          <a:ea typeface="+mn-ea"/>
+                          <a:cs typeface="+mn-cs"/>
+                        </a:rPr>
+                        <a:t>Translation Validation</a:t>
+                      </a:r>
+                    </a:p>
+                  </a:txBody>
+                  <a:tcPr marL="0" marR="48000" marT="48000" marB="48000" anchor="ctr">
+                    <a:lnR w="12700" cap="flat" cmpd="sng" algn="ctr">
+                      <a:solidFill>
+                        <a:schemeClr val="bg1">
+                          <a:lumMod val="75000"/>
+                        </a:schemeClr>
+                      </a:solidFill>
+                      <a:prstDash val="solid"/>
+                      <a:round/>
+                      <a:headEnd type="none" w="med" len="med"/>
+                      <a:tailEnd type="none" w="med" len="med"/>
+                    </a:lnR>
+                    <a:lnT w="6350" cap="flat" cmpd="sng" algn="ctr">
+                      <a:solidFill>
+                        <a:schemeClr val="tx1">
+                          <a:lumMod val="50000"/>
+                          <a:lumOff val="50000"/>
+                        </a:schemeClr>
+                      </a:solidFill>
+                      <a:prstDash val="solid"/>
+                      <a:round/>
+                      <a:headEnd type="none" w="med" len="med"/>
+                      <a:tailEnd type="none" w="med" len="med"/>
+                    </a:lnT>
+                    <a:lnB w="6350" cap="flat" cmpd="sng" algn="ctr">
+                      <a:solidFill>
+                        <a:schemeClr val="tx1">
+                          <a:lumMod val="50000"/>
+                          <a:lumOff val="50000"/>
+                        </a:schemeClr>
+                      </a:solidFill>
+                      <a:prstDash val="solid"/>
+                      <a:round/>
+                      <a:headEnd type="none" w="med" len="med"/>
+                      <a:tailEnd type="none" w="med" len="med"/>
+                    </a:lnB>
+                    <a:solidFill>
+                      <a:schemeClr val="accent2">
+                        <a:lumMod val="20000"/>
+                        <a:lumOff val="80000"/>
+                      </a:schemeClr>
+                    </a:solidFill>
+                  </a:tcPr>
+                </a:tc>
+                <a:tc>
+                  <a:txBody>
+                    <a:bodyPr/>
+                    <a:lstStyle/>
+                    <a:p>
+                      <a:endParaRPr lang="en-GB" sz="1600"/>
+                    </a:p>
+                  </a:txBody>
+                  <a:tcPr marL="96000" marR="96000" marT="48000" marB="48000" anchor="ctr">
+                    <a:lnL w="12700" cap="flat" cmpd="sng" algn="ctr">
+                      <a:solidFill>
+                        <a:schemeClr val="bg1">
+                          <a:lumMod val="75000"/>
+                        </a:schemeClr>
+                      </a:solidFill>
+                      <a:prstDash val="solid"/>
+                      <a:round/>
+                      <a:headEnd type="none" w="med" len="med"/>
+                      <a:tailEnd type="none" w="med" len="med"/>
+                    </a:lnL>
+                    <a:lnR w="6350" cap="flat" cmpd="sng" algn="ctr">
+                      <a:solidFill>
+                        <a:schemeClr val="tx1">
+                          <a:lumMod val="50000"/>
+                          <a:lumOff val="50000"/>
+                        </a:schemeClr>
+                      </a:solidFill>
+                      <a:prstDash val="lgDash"/>
+                      <a:round/>
+                      <a:headEnd type="none" w="med" len="med"/>
+                      <a:tailEnd type="none" w="med" len="med"/>
+                    </a:lnR>
+                    <a:lnT w="6350" cap="flat" cmpd="sng" algn="ctr">
+                      <a:solidFill>
+                        <a:schemeClr val="tx1">
+                          <a:lumMod val="50000"/>
+                          <a:lumOff val="50000"/>
+                        </a:schemeClr>
+                      </a:solidFill>
+                      <a:prstDash val="solid"/>
+                      <a:round/>
+                      <a:headEnd type="none" w="med" len="med"/>
+                      <a:tailEnd type="none" w="med" len="med"/>
+                    </a:lnT>
+                    <a:lnB w="6350" cap="flat" cmpd="sng" algn="ctr">
+                      <a:solidFill>
+                        <a:schemeClr val="tx1">
+                          <a:lumMod val="50000"/>
+                          <a:lumOff val="50000"/>
+                        </a:schemeClr>
+                      </a:solidFill>
+                      <a:prstDash val="solid"/>
+                      <a:round/>
+                      <a:headEnd type="none" w="med" len="med"/>
+                      <a:tailEnd type="none" w="med" len="med"/>
+                    </a:lnB>
+                    <a:noFill/>
+                  </a:tcPr>
+                </a:tc>
+                <a:tc>
+                  <a:txBody>
+                    <a:bodyPr/>
+                    <a:lstStyle/>
+                    <a:p>
+                      <a:endParaRPr lang="en-GB" sz="1600"/>
+                    </a:p>
+                  </a:txBody>
+                  <a:tcPr marL="96000" marR="96000" marT="48000" marB="48000" anchor="ctr">
+                    <a:lnL w="6350" cap="flat" cmpd="sng" algn="ctr">
+                      <a:solidFill>
+                        <a:schemeClr val="tx1">
+                          <a:lumMod val="50000"/>
+                          <a:lumOff val="50000"/>
+                        </a:schemeClr>
+                      </a:solidFill>
+                      <a:prstDash val="lgDash"/>
+                      <a:round/>
+                      <a:headEnd type="none" w="med" len="med"/>
+                      <a:tailEnd type="none" w="med" len="med"/>
+                    </a:lnL>
+                    <a:lnR w="6350" cap="flat" cmpd="sng" algn="ctr">
+                      <a:solidFill>
+                        <a:schemeClr val="tx1">
+                          <a:lumMod val="50000"/>
+                          <a:lumOff val="50000"/>
+                        </a:schemeClr>
+                      </a:solidFill>
+                      <a:prstDash val="lgDash"/>
+                      <a:round/>
+                      <a:headEnd type="none" w="med" len="med"/>
+                      <a:tailEnd type="none" w="med" len="med"/>
+                    </a:lnR>
+                    <a:lnT w="6350" cap="flat" cmpd="sng" algn="ctr">
+                      <a:solidFill>
+                        <a:schemeClr val="tx1">
+                          <a:lumMod val="50000"/>
+                          <a:lumOff val="50000"/>
+                        </a:schemeClr>
+                      </a:solidFill>
+                      <a:prstDash val="solid"/>
+                      <a:round/>
+                      <a:headEnd type="none" w="med" len="med"/>
+                      <a:tailEnd type="none" w="med" len="med"/>
+                    </a:lnT>
+                    <a:lnB w="6350" cap="flat" cmpd="sng" algn="ctr">
+                      <a:solidFill>
+                        <a:schemeClr val="tx1">
+                          <a:lumMod val="50000"/>
+                          <a:lumOff val="50000"/>
+                        </a:schemeClr>
+                      </a:solidFill>
+                      <a:prstDash val="solid"/>
+                      <a:round/>
+                      <a:headEnd type="none" w="med" len="med"/>
+                      <a:tailEnd type="none" w="med" len="med"/>
+                    </a:lnB>
+                    <a:noFill/>
+                  </a:tcPr>
+                </a:tc>
+                <a:tc>
+                  <a:txBody>
+                    <a:bodyPr/>
+                    <a:lstStyle/>
+                    <a:p>
+                      <a:endParaRPr lang="el-GR" sz="2400"/>
+                    </a:p>
+                  </a:txBody>
+                  <a:tcPr marL="96000" marR="96000" marT="48000" marB="48000" anchor="ctr">
+                    <a:lnL w="6350" cap="flat" cmpd="sng" algn="ctr">
+                      <a:solidFill>
+                        <a:schemeClr val="tx1">
+                          <a:lumMod val="50000"/>
+                          <a:lumOff val="50000"/>
+                        </a:schemeClr>
+                      </a:solidFill>
+                      <a:prstDash val="lgDash"/>
+                      <a:round/>
+                      <a:headEnd type="none" w="med" len="med"/>
+                      <a:tailEnd type="none" w="med" len="med"/>
+                    </a:lnL>
+                    <a:lnR w="6350" cap="flat" cmpd="sng" algn="ctr">
+                      <a:solidFill>
+                        <a:schemeClr val="tx1">
+                          <a:lumMod val="50000"/>
+                          <a:lumOff val="50000"/>
+                        </a:schemeClr>
+                      </a:solidFill>
+                      <a:prstDash val="lgDash"/>
+                      <a:round/>
+                      <a:headEnd type="none" w="med" len="med"/>
+                      <a:tailEnd type="none" w="med" len="med"/>
+                    </a:lnR>
+                    <a:lnT w="6350" cap="flat" cmpd="sng" algn="ctr">
+                      <a:solidFill>
+                        <a:schemeClr val="tx1">
+                          <a:lumMod val="50000"/>
+                          <a:lumOff val="50000"/>
+                        </a:schemeClr>
+                      </a:solidFill>
+                      <a:prstDash val="solid"/>
+                      <a:round/>
+                      <a:headEnd type="none" w="med" len="med"/>
+                      <a:tailEnd type="none" w="med" len="med"/>
+                    </a:lnT>
+                    <a:lnB w="6350" cap="flat" cmpd="sng" algn="ctr">
+                      <a:solidFill>
+                        <a:schemeClr val="tx1">
+                          <a:lumMod val="50000"/>
+                          <a:lumOff val="50000"/>
+                        </a:schemeClr>
+                      </a:solidFill>
+                      <a:prstDash val="solid"/>
+                      <a:round/>
+                      <a:headEnd type="none" w="med" len="med"/>
+                      <a:tailEnd type="none" w="med" len="med"/>
+                    </a:lnB>
+                    <a:noFill/>
+                  </a:tcPr>
+                </a:tc>
+                <a:tc>
+                  <a:txBody>
+                    <a:bodyPr/>
+                    <a:lstStyle/>
+                    <a:p>
+                      <a:endParaRPr lang="el-GR" sz="2400"/>
+                    </a:p>
+                  </a:txBody>
+                  <a:tcPr marL="96000" marR="96000" marT="48000" marB="48000" anchor="ctr">
+                    <a:lnL w="6350" cap="flat" cmpd="sng" algn="ctr">
+                      <a:solidFill>
+                        <a:schemeClr val="tx1">
+                          <a:lumMod val="50000"/>
+                          <a:lumOff val="50000"/>
+                        </a:schemeClr>
+                      </a:solidFill>
+                      <a:prstDash val="lgDash"/>
+                      <a:round/>
+                      <a:headEnd type="none" w="med" len="med"/>
+                      <a:tailEnd type="none" w="med" len="med"/>
+                    </a:lnL>
+                    <a:lnR w="6350" cap="flat" cmpd="sng" algn="ctr">
+                      <a:solidFill>
+                        <a:schemeClr val="tx1">
+                          <a:lumMod val="50000"/>
+                          <a:lumOff val="50000"/>
+                        </a:schemeClr>
+                      </a:solidFill>
+                      <a:prstDash val="lgDash"/>
+                      <a:round/>
+                      <a:headEnd type="none" w="med" len="med"/>
+                      <a:tailEnd type="none" w="med" len="med"/>
+                    </a:lnR>
+                    <a:lnT w="6350" cap="flat" cmpd="sng" algn="ctr">
+                      <a:solidFill>
+                        <a:schemeClr val="tx1">
+                          <a:lumMod val="50000"/>
+                          <a:lumOff val="50000"/>
+                        </a:schemeClr>
+                      </a:solidFill>
+                      <a:prstDash val="solid"/>
+                      <a:round/>
+                      <a:headEnd type="none" w="med" len="med"/>
+                      <a:tailEnd type="none" w="med" len="med"/>
+                    </a:lnT>
+                    <a:lnB w="6350" cap="flat" cmpd="sng" algn="ctr">
+                      <a:solidFill>
+                        <a:schemeClr val="tx1">
+                          <a:lumMod val="50000"/>
+                          <a:lumOff val="50000"/>
+                        </a:schemeClr>
+                      </a:solidFill>
+                      <a:prstDash val="solid"/>
+                      <a:round/>
+                      <a:headEnd type="none" w="med" len="med"/>
+                      <a:tailEnd type="none" w="med" len="med"/>
+                    </a:lnB>
+                    <a:noFill/>
+                  </a:tcPr>
+                </a:tc>
+                <a:tc>
+                  <a:txBody>
+                    <a:bodyPr/>
+                    <a:lstStyle/>
+                    <a:p>
+                      <a:endParaRPr lang="el-GR" sz="2400"/>
+                    </a:p>
+                  </a:txBody>
+                  <a:tcPr marL="96000" marR="96000" marT="48000" marB="48000" anchor="ctr">
+                    <a:lnL w="6350" cap="flat" cmpd="sng" algn="ctr">
+                      <a:solidFill>
+                        <a:schemeClr val="tx1">
+                          <a:lumMod val="50000"/>
+                          <a:lumOff val="50000"/>
+                        </a:schemeClr>
+                      </a:solidFill>
+                      <a:prstDash val="lgDash"/>
+                      <a:round/>
+                      <a:headEnd type="none" w="med" len="med"/>
+                      <a:tailEnd type="none" w="med" len="med"/>
+                    </a:lnL>
+                    <a:lnR w="6350" cap="flat" cmpd="sng" algn="ctr">
+                      <a:solidFill>
+                        <a:schemeClr val="tx1">
+                          <a:lumMod val="50000"/>
+                          <a:lumOff val="50000"/>
+                        </a:schemeClr>
+                      </a:solidFill>
+                      <a:prstDash val="lgDash"/>
+                      <a:round/>
+                      <a:headEnd type="none" w="med" len="med"/>
+                      <a:tailEnd type="none" w="med" len="med"/>
+                    </a:lnR>
+                    <a:lnT w="6350" cap="flat" cmpd="sng" algn="ctr">
+                      <a:solidFill>
+                        <a:schemeClr val="tx1">
+                          <a:lumMod val="50000"/>
+                          <a:lumOff val="50000"/>
+                        </a:schemeClr>
+                      </a:solidFill>
+                      <a:prstDash val="solid"/>
+                      <a:round/>
+                      <a:headEnd type="none" w="med" len="med"/>
+                      <a:tailEnd type="none" w="med" len="med"/>
+                    </a:lnT>
+                    <a:lnB w="6350" cap="flat" cmpd="sng" algn="ctr">
+                      <a:solidFill>
+                        <a:schemeClr val="tx1">
+                          <a:lumMod val="50000"/>
+                          <a:lumOff val="50000"/>
+                        </a:schemeClr>
+                      </a:solidFill>
+                      <a:prstDash val="solid"/>
+                      <a:round/>
+                      <a:headEnd type="none" w="med" len="med"/>
+                      <a:tailEnd type="none" w="med" len="med"/>
+                    </a:lnB>
+                    <a:noFill/>
+                  </a:tcPr>
+                </a:tc>
+                <a:tc>
+                  <a:txBody>
+                    <a:bodyPr/>
+                    <a:lstStyle/>
+                    <a:p>
+                      <a:endParaRPr lang="el-GR" sz="2400">
+                        <a:highlight>
+                          <a:srgbClr val="FFFF00"/>
+                        </a:highlight>
+                      </a:endParaRPr>
+                    </a:p>
+                  </a:txBody>
+                  <a:tcPr marL="96000" marR="96000" marT="48000" marB="48000" anchor="ctr">
+                    <a:lnL w="6350" cap="flat" cmpd="sng" algn="ctr">
+                      <a:solidFill>
+                        <a:schemeClr val="tx1">
+                          <a:lumMod val="50000"/>
+                          <a:lumOff val="50000"/>
+                        </a:schemeClr>
+                      </a:solidFill>
+                      <a:prstDash val="lgDash"/>
+                      <a:round/>
+                      <a:headEnd type="none" w="med" len="med"/>
+                      <a:tailEnd type="none" w="med" len="med"/>
+                    </a:lnL>
+                    <a:lnR w="6350" cap="flat" cmpd="sng" algn="ctr">
+                      <a:solidFill>
+                        <a:schemeClr val="tx1">
+                          <a:lumMod val="50000"/>
+                          <a:lumOff val="50000"/>
+                        </a:schemeClr>
+                      </a:solidFill>
+                      <a:prstDash val="lgDash"/>
+                      <a:round/>
+                      <a:headEnd type="none" w="med" len="med"/>
+                      <a:tailEnd type="none" w="med" len="med"/>
+                    </a:lnR>
+                    <a:lnT w="6350" cap="flat" cmpd="sng" algn="ctr">
+                      <a:solidFill>
+                        <a:schemeClr val="tx1">
+                          <a:lumMod val="50000"/>
+                          <a:lumOff val="50000"/>
+                        </a:schemeClr>
+                      </a:solidFill>
+                      <a:prstDash val="solid"/>
+                      <a:round/>
+                      <a:headEnd type="none" w="med" len="med"/>
+                      <a:tailEnd type="none" w="med" len="med"/>
+                    </a:lnT>
+                    <a:lnB w="6350" cap="flat" cmpd="sng" algn="ctr">
+                      <a:solidFill>
+                        <a:schemeClr val="tx1">
+                          <a:lumMod val="50000"/>
+                          <a:lumOff val="50000"/>
+                        </a:schemeClr>
+                      </a:solidFill>
+                      <a:prstDash val="solid"/>
+                      <a:round/>
+                      <a:headEnd type="none" w="med" len="med"/>
+                      <a:tailEnd type="none" w="med" len="med"/>
+                    </a:lnB>
+                    <a:solidFill>
+                      <a:schemeClr val="bg1"/>
+                    </a:solidFill>
+                  </a:tcPr>
+                </a:tc>
+                <a:tc>
+                  <a:txBody>
+                    <a:bodyPr/>
+                    <a:lstStyle/>
+                    <a:p>
+                      <a:endParaRPr lang="el-GR" sz="2400"/>
+                    </a:p>
+                  </a:txBody>
+                  <a:tcPr marL="96000" marR="96000" marT="48000" marB="48000" anchor="ctr">
+                    <a:lnL w="6350" cap="flat" cmpd="sng" algn="ctr">
+                      <a:solidFill>
+                        <a:schemeClr val="tx1">
+                          <a:lumMod val="50000"/>
+                          <a:lumOff val="50000"/>
+                        </a:schemeClr>
+                      </a:solidFill>
+                      <a:prstDash val="lgDash"/>
+                      <a:round/>
+                      <a:headEnd type="none" w="med" len="med"/>
+                      <a:tailEnd type="none" w="med" len="med"/>
+                    </a:lnL>
+                    <a:lnR w="6350" cap="flat" cmpd="sng" algn="ctr">
+                      <a:solidFill>
+                        <a:schemeClr val="tx1">
+                          <a:lumMod val="50000"/>
+                          <a:lumOff val="50000"/>
+                        </a:schemeClr>
+                      </a:solidFill>
+                      <a:prstDash val="lgDash"/>
+                      <a:round/>
+                      <a:headEnd type="none" w="med" len="med"/>
+                      <a:tailEnd type="none" w="med" len="med"/>
+                    </a:lnR>
+                    <a:lnT w="6350" cap="flat" cmpd="sng" algn="ctr">
+                      <a:solidFill>
+                        <a:schemeClr val="tx1">
+                          <a:lumMod val="50000"/>
+                          <a:lumOff val="50000"/>
+                        </a:schemeClr>
+                      </a:solidFill>
+                      <a:prstDash val="solid"/>
+                      <a:round/>
+                      <a:headEnd type="none" w="med" len="med"/>
+                      <a:tailEnd type="none" w="med" len="med"/>
+                    </a:lnT>
+                    <a:lnB w="6350" cap="flat" cmpd="sng" algn="ctr">
+                      <a:solidFill>
+                        <a:schemeClr val="tx1">
+                          <a:lumMod val="50000"/>
+                          <a:lumOff val="50000"/>
+                        </a:schemeClr>
+                      </a:solidFill>
+                      <a:prstDash val="solid"/>
+                      <a:round/>
+                      <a:headEnd type="none" w="med" len="med"/>
+                      <a:tailEnd type="none" w="med" len="med"/>
+                    </a:lnB>
+                    <a:noFill/>
+                  </a:tcPr>
+                </a:tc>
+                <a:extLst>
+                  <a:ext uri="{0D108BD9-81ED-4DB2-BD59-A6C34878D82A}">
+                    <a16:rowId xmlns:a16="http://schemas.microsoft.com/office/drawing/2014/main" val="10002"/>
+                  </a:ext>
+                </a:extLst>
+              </a:tr>
+              <a:tr h="461000">
+                <a:tc>
+                  <a:txBody>
+                    <a:bodyPr/>
+                    <a:lstStyle/>
+                    <a:p>
+                      <a:pPr marL="629920" marR="0" lvl="0" indent="0" algn="l" defTabSz="914400" rtl="0" eaLnBrk="1" fontAlgn="base" latinLnBrk="0" hangingPunct="1">
+                        <a:lnSpc>
+                          <a:spcPct val="100000"/>
+                        </a:lnSpc>
+                        <a:spcBef>
+                          <a:spcPts val="300"/>
+                        </a:spcBef>
+                        <a:spcAft>
+                          <a:spcPct val="0"/>
+                        </a:spcAft>
+                        <a:buClrTx/>
+                        <a:buSzTx/>
+                        <a:buFontTx/>
+                        <a:buNone/>
+                        <a:tabLst>
+                          <a:tab pos="630238" algn="l"/>
+                        </a:tabLst>
+                        <a:defRPr/>
+                      </a:pPr>
+                      <a:r>
+                        <a:rPr lang="en-US" sz="1000" b="1" kern="1200" dirty="0">
+                          <a:solidFill>
+                            <a:schemeClr val="dk1"/>
+                          </a:solidFill>
+                          <a:effectLst/>
+                          <a:latin typeface="+mn-lt"/>
+                          <a:ea typeface="+mn-ea"/>
+                          <a:cs typeface="+mn-cs"/>
+                        </a:rPr>
+                        <a:t>Feasibility Study of proposed models</a:t>
+                      </a:r>
+                      <a:endParaRPr lang="en-US" sz="1000" b="1" kern="1200" noProof="0" dirty="0">
+                        <a:solidFill>
+                          <a:schemeClr val="dk1"/>
+                        </a:solidFill>
+                        <a:effectLst/>
+                        <a:latin typeface="+mn-lt"/>
+                        <a:ea typeface="+mn-ea"/>
+                        <a:cs typeface="+mn-cs"/>
+                      </a:endParaRPr>
+                    </a:p>
+                  </a:txBody>
+                  <a:tcPr marL="0" marR="48000" marT="48000" marB="48000" anchor="ctr">
+                    <a:lnR w="12700" cap="flat" cmpd="sng" algn="ctr">
+                      <a:solidFill>
+                        <a:schemeClr val="bg1">
+                          <a:lumMod val="75000"/>
+                        </a:schemeClr>
+                      </a:solidFill>
+                      <a:prstDash val="solid"/>
+                      <a:round/>
+                      <a:headEnd type="none" w="med" len="med"/>
+                      <a:tailEnd type="none" w="med" len="med"/>
+                    </a:lnR>
+                    <a:lnT w="6350" cap="flat" cmpd="sng" algn="ctr">
+                      <a:solidFill>
+                        <a:schemeClr val="tx1">
+                          <a:lumMod val="50000"/>
+                          <a:lumOff val="50000"/>
+                        </a:schemeClr>
+                      </a:solidFill>
+                      <a:prstDash val="solid"/>
+                      <a:round/>
+                      <a:headEnd type="none" w="med" len="med"/>
+                      <a:tailEnd type="none" w="med" len="med"/>
+                    </a:lnT>
+                    <a:lnB w="6350" cap="flat" cmpd="sng" algn="ctr">
+                      <a:solidFill>
+                        <a:schemeClr val="tx1">
+                          <a:lumMod val="50000"/>
+                          <a:lumOff val="50000"/>
+                        </a:schemeClr>
+                      </a:solidFill>
+                      <a:prstDash val="solid"/>
+                      <a:round/>
+                      <a:headEnd type="none" w="med" len="med"/>
+                      <a:tailEnd type="none" w="med" len="med"/>
+                    </a:lnB>
+                    <a:solidFill>
+                      <a:schemeClr val="accent2">
+                        <a:lumMod val="20000"/>
+                        <a:lumOff val="80000"/>
+                      </a:schemeClr>
+                    </a:solidFill>
+                  </a:tcPr>
+                </a:tc>
+                <a:tc>
+                  <a:txBody>
+                    <a:bodyPr/>
+                    <a:lstStyle/>
+                    <a:p>
+                      <a:endParaRPr lang="en-GB" sz="1600" dirty="0"/>
+                    </a:p>
+                  </a:txBody>
+                  <a:tcPr marL="96000" marR="96000" marT="48000" marB="48000" anchor="ctr">
+                    <a:lnL w="12700" cap="flat" cmpd="sng" algn="ctr">
+                      <a:solidFill>
+                        <a:schemeClr val="bg1">
+                          <a:lumMod val="75000"/>
+                        </a:schemeClr>
+                      </a:solidFill>
+                      <a:prstDash val="solid"/>
+                      <a:round/>
+                      <a:headEnd type="none" w="med" len="med"/>
+                      <a:tailEnd type="none" w="med" len="med"/>
+                    </a:lnL>
+                    <a:lnR w="6350" cap="flat" cmpd="sng" algn="ctr">
+                      <a:solidFill>
+                        <a:schemeClr val="tx1">
+                          <a:lumMod val="50000"/>
+                          <a:lumOff val="50000"/>
+                        </a:schemeClr>
+                      </a:solidFill>
+                      <a:prstDash val="lgDash"/>
+                      <a:round/>
+                      <a:headEnd type="none" w="med" len="med"/>
+                      <a:tailEnd type="none" w="med" len="med"/>
+                    </a:lnR>
+                    <a:lnT w="6350" cap="flat" cmpd="sng" algn="ctr">
+                      <a:solidFill>
+                        <a:schemeClr val="tx1">
+                          <a:lumMod val="50000"/>
+                          <a:lumOff val="50000"/>
+                        </a:schemeClr>
+                      </a:solidFill>
+                      <a:prstDash val="solid"/>
+                      <a:round/>
+                      <a:headEnd type="none" w="med" len="med"/>
+                      <a:tailEnd type="none" w="med" len="med"/>
+                    </a:lnT>
+                    <a:lnB w="6350" cap="flat" cmpd="sng" algn="ctr">
+                      <a:solidFill>
+                        <a:schemeClr val="tx1">
+                          <a:lumMod val="50000"/>
+                          <a:lumOff val="50000"/>
+                        </a:schemeClr>
+                      </a:solidFill>
+                      <a:prstDash val="solid"/>
+                      <a:round/>
+                      <a:headEnd type="none" w="med" len="med"/>
+                      <a:tailEnd type="none" w="med" len="med"/>
+                    </a:lnB>
+                    <a:noFill/>
+                  </a:tcPr>
+                </a:tc>
+                <a:tc>
+                  <a:txBody>
+                    <a:bodyPr/>
+                    <a:lstStyle/>
+                    <a:p>
+                      <a:endParaRPr lang="en-GB" sz="1600"/>
+                    </a:p>
+                  </a:txBody>
+                  <a:tcPr marL="96000" marR="96000" marT="48000" marB="48000" anchor="ctr">
+                    <a:lnL w="6350" cap="flat" cmpd="sng" algn="ctr">
+                      <a:solidFill>
+                        <a:schemeClr val="tx1">
+                          <a:lumMod val="50000"/>
+                          <a:lumOff val="50000"/>
+                        </a:schemeClr>
+                      </a:solidFill>
+                      <a:prstDash val="lgDash"/>
+                      <a:round/>
+                      <a:headEnd type="none" w="med" len="med"/>
+                      <a:tailEnd type="none" w="med" len="med"/>
+                    </a:lnL>
+                    <a:lnR w="6350" cap="flat" cmpd="sng" algn="ctr">
+                      <a:solidFill>
+                        <a:schemeClr val="tx1">
+                          <a:lumMod val="50000"/>
+                          <a:lumOff val="50000"/>
+                        </a:schemeClr>
+                      </a:solidFill>
+                      <a:prstDash val="lgDash"/>
+                      <a:round/>
+                      <a:headEnd type="none" w="med" len="med"/>
+                      <a:tailEnd type="none" w="med" len="med"/>
+                    </a:lnR>
+                    <a:lnT w="6350" cap="flat" cmpd="sng" algn="ctr">
+                      <a:solidFill>
+                        <a:schemeClr val="tx1">
+                          <a:lumMod val="50000"/>
+                          <a:lumOff val="50000"/>
+                        </a:schemeClr>
+                      </a:solidFill>
+                      <a:prstDash val="solid"/>
+                      <a:round/>
+                      <a:headEnd type="none" w="med" len="med"/>
+                      <a:tailEnd type="none" w="med" len="med"/>
+                    </a:lnT>
+                    <a:lnB w="6350" cap="flat" cmpd="sng" algn="ctr">
+                      <a:solidFill>
+                        <a:schemeClr val="tx1">
+                          <a:lumMod val="50000"/>
+                          <a:lumOff val="50000"/>
+                        </a:schemeClr>
+                      </a:solidFill>
+                      <a:prstDash val="solid"/>
+                      <a:round/>
+                      <a:headEnd type="none" w="med" len="med"/>
+                      <a:tailEnd type="none" w="med" len="med"/>
+                    </a:lnB>
+                    <a:noFill/>
+                  </a:tcPr>
+                </a:tc>
+                <a:tc>
+                  <a:txBody>
+                    <a:bodyPr/>
+                    <a:lstStyle/>
+                    <a:p>
+                      <a:endParaRPr lang="el-GR" sz="2400"/>
+                    </a:p>
+                  </a:txBody>
+                  <a:tcPr marL="96000" marR="96000" marT="48000" marB="48000" anchor="ctr">
+                    <a:lnL w="6350" cap="flat" cmpd="sng" algn="ctr">
+                      <a:solidFill>
+                        <a:schemeClr val="tx1">
+                          <a:lumMod val="50000"/>
+                          <a:lumOff val="50000"/>
+                        </a:schemeClr>
+                      </a:solidFill>
+                      <a:prstDash val="lgDash"/>
+                      <a:round/>
+                      <a:headEnd type="none" w="med" len="med"/>
+                      <a:tailEnd type="none" w="med" len="med"/>
+                    </a:lnL>
+                    <a:lnR w="6350" cap="flat" cmpd="sng" algn="ctr">
+                      <a:solidFill>
+                        <a:schemeClr val="tx1">
+                          <a:lumMod val="50000"/>
+                          <a:lumOff val="50000"/>
+                        </a:schemeClr>
+                      </a:solidFill>
+                      <a:prstDash val="lgDash"/>
+                      <a:round/>
+                      <a:headEnd type="none" w="med" len="med"/>
+                      <a:tailEnd type="none" w="med" len="med"/>
+                    </a:lnR>
+                    <a:lnT w="6350" cap="flat" cmpd="sng" algn="ctr">
+                      <a:solidFill>
+                        <a:schemeClr val="tx1">
+                          <a:lumMod val="50000"/>
+                          <a:lumOff val="50000"/>
+                        </a:schemeClr>
+                      </a:solidFill>
+                      <a:prstDash val="solid"/>
+                      <a:round/>
+                      <a:headEnd type="none" w="med" len="med"/>
+                      <a:tailEnd type="none" w="med" len="med"/>
+                    </a:lnT>
+                    <a:lnB w="6350" cap="flat" cmpd="sng" algn="ctr">
+                      <a:solidFill>
+                        <a:schemeClr val="tx1">
+                          <a:lumMod val="50000"/>
+                          <a:lumOff val="50000"/>
+                        </a:schemeClr>
+                      </a:solidFill>
+                      <a:prstDash val="solid"/>
+                      <a:round/>
+                      <a:headEnd type="none" w="med" len="med"/>
+                      <a:tailEnd type="none" w="med" len="med"/>
+                    </a:lnB>
+                    <a:noFill/>
+                  </a:tcPr>
+                </a:tc>
+                <a:tc>
+                  <a:txBody>
+                    <a:bodyPr/>
+                    <a:lstStyle/>
+                    <a:p>
+                      <a:endParaRPr lang="el-GR" sz="2400"/>
+                    </a:p>
+                  </a:txBody>
+                  <a:tcPr marL="96000" marR="96000" marT="48000" marB="48000" anchor="ctr">
+                    <a:lnL w="6350" cap="flat" cmpd="sng" algn="ctr">
+                      <a:solidFill>
+                        <a:schemeClr val="tx1">
+                          <a:lumMod val="50000"/>
+                          <a:lumOff val="50000"/>
+                        </a:schemeClr>
+                      </a:solidFill>
+                      <a:prstDash val="lgDash"/>
+                      <a:round/>
+                      <a:headEnd type="none" w="med" len="med"/>
+                      <a:tailEnd type="none" w="med" len="med"/>
+                    </a:lnL>
+                    <a:lnR w="6350" cap="flat" cmpd="sng" algn="ctr">
+                      <a:solidFill>
+                        <a:schemeClr val="tx1">
+                          <a:lumMod val="50000"/>
+                          <a:lumOff val="50000"/>
+                        </a:schemeClr>
+                      </a:solidFill>
+                      <a:prstDash val="lgDash"/>
+                      <a:round/>
+                      <a:headEnd type="none" w="med" len="med"/>
+                      <a:tailEnd type="none" w="med" len="med"/>
+                    </a:lnR>
+                    <a:lnT w="6350" cap="flat" cmpd="sng" algn="ctr">
+                      <a:solidFill>
+                        <a:schemeClr val="tx1">
+                          <a:lumMod val="50000"/>
+                          <a:lumOff val="50000"/>
+                        </a:schemeClr>
+                      </a:solidFill>
+                      <a:prstDash val="solid"/>
+                      <a:round/>
+                      <a:headEnd type="none" w="med" len="med"/>
+                      <a:tailEnd type="none" w="med" len="med"/>
+                    </a:lnT>
+                    <a:lnB w="6350" cap="flat" cmpd="sng" algn="ctr">
+                      <a:solidFill>
+                        <a:schemeClr val="tx1">
+                          <a:lumMod val="50000"/>
+                          <a:lumOff val="50000"/>
+                        </a:schemeClr>
+                      </a:solidFill>
+                      <a:prstDash val="solid"/>
+                      <a:round/>
+                      <a:headEnd type="none" w="med" len="med"/>
+                      <a:tailEnd type="none" w="med" len="med"/>
+                    </a:lnB>
+                    <a:noFill/>
+                  </a:tcPr>
+                </a:tc>
+                <a:tc>
+                  <a:txBody>
+                    <a:bodyPr/>
+                    <a:lstStyle/>
+                    <a:p>
+                      <a:endParaRPr lang="el-GR" sz="2400"/>
+                    </a:p>
+                  </a:txBody>
+                  <a:tcPr marL="96000" marR="96000" marT="48000" marB="48000" anchor="ctr">
+                    <a:lnL w="6350" cap="flat" cmpd="sng" algn="ctr">
+                      <a:solidFill>
+                        <a:schemeClr val="tx1">
+                          <a:lumMod val="50000"/>
+                          <a:lumOff val="50000"/>
+                        </a:schemeClr>
+                      </a:solidFill>
+                      <a:prstDash val="lgDash"/>
+                      <a:round/>
+                      <a:headEnd type="none" w="med" len="med"/>
+                      <a:tailEnd type="none" w="med" len="med"/>
+                    </a:lnL>
+                    <a:lnR w="6350" cap="flat" cmpd="sng" algn="ctr">
+                      <a:solidFill>
+                        <a:schemeClr val="tx1">
+                          <a:lumMod val="50000"/>
+                          <a:lumOff val="50000"/>
+                        </a:schemeClr>
+                      </a:solidFill>
+                      <a:prstDash val="lgDash"/>
+                      <a:round/>
+                      <a:headEnd type="none" w="med" len="med"/>
+                      <a:tailEnd type="none" w="med" len="med"/>
+                    </a:lnR>
+                    <a:lnT w="6350" cap="flat" cmpd="sng" algn="ctr">
+                      <a:solidFill>
+                        <a:schemeClr val="tx1">
+                          <a:lumMod val="50000"/>
+                          <a:lumOff val="50000"/>
+                        </a:schemeClr>
+                      </a:solidFill>
+                      <a:prstDash val="solid"/>
+                      <a:round/>
+                      <a:headEnd type="none" w="med" len="med"/>
+                      <a:tailEnd type="none" w="med" len="med"/>
+                    </a:lnT>
+                    <a:lnB w="6350" cap="flat" cmpd="sng" algn="ctr">
+                      <a:solidFill>
+                        <a:schemeClr val="tx1">
+                          <a:lumMod val="50000"/>
+                          <a:lumOff val="50000"/>
+                        </a:schemeClr>
+                      </a:solidFill>
+                      <a:prstDash val="solid"/>
+                      <a:round/>
+                      <a:headEnd type="none" w="med" len="med"/>
+                      <a:tailEnd type="none" w="med" len="med"/>
+                    </a:lnB>
+                    <a:noFill/>
+                  </a:tcPr>
+                </a:tc>
+                <a:tc>
+                  <a:txBody>
+                    <a:bodyPr/>
+                    <a:lstStyle/>
+                    <a:p>
+                      <a:endParaRPr lang="el-GR" sz="2400">
+                        <a:highlight>
+                          <a:srgbClr val="FFFF00"/>
+                        </a:highlight>
+                      </a:endParaRPr>
+                    </a:p>
+                  </a:txBody>
+                  <a:tcPr marL="96000" marR="96000" marT="48000" marB="48000" anchor="ctr">
+                    <a:lnL w="6350" cap="flat" cmpd="sng" algn="ctr">
+                      <a:solidFill>
+                        <a:schemeClr val="tx1">
+                          <a:lumMod val="50000"/>
+                          <a:lumOff val="50000"/>
+                        </a:schemeClr>
+                      </a:solidFill>
+                      <a:prstDash val="lgDash"/>
+                      <a:round/>
+                      <a:headEnd type="none" w="med" len="med"/>
+                      <a:tailEnd type="none" w="med" len="med"/>
+                    </a:lnL>
+                    <a:lnR w="6350" cap="flat" cmpd="sng" algn="ctr">
+                      <a:solidFill>
+                        <a:schemeClr val="tx1">
+                          <a:lumMod val="50000"/>
+                          <a:lumOff val="50000"/>
+                        </a:schemeClr>
+                      </a:solidFill>
+                      <a:prstDash val="lgDash"/>
+                      <a:round/>
+                      <a:headEnd type="none" w="med" len="med"/>
+                      <a:tailEnd type="none" w="med" len="med"/>
+                    </a:lnR>
+                    <a:lnT w="6350" cap="flat" cmpd="sng" algn="ctr">
+                      <a:solidFill>
+                        <a:schemeClr val="tx1">
+                          <a:lumMod val="50000"/>
+                          <a:lumOff val="50000"/>
+                        </a:schemeClr>
+                      </a:solidFill>
+                      <a:prstDash val="solid"/>
+                      <a:round/>
+                      <a:headEnd type="none" w="med" len="med"/>
+                      <a:tailEnd type="none" w="med" len="med"/>
+                    </a:lnT>
+                    <a:lnB w="6350" cap="flat" cmpd="sng" algn="ctr">
+                      <a:solidFill>
+                        <a:schemeClr val="tx1">
+                          <a:lumMod val="50000"/>
+                          <a:lumOff val="50000"/>
+                        </a:schemeClr>
+                      </a:solidFill>
+                      <a:prstDash val="solid"/>
+                      <a:round/>
+                      <a:headEnd type="none" w="med" len="med"/>
+                      <a:tailEnd type="none" w="med" len="med"/>
+                    </a:lnB>
+                    <a:solidFill>
+                      <a:schemeClr val="bg1"/>
+                    </a:solidFill>
+                  </a:tcPr>
+                </a:tc>
+                <a:tc>
+                  <a:txBody>
+                    <a:bodyPr/>
+                    <a:lstStyle/>
+                    <a:p>
+                      <a:endParaRPr lang="el-GR" sz="2400"/>
+                    </a:p>
+                  </a:txBody>
+                  <a:tcPr marL="96000" marR="96000" marT="48000" marB="48000" anchor="ctr">
+                    <a:lnL w="6350" cap="flat" cmpd="sng" algn="ctr">
+                      <a:solidFill>
+                        <a:schemeClr val="tx1">
+                          <a:lumMod val="50000"/>
+                          <a:lumOff val="50000"/>
+                        </a:schemeClr>
+                      </a:solidFill>
+                      <a:prstDash val="lgDash"/>
+                      <a:round/>
+                      <a:headEnd type="none" w="med" len="med"/>
+                      <a:tailEnd type="none" w="med" len="med"/>
+                    </a:lnL>
+                    <a:lnR w="6350" cap="flat" cmpd="sng" algn="ctr">
+                      <a:solidFill>
+                        <a:schemeClr val="tx1">
+                          <a:lumMod val="50000"/>
+                          <a:lumOff val="50000"/>
+                        </a:schemeClr>
+                      </a:solidFill>
+                      <a:prstDash val="lgDash"/>
+                      <a:round/>
+                      <a:headEnd type="none" w="med" len="med"/>
+                      <a:tailEnd type="none" w="med" len="med"/>
+                    </a:lnR>
+                    <a:lnT w="6350" cap="flat" cmpd="sng" algn="ctr">
+                      <a:solidFill>
+                        <a:schemeClr val="tx1">
+                          <a:lumMod val="50000"/>
+                          <a:lumOff val="50000"/>
+                        </a:schemeClr>
+                      </a:solidFill>
+                      <a:prstDash val="solid"/>
+                      <a:round/>
+                      <a:headEnd type="none" w="med" len="med"/>
+                      <a:tailEnd type="none" w="med" len="med"/>
+                    </a:lnT>
+                    <a:lnB w="6350" cap="flat" cmpd="sng" algn="ctr">
+                      <a:solidFill>
+                        <a:schemeClr val="tx1">
+                          <a:lumMod val="50000"/>
+                          <a:lumOff val="50000"/>
+                        </a:schemeClr>
+                      </a:solidFill>
+                      <a:prstDash val="solid"/>
+                      <a:round/>
+                      <a:headEnd type="none" w="med" len="med"/>
+                      <a:tailEnd type="none" w="med" len="med"/>
+                    </a:lnB>
+                    <a:noFill/>
+                  </a:tcPr>
+                </a:tc>
+                <a:extLst>
+                  <a:ext uri="{0D108BD9-81ED-4DB2-BD59-A6C34878D82A}">
+                    <a16:rowId xmlns:a16="http://schemas.microsoft.com/office/drawing/2014/main" val="10003"/>
+                  </a:ext>
+                </a:extLst>
+              </a:tr>
+              <a:tr h="461000">
+                <a:tc>
+                  <a:txBody>
+                    <a:bodyPr/>
+                    <a:lstStyle/>
+                    <a:p>
+                      <a:pPr marL="629920" marR="0" lvl="0" indent="0" algn="l" defTabSz="914400" rtl="0" eaLnBrk="1" fontAlgn="base" latinLnBrk="0" hangingPunct="1">
+                        <a:lnSpc>
+                          <a:spcPct val="100000"/>
+                        </a:lnSpc>
+                        <a:spcBef>
+                          <a:spcPts val="300"/>
+                        </a:spcBef>
+                        <a:spcAft>
+                          <a:spcPct val="0"/>
+                        </a:spcAft>
+                        <a:buClrTx/>
+                        <a:buSzTx/>
+                        <a:buFontTx/>
+                        <a:buNone/>
+                        <a:tabLst>
+                          <a:tab pos="630238" algn="l"/>
+                        </a:tabLst>
+                        <a:defRPr/>
+                      </a:pPr>
+                      <a:r>
+                        <a:rPr lang="en-US" sz="1000" b="1" kern="1200" noProof="0" dirty="0">
+                          <a:solidFill>
+                            <a:schemeClr val="dk1"/>
+                          </a:solidFill>
+                          <a:effectLst/>
+                          <a:latin typeface="+mn-lt"/>
+                          <a:ea typeface="+mn-ea"/>
+                          <a:cs typeface="+mn-cs"/>
+                        </a:rPr>
+                        <a:t>NL2SQL Model Dev Test</a:t>
+                      </a:r>
+                    </a:p>
+                  </a:txBody>
+                  <a:tcPr marL="0" marR="48000" marT="48000" marB="48000" anchor="ctr">
+                    <a:lnR w="12700" cap="flat" cmpd="sng" algn="ctr">
+                      <a:solidFill>
+                        <a:schemeClr val="bg1">
+                          <a:lumMod val="75000"/>
+                        </a:schemeClr>
+                      </a:solidFill>
+                      <a:prstDash val="solid"/>
+                      <a:round/>
+                      <a:headEnd type="none" w="med" len="med"/>
+                      <a:tailEnd type="none" w="med" len="med"/>
+                    </a:lnR>
+                    <a:lnT w="6350" cap="flat" cmpd="sng" algn="ctr">
+                      <a:solidFill>
+                        <a:schemeClr val="tx1">
+                          <a:lumMod val="50000"/>
+                          <a:lumOff val="50000"/>
+                        </a:schemeClr>
+                      </a:solidFill>
+                      <a:prstDash val="solid"/>
+                      <a:round/>
+                      <a:headEnd type="none" w="med" len="med"/>
+                      <a:tailEnd type="none" w="med" len="med"/>
+                    </a:lnT>
+                    <a:lnB w="6350" cap="flat" cmpd="sng" algn="ctr">
+                      <a:solidFill>
+                        <a:schemeClr val="tx1">
+                          <a:lumMod val="50000"/>
+                          <a:lumOff val="50000"/>
+                        </a:schemeClr>
+                      </a:solidFill>
+                      <a:prstDash val="solid"/>
+                      <a:round/>
+                      <a:headEnd type="none" w="med" len="med"/>
+                      <a:tailEnd type="none" w="med" len="med"/>
+                    </a:lnB>
+                    <a:solidFill>
+                      <a:schemeClr val="accent2">
+                        <a:lumMod val="20000"/>
+                        <a:lumOff val="80000"/>
+                      </a:schemeClr>
+                    </a:solidFill>
+                  </a:tcPr>
+                </a:tc>
+                <a:tc>
+                  <a:txBody>
+                    <a:bodyPr/>
+                    <a:lstStyle/>
+                    <a:p>
+                      <a:endParaRPr lang="en-GB" sz="1600" dirty="0"/>
+                    </a:p>
+                  </a:txBody>
+                  <a:tcPr marL="96000" marR="96000" marT="48000" marB="48000" anchor="ctr">
+                    <a:lnL w="12700" cap="flat" cmpd="sng" algn="ctr">
+                      <a:solidFill>
+                        <a:schemeClr val="bg1">
+                          <a:lumMod val="75000"/>
+                        </a:schemeClr>
+                      </a:solidFill>
+                      <a:prstDash val="solid"/>
+                      <a:round/>
+                      <a:headEnd type="none" w="med" len="med"/>
+                      <a:tailEnd type="none" w="med" len="med"/>
+                    </a:lnL>
+                    <a:lnR w="6350" cap="flat" cmpd="sng" algn="ctr">
+                      <a:solidFill>
+                        <a:schemeClr val="tx1">
+                          <a:lumMod val="50000"/>
+                          <a:lumOff val="50000"/>
+                        </a:schemeClr>
+                      </a:solidFill>
+                      <a:prstDash val="lgDash"/>
+                      <a:round/>
+                      <a:headEnd type="none" w="med" len="med"/>
+                      <a:tailEnd type="none" w="med" len="med"/>
+                    </a:lnR>
+                    <a:lnT w="6350" cap="flat" cmpd="sng" algn="ctr">
+                      <a:solidFill>
+                        <a:schemeClr val="tx1">
+                          <a:lumMod val="50000"/>
+                          <a:lumOff val="50000"/>
+                        </a:schemeClr>
+                      </a:solidFill>
+                      <a:prstDash val="solid"/>
+                      <a:round/>
+                      <a:headEnd type="none" w="med" len="med"/>
+                      <a:tailEnd type="none" w="med" len="med"/>
+                    </a:lnT>
+                    <a:lnB w="6350" cap="flat" cmpd="sng" algn="ctr">
+                      <a:solidFill>
+                        <a:schemeClr val="tx1">
+                          <a:lumMod val="50000"/>
+                          <a:lumOff val="50000"/>
+                        </a:schemeClr>
+                      </a:solidFill>
+                      <a:prstDash val="solid"/>
+                      <a:round/>
+                      <a:headEnd type="none" w="med" len="med"/>
+                      <a:tailEnd type="none" w="med" len="med"/>
+                    </a:lnB>
+                    <a:noFill/>
+                  </a:tcPr>
+                </a:tc>
+                <a:tc>
+                  <a:txBody>
+                    <a:bodyPr/>
+                    <a:lstStyle/>
+                    <a:p>
+                      <a:endParaRPr lang="en-GB" sz="1600"/>
+                    </a:p>
+                  </a:txBody>
+                  <a:tcPr marL="96000" marR="96000" marT="48000" marB="48000" anchor="ctr">
+                    <a:lnL w="6350" cap="flat" cmpd="sng" algn="ctr">
+                      <a:solidFill>
+                        <a:schemeClr val="tx1">
+                          <a:lumMod val="50000"/>
+                          <a:lumOff val="50000"/>
+                        </a:schemeClr>
+                      </a:solidFill>
+                      <a:prstDash val="lgDash"/>
+                      <a:round/>
+                      <a:headEnd type="none" w="med" len="med"/>
+                      <a:tailEnd type="none" w="med" len="med"/>
+                    </a:lnL>
+                    <a:lnR w="6350" cap="flat" cmpd="sng" algn="ctr">
+                      <a:solidFill>
+                        <a:schemeClr val="tx1">
+                          <a:lumMod val="50000"/>
+                          <a:lumOff val="50000"/>
+                        </a:schemeClr>
+                      </a:solidFill>
+                      <a:prstDash val="lgDash"/>
+                      <a:round/>
+                      <a:headEnd type="none" w="med" len="med"/>
+                      <a:tailEnd type="none" w="med" len="med"/>
+                    </a:lnR>
+                    <a:lnT w="6350" cap="flat" cmpd="sng" algn="ctr">
+                      <a:solidFill>
+                        <a:schemeClr val="tx1">
+                          <a:lumMod val="50000"/>
+                          <a:lumOff val="50000"/>
+                        </a:schemeClr>
+                      </a:solidFill>
+                      <a:prstDash val="solid"/>
+                      <a:round/>
+                      <a:headEnd type="none" w="med" len="med"/>
+                      <a:tailEnd type="none" w="med" len="med"/>
+                    </a:lnT>
+                    <a:lnB w="6350" cap="flat" cmpd="sng" algn="ctr">
+                      <a:solidFill>
+                        <a:schemeClr val="tx1">
+                          <a:lumMod val="50000"/>
+                          <a:lumOff val="50000"/>
+                        </a:schemeClr>
+                      </a:solidFill>
+                      <a:prstDash val="solid"/>
+                      <a:round/>
+                      <a:headEnd type="none" w="med" len="med"/>
+                      <a:tailEnd type="none" w="med" len="med"/>
+                    </a:lnB>
+                    <a:noFill/>
+                  </a:tcPr>
+                </a:tc>
+                <a:tc>
+                  <a:txBody>
+                    <a:bodyPr/>
+                    <a:lstStyle/>
+                    <a:p>
+                      <a:endParaRPr lang="el-GR" sz="2400"/>
+                    </a:p>
+                  </a:txBody>
+                  <a:tcPr marL="96000" marR="96000" marT="48000" marB="48000" anchor="ctr">
+                    <a:lnL w="6350" cap="flat" cmpd="sng" algn="ctr">
+                      <a:solidFill>
+                        <a:schemeClr val="tx1">
+                          <a:lumMod val="50000"/>
+                          <a:lumOff val="50000"/>
+                        </a:schemeClr>
+                      </a:solidFill>
+                      <a:prstDash val="lgDash"/>
+                      <a:round/>
+                      <a:headEnd type="none" w="med" len="med"/>
+                      <a:tailEnd type="none" w="med" len="med"/>
+                    </a:lnL>
+                    <a:lnR w="6350" cap="flat" cmpd="sng" algn="ctr">
+                      <a:solidFill>
+                        <a:schemeClr val="tx1">
+                          <a:lumMod val="50000"/>
+                          <a:lumOff val="50000"/>
+                        </a:schemeClr>
+                      </a:solidFill>
+                      <a:prstDash val="lgDash"/>
+                      <a:round/>
+                      <a:headEnd type="none" w="med" len="med"/>
+                      <a:tailEnd type="none" w="med" len="med"/>
+                    </a:lnR>
+                    <a:lnT w="6350" cap="flat" cmpd="sng" algn="ctr">
+                      <a:solidFill>
+                        <a:schemeClr val="tx1">
+                          <a:lumMod val="50000"/>
+                          <a:lumOff val="50000"/>
+                        </a:schemeClr>
+                      </a:solidFill>
+                      <a:prstDash val="solid"/>
+                      <a:round/>
+                      <a:headEnd type="none" w="med" len="med"/>
+                      <a:tailEnd type="none" w="med" len="med"/>
+                    </a:lnT>
+                    <a:lnB w="6350" cap="flat" cmpd="sng" algn="ctr">
+                      <a:solidFill>
+                        <a:schemeClr val="tx1">
+                          <a:lumMod val="50000"/>
+                          <a:lumOff val="50000"/>
+                        </a:schemeClr>
+                      </a:solidFill>
+                      <a:prstDash val="solid"/>
+                      <a:round/>
+                      <a:headEnd type="none" w="med" len="med"/>
+                      <a:tailEnd type="none" w="med" len="med"/>
+                    </a:lnB>
+                    <a:noFill/>
+                  </a:tcPr>
+                </a:tc>
+                <a:tc>
+                  <a:txBody>
+                    <a:bodyPr/>
+                    <a:lstStyle/>
+                    <a:p>
+                      <a:endParaRPr lang="el-GR" sz="2400"/>
+                    </a:p>
+                  </a:txBody>
+                  <a:tcPr marL="96000" marR="96000" marT="48000" marB="48000" anchor="ctr">
+                    <a:lnL w="6350" cap="flat" cmpd="sng" algn="ctr">
+                      <a:solidFill>
+                        <a:schemeClr val="tx1">
+                          <a:lumMod val="50000"/>
+                          <a:lumOff val="50000"/>
+                        </a:schemeClr>
+                      </a:solidFill>
+                      <a:prstDash val="lgDash"/>
+                      <a:round/>
+                      <a:headEnd type="none" w="med" len="med"/>
+                      <a:tailEnd type="none" w="med" len="med"/>
+                    </a:lnL>
+                    <a:lnR w="6350" cap="flat" cmpd="sng" algn="ctr">
+                      <a:solidFill>
+                        <a:schemeClr val="tx1">
+                          <a:lumMod val="50000"/>
+                          <a:lumOff val="50000"/>
+                        </a:schemeClr>
+                      </a:solidFill>
+                      <a:prstDash val="lgDash"/>
+                      <a:round/>
+                      <a:headEnd type="none" w="med" len="med"/>
+                      <a:tailEnd type="none" w="med" len="med"/>
+                    </a:lnR>
+                    <a:lnT w="6350" cap="flat" cmpd="sng" algn="ctr">
+                      <a:solidFill>
+                        <a:schemeClr val="tx1">
+                          <a:lumMod val="50000"/>
+                          <a:lumOff val="50000"/>
+                        </a:schemeClr>
+                      </a:solidFill>
+                      <a:prstDash val="solid"/>
+                      <a:round/>
+                      <a:headEnd type="none" w="med" len="med"/>
+                      <a:tailEnd type="none" w="med" len="med"/>
+                    </a:lnT>
+                    <a:lnB w="6350" cap="flat" cmpd="sng" algn="ctr">
+                      <a:solidFill>
+                        <a:schemeClr val="tx1">
+                          <a:lumMod val="50000"/>
+                          <a:lumOff val="50000"/>
+                        </a:schemeClr>
+                      </a:solidFill>
+                      <a:prstDash val="solid"/>
+                      <a:round/>
+                      <a:headEnd type="none" w="med" len="med"/>
+                      <a:tailEnd type="none" w="med" len="med"/>
+                    </a:lnB>
+                    <a:noFill/>
+                  </a:tcPr>
+                </a:tc>
+                <a:tc>
+                  <a:txBody>
+                    <a:bodyPr/>
+                    <a:lstStyle/>
+                    <a:p>
+                      <a:endParaRPr lang="el-GR" sz="2400"/>
+                    </a:p>
+                  </a:txBody>
+                  <a:tcPr marL="96000" marR="96000" marT="48000" marB="48000" anchor="ctr">
+                    <a:lnL w="6350" cap="flat" cmpd="sng" algn="ctr">
+                      <a:solidFill>
+                        <a:schemeClr val="tx1">
+                          <a:lumMod val="50000"/>
+                          <a:lumOff val="50000"/>
+                        </a:schemeClr>
+                      </a:solidFill>
+                      <a:prstDash val="lgDash"/>
+                      <a:round/>
+                      <a:headEnd type="none" w="med" len="med"/>
+                      <a:tailEnd type="none" w="med" len="med"/>
+                    </a:lnL>
+                    <a:lnR w="6350" cap="flat" cmpd="sng" algn="ctr">
+                      <a:solidFill>
+                        <a:schemeClr val="tx1">
+                          <a:lumMod val="50000"/>
+                          <a:lumOff val="50000"/>
+                        </a:schemeClr>
+                      </a:solidFill>
+                      <a:prstDash val="lgDash"/>
+                      <a:round/>
+                      <a:headEnd type="none" w="med" len="med"/>
+                      <a:tailEnd type="none" w="med" len="med"/>
+                    </a:lnR>
+                    <a:lnT w="6350" cap="flat" cmpd="sng" algn="ctr">
+                      <a:solidFill>
+                        <a:schemeClr val="tx1">
+                          <a:lumMod val="50000"/>
+                          <a:lumOff val="50000"/>
+                        </a:schemeClr>
+                      </a:solidFill>
+                      <a:prstDash val="solid"/>
+                      <a:round/>
+                      <a:headEnd type="none" w="med" len="med"/>
+                      <a:tailEnd type="none" w="med" len="med"/>
+                    </a:lnT>
+                    <a:lnB w="6350" cap="flat" cmpd="sng" algn="ctr">
+                      <a:solidFill>
+                        <a:schemeClr val="tx1">
+                          <a:lumMod val="50000"/>
+                          <a:lumOff val="50000"/>
+                        </a:schemeClr>
+                      </a:solidFill>
+                      <a:prstDash val="solid"/>
+                      <a:round/>
+                      <a:headEnd type="none" w="med" len="med"/>
+                      <a:tailEnd type="none" w="med" len="med"/>
+                    </a:lnB>
+                    <a:noFill/>
+                  </a:tcPr>
+                </a:tc>
+                <a:tc>
+                  <a:txBody>
+                    <a:bodyPr/>
+                    <a:lstStyle/>
+                    <a:p>
+                      <a:endParaRPr lang="el-GR" sz="2400">
+                        <a:highlight>
+                          <a:srgbClr val="FFFF00"/>
+                        </a:highlight>
+                      </a:endParaRPr>
+                    </a:p>
+                  </a:txBody>
+                  <a:tcPr marL="96000" marR="96000" marT="48000" marB="48000" anchor="ctr">
+                    <a:lnL w="6350" cap="flat" cmpd="sng" algn="ctr">
+                      <a:solidFill>
+                        <a:schemeClr val="tx1">
+                          <a:lumMod val="50000"/>
+                          <a:lumOff val="50000"/>
+                        </a:schemeClr>
+                      </a:solidFill>
+                      <a:prstDash val="lgDash"/>
+                      <a:round/>
+                      <a:headEnd type="none" w="med" len="med"/>
+                      <a:tailEnd type="none" w="med" len="med"/>
+                    </a:lnL>
+                    <a:lnR w="6350" cap="flat" cmpd="sng" algn="ctr">
+                      <a:solidFill>
+                        <a:schemeClr val="tx1">
+                          <a:lumMod val="50000"/>
+                          <a:lumOff val="50000"/>
+                        </a:schemeClr>
+                      </a:solidFill>
+                      <a:prstDash val="lgDash"/>
+                      <a:round/>
+                      <a:headEnd type="none" w="med" len="med"/>
+                      <a:tailEnd type="none" w="med" len="med"/>
+                    </a:lnR>
+                    <a:lnT w="6350" cap="flat" cmpd="sng" algn="ctr">
+                      <a:solidFill>
+                        <a:schemeClr val="tx1">
+                          <a:lumMod val="50000"/>
+                          <a:lumOff val="50000"/>
+                        </a:schemeClr>
+                      </a:solidFill>
+                      <a:prstDash val="solid"/>
+                      <a:round/>
+                      <a:headEnd type="none" w="med" len="med"/>
+                      <a:tailEnd type="none" w="med" len="med"/>
+                    </a:lnT>
+                    <a:lnB w="6350" cap="flat" cmpd="sng" algn="ctr">
+                      <a:solidFill>
+                        <a:schemeClr val="tx1">
+                          <a:lumMod val="50000"/>
+                          <a:lumOff val="50000"/>
+                        </a:schemeClr>
+                      </a:solidFill>
+                      <a:prstDash val="solid"/>
+                      <a:round/>
+                      <a:headEnd type="none" w="med" len="med"/>
+                      <a:tailEnd type="none" w="med" len="med"/>
+                    </a:lnB>
+                    <a:solidFill>
+                      <a:schemeClr val="bg1"/>
+                    </a:solidFill>
+                  </a:tcPr>
+                </a:tc>
+                <a:tc>
+                  <a:txBody>
+                    <a:bodyPr/>
+                    <a:lstStyle/>
+                    <a:p>
+                      <a:endParaRPr lang="el-GR" sz="2400"/>
+                    </a:p>
+                  </a:txBody>
+                  <a:tcPr marL="96000" marR="96000" marT="48000" marB="48000" anchor="ctr">
+                    <a:lnL w="6350" cap="flat" cmpd="sng" algn="ctr">
+                      <a:solidFill>
+                        <a:schemeClr val="tx1">
+                          <a:lumMod val="50000"/>
+                          <a:lumOff val="50000"/>
+                        </a:schemeClr>
+                      </a:solidFill>
+                      <a:prstDash val="lgDash"/>
+                      <a:round/>
+                      <a:headEnd type="none" w="med" len="med"/>
+                      <a:tailEnd type="none" w="med" len="med"/>
+                    </a:lnL>
+                    <a:lnR w="6350" cap="flat" cmpd="sng" algn="ctr">
+                      <a:solidFill>
+                        <a:schemeClr val="tx1">
+                          <a:lumMod val="50000"/>
+                          <a:lumOff val="50000"/>
+                        </a:schemeClr>
+                      </a:solidFill>
+                      <a:prstDash val="lgDash"/>
+                      <a:round/>
+                      <a:headEnd type="none" w="med" len="med"/>
+                      <a:tailEnd type="none" w="med" len="med"/>
+                    </a:lnR>
+                    <a:lnT w="6350" cap="flat" cmpd="sng" algn="ctr">
+                      <a:solidFill>
+                        <a:schemeClr val="tx1">
+                          <a:lumMod val="50000"/>
+                          <a:lumOff val="50000"/>
+                        </a:schemeClr>
+                      </a:solidFill>
+                      <a:prstDash val="solid"/>
+                      <a:round/>
+                      <a:headEnd type="none" w="med" len="med"/>
+                      <a:tailEnd type="none" w="med" len="med"/>
+                    </a:lnT>
+                    <a:lnB w="6350" cap="flat" cmpd="sng" algn="ctr">
+                      <a:solidFill>
+                        <a:schemeClr val="tx1">
+                          <a:lumMod val="50000"/>
+                          <a:lumOff val="50000"/>
+                        </a:schemeClr>
+                      </a:solidFill>
+                      <a:prstDash val="solid"/>
+                      <a:round/>
+                      <a:headEnd type="none" w="med" len="med"/>
+                      <a:tailEnd type="none" w="med" len="med"/>
+                    </a:lnB>
+                    <a:noFill/>
+                  </a:tcPr>
+                </a:tc>
+                <a:extLst>
+                  <a:ext uri="{0D108BD9-81ED-4DB2-BD59-A6C34878D82A}">
+                    <a16:rowId xmlns:a16="http://schemas.microsoft.com/office/drawing/2014/main" val="2093271135"/>
+                  </a:ext>
+                </a:extLst>
+              </a:tr>
+              <a:tr h="461000">
+                <a:tc>
+                  <a:txBody>
+                    <a:bodyPr/>
+                    <a:lstStyle/>
+                    <a:p>
+                      <a:pPr marL="629920" marR="0" lvl="0" indent="0" algn="l" defTabSz="914400" rtl="0" eaLnBrk="1" fontAlgn="base" latinLnBrk="0" hangingPunct="1">
+                        <a:lnSpc>
+                          <a:spcPct val="100000"/>
+                        </a:lnSpc>
+                        <a:spcBef>
+                          <a:spcPts val="300"/>
+                        </a:spcBef>
+                        <a:spcAft>
+                          <a:spcPct val="0"/>
+                        </a:spcAft>
+                        <a:buClrTx/>
+                        <a:buSzTx/>
+                        <a:buFontTx/>
+                        <a:buNone/>
+                        <a:tabLst>
+                          <a:tab pos="630238" algn="l"/>
+                        </a:tabLst>
+                        <a:defRPr/>
+                      </a:pPr>
+                      <a:r>
+                        <a:rPr lang="en-US" sz="1000" b="1" kern="1200" dirty="0">
+                          <a:solidFill>
+                            <a:schemeClr val="dk1"/>
+                          </a:solidFill>
+                          <a:effectLst/>
+                          <a:latin typeface="+mn-lt"/>
+                          <a:ea typeface="+mn-ea"/>
+                          <a:cs typeface="+mn-cs"/>
+                        </a:rPr>
+                        <a:t>Zero-Shot Benchmarking</a:t>
+                      </a:r>
+                      <a:endParaRPr lang="en-US" sz="1000" b="1" kern="1200" noProof="0" dirty="0">
+                        <a:solidFill>
+                          <a:schemeClr val="dk1"/>
+                        </a:solidFill>
+                        <a:effectLst/>
+                        <a:latin typeface="+mn-lt"/>
+                        <a:ea typeface="+mn-ea"/>
+                        <a:cs typeface="+mn-cs"/>
+                      </a:endParaRPr>
+                    </a:p>
+                  </a:txBody>
+                  <a:tcPr marL="0" marR="0" marT="48000" marB="48000" anchor="ctr">
+                    <a:lnR w="12700" cap="flat" cmpd="sng" algn="ctr">
+                      <a:solidFill>
+                        <a:schemeClr val="bg1">
+                          <a:lumMod val="75000"/>
+                        </a:schemeClr>
+                      </a:solidFill>
+                      <a:prstDash val="solid"/>
+                      <a:round/>
+                      <a:headEnd type="none" w="med" len="med"/>
+                      <a:tailEnd type="none" w="med" len="med"/>
+                    </a:lnR>
+                    <a:lnT w="6350" cap="flat" cmpd="sng" algn="ctr">
+                      <a:solidFill>
+                        <a:schemeClr val="tx1">
+                          <a:lumMod val="50000"/>
+                          <a:lumOff val="50000"/>
+                        </a:schemeClr>
+                      </a:solidFill>
+                      <a:prstDash val="solid"/>
+                      <a:round/>
+                      <a:headEnd type="none" w="med" len="med"/>
+                      <a:tailEnd type="none" w="med" len="med"/>
+                    </a:lnT>
+                    <a:lnB w="6350" cap="flat" cmpd="sng" algn="ctr">
+                      <a:solidFill>
+                        <a:schemeClr val="tx1">
+                          <a:lumMod val="50000"/>
+                          <a:lumOff val="50000"/>
+                        </a:schemeClr>
+                      </a:solidFill>
+                      <a:prstDash val="solid"/>
+                      <a:round/>
+                      <a:headEnd type="none" w="med" len="med"/>
+                      <a:tailEnd type="none" w="med" len="med"/>
+                    </a:lnB>
+                    <a:solidFill>
+                      <a:schemeClr val="accent2">
+                        <a:lumMod val="20000"/>
+                        <a:lumOff val="80000"/>
+                      </a:schemeClr>
+                    </a:solidFill>
+                  </a:tcPr>
+                </a:tc>
+                <a:tc>
+                  <a:txBody>
+                    <a:bodyPr/>
+                    <a:lstStyle/>
+                    <a:p>
+                      <a:endParaRPr lang="en-GB" sz="1600" dirty="0"/>
+                    </a:p>
+                  </a:txBody>
+                  <a:tcPr marL="96000" marR="96000" marT="48000" marB="48000" anchor="ctr">
+                    <a:lnL w="12700" cap="flat" cmpd="sng" algn="ctr">
+                      <a:solidFill>
+                        <a:schemeClr val="bg1">
+                          <a:lumMod val="75000"/>
+                        </a:schemeClr>
+                      </a:solidFill>
+                      <a:prstDash val="solid"/>
+                      <a:round/>
+                      <a:headEnd type="none" w="med" len="med"/>
+                      <a:tailEnd type="none" w="med" len="med"/>
+                    </a:lnL>
+                    <a:lnR w="6350" cap="flat" cmpd="sng" algn="ctr">
+                      <a:solidFill>
+                        <a:schemeClr val="tx1">
+                          <a:lumMod val="50000"/>
+                          <a:lumOff val="50000"/>
+                        </a:schemeClr>
+                      </a:solidFill>
+                      <a:prstDash val="lgDash"/>
+                      <a:round/>
+                      <a:headEnd type="none" w="med" len="med"/>
+                      <a:tailEnd type="none" w="med" len="med"/>
+                    </a:lnR>
+                    <a:lnT w="6350" cap="flat" cmpd="sng" algn="ctr">
+                      <a:solidFill>
+                        <a:schemeClr val="tx1">
+                          <a:lumMod val="50000"/>
+                          <a:lumOff val="50000"/>
+                        </a:schemeClr>
+                      </a:solidFill>
+                      <a:prstDash val="solid"/>
+                      <a:round/>
+                      <a:headEnd type="none" w="med" len="med"/>
+                      <a:tailEnd type="none" w="med" len="med"/>
+                    </a:lnT>
+                    <a:lnB w="6350" cap="flat" cmpd="sng" algn="ctr">
+                      <a:solidFill>
+                        <a:schemeClr val="tx1">
+                          <a:lumMod val="50000"/>
+                          <a:lumOff val="50000"/>
+                        </a:schemeClr>
+                      </a:solidFill>
+                      <a:prstDash val="solid"/>
+                      <a:round/>
+                      <a:headEnd type="none" w="med" len="med"/>
+                      <a:tailEnd type="none" w="med" len="med"/>
+                    </a:lnB>
+                    <a:noFill/>
+                  </a:tcPr>
+                </a:tc>
+                <a:tc>
+                  <a:txBody>
+                    <a:bodyPr/>
+                    <a:lstStyle/>
+                    <a:p>
+                      <a:endParaRPr lang="en-GB" sz="1600"/>
+                    </a:p>
+                  </a:txBody>
+                  <a:tcPr marL="96000" marR="96000" marT="48000" marB="48000" anchor="ctr">
+                    <a:lnL w="6350" cap="flat" cmpd="sng" algn="ctr">
+                      <a:solidFill>
+                        <a:schemeClr val="tx1">
+                          <a:lumMod val="50000"/>
+                          <a:lumOff val="50000"/>
+                        </a:schemeClr>
+                      </a:solidFill>
+                      <a:prstDash val="lgDash"/>
+                      <a:round/>
+                      <a:headEnd type="none" w="med" len="med"/>
+                      <a:tailEnd type="none" w="med" len="med"/>
+                    </a:lnL>
+                    <a:lnR w="6350" cap="flat" cmpd="sng" algn="ctr">
+                      <a:solidFill>
+                        <a:schemeClr val="tx1">
+                          <a:lumMod val="50000"/>
+                          <a:lumOff val="50000"/>
+                        </a:schemeClr>
+                      </a:solidFill>
+                      <a:prstDash val="lgDash"/>
+                      <a:round/>
+                      <a:headEnd type="none" w="med" len="med"/>
+                      <a:tailEnd type="none" w="med" len="med"/>
+                    </a:lnR>
+                    <a:lnT w="6350" cap="flat" cmpd="sng" algn="ctr">
+                      <a:solidFill>
+                        <a:schemeClr val="tx1">
+                          <a:lumMod val="50000"/>
+                          <a:lumOff val="50000"/>
+                        </a:schemeClr>
+                      </a:solidFill>
+                      <a:prstDash val="solid"/>
+                      <a:round/>
+                      <a:headEnd type="none" w="med" len="med"/>
+                      <a:tailEnd type="none" w="med" len="med"/>
+                    </a:lnT>
+                    <a:lnB w="6350" cap="flat" cmpd="sng" algn="ctr">
+                      <a:solidFill>
+                        <a:schemeClr val="tx1">
+                          <a:lumMod val="50000"/>
+                          <a:lumOff val="50000"/>
+                        </a:schemeClr>
+                      </a:solidFill>
+                      <a:prstDash val="solid"/>
+                      <a:round/>
+                      <a:headEnd type="none" w="med" len="med"/>
+                      <a:tailEnd type="none" w="med" len="med"/>
+                    </a:lnB>
+                    <a:noFill/>
+                  </a:tcPr>
+                </a:tc>
+                <a:tc>
+                  <a:txBody>
+                    <a:bodyPr/>
+                    <a:lstStyle/>
+                    <a:p>
+                      <a:endParaRPr lang="el-GR" sz="2400"/>
+                    </a:p>
+                  </a:txBody>
+                  <a:tcPr marL="96000" marR="96000" marT="48000" marB="48000" anchor="ctr">
+                    <a:lnL w="6350" cap="flat" cmpd="sng" algn="ctr">
+                      <a:solidFill>
+                        <a:schemeClr val="tx1">
+                          <a:lumMod val="50000"/>
+                          <a:lumOff val="50000"/>
+                        </a:schemeClr>
+                      </a:solidFill>
+                      <a:prstDash val="lgDash"/>
+                      <a:round/>
+                      <a:headEnd type="none" w="med" len="med"/>
+                      <a:tailEnd type="none" w="med" len="med"/>
+                    </a:lnL>
+                    <a:lnR w="6350" cap="flat" cmpd="sng" algn="ctr">
+                      <a:solidFill>
+                        <a:schemeClr val="tx1">
+                          <a:lumMod val="50000"/>
+                          <a:lumOff val="50000"/>
+                        </a:schemeClr>
+                      </a:solidFill>
+                      <a:prstDash val="lgDash"/>
+                      <a:round/>
+                      <a:headEnd type="none" w="med" len="med"/>
+                      <a:tailEnd type="none" w="med" len="med"/>
+                    </a:lnR>
+                    <a:lnT w="6350" cap="flat" cmpd="sng" algn="ctr">
+                      <a:solidFill>
+                        <a:schemeClr val="tx1">
+                          <a:lumMod val="50000"/>
+                          <a:lumOff val="50000"/>
+                        </a:schemeClr>
+                      </a:solidFill>
+                      <a:prstDash val="solid"/>
+                      <a:round/>
+                      <a:headEnd type="none" w="med" len="med"/>
+                      <a:tailEnd type="none" w="med" len="med"/>
+                    </a:lnT>
+                    <a:lnB w="6350" cap="flat" cmpd="sng" algn="ctr">
+                      <a:solidFill>
+                        <a:schemeClr val="tx1">
+                          <a:lumMod val="50000"/>
+                          <a:lumOff val="50000"/>
+                        </a:schemeClr>
+                      </a:solidFill>
+                      <a:prstDash val="solid"/>
+                      <a:round/>
+                      <a:headEnd type="none" w="med" len="med"/>
+                      <a:tailEnd type="none" w="med" len="med"/>
+                    </a:lnB>
+                    <a:noFill/>
+                  </a:tcPr>
+                </a:tc>
+                <a:tc>
+                  <a:txBody>
+                    <a:bodyPr/>
+                    <a:lstStyle/>
+                    <a:p>
+                      <a:endParaRPr lang="el-GR" sz="2400"/>
+                    </a:p>
+                  </a:txBody>
+                  <a:tcPr marL="96000" marR="96000" marT="48000" marB="48000" anchor="ctr">
+                    <a:lnL w="6350" cap="flat" cmpd="sng" algn="ctr">
+                      <a:solidFill>
+                        <a:schemeClr val="tx1">
+                          <a:lumMod val="50000"/>
+                          <a:lumOff val="50000"/>
+                        </a:schemeClr>
+                      </a:solidFill>
+                      <a:prstDash val="lgDash"/>
+                      <a:round/>
+                      <a:headEnd type="none" w="med" len="med"/>
+                      <a:tailEnd type="none" w="med" len="med"/>
+                    </a:lnL>
+                    <a:lnR w="6350" cap="flat" cmpd="sng" algn="ctr">
+                      <a:solidFill>
+                        <a:schemeClr val="tx1">
+                          <a:lumMod val="50000"/>
+                          <a:lumOff val="50000"/>
+                        </a:schemeClr>
+                      </a:solidFill>
+                      <a:prstDash val="lgDash"/>
+                      <a:round/>
+                      <a:headEnd type="none" w="med" len="med"/>
+                      <a:tailEnd type="none" w="med" len="med"/>
+                    </a:lnR>
+                    <a:lnT w="6350" cap="flat" cmpd="sng" algn="ctr">
+                      <a:solidFill>
+                        <a:schemeClr val="tx1">
+                          <a:lumMod val="50000"/>
+                          <a:lumOff val="50000"/>
+                        </a:schemeClr>
+                      </a:solidFill>
+                      <a:prstDash val="solid"/>
+                      <a:round/>
+                      <a:headEnd type="none" w="med" len="med"/>
+                      <a:tailEnd type="none" w="med" len="med"/>
+                    </a:lnT>
+                    <a:lnB w="6350" cap="flat" cmpd="sng" algn="ctr">
+                      <a:solidFill>
+                        <a:schemeClr val="tx1">
+                          <a:lumMod val="50000"/>
+                          <a:lumOff val="50000"/>
+                        </a:schemeClr>
+                      </a:solidFill>
+                      <a:prstDash val="solid"/>
+                      <a:round/>
+                      <a:headEnd type="none" w="med" len="med"/>
+                      <a:tailEnd type="none" w="med" len="med"/>
+                    </a:lnB>
+                    <a:noFill/>
+                  </a:tcPr>
+                </a:tc>
+                <a:tc>
+                  <a:txBody>
+                    <a:bodyPr/>
+                    <a:lstStyle/>
+                    <a:p>
+                      <a:endParaRPr lang="el-GR" sz="2400"/>
+                    </a:p>
+                  </a:txBody>
+                  <a:tcPr marL="96000" marR="96000" marT="48000" marB="48000" anchor="ctr">
+                    <a:lnL w="6350" cap="flat" cmpd="sng" algn="ctr">
+                      <a:solidFill>
+                        <a:schemeClr val="tx1">
+                          <a:lumMod val="50000"/>
+                          <a:lumOff val="50000"/>
+                        </a:schemeClr>
+                      </a:solidFill>
+                      <a:prstDash val="lgDash"/>
+                      <a:round/>
+                      <a:headEnd type="none" w="med" len="med"/>
+                      <a:tailEnd type="none" w="med" len="med"/>
+                    </a:lnL>
+                    <a:lnR w="6350" cap="flat" cmpd="sng" algn="ctr">
+                      <a:solidFill>
+                        <a:schemeClr val="tx1">
+                          <a:lumMod val="50000"/>
+                          <a:lumOff val="50000"/>
+                        </a:schemeClr>
+                      </a:solidFill>
+                      <a:prstDash val="lgDash"/>
+                      <a:round/>
+                      <a:headEnd type="none" w="med" len="med"/>
+                      <a:tailEnd type="none" w="med" len="med"/>
+                    </a:lnR>
+                    <a:lnT w="6350" cap="flat" cmpd="sng" algn="ctr">
+                      <a:solidFill>
+                        <a:schemeClr val="tx1">
+                          <a:lumMod val="50000"/>
+                          <a:lumOff val="50000"/>
+                        </a:schemeClr>
+                      </a:solidFill>
+                      <a:prstDash val="solid"/>
+                      <a:round/>
+                      <a:headEnd type="none" w="med" len="med"/>
+                      <a:tailEnd type="none" w="med" len="med"/>
+                    </a:lnT>
+                    <a:lnB w="6350" cap="flat" cmpd="sng" algn="ctr">
+                      <a:solidFill>
+                        <a:schemeClr val="tx1">
+                          <a:lumMod val="50000"/>
+                          <a:lumOff val="50000"/>
+                        </a:schemeClr>
+                      </a:solidFill>
+                      <a:prstDash val="solid"/>
+                      <a:round/>
+                      <a:headEnd type="none" w="med" len="med"/>
+                      <a:tailEnd type="none" w="med" len="med"/>
+                    </a:lnB>
+                    <a:noFill/>
+                  </a:tcPr>
+                </a:tc>
+                <a:tc>
+                  <a:txBody>
+                    <a:bodyPr/>
+                    <a:lstStyle/>
+                    <a:p>
+                      <a:endParaRPr lang="el-GR" sz="2400">
+                        <a:highlight>
+                          <a:srgbClr val="FFFF00"/>
+                        </a:highlight>
+                      </a:endParaRPr>
+                    </a:p>
+                  </a:txBody>
+                  <a:tcPr marL="96000" marR="96000" marT="48000" marB="48000" anchor="ctr">
+                    <a:lnL w="6350" cap="flat" cmpd="sng" algn="ctr">
+                      <a:solidFill>
+                        <a:schemeClr val="tx1">
+                          <a:lumMod val="50000"/>
+                          <a:lumOff val="50000"/>
+                        </a:schemeClr>
+                      </a:solidFill>
+                      <a:prstDash val="lgDash"/>
+                      <a:round/>
+                      <a:headEnd type="none" w="med" len="med"/>
+                      <a:tailEnd type="none" w="med" len="med"/>
+                    </a:lnL>
+                    <a:lnR w="6350" cap="flat" cmpd="sng" algn="ctr">
+                      <a:solidFill>
+                        <a:schemeClr val="tx1">
+                          <a:lumMod val="50000"/>
+                          <a:lumOff val="50000"/>
+                        </a:schemeClr>
+                      </a:solidFill>
+                      <a:prstDash val="lgDash"/>
+                      <a:round/>
+                      <a:headEnd type="none" w="med" len="med"/>
+                      <a:tailEnd type="none" w="med" len="med"/>
+                    </a:lnR>
+                    <a:lnT w="6350" cap="flat" cmpd="sng" algn="ctr">
+                      <a:solidFill>
+                        <a:schemeClr val="tx1">
+                          <a:lumMod val="50000"/>
+                          <a:lumOff val="50000"/>
+                        </a:schemeClr>
+                      </a:solidFill>
+                      <a:prstDash val="solid"/>
+                      <a:round/>
+                      <a:headEnd type="none" w="med" len="med"/>
+                      <a:tailEnd type="none" w="med" len="med"/>
+                    </a:lnT>
+                    <a:lnB w="6350" cap="flat" cmpd="sng" algn="ctr">
+                      <a:solidFill>
+                        <a:schemeClr val="tx1">
+                          <a:lumMod val="50000"/>
+                          <a:lumOff val="50000"/>
+                        </a:schemeClr>
+                      </a:solidFill>
+                      <a:prstDash val="solid"/>
+                      <a:round/>
+                      <a:headEnd type="none" w="med" len="med"/>
+                      <a:tailEnd type="none" w="med" len="med"/>
+                    </a:lnB>
+                    <a:solidFill>
+                      <a:schemeClr val="bg1"/>
+                    </a:solidFill>
+                  </a:tcPr>
+                </a:tc>
+                <a:tc>
+                  <a:txBody>
+                    <a:bodyPr/>
+                    <a:lstStyle/>
+                    <a:p>
+                      <a:endParaRPr lang="el-GR" sz="2400"/>
+                    </a:p>
+                  </a:txBody>
+                  <a:tcPr marL="96000" marR="96000" marT="48000" marB="48000" anchor="ctr">
+                    <a:lnL w="6350" cap="flat" cmpd="sng" algn="ctr">
+                      <a:solidFill>
+                        <a:schemeClr val="tx1">
+                          <a:lumMod val="50000"/>
+                          <a:lumOff val="50000"/>
+                        </a:schemeClr>
+                      </a:solidFill>
+                      <a:prstDash val="lgDash"/>
+                      <a:round/>
+                      <a:headEnd type="none" w="med" len="med"/>
+                      <a:tailEnd type="none" w="med" len="med"/>
+                    </a:lnL>
+                    <a:lnR w="6350" cap="flat" cmpd="sng" algn="ctr">
+                      <a:solidFill>
+                        <a:schemeClr val="tx1">
+                          <a:lumMod val="50000"/>
+                          <a:lumOff val="50000"/>
+                        </a:schemeClr>
+                      </a:solidFill>
+                      <a:prstDash val="lgDash"/>
+                      <a:round/>
+                      <a:headEnd type="none" w="med" len="med"/>
+                      <a:tailEnd type="none" w="med" len="med"/>
+                    </a:lnR>
+                    <a:lnT w="6350" cap="flat" cmpd="sng" algn="ctr">
+                      <a:solidFill>
+                        <a:schemeClr val="tx1">
+                          <a:lumMod val="50000"/>
+                          <a:lumOff val="50000"/>
+                        </a:schemeClr>
+                      </a:solidFill>
+                      <a:prstDash val="solid"/>
+                      <a:round/>
+                      <a:headEnd type="none" w="med" len="med"/>
+                      <a:tailEnd type="none" w="med" len="med"/>
+                    </a:lnT>
+                    <a:lnB w="6350" cap="flat" cmpd="sng" algn="ctr">
+                      <a:solidFill>
+                        <a:schemeClr val="tx1">
+                          <a:lumMod val="50000"/>
+                          <a:lumOff val="50000"/>
+                        </a:schemeClr>
+                      </a:solidFill>
+                      <a:prstDash val="solid"/>
+                      <a:round/>
+                      <a:headEnd type="none" w="med" len="med"/>
+                      <a:tailEnd type="none" w="med" len="med"/>
+                    </a:lnB>
+                    <a:noFill/>
+                  </a:tcPr>
+                </a:tc>
+                <a:extLst>
+                  <a:ext uri="{0D108BD9-81ED-4DB2-BD59-A6C34878D82A}">
+                    <a16:rowId xmlns:a16="http://schemas.microsoft.com/office/drawing/2014/main" val="2702138794"/>
+                  </a:ext>
+                </a:extLst>
+              </a:tr>
+              <a:tr h="461000">
+                <a:tc>
+                  <a:txBody>
+                    <a:bodyPr/>
+                    <a:lstStyle/>
+                    <a:p>
+                      <a:pPr marL="629920" marR="0" lvl="0" indent="0" algn="l" defTabSz="914400" rtl="0" eaLnBrk="1" fontAlgn="base" latinLnBrk="0" hangingPunct="1">
+                        <a:lnSpc>
+                          <a:spcPct val="100000"/>
+                        </a:lnSpc>
+                        <a:spcBef>
+                          <a:spcPts val="300"/>
+                        </a:spcBef>
+                        <a:spcAft>
+                          <a:spcPct val="0"/>
+                        </a:spcAft>
+                        <a:buClrTx/>
+                        <a:buSzTx/>
+                        <a:buFontTx/>
+                        <a:buNone/>
+                        <a:tabLst>
+                          <a:tab pos="630238" algn="l"/>
+                        </a:tabLst>
+                        <a:defRPr/>
+                      </a:pPr>
+                      <a:r>
+                        <a:rPr lang="en-US" sz="1000" b="1" kern="1200" noProof="0" dirty="0">
+                          <a:solidFill>
+                            <a:schemeClr val="dk1"/>
+                          </a:solidFill>
+                          <a:effectLst/>
+                          <a:latin typeface="+mn-lt"/>
+                          <a:ea typeface="+mn-ea"/>
+                          <a:cs typeface="+mn-cs"/>
+                        </a:rPr>
+                        <a:t>Monolingual Benchmarking</a:t>
+                      </a:r>
+                    </a:p>
+                  </a:txBody>
+                  <a:tcPr marL="0" marR="0" marT="48000" marB="48000" anchor="ctr">
+                    <a:lnR w="12700" cap="flat" cmpd="sng" algn="ctr">
+                      <a:solidFill>
+                        <a:schemeClr val="bg1">
+                          <a:lumMod val="75000"/>
+                        </a:schemeClr>
+                      </a:solidFill>
+                      <a:prstDash val="solid"/>
+                      <a:round/>
+                      <a:headEnd type="none" w="med" len="med"/>
+                      <a:tailEnd type="none" w="med" len="med"/>
+                    </a:lnR>
+                    <a:lnT w="6350" cap="flat" cmpd="sng" algn="ctr">
+                      <a:solidFill>
+                        <a:schemeClr val="tx1">
+                          <a:lumMod val="50000"/>
+                          <a:lumOff val="50000"/>
+                        </a:schemeClr>
+                      </a:solidFill>
+                      <a:prstDash val="solid"/>
+                      <a:round/>
+                      <a:headEnd type="none" w="med" len="med"/>
+                      <a:tailEnd type="none" w="med" len="med"/>
+                    </a:lnT>
+                    <a:lnB w="6350" cap="flat" cmpd="sng" algn="ctr">
+                      <a:solidFill>
+                        <a:schemeClr val="tx1">
+                          <a:lumMod val="50000"/>
+                          <a:lumOff val="50000"/>
+                        </a:schemeClr>
+                      </a:solidFill>
+                      <a:prstDash val="solid"/>
+                      <a:round/>
+                      <a:headEnd type="none" w="med" len="med"/>
+                      <a:tailEnd type="none" w="med" len="med"/>
+                    </a:lnB>
+                    <a:solidFill>
+                      <a:schemeClr val="accent2">
+                        <a:lumMod val="20000"/>
+                        <a:lumOff val="80000"/>
+                      </a:schemeClr>
+                    </a:solidFill>
+                  </a:tcPr>
+                </a:tc>
+                <a:tc>
+                  <a:txBody>
+                    <a:bodyPr/>
+                    <a:lstStyle/>
+                    <a:p>
+                      <a:endParaRPr lang="en-GB" sz="1600"/>
+                    </a:p>
+                  </a:txBody>
+                  <a:tcPr marL="96000" marR="96000" marT="48000" marB="48000" anchor="ctr">
+                    <a:lnL w="12700" cap="flat" cmpd="sng" algn="ctr">
+                      <a:solidFill>
+                        <a:schemeClr val="bg1">
+                          <a:lumMod val="75000"/>
+                        </a:schemeClr>
+                      </a:solidFill>
+                      <a:prstDash val="solid"/>
+                      <a:round/>
+                      <a:headEnd type="none" w="med" len="med"/>
+                      <a:tailEnd type="none" w="med" len="med"/>
+                    </a:lnL>
+                    <a:lnR w="6350" cap="flat" cmpd="sng" algn="ctr">
+                      <a:solidFill>
+                        <a:schemeClr val="tx1">
+                          <a:lumMod val="50000"/>
+                          <a:lumOff val="50000"/>
+                        </a:schemeClr>
+                      </a:solidFill>
+                      <a:prstDash val="lgDash"/>
+                      <a:round/>
+                      <a:headEnd type="none" w="med" len="med"/>
+                      <a:tailEnd type="none" w="med" len="med"/>
+                    </a:lnR>
+                    <a:lnT w="6350" cap="flat" cmpd="sng" algn="ctr">
+                      <a:solidFill>
+                        <a:schemeClr val="tx1">
+                          <a:lumMod val="50000"/>
+                          <a:lumOff val="50000"/>
+                        </a:schemeClr>
+                      </a:solidFill>
+                      <a:prstDash val="solid"/>
+                      <a:round/>
+                      <a:headEnd type="none" w="med" len="med"/>
+                      <a:tailEnd type="none" w="med" len="med"/>
+                    </a:lnT>
+                    <a:lnB w="6350" cap="flat" cmpd="sng" algn="ctr">
+                      <a:solidFill>
+                        <a:schemeClr val="tx1">
+                          <a:lumMod val="50000"/>
+                          <a:lumOff val="50000"/>
+                        </a:schemeClr>
+                      </a:solidFill>
+                      <a:prstDash val="solid"/>
+                      <a:round/>
+                      <a:headEnd type="none" w="med" len="med"/>
+                      <a:tailEnd type="none" w="med" len="med"/>
+                    </a:lnB>
+                    <a:noFill/>
+                  </a:tcPr>
+                </a:tc>
+                <a:tc>
+                  <a:txBody>
+                    <a:bodyPr/>
+                    <a:lstStyle/>
+                    <a:p>
+                      <a:endParaRPr lang="en-GB" sz="1600"/>
+                    </a:p>
+                  </a:txBody>
+                  <a:tcPr marL="96000" marR="96000" marT="48000" marB="48000" anchor="ctr">
+                    <a:lnL w="6350" cap="flat" cmpd="sng" algn="ctr">
+                      <a:solidFill>
+                        <a:schemeClr val="tx1">
+                          <a:lumMod val="50000"/>
+                          <a:lumOff val="50000"/>
+                        </a:schemeClr>
+                      </a:solidFill>
+                      <a:prstDash val="lgDash"/>
+                      <a:round/>
+                      <a:headEnd type="none" w="med" len="med"/>
+                      <a:tailEnd type="none" w="med" len="med"/>
+                    </a:lnL>
+                    <a:lnR w="6350" cap="flat" cmpd="sng" algn="ctr">
+                      <a:solidFill>
+                        <a:schemeClr val="tx1">
+                          <a:lumMod val="50000"/>
+                          <a:lumOff val="50000"/>
+                        </a:schemeClr>
+                      </a:solidFill>
+                      <a:prstDash val="lgDash"/>
+                      <a:round/>
+                      <a:headEnd type="none" w="med" len="med"/>
+                      <a:tailEnd type="none" w="med" len="med"/>
+                    </a:lnR>
+                    <a:lnT w="6350" cap="flat" cmpd="sng" algn="ctr">
+                      <a:solidFill>
+                        <a:schemeClr val="tx1">
+                          <a:lumMod val="50000"/>
+                          <a:lumOff val="50000"/>
+                        </a:schemeClr>
+                      </a:solidFill>
+                      <a:prstDash val="solid"/>
+                      <a:round/>
+                      <a:headEnd type="none" w="med" len="med"/>
+                      <a:tailEnd type="none" w="med" len="med"/>
+                    </a:lnT>
+                    <a:lnB w="6350" cap="flat" cmpd="sng" algn="ctr">
+                      <a:solidFill>
+                        <a:schemeClr val="tx1">
+                          <a:lumMod val="50000"/>
+                          <a:lumOff val="50000"/>
+                        </a:schemeClr>
+                      </a:solidFill>
+                      <a:prstDash val="solid"/>
+                      <a:round/>
+                      <a:headEnd type="none" w="med" len="med"/>
+                      <a:tailEnd type="none" w="med" len="med"/>
+                    </a:lnB>
+                    <a:noFill/>
+                  </a:tcPr>
+                </a:tc>
+                <a:tc>
+                  <a:txBody>
+                    <a:bodyPr/>
+                    <a:lstStyle/>
+                    <a:p>
+                      <a:endParaRPr lang="el-GR" sz="2400"/>
+                    </a:p>
+                  </a:txBody>
+                  <a:tcPr marL="96000" marR="96000" marT="48000" marB="48000" anchor="ctr">
+                    <a:lnL w="6350" cap="flat" cmpd="sng" algn="ctr">
+                      <a:solidFill>
+                        <a:schemeClr val="tx1">
+                          <a:lumMod val="50000"/>
+                          <a:lumOff val="50000"/>
+                        </a:schemeClr>
+                      </a:solidFill>
+                      <a:prstDash val="lgDash"/>
+                      <a:round/>
+                      <a:headEnd type="none" w="med" len="med"/>
+                      <a:tailEnd type="none" w="med" len="med"/>
+                    </a:lnL>
+                    <a:lnR w="6350" cap="flat" cmpd="sng" algn="ctr">
+                      <a:solidFill>
+                        <a:schemeClr val="tx1">
+                          <a:lumMod val="50000"/>
+                          <a:lumOff val="50000"/>
+                        </a:schemeClr>
+                      </a:solidFill>
+                      <a:prstDash val="lgDash"/>
+                      <a:round/>
+                      <a:headEnd type="none" w="med" len="med"/>
+                      <a:tailEnd type="none" w="med" len="med"/>
+                    </a:lnR>
+                    <a:lnT w="6350" cap="flat" cmpd="sng" algn="ctr">
+                      <a:solidFill>
+                        <a:schemeClr val="tx1">
+                          <a:lumMod val="50000"/>
+                          <a:lumOff val="50000"/>
+                        </a:schemeClr>
+                      </a:solidFill>
+                      <a:prstDash val="solid"/>
+                      <a:round/>
+                      <a:headEnd type="none" w="med" len="med"/>
+                      <a:tailEnd type="none" w="med" len="med"/>
+                    </a:lnT>
+                    <a:lnB w="6350" cap="flat" cmpd="sng" algn="ctr">
+                      <a:solidFill>
+                        <a:schemeClr val="tx1">
+                          <a:lumMod val="50000"/>
+                          <a:lumOff val="50000"/>
+                        </a:schemeClr>
+                      </a:solidFill>
+                      <a:prstDash val="solid"/>
+                      <a:round/>
+                      <a:headEnd type="none" w="med" len="med"/>
+                      <a:tailEnd type="none" w="med" len="med"/>
+                    </a:lnB>
+                    <a:noFill/>
+                  </a:tcPr>
+                </a:tc>
+                <a:tc>
+                  <a:txBody>
+                    <a:bodyPr/>
+                    <a:lstStyle/>
+                    <a:p>
+                      <a:endParaRPr lang="el-GR" sz="2400"/>
+                    </a:p>
+                  </a:txBody>
+                  <a:tcPr marL="96000" marR="96000" marT="48000" marB="48000" anchor="ctr">
+                    <a:lnL w="6350" cap="flat" cmpd="sng" algn="ctr">
+                      <a:solidFill>
+                        <a:schemeClr val="tx1">
+                          <a:lumMod val="50000"/>
+                          <a:lumOff val="50000"/>
+                        </a:schemeClr>
+                      </a:solidFill>
+                      <a:prstDash val="lgDash"/>
+                      <a:round/>
+                      <a:headEnd type="none" w="med" len="med"/>
+                      <a:tailEnd type="none" w="med" len="med"/>
+                    </a:lnL>
+                    <a:lnR w="6350" cap="flat" cmpd="sng" algn="ctr">
+                      <a:solidFill>
+                        <a:schemeClr val="tx1">
+                          <a:lumMod val="50000"/>
+                          <a:lumOff val="50000"/>
+                        </a:schemeClr>
+                      </a:solidFill>
+                      <a:prstDash val="lgDash"/>
+                      <a:round/>
+                      <a:headEnd type="none" w="med" len="med"/>
+                      <a:tailEnd type="none" w="med" len="med"/>
+                    </a:lnR>
+                    <a:lnT w="6350" cap="flat" cmpd="sng" algn="ctr">
+                      <a:solidFill>
+                        <a:schemeClr val="tx1">
+                          <a:lumMod val="50000"/>
+                          <a:lumOff val="50000"/>
+                        </a:schemeClr>
+                      </a:solidFill>
+                      <a:prstDash val="solid"/>
+                      <a:round/>
+                      <a:headEnd type="none" w="med" len="med"/>
+                      <a:tailEnd type="none" w="med" len="med"/>
+                    </a:lnT>
+                    <a:lnB w="6350" cap="flat" cmpd="sng" algn="ctr">
+                      <a:solidFill>
+                        <a:schemeClr val="tx1">
+                          <a:lumMod val="50000"/>
+                          <a:lumOff val="50000"/>
+                        </a:schemeClr>
+                      </a:solidFill>
+                      <a:prstDash val="solid"/>
+                      <a:round/>
+                      <a:headEnd type="none" w="med" len="med"/>
+                      <a:tailEnd type="none" w="med" len="med"/>
+                    </a:lnB>
+                    <a:noFill/>
+                  </a:tcPr>
+                </a:tc>
+                <a:tc>
+                  <a:txBody>
+                    <a:bodyPr/>
+                    <a:lstStyle/>
+                    <a:p>
+                      <a:endParaRPr lang="el-GR" sz="2400"/>
+                    </a:p>
+                  </a:txBody>
+                  <a:tcPr marL="96000" marR="96000" marT="48000" marB="48000" anchor="ctr">
+                    <a:lnL w="6350" cap="flat" cmpd="sng" algn="ctr">
+                      <a:solidFill>
+                        <a:schemeClr val="tx1">
+                          <a:lumMod val="50000"/>
+                          <a:lumOff val="50000"/>
+                        </a:schemeClr>
+                      </a:solidFill>
+                      <a:prstDash val="lgDash"/>
+                      <a:round/>
+                      <a:headEnd type="none" w="med" len="med"/>
+                      <a:tailEnd type="none" w="med" len="med"/>
+                    </a:lnL>
+                    <a:lnR w="6350" cap="flat" cmpd="sng" algn="ctr">
+                      <a:solidFill>
+                        <a:schemeClr val="tx1">
+                          <a:lumMod val="50000"/>
+                          <a:lumOff val="50000"/>
+                        </a:schemeClr>
+                      </a:solidFill>
+                      <a:prstDash val="lgDash"/>
+                      <a:round/>
+                      <a:headEnd type="none" w="med" len="med"/>
+                      <a:tailEnd type="none" w="med" len="med"/>
+                    </a:lnR>
+                    <a:lnT w="6350" cap="flat" cmpd="sng" algn="ctr">
+                      <a:solidFill>
+                        <a:schemeClr val="tx1">
+                          <a:lumMod val="50000"/>
+                          <a:lumOff val="50000"/>
+                        </a:schemeClr>
+                      </a:solidFill>
+                      <a:prstDash val="solid"/>
+                      <a:round/>
+                      <a:headEnd type="none" w="med" len="med"/>
+                      <a:tailEnd type="none" w="med" len="med"/>
+                    </a:lnT>
+                    <a:lnB w="6350" cap="flat" cmpd="sng" algn="ctr">
+                      <a:solidFill>
+                        <a:schemeClr val="tx1">
+                          <a:lumMod val="50000"/>
+                          <a:lumOff val="50000"/>
+                        </a:schemeClr>
+                      </a:solidFill>
+                      <a:prstDash val="solid"/>
+                      <a:round/>
+                      <a:headEnd type="none" w="med" len="med"/>
+                      <a:tailEnd type="none" w="med" len="med"/>
+                    </a:lnB>
+                    <a:noFill/>
+                  </a:tcPr>
+                </a:tc>
+                <a:tc>
+                  <a:txBody>
+                    <a:bodyPr/>
+                    <a:lstStyle/>
+                    <a:p>
+                      <a:endParaRPr lang="el-GR" sz="2400">
+                        <a:highlight>
+                          <a:srgbClr val="FFFF00"/>
+                        </a:highlight>
+                      </a:endParaRPr>
+                    </a:p>
+                  </a:txBody>
+                  <a:tcPr marL="96000" marR="96000" marT="48000" marB="48000" anchor="ctr">
+                    <a:lnL w="6350" cap="flat" cmpd="sng" algn="ctr">
+                      <a:solidFill>
+                        <a:schemeClr val="tx1">
+                          <a:lumMod val="50000"/>
+                          <a:lumOff val="50000"/>
+                        </a:schemeClr>
+                      </a:solidFill>
+                      <a:prstDash val="lgDash"/>
+                      <a:round/>
+                      <a:headEnd type="none" w="med" len="med"/>
+                      <a:tailEnd type="none" w="med" len="med"/>
+                    </a:lnL>
+                    <a:lnR w="6350" cap="flat" cmpd="sng" algn="ctr">
+                      <a:solidFill>
+                        <a:schemeClr val="tx1">
+                          <a:lumMod val="50000"/>
+                          <a:lumOff val="50000"/>
+                        </a:schemeClr>
+                      </a:solidFill>
+                      <a:prstDash val="lgDash"/>
+                      <a:round/>
+                      <a:headEnd type="none" w="med" len="med"/>
+                      <a:tailEnd type="none" w="med" len="med"/>
+                    </a:lnR>
+                    <a:lnT w="6350" cap="flat" cmpd="sng" algn="ctr">
+                      <a:solidFill>
+                        <a:schemeClr val="tx1">
+                          <a:lumMod val="50000"/>
+                          <a:lumOff val="50000"/>
+                        </a:schemeClr>
+                      </a:solidFill>
+                      <a:prstDash val="solid"/>
+                      <a:round/>
+                      <a:headEnd type="none" w="med" len="med"/>
+                      <a:tailEnd type="none" w="med" len="med"/>
+                    </a:lnT>
+                    <a:lnB w="6350" cap="flat" cmpd="sng" algn="ctr">
+                      <a:solidFill>
+                        <a:schemeClr val="tx1">
+                          <a:lumMod val="50000"/>
+                          <a:lumOff val="50000"/>
+                        </a:schemeClr>
+                      </a:solidFill>
+                      <a:prstDash val="solid"/>
+                      <a:round/>
+                      <a:headEnd type="none" w="med" len="med"/>
+                      <a:tailEnd type="none" w="med" len="med"/>
+                    </a:lnB>
+                    <a:solidFill>
+                      <a:schemeClr val="bg1"/>
+                    </a:solidFill>
+                  </a:tcPr>
+                </a:tc>
+                <a:tc>
+                  <a:txBody>
+                    <a:bodyPr/>
+                    <a:lstStyle/>
+                    <a:p>
+                      <a:endParaRPr lang="el-GR" sz="2400"/>
+                    </a:p>
+                  </a:txBody>
+                  <a:tcPr marL="96000" marR="96000" marT="48000" marB="48000" anchor="ctr">
+                    <a:lnL w="6350" cap="flat" cmpd="sng" algn="ctr">
+                      <a:solidFill>
+                        <a:schemeClr val="tx1">
+                          <a:lumMod val="50000"/>
+                          <a:lumOff val="50000"/>
+                        </a:schemeClr>
+                      </a:solidFill>
+                      <a:prstDash val="lgDash"/>
+                      <a:round/>
+                      <a:headEnd type="none" w="med" len="med"/>
+                      <a:tailEnd type="none" w="med" len="med"/>
+                    </a:lnL>
+                    <a:lnR w="6350" cap="flat" cmpd="sng" algn="ctr">
+                      <a:solidFill>
+                        <a:schemeClr val="tx1">
+                          <a:lumMod val="50000"/>
+                          <a:lumOff val="50000"/>
+                        </a:schemeClr>
+                      </a:solidFill>
+                      <a:prstDash val="lgDash"/>
+                      <a:round/>
+                      <a:headEnd type="none" w="med" len="med"/>
+                      <a:tailEnd type="none" w="med" len="med"/>
+                    </a:lnR>
+                    <a:lnT w="6350" cap="flat" cmpd="sng" algn="ctr">
+                      <a:solidFill>
+                        <a:schemeClr val="tx1">
+                          <a:lumMod val="50000"/>
+                          <a:lumOff val="50000"/>
+                        </a:schemeClr>
+                      </a:solidFill>
+                      <a:prstDash val="solid"/>
+                      <a:round/>
+                      <a:headEnd type="none" w="med" len="med"/>
+                      <a:tailEnd type="none" w="med" len="med"/>
+                    </a:lnT>
+                    <a:lnB w="6350" cap="flat" cmpd="sng" algn="ctr">
+                      <a:solidFill>
+                        <a:schemeClr val="tx1">
+                          <a:lumMod val="50000"/>
+                          <a:lumOff val="50000"/>
+                        </a:schemeClr>
+                      </a:solidFill>
+                      <a:prstDash val="solid"/>
+                      <a:round/>
+                      <a:headEnd type="none" w="med" len="med"/>
+                      <a:tailEnd type="none" w="med" len="med"/>
+                    </a:lnB>
+                    <a:noFill/>
+                  </a:tcPr>
+                </a:tc>
+                <a:extLst>
+                  <a:ext uri="{0D108BD9-81ED-4DB2-BD59-A6C34878D82A}">
+                    <a16:rowId xmlns:a16="http://schemas.microsoft.com/office/drawing/2014/main" val="2245408320"/>
+                  </a:ext>
+                </a:extLst>
+              </a:tr>
+              <a:tr h="461000">
+                <a:tc>
+                  <a:txBody>
+                    <a:bodyPr/>
+                    <a:lstStyle/>
+                    <a:p>
+                      <a:pPr marL="629920" marR="0" lvl="0" indent="0" algn="l" defTabSz="914400" rtl="0" eaLnBrk="1" fontAlgn="base" latinLnBrk="0" hangingPunct="1">
+                        <a:lnSpc>
+                          <a:spcPct val="100000"/>
+                        </a:lnSpc>
+                        <a:spcBef>
+                          <a:spcPts val="300"/>
+                        </a:spcBef>
+                        <a:spcAft>
+                          <a:spcPct val="0"/>
+                        </a:spcAft>
+                        <a:buClrTx/>
+                        <a:buSzTx/>
+                        <a:buFontTx/>
+                        <a:buNone/>
+                        <a:tabLst>
+                          <a:tab pos="630238" algn="l"/>
+                        </a:tabLst>
+                        <a:defRPr/>
+                      </a:pPr>
+                      <a:r>
+                        <a:rPr lang="en-US" sz="1000" b="1" kern="1200" noProof="0" dirty="0">
+                          <a:solidFill>
+                            <a:schemeClr val="dk1"/>
+                          </a:solidFill>
+                          <a:effectLst/>
+                          <a:latin typeface="+mn-lt"/>
+                          <a:ea typeface="+mn-ea"/>
+                          <a:cs typeface="+mn-cs"/>
+                        </a:rPr>
+                        <a:t>Multilingual Benchmarking</a:t>
+                      </a:r>
+                    </a:p>
+                  </a:txBody>
+                  <a:tcPr marL="0" marR="0" marT="48000" marB="48000" anchor="ctr">
+                    <a:lnR w="12700" cap="flat" cmpd="sng" algn="ctr">
+                      <a:solidFill>
+                        <a:schemeClr val="bg1">
+                          <a:lumMod val="75000"/>
+                        </a:schemeClr>
+                      </a:solidFill>
+                      <a:prstDash val="solid"/>
+                      <a:round/>
+                      <a:headEnd type="none" w="med" len="med"/>
+                      <a:tailEnd type="none" w="med" len="med"/>
+                    </a:lnR>
+                    <a:lnT w="6350" cap="flat" cmpd="sng" algn="ctr">
+                      <a:solidFill>
+                        <a:schemeClr val="tx1">
+                          <a:lumMod val="50000"/>
+                          <a:lumOff val="50000"/>
+                        </a:schemeClr>
+                      </a:solidFill>
+                      <a:prstDash val="solid"/>
+                      <a:round/>
+                      <a:headEnd type="none" w="med" len="med"/>
+                      <a:tailEnd type="none" w="med" len="med"/>
+                    </a:lnT>
+                    <a:lnB w="6350" cap="flat" cmpd="sng" algn="ctr">
+                      <a:solidFill>
+                        <a:schemeClr val="tx1">
+                          <a:lumMod val="50000"/>
+                          <a:lumOff val="50000"/>
+                        </a:schemeClr>
+                      </a:solidFill>
+                      <a:prstDash val="solid"/>
+                      <a:round/>
+                      <a:headEnd type="none" w="med" len="med"/>
+                      <a:tailEnd type="none" w="med" len="med"/>
+                    </a:lnB>
+                    <a:solidFill>
+                      <a:schemeClr val="accent2">
+                        <a:lumMod val="20000"/>
+                        <a:lumOff val="80000"/>
+                      </a:schemeClr>
+                    </a:solidFill>
+                  </a:tcPr>
+                </a:tc>
+                <a:tc>
+                  <a:txBody>
+                    <a:bodyPr/>
+                    <a:lstStyle/>
+                    <a:p>
+                      <a:endParaRPr lang="en-GB" sz="1600"/>
+                    </a:p>
+                  </a:txBody>
+                  <a:tcPr marL="96000" marR="96000" marT="48000" marB="48000" anchor="ctr">
+                    <a:lnL w="12700" cap="flat" cmpd="sng" algn="ctr">
+                      <a:solidFill>
+                        <a:schemeClr val="bg1">
+                          <a:lumMod val="75000"/>
+                        </a:schemeClr>
+                      </a:solidFill>
+                      <a:prstDash val="solid"/>
+                      <a:round/>
+                      <a:headEnd type="none" w="med" len="med"/>
+                      <a:tailEnd type="none" w="med" len="med"/>
+                    </a:lnL>
+                    <a:lnR w="6350" cap="flat" cmpd="sng" algn="ctr">
+                      <a:solidFill>
+                        <a:schemeClr val="tx1">
+                          <a:lumMod val="50000"/>
+                          <a:lumOff val="50000"/>
+                        </a:schemeClr>
+                      </a:solidFill>
+                      <a:prstDash val="lgDash"/>
+                      <a:round/>
+                      <a:headEnd type="none" w="med" len="med"/>
+                      <a:tailEnd type="none" w="med" len="med"/>
+                    </a:lnR>
+                    <a:lnT w="6350" cap="flat" cmpd="sng" algn="ctr">
+                      <a:solidFill>
+                        <a:schemeClr val="tx1">
+                          <a:lumMod val="50000"/>
+                          <a:lumOff val="50000"/>
+                        </a:schemeClr>
+                      </a:solidFill>
+                      <a:prstDash val="solid"/>
+                      <a:round/>
+                      <a:headEnd type="none" w="med" len="med"/>
+                      <a:tailEnd type="none" w="med" len="med"/>
+                    </a:lnT>
+                    <a:lnB w="6350" cap="flat" cmpd="sng" algn="ctr">
+                      <a:solidFill>
+                        <a:schemeClr val="tx1">
+                          <a:lumMod val="50000"/>
+                          <a:lumOff val="50000"/>
+                        </a:schemeClr>
+                      </a:solidFill>
+                      <a:prstDash val="solid"/>
+                      <a:round/>
+                      <a:headEnd type="none" w="med" len="med"/>
+                      <a:tailEnd type="none" w="med" len="med"/>
+                    </a:lnB>
+                    <a:noFill/>
+                  </a:tcPr>
+                </a:tc>
+                <a:tc>
+                  <a:txBody>
+                    <a:bodyPr/>
+                    <a:lstStyle/>
+                    <a:p>
+                      <a:endParaRPr lang="en-GB" sz="1600" dirty="0"/>
+                    </a:p>
+                  </a:txBody>
+                  <a:tcPr marL="96000" marR="96000" marT="48000" marB="48000" anchor="ctr">
+                    <a:lnL w="6350" cap="flat" cmpd="sng" algn="ctr">
+                      <a:solidFill>
+                        <a:schemeClr val="tx1">
+                          <a:lumMod val="50000"/>
+                          <a:lumOff val="50000"/>
+                        </a:schemeClr>
+                      </a:solidFill>
+                      <a:prstDash val="lgDash"/>
+                      <a:round/>
+                      <a:headEnd type="none" w="med" len="med"/>
+                      <a:tailEnd type="none" w="med" len="med"/>
+                    </a:lnL>
+                    <a:lnR w="6350" cap="flat" cmpd="sng" algn="ctr">
+                      <a:solidFill>
+                        <a:schemeClr val="tx1">
+                          <a:lumMod val="50000"/>
+                          <a:lumOff val="50000"/>
+                        </a:schemeClr>
+                      </a:solidFill>
+                      <a:prstDash val="lgDash"/>
+                      <a:round/>
+                      <a:headEnd type="none" w="med" len="med"/>
+                      <a:tailEnd type="none" w="med" len="med"/>
+                    </a:lnR>
+                    <a:lnT w="6350" cap="flat" cmpd="sng" algn="ctr">
+                      <a:solidFill>
+                        <a:schemeClr val="tx1">
+                          <a:lumMod val="50000"/>
+                          <a:lumOff val="50000"/>
+                        </a:schemeClr>
+                      </a:solidFill>
+                      <a:prstDash val="solid"/>
+                      <a:round/>
+                      <a:headEnd type="none" w="med" len="med"/>
+                      <a:tailEnd type="none" w="med" len="med"/>
+                    </a:lnT>
+                    <a:lnB w="6350" cap="flat" cmpd="sng" algn="ctr">
+                      <a:solidFill>
+                        <a:schemeClr val="tx1">
+                          <a:lumMod val="50000"/>
+                          <a:lumOff val="50000"/>
+                        </a:schemeClr>
+                      </a:solidFill>
+                      <a:prstDash val="solid"/>
+                      <a:round/>
+                      <a:headEnd type="none" w="med" len="med"/>
+                      <a:tailEnd type="none" w="med" len="med"/>
+                    </a:lnB>
+                    <a:noFill/>
+                  </a:tcPr>
+                </a:tc>
+                <a:tc>
+                  <a:txBody>
+                    <a:bodyPr/>
+                    <a:lstStyle/>
+                    <a:p>
+                      <a:endParaRPr lang="el-GR" sz="2400"/>
+                    </a:p>
+                  </a:txBody>
+                  <a:tcPr marL="96000" marR="96000" marT="48000" marB="48000" anchor="ctr">
+                    <a:lnL w="6350" cap="flat" cmpd="sng" algn="ctr">
+                      <a:solidFill>
+                        <a:schemeClr val="tx1">
+                          <a:lumMod val="50000"/>
+                          <a:lumOff val="50000"/>
+                        </a:schemeClr>
+                      </a:solidFill>
+                      <a:prstDash val="lgDash"/>
+                      <a:round/>
+                      <a:headEnd type="none" w="med" len="med"/>
+                      <a:tailEnd type="none" w="med" len="med"/>
+                    </a:lnL>
+                    <a:lnR w="6350" cap="flat" cmpd="sng" algn="ctr">
+                      <a:solidFill>
+                        <a:schemeClr val="tx1">
+                          <a:lumMod val="50000"/>
+                          <a:lumOff val="50000"/>
+                        </a:schemeClr>
+                      </a:solidFill>
+                      <a:prstDash val="lgDash"/>
+                      <a:round/>
+                      <a:headEnd type="none" w="med" len="med"/>
+                      <a:tailEnd type="none" w="med" len="med"/>
+                    </a:lnR>
+                    <a:lnT w="6350" cap="flat" cmpd="sng" algn="ctr">
+                      <a:solidFill>
+                        <a:schemeClr val="tx1">
+                          <a:lumMod val="50000"/>
+                          <a:lumOff val="50000"/>
+                        </a:schemeClr>
+                      </a:solidFill>
+                      <a:prstDash val="solid"/>
+                      <a:round/>
+                      <a:headEnd type="none" w="med" len="med"/>
+                      <a:tailEnd type="none" w="med" len="med"/>
+                    </a:lnT>
+                    <a:lnB w="6350" cap="flat" cmpd="sng" algn="ctr">
+                      <a:solidFill>
+                        <a:schemeClr val="tx1">
+                          <a:lumMod val="50000"/>
+                          <a:lumOff val="50000"/>
+                        </a:schemeClr>
+                      </a:solidFill>
+                      <a:prstDash val="solid"/>
+                      <a:round/>
+                      <a:headEnd type="none" w="med" len="med"/>
+                      <a:tailEnd type="none" w="med" len="med"/>
+                    </a:lnB>
+                    <a:noFill/>
+                  </a:tcPr>
+                </a:tc>
+                <a:tc>
+                  <a:txBody>
+                    <a:bodyPr/>
+                    <a:lstStyle/>
+                    <a:p>
+                      <a:endParaRPr lang="el-GR" sz="2400"/>
+                    </a:p>
+                  </a:txBody>
+                  <a:tcPr marL="96000" marR="96000" marT="48000" marB="48000" anchor="ctr">
+                    <a:lnL w="6350" cap="flat" cmpd="sng" algn="ctr">
+                      <a:solidFill>
+                        <a:schemeClr val="tx1">
+                          <a:lumMod val="50000"/>
+                          <a:lumOff val="50000"/>
+                        </a:schemeClr>
+                      </a:solidFill>
+                      <a:prstDash val="lgDash"/>
+                      <a:round/>
+                      <a:headEnd type="none" w="med" len="med"/>
+                      <a:tailEnd type="none" w="med" len="med"/>
+                    </a:lnL>
+                    <a:lnR w="6350" cap="flat" cmpd="sng" algn="ctr">
+                      <a:solidFill>
+                        <a:schemeClr val="tx1">
+                          <a:lumMod val="50000"/>
+                          <a:lumOff val="50000"/>
+                        </a:schemeClr>
+                      </a:solidFill>
+                      <a:prstDash val="lgDash"/>
+                      <a:round/>
+                      <a:headEnd type="none" w="med" len="med"/>
+                      <a:tailEnd type="none" w="med" len="med"/>
+                    </a:lnR>
+                    <a:lnT w="6350" cap="flat" cmpd="sng" algn="ctr">
+                      <a:solidFill>
+                        <a:schemeClr val="tx1">
+                          <a:lumMod val="50000"/>
+                          <a:lumOff val="50000"/>
+                        </a:schemeClr>
+                      </a:solidFill>
+                      <a:prstDash val="solid"/>
+                      <a:round/>
+                      <a:headEnd type="none" w="med" len="med"/>
+                      <a:tailEnd type="none" w="med" len="med"/>
+                    </a:lnT>
+                    <a:lnB w="6350" cap="flat" cmpd="sng" algn="ctr">
+                      <a:solidFill>
+                        <a:schemeClr val="tx1">
+                          <a:lumMod val="50000"/>
+                          <a:lumOff val="50000"/>
+                        </a:schemeClr>
+                      </a:solidFill>
+                      <a:prstDash val="solid"/>
+                      <a:round/>
+                      <a:headEnd type="none" w="med" len="med"/>
+                      <a:tailEnd type="none" w="med" len="med"/>
+                    </a:lnB>
+                    <a:noFill/>
+                  </a:tcPr>
+                </a:tc>
+                <a:tc>
+                  <a:txBody>
+                    <a:bodyPr/>
+                    <a:lstStyle/>
+                    <a:p>
+                      <a:endParaRPr lang="el-GR" sz="2400"/>
+                    </a:p>
+                  </a:txBody>
+                  <a:tcPr marL="96000" marR="96000" marT="48000" marB="48000" anchor="ctr">
+                    <a:lnL w="6350" cap="flat" cmpd="sng" algn="ctr">
+                      <a:solidFill>
+                        <a:schemeClr val="tx1">
+                          <a:lumMod val="50000"/>
+                          <a:lumOff val="50000"/>
+                        </a:schemeClr>
+                      </a:solidFill>
+                      <a:prstDash val="lgDash"/>
+                      <a:round/>
+                      <a:headEnd type="none" w="med" len="med"/>
+                      <a:tailEnd type="none" w="med" len="med"/>
+                    </a:lnL>
+                    <a:lnR w="6350" cap="flat" cmpd="sng" algn="ctr">
+                      <a:solidFill>
+                        <a:schemeClr val="tx1">
+                          <a:lumMod val="50000"/>
+                          <a:lumOff val="50000"/>
+                        </a:schemeClr>
+                      </a:solidFill>
+                      <a:prstDash val="lgDash"/>
+                      <a:round/>
+                      <a:headEnd type="none" w="med" len="med"/>
+                      <a:tailEnd type="none" w="med" len="med"/>
+                    </a:lnR>
+                    <a:lnT w="6350" cap="flat" cmpd="sng" algn="ctr">
+                      <a:solidFill>
+                        <a:schemeClr val="tx1">
+                          <a:lumMod val="50000"/>
+                          <a:lumOff val="50000"/>
+                        </a:schemeClr>
+                      </a:solidFill>
+                      <a:prstDash val="solid"/>
+                      <a:round/>
+                      <a:headEnd type="none" w="med" len="med"/>
+                      <a:tailEnd type="none" w="med" len="med"/>
+                    </a:lnT>
+                    <a:lnB w="6350" cap="flat" cmpd="sng" algn="ctr">
+                      <a:solidFill>
+                        <a:schemeClr val="tx1">
+                          <a:lumMod val="50000"/>
+                          <a:lumOff val="50000"/>
+                        </a:schemeClr>
+                      </a:solidFill>
+                      <a:prstDash val="solid"/>
+                      <a:round/>
+                      <a:headEnd type="none" w="med" len="med"/>
+                      <a:tailEnd type="none" w="med" len="med"/>
+                    </a:lnB>
+                    <a:noFill/>
+                  </a:tcPr>
+                </a:tc>
+                <a:tc>
+                  <a:txBody>
+                    <a:bodyPr/>
+                    <a:lstStyle/>
+                    <a:p>
+                      <a:endParaRPr lang="el-GR" sz="2400">
+                        <a:highlight>
+                          <a:srgbClr val="FFFF00"/>
+                        </a:highlight>
+                      </a:endParaRPr>
+                    </a:p>
+                  </a:txBody>
+                  <a:tcPr marL="96000" marR="96000" marT="48000" marB="48000" anchor="ctr">
+                    <a:lnL w="6350" cap="flat" cmpd="sng" algn="ctr">
+                      <a:solidFill>
+                        <a:schemeClr val="tx1">
+                          <a:lumMod val="50000"/>
+                          <a:lumOff val="50000"/>
+                        </a:schemeClr>
+                      </a:solidFill>
+                      <a:prstDash val="lgDash"/>
+                      <a:round/>
+                      <a:headEnd type="none" w="med" len="med"/>
+                      <a:tailEnd type="none" w="med" len="med"/>
+                    </a:lnL>
+                    <a:lnR w="6350" cap="flat" cmpd="sng" algn="ctr">
+                      <a:solidFill>
+                        <a:schemeClr val="tx1">
+                          <a:lumMod val="50000"/>
+                          <a:lumOff val="50000"/>
+                        </a:schemeClr>
+                      </a:solidFill>
+                      <a:prstDash val="lgDash"/>
+                      <a:round/>
+                      <a:headEnd type="none" w="med" len="med"/>
+                      <a:tailEnd type="none" w="med" len="med"/>
+                    </a:lnR>
+                    <a:lnT w="6350" cap="flat" cmpd="sng" algn="ctr">
+                      <a:solidFill>
+                        <a:schemeClr val="tx1">
+                          <a:lumMod val="50000"/>
+                          <a:lumOff val="50000"/>
+                        </a:schemeClr>
+                      </a:solidFill>
+                      <a:prstDash val="solid"/>
+                      <a:round/>
+                      <a:headEnd type="none" w="med" len="med"/>
+                      <a:tailEnd type="none" w="med" len="med"/>
+                    </a:lnT>
+                    <a:lnB w="6350" cap="flat" cmpd="sng" algn="ctr">
+                      <a:solidFill>
+                        <a:schemeClr val="tx1">
+                          <a:lumMod val="50000"/>
+                          <a:lumOff val="50000"/>
+                        </a:schemeClr>
+                      </a:solidFill>
+                      <a:prstDash val="solid"/>
+                      <a:round/>
+                      <a:headEnd type="none" w="med" len="med"/>
+                      <a:tailEnd type="none" w="med" len="med"/>
+                    </a:lnB>
+                    <a:solidFill>
+                      <a:schemeClr val="bg1"/>
+                    </a:solidFill>
+                  </a:tcPr>
+                </a:tc>
+                <a:tc>
+                  <a:txBody>
+                    <a:bodyPr/>
+                    <a:lstStyle/>
+                    <a:p>
+                      <a:endParaRPr lang="el-GR" sz="2400"/>
+                    </a:p>
+                  </a:txBody>
+                  <a:tcPr marL="96000" marR="96000" marT="48000" marB="48000" anchor="ctr">
+                    <a:lnL w="6350" cap="flat" cmpd="sng" algn="ctr">
+                      <a:solidFill>
+                        <a:schemeClr val="tx1">
+                          <a:lumMod val="50000"/>
+                          <a:lumOff val="50000"/>
+                        </a:schemeClr>
+                      </a:solidFill>
+                      <a:prstDash val="lgDash"/>
+                      <a:round/>
+                      <a:headEnd type="none" w="med" len="med"/>
+                      <a:tailEnd type="none" w="med" len="med"/>
+                    </a:lnL>
+                    <a:lnR w="6350" cap="flat" cmpd="sng" algn="ctr">
+                      <a:solidFill>
+                        <a:schemeClr val="tx1">
+                          <a:lumMod val="50000"/>
+                          <a:lumOff val="50000"/>
+                        </a:schemeClr>
+                      </a:solidFill>
+                      <a:prstDash val="lgDash"/>
+                      <a:round/>
+                      <a:headEnd type="none" w="med" len="med"/>
+                      <a:tailEnd type="none" w="med" len="med"/>
+                    </a:lnR>
+                    <a:lnT w="6350" cap="flat" cmpd="sng" algn="ctr">
+                      <a:solidFill>
+                        <a:schemeClr val="tx1">
+                          <a:lumMod val="50000"/>
+                          <a:lumOff val="50000"/>
+                        </a:schemeClr>
+                      </a:solidFill>
+                      <a:prstDash val="solid"/>
+                      <a:round/>
+                      <a:headEnd type="none" w="med" len="med"/>
+                      <a:tailEnd type="none" w="med" len="med"/>
+                    </a:lnT>
+                    <a:lnB w="6350" cap="flat" cmpd="sng" algn="ctr">
+                      <a:solidFill>
+                        <a:schemeClr val="tx1">
+                          <a:lumMod val="50000"/>
+                          <a:lumOff val="50000"/>
+                        </a:schemeClr>
+                      </a:solidFill>
+                      <a:prstDash val="solid"/>
+                      <a:round/>
+                      <a:headEnd type="none" w="med" len="med"/>
+                      <a:tailEnd type="none" w="med" len="med"/>
+                    </a:lnB>
+                    <a:noFill/>
+                  </a:tcPr>
+                </a:tc>
+                <a:extLst>
+                  <a:ext uri="{0D108BD9-81ED-4DB2-BD59-A6C34878D82A}">
+                    <a16:rowId xmlns:a16="http://schemas.microsoft.com/office/drawing/2014/main" val="1301972591"/>
+                  </a:ext>
+                </a:extLst>
+              </a:tr>
+              <a:tr h="461000">
+                <a:tc>
+                  <a:txBody>
+                    <a:bodyPr/>
+                    <a:lstStyle/>
+                    <a:p>
+                      <a:pPr marL="629920" marR="0" lvl="0" indent="0" algn="l" defTabSz="914400" rtl="0" eaLnBrk="1" fontAlgn="base" latinLnBrk="0" hangingPunct="1">
+                        <a:lnSpc>
+                          <a:spcPct val="100000"/>
+                        </a:lnSpc>
+                        <a:spcBef>
+                          <a:spcPts val="300"/>
+                        </a:spcBef>
+                        <a:spcAft>
+                          <a:spcPct val="0"/>
+                        </a:spcAft>
+                        <a:buClrTx/>
+                        <a:buSzTx/>
+                        <a:buFontTx/>
+                        <a:buNone/>
+                        <a:tabLst>
+                          <a:tab pos="630238" algn="l"/>
+                        </a:tabLst>
+                        <a:defRPr/>
+                      </a:pPr>
+                      <a:r>
+                        <a:rPr lang="en-US" sz="1000" b="1" kern="1200" noProof="0" dirty="0">
+                          <a:solidFill>
+                            <a:schemeClr val="dk1"/>
+                          </a:solidFill>
+                          <a:effectLst/>
+                          <a:latin typeface="+mn-lt"/>
+                          <a:ea typeface="+mn-ea"/>
+                          <a:cs typeface="+mn-cs"/>
+                        </a:rPr>
+                        <a:t>Final Report</a:t>
+                      </a:r>
+                    </a:p>
+                  </a:txBody>
+                  <a:tcPr marL="0" marR="0" marT="48000" marB="48000" anchor="ctr">
+                    <a:lnR w="12700" cap="flat" cmpd="sng" algn="ctr">
+                      <a:solidFill>
+                        <a:schemeClr val="bg1">
+                          <a:lumMod val="75000"/>
+                        </a:schemeClr>
+                      </a:solidFill>
+                      <a:prstDash val="solid"/>
+                      <a:round/>
+                      <a:headEnd type="none" w="med" len="med"/>
+                      <a:tailEnd type="none" w="med" len="med"/>
+                    </a:lnR>
+                    <a:lnT w="6350" cap="flat" cmpd="sng" algn="ctr">
+                      <a:solidFill>
+                        <a:schemeClr val="tx1">
+                          <a:lumMod val="50000"/>
+                          <a:lumOff val="50000"/>
+                        </a:schemeClr>
+                      </a:solidFill>
+                      <a:prstDash val="solid"/>
+                      <a:round/>
+                      <a:headEnd type="none" w="med" len="med"/>
+                      <a:tailEnd type="none" w="med" len="med"/>
+                    </a:lnT>
+                    <a:lnB w="6350" cap="flat" cmpd="sng" algn="ctr">
+                      <a:solidFill>
+                        <a:schemeClr val="tx1">
+                          <a:lumMod val="50000"/>
+                          <a:lumOff val="50000"/>
+                        </a:schemeClr>
+                      </a:solidFill>
+                      <a:prstDash val="solid"/>
+                      <a:round/>
+                      <a:headEnd type="none" w="med" len="med"/>
+                      <a:tailEnd type="none" w="med" len="med"/>
+                    </a:lnB>
+                    <a:solidFill>
+                      <a:schemeClr val="accent2">
+                        <a:lumMod val="20000"/>
+                        <a:lumOff val="80000"/>
+                      </a:schemeClr>
+                    </a:solidFill>
+                  </a:tcPr>
+                </a:tc>
+                <a:tc>
+                  <a:txBody>
+                    <a:bodyPr/>
+                    <a:lstStyle/>
+                    <a:p>
+                      <a:endParaRPr lang="en-GB" sz="1600" dirty="0"/>
+                    </a:p>
+                  </a:txBody>
+                  <a:tcPr marL="96000" marR="96000" marT="48000" marB="48000" anchor="ctr">
+                    <a:lnL w="12700" cap="flat" cmpd="sng" algn="ctr">
+                      <a:solidFill>
+                        <a:schemeClr val="bg1">
+                          <a:lumMod val="75000"/>
+                        </a:schemeClr>
+                      </a:solidFill>
+                      <a:prstDash val="solid"/>
+                      <a:round/>
+                      <a:headEnd type="none" w="med" len="med"/>
+                      <a:tailEnd type="none" w="med" len="med"/>
+                    </a:lnL>
+                    <a:lnR w="6350" cap="flat" cmpd="sng" algn="ctr">
+                      <a:solidFill>
+                        <a:schemeClr val="tx1">
+                          <a:lumMod val="50000"/>
+                          <a:lumOff val="50000"/>
+                        </a:schemeClr>
+                      </a:solidFill>
+                      <a:prstDash val="lgDash"/>
+                      <a:round/>
+                      <a:headEnd type="none" w="med" len="med"/>
+                      <a:tailEnd type="none" w="med" len="med"/>
+                    </a:lnR>
+                    <a:lnT w="6350" cap="flat" cmpd="sng" algn="ctr">
+                      <a:solidFill>
+                        <a:schemeClr val="tx1">
+                          <a:lumMod val="50000"/>
+                          <a:lumOff val="50000"/>
+                        </a:schemeClr>
+                      </a:solidFill>
+                      <a:prstDash val="solid"/>
+                      <a:round/>
+                      <a:headEnd type="none" w="med" len="med"/>
+                      <a:tailEnd type="none" w="med" len="med"/>
+                    </a:lnT>
+                    <a:lnB w="6350" cap="flat" cmpd="sng" algn="ctr">
+                      <a:solidFill>
+                        <a:schemeClr val="tx1">
+                          <a:lumMod val="50000"/>
+                          <a:lumOff val="50000"/>
+                        </a:schemeClr>
+                      </a:solidFill>
+                      <a:prstDash val="solid"/>
+                      <a:round/>
+                      <a:headEnd type="none" w="med" len="med"/>
+                      <a:tailEnd type="none" w="med" len="med"/>
+                    </a:lnB>
+                    <a:noFill/>
+                  </a:tcPr>
+                </a:tc>
+                <a:tc>
+                  <a:txBody>
+                    <a:bodyPr/>
+                    <a:lstStyle/>
+                    <a:p>
+                      <a:endParaRPr lang="en-GB" sz="1600"/>
+                    </a:p>
+                  </a:txBody>
+                  <a:tcPr marL="96000" marR="96000" marT="48000" marB="48000" anchor="ctr">
+                    <a:lnL w="6350" cap="flat" cmpd="sng" algn="ctr">
+                      <a:solidFill>
+                        <a:schemeClr val="tx1">
+                          <a:lumMod val="50000"/>
+                          <a:lumOff val="50000"/>
+                        </a:schemeClr>
+                      </a:solidFill>
+                      <a:prstDash val="lgDash"/>
+                      <a:round/>
+                      <a:headEnd type="none" w="med" len="med"/>
+                      <a:tailEnd type="none" w="med" len="med"/>
+                    </a:lnL>
+                    <a:lnR w="6350" cap="flat" cmpd="sng" algn="ctr">
+                      <a:solidFill>
+                        <a:schemeClr val="tx1">
+                          <a:lumMod val="50000"/>
+                          <a:lumOff val="50000"/>
+                        </a:schemeClr>
+                      </a:solidFill>
+                      <a:prstDash val="lgDash"/>
+                      <a:round/>
+                      <a:headEnd type="none" w="med" len="med"/>
+                      <a:tailEnd type="none" w="med" len="med"/>
+                    </a:lnR>
+                    <a:lnT w="6350" cap="flat" cmpd="sng" algn="ctr">
+                      <a:solidFill>
+                        <a:schemeClr val="tx1">
+                          <a:lumMod val="50000"/>
+                          <a:lumOff val="50000"/>
+                        </a:schemeClr>
+                      </a:solidFill>
+                      <a:prstDash val="solid"/>
+                      <a:round/>
+                      <a:headEnd type="none" w="med" len="med"/>
+                      <a:tailEnd type="none" w="med" len="med"/>
+                    </a:lnT>
+                    <a:lnB w="6350" cap="flat" cmpd="sng" algn="ctr">
+                      <a:solidFill>
+                        <a:schemeClr val="tx1">
+                          <a:lumMod val="50000"/>
+                          <a:lumOff val="50000"/>
+                        </a:schemeClr>
+                      </a:solidFill>
+                      <a:prstDash val="solid"/>
+                      <a:round/>
+                      <a:headEnd type="none" w="med" len="med"/>
+                      <a:tailEnd type="none" w="med" len="med"/>
+                    </a:lnB>
+                    <a:noFill/>
+                  </a:tcPr>
+                </a:tc>
+                <a:tc>
+                  <a:txBody>
+                    <a:bodyPr/>
+                    <a:lstStyle/>
+                    <a:p>
+                      <a:endParaRPr lang="el-GR" sz="2400"/>
+                    </a:p>
+                  </a:txBody>
+                  <a:tcPr marL="96000" marR="96000" marT="48000" marB="48000" anchor="ctr">
+                    <a:lnL w="6350" cap="flat" cmpd="sng" algn="ctr">
+                      <a:solidFill>
+                        <a:schemeClr val="tx1">
+                          <a:lumMod val="50000"/>
+                          <a:lumOff val="50000"/>
+                        </a:schemeClr>
+                      </a:solidFill>
+                      <a:prstDash val="lgDash"/>
+                      <a:round/>
+                      <a:headEnd type="none" w="med" len="med"/>
+                      <a:tailEnd type="none" w="med" len="med"/>
+                    </a:lnL>
+                    <a:lnR w="6350" cap="flat" cmpd="sng" algn="ctr">
+                      <a:solidFill>
+                        <a:schemeClr val="tx1">
+                          <a:lumMod val="50000"/>
+                          <a:lumOff val="50000"/>
+                        </a:schemeClr>
+                      </a:solidFill>
+                      <a:prstDash val="lgDash"/>
+                      <a:round/>
+                      <a:headEnd type="none" w="med" len="med"/>
+                      <a:tailEnd type="none" w="med" len="med"/>
+                    </a:lnR>
+                    <a:lnT w="6350" cap="flat" cmpd="sng" algn="ctr">
+                      <a:solidFill>
+                        <a:schemeClr val="tx1">
+                          <a:lumMod val="50000"/>
+                          <a:lumOff val="50000"/>
+                        </a:schemeClr>
+                      </a:solidFill>
+                      <a:prstDash val="solid"/>
+                      <a:round/>
+                      <a:headEnd type="none" w="med" len="med"/>
+                      <a:tailEnd type="none" w="med" len="med"/>
+                    </a:lnT>
+                    <a:lnB w="6350" cap="flat" cmpd="sng" algn="ctr">
+                      <a:solidFill>
+                        <a:schemeClr val="tx1">
+                          <a:lumMod val="50000"/>
+                          <a:lumOff val="50000"/>
+                        </a:schemeClr>
+                      </a:solidFill>
+                      <a:prstDash val="solid"/>
+                      <a:round/>
+                      <a:headEnd type="none" w="med" len="med"/>
+                      <a:tailEnd type="none" w="med" len="med"/>
+                    </a:lnB>
+                    <a:noFill/>
+                  </a:tcPr>
+                </a:tc>
+                <a:tc>
+                  <a:txBody>
+                    <a:bodyPr/>
+                    <a:lstStyle/>
+                    <a:p>
+                      <a:endParaRPr lang="el-GR" sz="2400"/>
+                    </a:p>
+                  </a:txBody>
+                  <a:tcPr marL="96000" marR="96000" marT="48000" marB="48000" anchor="ctr">
+                    <a:lnL w="6350" cap="flat" cmpd="sng" algn="ctr">
+                      <a:solidFill>
+                        <a:schemeClr val="tx1">
+                          <a:lumMod val="50000"/>
+                          <a:lumOff val="50000"/>
+                        </a:schemeClr>
+                      </a:solidFill>
+                      <a:prstDash val="lgDash"/>
+                      <a:round/>
+                      <a:headEnd type="none" w="med" len="med"/>
+                      <a:tailEnd type="none" w="med" len="med"/>
+                    </a:lnL>
+                    <a:lnR w="6350" cap="flat" cmpd="sng" algn="ctr">
+                      <a:solidFill>
+                        <a:schemeClr val="tx1">
+                          <a:lumMod val="50000"/>
+                          <a:lumOff val="50000"/>
+                        </a:schemeClr>
+                      </a:solidFill>
+                      <a:prstDash val="lgDash"/>
+                      <a:round/>
+                      <a:headEnd type="none" w="med" len="med"/>
+                      <a:tailEnd type="none" w="med" len="med"/>
+                    </a:lnR>
+                    <a:lnT w="6350" cap="flat" cmpd="sng" algn="ctr">
+                      <a:solidFill>
+                        <a:schemeClr val="tx1">
+                          <a:lumMod val="50000"/>
+                          <a:lumOff val="50000"/>
+                        </a:schemeClr>
+                      </a:solidFill>
+                      <a:prstDash val="solid"/>
+                      <a:round/>
+                      <a:headEnd type="none" w="med" len="med"/>
+                      <a:tailEnd type="none" w="med" len="med"/>
+                    </a:lnT>
+                    <a:lnB w="6350" cap="flat" cmpd="sng" algn="ctr">
+                      <a:solidFill>
+                        <a:schemeClr val="tx1">
+                          <a:lumMod val="50000"/>
+                          <a:lumOff val="50000"/>
+                        </a:schemeClr>
+                      </a:solidFill>
+                      <a:prstDash val="solid"/>
+                      <a:round/>
+                      <a:headEnd type="none" w="med" len="med"/>
+                      <a:tailEnd type="none" w="med" len="med"/>
+                    </a:lnB>
+                    <a:noFill/>
+                  </a:tcPr>
+                </a:tc>
+                <a:tc>
+                  <a:txBody>
+                    <a:bodyPr/>
+                    <a:lstStyle/>
+                    <a:p>
+                      <a:endParaRPr lang="el-GR" sz="2400"/>
+                    </a:p>
+                  </a:txBody>
+                  <a:tcPr marL="96000" marR="96000" marT="48000" marB="48000" anchor="ctr">
+                    <a:lnL w="6350" cap="flat" cmpd="sng" algn="ctr">
+                      <a:solidFill>
+                        <a:schemeClr val="tx1">
+                          <a:lumMod val="50000"/>
+                          <a:lumOff val="50000"/>
+                        </a:schemeClr>
+                      </a:solidFill>
+                      <a:prstDash val="lgDash"/>
+                      <a:round/>
+                      <a:headEnd type="none" w="med" len="med"/>
+                      <a:tailEnd type="none" w="med" len="med"/>
+                    </a:lnL>
+                    <a:lnR w="6350" cap="flat" cmpd="sng" algn="ctr">
+                      <a:solidFill>
+                        <a:schemeClr val="tx1">
+                          <a:lumMod val="50000"/>
+                          <a:lumOff val="50000"/>
+                        </a:schemeClr>
+                      </a:solidFill>
+                      <a:prstDash val="lgDash"/>
+                      <a:round/>
+                      <a:headEnd type="none" w="med" len="med"/>
+                      <a:tailEnd type="none" w="med" len="med"/>
+                    </a:lnR>
+                    <a:lnT w="6350" cap="flat" cmpd="sng" algn="ctr">
+                      <a:solidFill>
+                        <a:schemeClr val="tx1">
+                          <a:lumMod val="50000"/>
+                          <a:lumOff val="50000"/>
+                        </a:schemeClr>
+                      </a:solidFill>
+                      <a:prstDash val="solid"/>
+                      <a:round/>
+                      <a:headEnd type="none" w="med" len="med"/>
+                      <a:tailEnd type="none" w="med" len="med"/>
+                    </a:lnT>
+                    <a:lnB w="6350" cap="flat" cmpd="sng" algn="ctr">
+                      <a:solidFill>
+                        <a:schemeClr val="tx1">
+                          <a:lumMod val="50000"/>
+                          <a:lumOff val="50000"/>
+                        </a:schemeClr>
+                      </a:solidFill>
+                      <a:prstDash val="solid"/>
+                      <a:round/>
+                      <a:headEnd type="none" w="med" len="med"/>
+                      <a:tailEnd type="none" w="med" len="med"/>
+                    </a:lnB>
+                    <a:noFill/>
+                  </a:tcPr>
+                </a:tc>
+                <a:tc>
+                  <a:txBody>
+                    <a:bodyPr/>
+                    <a:lstStyle/>
+                    <a:p>
+                      <a:endParaRPr lang="el-GR" sz="2400" dirty="0">
+                        <a:highlight>
+                          <a:srgbClr val="FFFF00"/>
+                        </a:highlight>
+                      </a:endParaRPr>
+                    </a:p>
+                  </a:txBody>
+                  <a:tcPr marL="96000" marR="96000" marT="48000" marB="48000" anchor="ctr">
+                    <a:lnL w="6350" cap="flat" cmpd="sng" algn="ctr">
+                      <a:solidFill>
+                        <a:schemeClr val="tx1">
+                          <a:lumMod val="50000"/>
+                          <a:lumOff val="50000"/>
+                        </a:schemeClr>
+                      </a:solidFill>
+                      <a:prstDash val="lgDash"/>
+                      <a:round/>
+                      <a:headEnd type="none" w="med" len="med"/>
+                      <a:tailEnd type="none" w="med" len="med"/>
+                    </a:lnL>
+                    <a:lnR w="6350" cap="flat" cmpd="sng" algn="ctr">
+                      <a:solidFill>
+                        <a:schemeClr val="tx1">
+                          <a:lumMod val="50000"/>
+                          <a:lumOff val="50000"/>
+                        </a:schemeClr>
+                      </a:solidFill>
+                      <a:prstDash val="lgDash"/>
+                      <a:round/>
+                      <a:headEnd type="none" w="med" len="med"/>
+                      <a:tailEnd type="none" w="med" len="med"/>
+                    </a:lnR>
+                    <a:lnT w="6350" cap="flat" cmpd="sng" algn="ctr">
+                      <a:solidFill>
+                        <a:schemeClr val="tx1">
+                          <a:lumMod val="50000"/>
+                          <a:lumOff val="50000"/>
+                        </a:schemeClr>
+                      </a:solidFill>
+                      <a:prstDash val="solid"/>
+                      <a:round/>
+                      <a:headEnd type="none" w="med" len="med"/>
+                      <a:tailEnd type="none" w="med" len="med"/>
+                    </a:lnT>
+                    <a:lnB w="6350" cap="flat" cmpd="sng" algn="ctr">
+                      <a:solidFill>
+                        <a:schemeClr val="tx1">
+                          <a:lumMod val="50000"/>
+                          <a:lumOff val="50000"/>
+                        </a:schemeClr>
+                      </a:solidFill>
+                      <a:prstDash val="solid"/>
+                      <a:round/>
+                      <a:headEnd type="none" w="med" len="med"/>
+                      <a:tailEnd type="none" w="med" len="med"/>
+                    </a:lnB>
+                    <a:solidFill>
+                      <a:schemeClr val="bg1"/>
+                    </a:solidFill>
+                  </a:tcPr>
+                </a:tc>
+                <a:tc>
+                  <a:txBody>
+                    <a:bodyPr/>
+                    <a:lstStyle/>
+                    <a:p>
+                      <a:endParaRPr lang="el-GR" sz="2400" dirty="0"/>
+                    </a:p>
+                  </a:txBody>
+                  <a:tcPr marL="96000" marR="96000" marT="48000" marB="48000" anchor="ctr">
+                    <a:lnL w="6350" cap="flat" cmpd="sng" algn="ctr">
+                      <a:solidFill>
+                        <a:schemeClr val="tx1">
+                          <a:lumMod val="50000"/>
+                          <a:lumOff val="50000"/>
+                        </a:schemeClr>
+                      </a:solidFill>
+                      <a:prstDash val="lgDash"/>
+                      <a:round/>
+                      <a:headEnd type="none" w="med" len="med"/>
+                      <a:tailEnd type="none" w="med" len="med"/>
+                    </a:lnL>
+                    <a:lnR w="6350" cap="flat" cmpd="sng" algn="ctr">
+                      <a:solidFill>
+                        <a:schemeClr val="tx1">
+                          <a:lumMod val="50000"/>
+                          <a:lumOff val="50000"/>
+                        </a:schemeClr>
+                      </a:solidFill>
+                      <a:prstDash val="lgDash"/>
+                      <a:round/>
+                      <a:headEnd type="none" w="med" len="med"/>
+                      <a:tailEnd type="none" w="med" len="med"/>
+                    </a:lnR>
+                    <a:lnT w="6350" cap="flat" cmpd="sng" algn="ctr">
+                      <a:solidFill>
+                        <a:schemeClr val="tx1">
+                          <a:lumMod val="50000"/>
+                          <a:lumOff val="50000"/>
+                        </a:schemeClr>
+                      </a:solidFill>
+                      <a:prstDash val="solid"/>
+                      <a:round/>
+                      <a:headEnd type="none" w="med" len="med"/>
+                      <a:tailEnd type="none" w="med" len="med"/>
+                    </a:lnT>
+                    <a:lnB w="6350" cap="flat" cmpd="sng" algn="ctr">
+                      <a:solidFill>
+                        <a:schemeClr val="tx1">
+                          <a:lumMod val="50000"/>
+                          <a:lumOff val="50000"/>
+                        </a:schemeClr>
+                      </a:solidFill>
+                      <a:prstDash val="solid"/>
+                      <a:round/>
+                      <a:headEnd type="none" w="med" len="med"/>
+                      <a:tailEnd type="none" w="med" len="med"/>
+                    </a:lnB>
+                    <a:noFill/>
+                  </a:tcPr>
+                </a:tc>
+                <a:extLst>
+                  <a:ext uri="{0D108BD9-81ED-4DB2-BD59-A6C34878D82A}">
+                    <a16:rowId xmlns:a16="http://schemas.microsoft.com/office/drawing/2014/main" val="2498632707"/>
+                  </a:ext>
+                </a:extLst>
+              </a:tr>
+            </a:tbl>
+          </a:graphicData>
+        </a:graphic>
+      </p:graphicFrame>
+      <p:sp>
+        <p:nvSpPr>
+          <p:cNvPr id="7" name="Pentagon 4">
+            <a:extLst>
+              <a:ext uri="{FF2B5EF4-FFF2-40B4-BE49-F238E27FC236}">
+                <a16:creationId xmlns:a16="http://schemas.microsoft.com/office/drawing/2014/main" id="{E0B50356-93FB-0634-E1FC-65E535F81E78}"/>
+              </a:ext>
+            </a:extLst>
+          </p:cNvPr>
+          <p:cNvSpPr/>
+          <p:nvPr/>
+        </p:nvSpPr>
+        <p:spPr bwMode="gray">
+          <a:xfrm>
+            <a:off x="2429529" y="1780052"/>
+            <a:ext cx="500056" cy="242299"/>
+          </a:xfrm>
+          <a:prstGeom prst="homePlate">
+            <a:avLst>
+              <a:gd name="adj" fmla="val 28868"/>
+            </a:avLst>
+          </a:prstGeom>
+          <a:solidFill>
+            <a:srgbClr val="AA1133"/>
+          </a:solidFill>
+          <a:ln w="6350">
+            <a:noFill/>
+            <a:miter lim="800000"/>
+            <a:headEnd/>
+            <a:tailEnd/>
+          </a:ln>
+          <a:effectLst/>
+        </p:spPr>
+        <p:txBody>
+          <a:bodyPr vert="horz" wrap="square" lIns="96000" tIns="96000" rIns="96000" bIns="96000" numCol="1" rtlCol="0" anchor="ctr" anchorCtr="0" compatLnSpc="1">
+            <a:prstTxWarp prst="textNoShape">
+              <a:avLst/>
+            </a:prstTxWarp>
+            <a:noAutofit/>
+          </a:bodyPr>
+          <a:lstStyle/>
+          <a:p>
+            <a:pPr>
+              <a:spcAft>
+                <a:spcPts val="400"/>
+              </a:spcAft>
+            </a:pPr>
+            <a:r>
+              <a:rPr lang="en-US" sz="800" b="1" kern="0" dirty="0">
+                <a:solidFill>
+                  <a:prstClr val="white"/>
+                </a:solidFill>
+                <a:latin typeface="Arial" pitchFamily="34" charset="0"/>
+                <a:cs typeface="Arial" pitchFamily="34" charset="0"/>
+              </a:rPr>
+              <a:t>PH 1</a:t>
+            </a:r>
+          </a:p>
+        </p:txBody>
+      </p:sp>
+      <p:sp>
+        <p:nvSpPr>
+          <p:cNvPr id="8" name="AutoShape 2">
+            <a:extLst>
+              <a:ext uri="{FF2B5EF4-FFF2-40B4-BE49-F238E27FC236}">
+                <a16:creationId xmlns:a16="http://schemas.microsoft.com/office/drawing/2014/main" id="{C3F900D7-F950-D7FA-69C2-0A4328C601A6}"/>
+              </a:ext>
+            </a:extLst>
+          </p:cNvPr>
+          <p:cNvSpPr>
+            <a:spLocks noChangeArrowheads="1"/>
+          </p:cNvSpPr>
+          <p:nvPr/>
+        </p:nvSpPr>
+        <p:spPr bwMode="auto">
+          <a:xfrm>
+            <a:off x="4743439" y="1757765"/>
+            <a:ext cx="2813538" cy="301752"/>
+          </a:xfrm>
+          <a:prstGeom prst="homePlate">
+            <a:avLst>
+              <a:gd name="adj" fmla="val 28868"/>
+            </a:avLst>
+          </a:prstGeom>
+          <a:solidFill>
+            <a:schemeClr val="bg2">
+              <a:lumMod val="25000"/>
+            </a:schemeClr>
+          </a:solidFill>
+          <a:ln w="12700" algn="ctr">
+            <a:noFill/>
+            <a:miter lim="800000"/>
+            <a:headEnd/>
+            <a:tailEnd/>
+          </a:ln>
+          <a:effectLst/>
+        </p:spPr>
+        <p:txBody>
+          <a:bodyPr lIns="96000" tIns="48000" rIns="96000" bIns="48000" anchor="ctr" anchorCtr="0"/>
+          <a:lstStyle/>
+          <a:p>
+            <a:pPr eaLnBrk="0" hangingPunct="0">
+              <a:spcBef>
+                <a:spcPts val="400"/>
+              </a:spcBef>
+            </a:pPr>
+            <a:endParaRPr lang="en-US" sz="1067" b="1">
+              <a:solidFill>
+                <a:srgbClr val="FFFFFF"/>
+              </a:solidFill>
+            </a:endParaRPr>
+          </a:p>
+        </p:txBody>
+      </p:sp>
+      <p:grpSp>
+        <p:nvGrpSpPr>
+          <p:cNvPr id="10" name="Group 7">
+            <a:extLst>
+              <a:ext uri="{FF2B5EF4-FFF2-40B4-BE49-F238E27FC236}">
+                <a16:creationId xmlns:a16="http://schemas.microsoft.com/office/drawing/2014/main" id="{F2A4215D-4F64-0AF3-CB1E-3454D648365F}"/>
+              </a:ext>
+            </a:extLst>
+          </p:cNvPr>
+          <p:cNvGrpSpPr/>
+          <p:nvPr>
+            <p:custDataLst>
+              <p:tags r:id="rId1"/>
+            </p:custDataLst>
+          </p:nvPr>
+        </p:nvGrpSpPr>
+        <p:grpSpPr>
+          <a:xfrm>
+            <a:off x="2458004" y="1157798"/>
+            <a:ext cx="1921690" cy="397018"/>
+            <a:chOff x="1666094" y="1498600"/>
+            <a:chExt cx="1412889" cy="266244"/>
+          </a:xfrm>
+        </p:grpSpPr>
+        <p:sp>
+          <p:nvSpPr>
+            <p:cNvPr id="11" name="TextBox 10">
+              <a:extLst>
+                <a:ext uri="{FF2B5EF4-FFF2-40B4-BE49-F238E27FC236}">
+                  <a16:creationId xmlns:a16="http://schemas.microsoft.com/office/drawing/2014/main" id="{FB0F47DF-4E28-05C5-DE3F-1CE8E5B58E44}"/>
+                </a:ext>
+              </a:extLst>
+            </p:cNvPr>
+            <p:cNvSpPr txBox="1"/>
+            <p:nvPr/>
+          </p:nvSpPr>
+          <p:spPr>
+            <a:xfrm>
+              <a:off x="1666094" y="1535380"/>
+              <a:ext cx="1412889" cy="192682"/>
+            </a:xfrm>
+            <a:prstGeom prst="rect">
+              <a:avLst/>
+            </a:prstGeom>
+            <a:noFill/>
+          </p:spPr>
+          <p:txBody>
+            <a:bodyPr vert="horz" wrap="square" lIns="0" tIns="0" rIns="0" bIns="0" rtlCol="0" anchor="ctr" anchorCtr="1">
+              <a:spAutoFit/>
+            </a:bodyPr>
+            <a:lstStyle/>
+            <a:p>
+              <a:r>
+                <a:rPr lang="en-US" sz="1867" b="1" dirty="0">
+                  <a:solidFill>
+                    <a:srgbClr val="000000"/>
+                  </a:solidFill>
+                  <a:latin typeface="Arial" panose="020B0604020202020204" pitchFamily="34" charset="0"/>
+                </a:rPr>
+                <a:t>Project Plan</a:t>
+              </a:r>
+              <a:endParaRPr lang="el-GR" sz="1867" b="1" dirty="0">
+                <a:solidFill>
+                  <a:srgbClr val="000000"/>
+                </a:solidFill>
+                <a:latin typeface="Arial" panose="020B0604020202020204" pitchFamily="34" charset="0"/>
+              </a:endParaRPr>
+            </a:p>
+          </p:txBody>
+        </p:sp>
+        <p:cxnSp>
+          <p:nvCxnSpPr>
+            <p:cNvPr id="12" name="Straight Connector 9">
+              <a:extLst>
+                <a:ext uri="{FF2B5EF4-FFF2-40B4-BE49-F238E27FC236}">
+                  <a16:creationId xmlns:a16="http://schemas.microsoft.com/office/drawing/2014/main" id="{19A4FBDD-2CF2-8FA2-3A6D-71982CCA954F}"/>
+                </a:ext>
+              </a:extLst>
+            </p:cNvPr>
+            <p:cNvCxnSpPr/>
+            <p:nvPr/>
+          </p:nvCxnSpPr>
+          <p:spPr>
+            <a:xfrm>
+              <a:off x="1666094" y="1498600"/>
+              <a:ext cx="823944" cy="0"/>
+            </a:xfrm>
+            <a:prstGeom prst="line">
+              <a:avLst/>
+            </a:prstGeom>
+            <a:ln w="12700" cmpd="sng">
+              <a:solidFill>
+                <a:srgbClr val="000000"/>
+              </a:solidFill>
+              <a:headEnd type="none"/>
+              <a:tailEnd type="none"/>
+            </a:ln>
+          </p:spPr>
+          <p:style>
+            <a:lnRef idx="1">
+              <a:schemeClr val="accent1"/>
+            </a:lnRef>
+            <a:fillRef idx="0">
+              <a:schemeClr val="accent1"/>
+            </a:fillRef>
+            <a:effectRef idx="0">
+              <a:schemeClr val="accent1"/>
+            </a:effectRef>
+            <a:fontRef idx="minor">
+              <a:schemeClr val="tx1"/>
+            </a:fontRef>
+          </p:style>
+        </p:cxnSp>
+        <p:cxnSp>
+          <p:nvCxnSpPr>
+            <p:cNvPr id="13" name="Straight Connector 10">
+              <a:extLst>
+                <a:ext uri="{FF2B5EF4-FFF2-40B4-BE49-F238E27FC236}">
+                  <a16:creationId xmlns:a16="http://schemas.microsoft.com/office/drawing/2014/main" id="{9AF070E8-C183-AA52-8298-C61A2B28D85B}"/>
+                </a:ext>
+              </a:extLst>
+            </p:cNvPr>
+            <p:cNvCxnSpPr/>
+            <p:nvPr/>
+          </p:nvCxnSpPr>
+          <p:spPr>
+            <a:xfrm>
+              <a:off x="1666094" y="1764844"/>
+              <a:ext cx="823944" cy="0"/>
+            </a:xfrm>
+            <a:prstGeom prst="line">
+              <a:avLst/>
+            </a:prstGeom>
+            <a:ln w="12700" cmpd="sng">
+              <a:solidFill>
+                <a:srgbClr val="000000"/>
+              </a:solidFill>
+              <a:headEnd type="none"/>
+              <a:tailEnd type="none"/>
+            </a:ln>
+          </p:spPr>
+          <p:style>
+            <a:lnRef idx="1">
+              <a:schemeClr val="accent1"/>
+            </a:lnRef>
+            <a:fillRef idx="0">
+              <a:schemeClr val="accent1"/>
+            </a:fillRef>
+            <a:effectRef idx="0">
+              <a:schemeClr val="accent1"/>
+            </a:effectRef>
+            <a:fontRef idx="minor">
+              <a:schemeClr val="tx1"/>
+            </a:fontRef>
+          </p:style>
+        </p:cxnSp>
+      </p:grpSp>
+      <p:sp>
+        <p:nvSpPr>
+          <p:cNvPr id="14" name="AutoShape 2">
+            <a:extLst>
+              <a:ext uri="{FF2B5EF4-FFF2-40B4-BE49-F238E27FC236}">
+                <a16:creationId xmlns:a16="http://schemas.microsoft.com/office/drawing/2014/main" id="{1108F770-B6CA-F9E1-4F1E-E30474397CAF}"/>
+              </a:ext>
+            </a:extLst>
+          </p:cNvPr>
+          <p:cNvSpPr>
+            <a:spLocks noChangeArrowheads="1"/>
+          </p:cNvSpPr>
+          <p:nvPr/>
+        </p:nvSpPr>
+        <p:spPr bwMode="auto">
+          <a:xfrm>
+            <a:off x="5476970" y="2673774"/>
+            <a:ext cx="2080008" cy="301752"/>
+          </a:xfrm>
+          <a:prstGeom prst="homePlate">
+            <a:avLst>
+              <a:gd name="adj" fmla="val 28868"/>
+            </a:avLst>
+          </a:prstGeom>
+          <a:solidFill>
+            <a:schemeClr val="accent1"/>
+          </a:solidFill>
+          <a:ln w="12700" algn="ctr">
+            <a:noFill/>
+            <a:miter lim="800000"/>
+            <a:headEnd/>
+            <a:tailEnd/>
+          </a:ln>
+          <a:effectLst/>
+        </p:spPr>
+        <p:txBody>
+          <a:bodyPr lIns="96000" tIns="48000" rIns="96000" bIns="48000" anchor="ctr" anchorCtr="0"/>
+          <a:lstStyle/>
+          <a:p>
+            <a:pPr eaLnBrk="0" hangingPunct="0">
+              <a:spcBef>
+                <a:spcPts val="400"/>
+              </a:spcBef>
+            </a:pPr>
+            <a:endParaRPr lang="en-US" sz="1067" b="1">
+              <a:solidFill>
+                <a:srgbClr val="FFFFFF"/>
+              </a:solidFill>
+            </a:endParaRPr>
+          </a:p>
+        </p:txBody>
+      </p:sp>
+      <p:sp>
+        <p:nvSpPr>
+          <p:cNvPr id="15" name="AutoShape 2">
+            <a:extLst>
+              <a:ext uri="{FF2B5EF4-FFF2-40B4-BE49-F238E27FC236}">
+                <a16:creationId xmlns:a16="http://schemas.microsoft.com/office/drawing/2014/main" id="{5110AB2F-F590-7E2B-0C93-C3B38BDDEB4D}"/>
+              </a:ext>
+            </a:extLst>
+          </p:cNvPr>
+          <p:cNvSpPr>
+            <a:spLocks noChangeArrowheads="1"/>
+          </p:cNvSpPr>
+          <p:nvPr/>
+        </p:nvSpPr>
+        <p:spPr bwMode="auto">
+          <a:xfrm>
+            <a:off x="5476969" y="2221911"/>
+            <a:ext cx="2080008" cy="301752"/>
+          </a:xfrm>
+          <a:prstGeom prst="homePlate">
+            <a:avLst>
+              <a:gd name="adj" fmla="val 28868"/>
+            </a:avLst>
+          </a:prstGeom>
+          <a:solidFill>
+            <a:schemeClr val="bg2">
+              <a:lumMod val="25000"/>
+            </a:schemeClr>
+          </a:solidFill>
+          <a:ln w="12700" algn="ctr">
+            <a:noFill/>
+            <a:miter lim="800000"/>
+            <a:headEnd/>
+            <a:tailEnd/>
+          </a:ln>
+          <a:effectLst/>
+        </p:spPr>
+        <p:txBody>
+          <a:bodyPr lIns="96000" tIns="48000" rIns="96000" bIns="48000" anchor="ctr" anchorCtr="0"/>
+          <a:lstStyle/>
+          <a:p>
+            <a:pPr eaLnBrk="0" hangingPunct="0">
+              <a:spcBef>
+                <a:spcPts val="400"/>
+              </a:spcBef>
+            </a:pPr>
+            <a:endParaRPr lang="en-US" sz="1067" b="1">
+              <a:solidFill>
+                <a:srgbClr val="FFFFFF"/>
+              </a:solidFill>
+            </a:endParaRPr>
+          </a:p>
+        </p:txBody>
+      </p:sp>
+      <p:sp>
+        <p:nvSpPr>
+          <p:cNvPr id="16" name="AutoShape 2">
+            <a:extLst>
+              <a:ext uri="{FF2B5EF4-FFF2-40B4-BE49-F238E27FC236}">
+                <a16:creationId xmlns:a16="http://schemas.microsoft.com/office/drawing/2014/main" id="{1E7AB8AB-7CC9-6C64-D254-631485E72516}"/>
+              </a:ext>
+            </a:extLst>
+          </p:cNvPr>
+          <p:cNvSpPr>
+            <a:spLocks noChangeArrowheads="1"/>
+          </p:cNvSpPr>
+          <p:nvPr/>
+        </p:nvSpPr>
+        <p:spPr bwMode="auto">
+          <a:xfrm>
+            <a:off x="6210498" y="3134741"/>
+            <a:ext cx="2788335" cy="301752"/>
+          </a:xfrm>
+          <a:prstGeom prst="homePlate">
+            <a:avLst>
+              <a:gd name="adj" fmla="val 28868"/>
+            </a:avLst>
+          </a:prstGeom>
+          <a:solidFill>
+            <a:schemeClr val="accent2"/>
+          </a:solidFill>
+          <a:ln w="12700" algn="ctr">
+            <a:noFill/>
+            <a:miter lim="800000"/>
+            <a:headEnd/>
+            <a:tailEnd/>
+          </a:ln>
+          <a:effectLst/>
+        </p:spPr>
+        <p:txBody>
+          <a:bodyPr lIns="96000" tIns="48000" rIns="96000" bIns="48000" anchor="ctr" anchorCtr="0"/>
+          <a:lstStyle/>
+          <a:p>
+            <a:pPr eaLnBrk="0" hangingPunct="0">
+              <a:spcBef>
+                <a:spcPts val="400"/>
+              </a:spcBef>
+            </a:pPr>
+            <a:endParaRPr lang="en-US" sz="1067" b="1">
+              <a:solidFill>
+                <a:srgbClr val="FFFFFF"/>
+              </a:solidFill>
+            </a:endParaRPr>
+          </a:p>
+        </p:txBody>
+      </p:sp>
+      <p:sp>
+        <p:nvSpPr>
+          <p:cNvPr id="17" name="AutoShape 2">
+            <a:extLst>
+              <a:ext uri="{FF2B5EF4-FFF2-40B4-BE49-F238E27FC236}">
+                <a16:creationId xmlns:a16="http://schemas.microsoft.com/office/drawing/2014/main" id="{62BD09F4-FC33-36EC-D95B-4C21A598D14D}"/>
+              </a:ext>
+            </a:extLst>
+          </p:cNvPr>
+          <p:cNvSpPr>
+            <a:spLocks noChangeArrowheads="1"/>
+          </p:cNvSpPr>
+          <p:nvPr/>
+        </p:nvSpPr>
+        <p:spPr bwMode="auto">
+          <a:xfrm>
+            <a:off x="7345293" y="3603328"/>
+            <a:ext cx="1653541" cy="301752"/>
+          </a:xfrm>
+          <a:prstGeom prst="homePlate">
+            <a:avLst>
+              <a:gd name="adj" fmla="val 28868"/>
+            </a:avLst>
+          </a:prstGeom>
+          <a:solidFill>
+            <a:srgbClr val="7030A0"/>
+          </a:solidFill>
+          <a:ln w="12700" algn="ctr">
+            <a:noFill/>
+            <a:miter lim="800000"/>
+            <a:headEnd/>
+            <a:tailEnd/>
+          </a:ln>
+          <a:effectLst/>
+        </p:spPr>
+        <p:txBody>
+          <a:bodyPr lIns="96000" tIns="48000" rIns="96000" bIns="48000" anchor="ctr" anchorCtr="0"/>
+          <a:lstStyle/>
+          <a:p>
+            <a:pPr eaLnBrk="0" hangingPunct="0">
+              <a:spcBef>
+                <a:spcPts val="400"/>
+              </a:spcBef>
+            </a:pPr>
+            <a:endParaRPr lang="en-US" sz="1067" b="1">
+              <a:solidFill>
+                <a:srgbClr val="FFFFFF"/>
+              </a:solidFill>
+            </a:endParaRPr>
+          </a:p>
+        </p:txBody>
+      </p:sp>
+      <p:sp>
+        <p:nvSpPr>
+          <p:cNvPr id="20" name="Text Placeholder 1">
+            <a:extLst>
+              <a:ext uri="{FF2B5EF4-FFF2-40B4-BE49-F238E27FC236}">
+                <a16:creationId xmlns:a16="http://schemas.microsoft.com/office/drawing/2014/main" id="{48862B61-3339-24D2-DF7C-7FAFB3F6887F}"/>
+              </a:ext>
+            </a:extLst>
+          </p:cNvPr>
+          <p:cNvSpPr txBox="1">
+            <a:spLocks/>
+          </p:cNvSpPr>
+          <p:nvPr/>
+        </p:nvSpPr>
+        <p:spPr>
+          <a:xfrm flipH="1">
+            <a:off x="509676" y="173171"/>
+            <a:ext cx="10976588" cy="420564"/>
+          </a:xfrm>
+          <a:prstGeom prst="rect">
+            <a:avLst/>
+          </a:prstGeom>
+        </p:spPr>
+        <p:txBody>
+          <a:bodyPr vert="horz" lIns="91440" tIns="45720" rIns="91440" bIns="45720" rtlCol="0" anchor="ctr"/>
+          <a:lstStyle>
+            <a:defPPr>
+              <a:defRPr lang="el-GR"/>
+            </a:defPPr>
+            <a:lvl1pPr marL="0" algn="ctr" defTabSz="914400" rtl="0" eaLnBrk="1" latinLnBrk="0" hangingPunct="1">
+              <a:defRPr sz="1200" kern="1200">
+                <a:solidFill>
+                  <a:schemeClr val="tx1">
+                    <a:tint val="82000"/>
+                  </a:schemeClr>
+                </a:solidFill>
+                <a:latin typeface="+mn-lt"/>
+                <a:ea typeface="+mn-ea"/>
+                <a:cs typeface="+mn-cs"/>
+              </a:defRPr>
+            </a:lvl1pPr>
+            <a:lvl2pPr marL="457200" algn="l" defTabSz="914400" rtl="0" eaLnBrk="1" latinLnBrk="0" hangingPunct="1">
+              <a:defRPr sz="1800" kern="1200">
+                <a:solidFill>
+                  <a:schemeClr val="tx1"/>
+                </a:solidFill>
+                <a:latin typeface="+mn-lt"/>
+                <a:ea typeface="+mn-ea"/>
+                <a:cs typeface="+mn-cs"/>
+              </a:defRPr>
+            </a:lvl2pPr>
+            <a:lvl3pPr marL="914400" algn="l" defTabSz="914400" rtl="0" eaLnBrk="1" latinLnBrk="0" hangingPunct="1">
+              <a:defRPr sz="1800" kern="1200">
+                <a:solidFill>
+                  <a:schemeClr val="tx1"/>
+                </a:solidFill>
+                <a:latin typeface="+mn-lt"/>
+                <a:ea typeface="+mn-ea"/>
+                <a:cs typeface="+mn-cs"/>
+              </a:defRPr>
+            </a:lvl3pPr>
+            <a:lvl4pPr marL="1371600" algn="l" defTabSz="914400" rtl="0" eaLnBrk="1" latinLnBrk="0" hangingPunct="1">
+              <a:defRPr sz="1800" kern="1200">
+                <a:solidFill>
+                  <a:schemeClr val="tx1"/>
+                </a:solidFill>
+                <a:latin typeface="+mn-lt"/>
+                <a:ea typeface="+mn-ea"/>
+                <a:cs typeface="+mn-cs"/>
+              </a:defRPr>
+            </a:lvl4pPr>
+            <a:lvl5pPr marL="1828800" algn="l" defTabSz="914400" rtl="0" eaLnBrk="1" latinLnBrk="0" hangingPunct="1">
+              <a:defRPr sz="1800" kern="1200">
+                <a:solidFill>
+                  <a:schemeClr val="tx1"/>
+                </a:solidFill>
+                <a:latin typeface="+mn-lt"/>
+                <a:ea typeface="+mn-ea"/>
+                <a:cs typeface="+mn-cs"/>
+              </a:defRPr>
+            </a:lvl5pPr>
+            <a:lvl6pPr marL="2286000" algn="l" defTabSz="914400" rtl="0" eaLnBrk="1" latinLnBrk="0" hangingPunct="1">
+              <a:defRPr sz="1800" kern="1200">
+                <a:solidFill>
+                  <a:schemeClr val="tx1"/>
+                </a:solidFill>
+                <a:latin typeface="+mn-lt"/>
+                <a:ea typeface="+mn-ea"/>
+                <a:cs typeface="+mn-cs"/>
+              </a:defRPr>
+            </a:lvl6pPr>
+            <a:lvl7pPr marL="2743200" algn="l" defTabSz="914400" rtl="0" eaLnBrk="1" latinLnBrk="0" hangingPunct="1">
+              <a:defRPr sz="1800" kern="1200">
+                <a:solidFill>
+                  <a:schemeClr val="tx1"/>
+                </a:solidFill>
+                <a:latin typeface="+mn-lt"/>
+                <a:ea typeface="+mn-ea"/>
+                <a:cs typeface="+mn-cs"/>
+              </a:defRPr>
+            </a:lvl7pPr>
+            <a:lvl8pPr marL="3200400" algn="l" defTabSz="914400" rtl="0" eaLnBrk="1" latinLnBrk="0" hangingPunct="1">
+              <a:defRPr sz="1800" kern="1200">
+                <a:solidFill>
+                  <a:schemeClr val="tx1"/>
+                </a:solidFill>
+                <a:latin typeface="+mn-lt"/>
+                <a:ea typeface="+mn-ea"/>
+                <a:cs typeface="+mn-cs"/>
+              </a:defRPr>
+            </a:lvl8pPr>
+            <a:lvl9pPr marL="3657600" algn="l" defTabSz="914400" rtl="0" eaLnBrk="1" latinLnBrk="0" hangingPunct="1">
+              <a:defRPr sz="1800" kern="1200">
+                <a:solidFill>
+                  <a:schemeClr val="tx1"/>
+                </a:solidFill>
+                <a:latin typeface="+mn-lt"/>
+                <a:ea typeface="+mn-ea"/>
+                <a:cs typeface="+mn-cs"/>
+              </a:defRPr>
+            </a:lvl9pPr>
+          </a:lstStyle>
+          <a:p>
+            <a:r>
+              <a:rPr lang="en-US" dirty="0"/>
+              <a:t>Suggested PLAN</a:t>
+            </a:r>
+          </a:p>
+        </p:txBody>
+      </p:sp>
+      <p:sp>
+        <p:nvSpPr>
+          <p:cNvPr id="21" name="Pentagon 24">
+            <a:extLst>
+              <a:ext uri="{FF2B5EF4-FFF2-40B4-BE49-F238E27FC236}">
+                <a16:creationId xmlns:a16="http://schemas.microsoft.com/office/drawing/2014/main" id="{E7FB9707-EAAE-C62F-5B0B-3AA358F603E8}"/>
+              </a:ext>
+            </a:extLst>
+          </p:cNvPr>
+          <p:cNvSpPr/>
+          <p:nvPr/>
+        </p:nvSpPr>
+        <p:spPr bwMode="gray">
+          <a:xfrm>
+            <a:off x="2429529" y="2243175"/>
+            <a:ext cx="500056" cy="242299"/>
+          </a:xfrm>
+          <a:prstGeom prst="homePlate">
+            <a:avLst>
+              <a:gd name="adj" fmla="val 28868"/>
+            </a:avLst>
+          </a:prstGeom>
+          <a:solidFill>
+            <a:srgbClr val="AA1133"/>
+          </a:solidFill>
+          <a:ln w="6350">
+            <a:noFill/>
+            <a:miter lim="800000"/>
+            <a:headEnd/>
+            <a:tailEnd/>
+          </a:ln>
+          <a:effectLst/>
+        </p:spPr>
+        <p:txBody>
+          <a:bodyPr vert="horz" wrap="square" lIns="96000" tIns="96000" rIns="96000" bIns="96000" numCol="1" rtlCol="0" anchor="ctr" anchorCtr="0" compatLnSpc="1">
+            <a:prstTxWarp prst="textNoShape">
+              <a:avLst/>
+            </a:prstTxWarp>
+            <a:noAutofit/>
+          </a:bodyPr>
+          <a:lstStyle/>
+          <a:p>
+            <a:pPr>
+              <a:spcAft>
+                <a:spcPts val="400"/>
+              </a:spcAft>
+            </a:pPr>
+            <a:r>
+              <a:rPr lang="en-US" sz="800" b="1" kern="0" dirty="0">
+                <a:solidFill>
+                  <a:prstClr val="white"/>
+                </a:solidFill>
+                <a:latin typeface="Arial" pitchFamily="34" charset="0"/>
+                <a:cs typeface="Arial" pitchFamily="34" charset="0"/>
+              </a:rPr>
+              <a:t>PH 2</a:t>
+            </a:r>
+          </a:p>
+        </p:txBody>
+      </p:sp>
+      <p:sp>
+        <p:nvSpPr>
+          <p:cNvPr id="22" name="Pentagon 26">
+            <a:extLst>
+              <a:ext uri="{FF2B5EF4-FFF2-40B4-BE49-F238E27FC236}">
+                <a16:creationId xmlns:a16="http://schemas.microsoft.com/office/drawing/2014/main" id="{7C0ADE7B-54A4-F638-0482-4C5150ACA6CA}"/>
+              </a:ext>
+            </a:extLst>
+          </p:cNvPr>
+          <p:cNvSpPr/>
+          <p:nvPr/>
+        </p:nvSpPr>
+        <p:spPr bwMode="gray">
+          <a:xfrm>
+            <a:off x="2429529" y="2687175"/>
+            <a:ext cx="500056" cy="242299"/>
+          </a:xfrm>
+          <a:prstGeom prst="homePlate">
+            <a:avLst>
+              <a:gd name="adj" fmla="val 28868"/>
+            </a:avLst>
+          </a:prstGeom>
+          <a:solidFill>
+            <a:srgbClr val="AA1133"/>
+          </a:solidFill>
+          <a:ln w="6350">
+            <a:noFill/>
+            <a:miter lim="800000"/>
+            <a:headEnd/>
+            <a:tailEnd/>
+          </a:ln>
+          <a:effectLst/>
+        </p:spPr>
+        <p:txBody>
+          <a:bodyPr vert="horz" wrap="square" lIns="96000" tIns="96000" rIns="96000" bIns="96000" numCol="1" rtlCol="0" anchor="ctr" anchorCtr="0" compatLnSpc="1">
+            <a:prstTxWarp prst="textNoShape">
+              <a:avLst/>
+            </a:prstTxWarp>
+            <a:noAutofit/>
+          </a:bodyPr>
+          <a:lstStyle/>
+          <a:p>
+            <a:pPr>
+              <a:spcAft>
+                <a:spcPts val="400"/>
+              </a:spcAft>
+            </a:pPr>
+            <a:r>
+              <a:rPr lang="en-US" sz="800" b="1" kern="0" dirty="0">
+                <a:solidFill>
+                  <a:prstClr val="white"/>
+                </a:solidFill>
+                <a:latin typeface="Arial" pitchFamily="34" charset="0"/>
+                <a:cs typeface="Arial" pitchFamily="34" charset="0"/>
+              </a:rPr>
+              <a:t>PH 3</a:t>
+            </a:r>
+          </a:p>
+        </p:txBody>
+      </p:sp>
+      <p:sp>
+        <p:nvSpPr>
+          <p:cNvPr id="23" name="Pentagon 27">
+            <a:extLst>
+              <a:ext uri="{FF2B5EF4-FFF2-40B4-BE49-F238E27FC236}">
+                <a16:creationId xmlns:a16="http://schemas.microsoft.com/office/drawing/2014/main" id="{E3076D0B-BA1A-9E55-6172-6B7809FFA7FA}"/>
+              </a:ext>
+            </a:extLst>
+          </p:cNvPr>
+          <p:cNvSpPr/>
+          <p:nvPr/>
+        </p:nvSpPr>
+        <p:spPr bwMode="gray">
+          <a:xfrm>
+            <a:off x="2429529" y="3184167"/>
+            <a:ext cx="500056" cy="242299"/>
+          </a:xfrm>
+          <a:prstGeom prst="homePlate">
+            <a:avLst>
+              <a:gd name="adj" fmla="val 28868"/>
+            </a:avLst>
+          </a:prstGeom>
+          <a:solidFill>
+            <a:srgbClr val="AA1133"/>
+          </a:solidFill>
+          <a:ln w="6350">
+            <a:noFill/>
+            <a:miter lim="800000"/>
+            <a:headEnd/>
+            <a:tailEnd/>
+          </a:ln>
+          <a:effectLst/>
+        </p:spPr>
+        <p:txBody>
+          <a:bodyPr vert="horz" wrap="square" lIns="96000" tIns="96000" rIns="96000" bIns="96000" numCol="1" rtlCol="0" anchor="ctr" anchorCtr="0" compatLnSpc="1">
+            <a:prstTxWarp prst="textNoShape">
+              <a:avLst/>
+            </a:prstTxWarp>
+            <a:noAutofit/>
+          </a:bodyPr>
+          <a:lstStyle/>
+          <a:p>
+            <a:pPr>
+              <a:spcAft>
+                <a:spcPts val="400"/>
+              </a:spcAft>
+            </a:pPr>
+            <a:r>
+              <a:rPr lang="en-US" sz="800" b="1" kern="0" dirty="0">
+                <a:solidFill>
+                  <a:prstClr val="white"/>
+                </a:solidFill>
+                <a:latin typeface="Arial" pitchFamily="34" charset="0"/>
+                <a:cs typeface="Arial" pitchFamily="34" charset="0"/>
+              </a:rPr>
+              <a:t>PH 4</a:t>
+            </a:r>
+          </a:p>
+        </p:txBody>
+      </p:sp>
+      <p:sp>
+        <p:nvSpPr>
+          <p:cNvPr id="24" name="Pentagon 28">
+            <a:extLst>
+              <a:ext uri="{FF2B5EF4-FFF2-40B4-BE49-F238E27FC236}">
+                <a16:creationId xmlns:a16="http://schemas.microsoft.com/office/drawing/2014/main" id="{D61F1623-D759-4E0D-75EC-0A09CD076DB4}"/>
+              </a:ext>
+            </a:extLst>
+          </p:cNvPr>
+          <p:cNvSpPr/>
+          <p:nvPr/>
+        </p:nvSpPr>
+        <p:spPr bwMode="gray">
+          <a:xfrm>
+            <a:off x="2429529" y="3641367"/>
+            <a:ext cx="500056" cy="242299"/>
+          </a:xfrm>
+          <a:prstGeom prst="homePlate">
+            <a:avLst>
+              <a:gd name="adj" fmla="val 28868"/>
+            </a:avLst>
+          </a:prstGeom>
+          <a:solidFill>
+            <a:srgbClr val="AA1133"/>
+          </a:solidFill>
+          <a:ln w="6350">
+            <a:noFill/>
+            <a:miter lim="800000"/>
+            <a:headEnd/>
+            <a:tailEnd/>
+          </a:ln>
+          <a:effectLst/>
+        </p:spPr>
+        <p:txBody>
+          <a:bodyPr vert="horz" wrap="square" lIns="96000" tIns="96000" rIns="96000" bIns="96000" numCol="1" rtlCol="0" anchor="ctr" anchorCtr="0" compatLnSpc="1">
+            <a:prstTxWarp prst="textNoShape">
+              <a:avLst/>
+            </a:prstTxWarp>
+            <a:noAutofit/>
+          </a:bodyPr>
+          <a:lstStyle/>
+          <a:p>
+            <a:pPr>
+              <a:spcAft>
+                <a:spcPts val="400"/>
+              </a:spcAft>
+            </a:pPr>
+            <a:r>
+              <a:rPr lang="en-US" sz="800" b="1" kern="0" dirty="0">
+                <a:solidFill>
+                  <a:prstClr val="white"/>
+                </a:solidFill>
+                <a:latin typeface="Arial" pitchFamily="34" charset="0"/>
+                <a:cs typeface="Arial" pitchFamily="34" charset="0"/>
+              </a:rPr>
+              <a:t>PH 5</a:t>
+            </a:r>
+          </a:p>
+        </p:txBody>
+      </p:sp>
+      <p:sp>
+        <p:nvSpPr>
+          <p:cNvPr id="25" name="Pentagon 29">
+            <a:extLst>
+              <a:ext uri="{FF2B5EF4-FFF2-40B4-BE49-F238E27FC236}">
+                <a16:creationId xmlns:a16="http://schemas.microsoft.com/office/drawing/2014/main" id="{15854DA1-36F7-41D9-968C-588443C58CCD}"/>
+              </a:ext>
+            </a:extLst>
+          </p:cNvPr>
+          <p:cNvSpPr/>
+          <p:nvPr/>
+        </p:nvSpPr>
+        <p:spPr bwMode="gray">
+          <a:xfrm>
+            <a:off x="2429529" y="4099383"/>
+            <a:ext cx="500056" cy="242299"/>
+          </a:xfrm>
+          <a:prstGeom prst="homePlate">
+            <a:avLst>
+              <a:gd name="adj" fmla="val 28868"/>
+            </a:avLst>
+          </a:prstGeom>
+          <a:solidFill>
+            <a:srgbClr val="AA1133"/>
+          </a:solidFill>
+          <a:ln w="6350">
+            <a:noFill/>
+            <a:miter lim="800000"/>
+            <a:headEnd/>
+            <a:tailEnd/>
+          </a:ln>
+          <a:effectLst/>
+        </p:spPr>
+        <p:txBody>
+          <a:bodyPr vert="horz" wrap="square" lIns="96000" tIns="96000" rIns="96000" bIns="96000" numCol="1" rtlCol="0" anchor="ctr" anchorCtr="0" compatLnSpc="1">
+            <a:prstTxWarp prst="textNoShape">
+              <a:avLst/>
+            </a:prstTxWarp>
+            <a:noAutofit/>
+          </a:bodyPr>
+          <a:lstStyle/>
+          <a:p>
+            <a:pPr>
+              <a:spcAft>
+                <a:spcPts val="400"/>
+              </a:spcAft>
+            </a:pPr>
+            <a:r>
+              <a:rPr lang="en-US" sz="800" b="1" kern="0" dirty="0">
+                <a:solidFill>
+                  <a:prstClr val="white"/>
+                </a:solidFill>
+                <a:latin typeface="Arial" pitchFamily="34" charset="0"/>
+                <a:cs typeface="Arial" pitchFamily="34" charset="0"/>
+              </a:rPr>
+              <a:t>PH 6</a:t>
+            </a:r>
+          </a:p>
+        </p:txBody>
+      </p:sp>
+      <p:sp>
+        <p:nvSpPr>
+          <p:cNvPr id="26" name="Pentagon 30">
+            <a:extLst>
+              <a:ext uri="{FF2B5EF4-FFF2-40B4-BE49-F238E27FC236}">
+                <a16:creationId xmlns:a16="http://schemas.microsoft.com/office/drawing/2014/main" id="{782253BC-9318-788E-71DF-37C99606584E}"/>
+              </a:ext>
+            </a:extLst>
+          </p:cNvPr>
+          <p:cNvSpPr/>
+          <p:nvPr/>
+        </p:nvSpPr>
+        <p:spPr bwMode="gray">
+          <a:xfrm>
+            <a:off x="2429529" y="4539817"/>
+            <a:ext cx="500056" cy="242299"/>
+          </a:xfrm>
+          <a:prstGeom prst="homePlate">
+            <a:avLst>
+              <a:gd name="adj" fmla="val 28868"/>
+            </a:avLst>
+          </a:prstGeom>
+          <a:solidFill>
+            <a:srgbClr val="AA1133"/>
+          </a:solidFill>
+          <a:ln w="6350">
+            <a:noFill/>
+            <a:miter lim="800000"/>
+            <a:headEnd/>
+            <a:tailEnd/>
+          </a:ln>
+          <a:effectLst/>
+        </p:spPr>
+        <p:txBody>
+          <a:bodyPr vert="horz" wrap="square" lIns="96000" tIns="96000" rIns="96000" bIns="96000" numCol="1" rtlCol="0" anchor="ctr" anchorCtr="0" compatLnSpc="1">
+            <a:prstTxWarp prst="textNoShape">
+              <a:avLst/>
+            </a:prstTxWarp>
+            <a:noAutofit/>
+          </a:bodyPr>
+          <a:lstStyle/>
+          <a:p>
+            <a:pPr>
+              <a:spcAft>
+                <a:spcPts val="400"/>
+              </a:spcAft>
+            </a:pPr>
+            <a:r>
+              <a:rPr lang="en-US" sz="800" b="1" kern="0" dirty="0">
+                <a:solidFill>
+                  <a:prstClr val="white"/>
+                </a:solidFill>
+                <a:latin typeface="Arial" pitchFamily="34" charset="0"/>
+                <a:cs typeface="Arial" pitchFamily="34" charset="0"/>
+              </a:rPr>
+              <a:t>PH 7</a:t>
+            </a:r>
+          </a:p>
+        </p:txBody>
+      </p:sp>
+      <p:sp>
+        <p:nvSpPr>
+          <p:cNvPr id="32" name="AutoShape 2">
+            <a:extLst>
+              <a:ext uri="{FF2B5EF4-FFF2-40B4-BE49-F238E27FC236}">
+                <a16:creationId xmlns:a16="http://schemas.microsoft.com/office/drawing/2014/main" id="{1835AC15-AED0-588F-322C-9CAA916717F5}"/>
+              </a:ext>
+            </a:extLst>
+          </p:cNvPr>
+          <p:cNvSpPr>
+            <a:spLocks noChangeArrowheads="1"/>
+          </p:cNvSpPr>
+          <p:nvPr/>
+        </p:nvSpPr>
+        <p:spPr bwMode="auto">
+          <a:xfrm>
+            <a:off x="7345292" y="4525382"/>
+            <a:ext cx="1653541" cy="301752"/>
+          </a:xfrm>
+          <a:prstGeom prst="homePlate">
+            <a:avLst>
+              <a:gd name="adj" fmla="val 28868"/>
+            </a:avLst>
+          </a:prstGeom>
+          <a:solidFill>
+            <a:srgbClr val="7030A0"/>
+          </a:solidFill>
+          <a:ln w="12700" algn="ctr">
+            <a:noFill/>
+            <a:miter lim="800000"/>
+            <a:headEnd/>
+            <a:tailEnd/>
+          </a:ln>
+          <a:effectLst/>
+        </p:spPr>
+        <p:txBody>
+          <a:bodyPr lIns="96000" tIns="48000" rIns="96000" bIns="48000" anchor="ctr" anchorCtr="0"/>
+          <a:lstStyle/>
+          <a:p>
+            <a:pPr eaLnBrk="0" hangingPunct="0">
+              <a:spcBef>
+                <a:spcPts val="400"/>
+              </a:spcBef>
+            </a:pPr>
+            <a:endParaRPr lang="en-US" sz="1067" b="1" dirty="0">
+              <a:solidFill>
+                <a:srgbClr val="FFFFFF"/>
+              </a:solidFill>
+            </a:endParaRPr>
+          </a:p>
+        </p:txBody>
+      </p:sp>
+      <p:sp>
+        <p:nvSpPr>
+          <p:cNvPr id="33" name="AutoShape 2">
+            <a:extLst>
+              <a:ext uri="{FF2B5EF4-FFF2-40B4-BE49-F238E27FC236}">
+                <a16:creationId xmlns:a16="http://schemas.microsoft.com/office/drawing/2014/main" id="{6246748F-BFDF-2BF9-9120-921335F009AE}"/>
+              </a:ext>
+            </a:extLst>
+          </p:cNvPr>
+          <p:cNvSpPr>
+            <a:spLocks noChangeArrowheads="1"/>
+          </p:cNvSpPr>
+          <p:nvPr/>
+        </p:nvSpPr>
+        <p:spPr bwMode="auto">
+          <a:xfrm>
+            <a:off x="7345292" y="4061180"/>
+            <a:ext cx="1653541" cy="301752"/>
+          </a:xfrm>
+          <a:prstGeom prst="homePlate">
+            <a:avLst>
+              <a:gd name="adj" fmla="val 28868"/>
+            </a:avLst>
+          </a:prstGeom>
+          <a:solidFill>
+            <a:srgbClr val="7030A0"/>
+          </a:solidFill>
+          <a:ln w="12700" algn="ctr">
+            <a:noFill/>
+            <a:miter lim="800000"/>
+            <a:headEnd/>
+            <a:tailEnd/>
+          </a:ln>
+          <a:effectLst/>
+        </p:spPr>
+        <p:txBody>
+          <a:bodyPr lIns="96000" tIns="48000" rIns="96000" bIns="48000" anchor="ctr" anchorCtr="0"/>
+          <a:lstStyle/>
+          <a:p>
+            <a:pPr eaLnBrk="0" hangingPunct="0">
+              <a:spcBef>
+                <a:spcPts val="400"/>
+              </a:spcBef>
+            </a:pPr>
+            <a:endParaRPr lang="en-US" sz="1067" b="1">
+              <a:solidFill>
+                <a:srgbClr val="FFFFFF"/>
+              </a:solidFill>
+            </a:endParaRPr>
+          </a:p>
+        </p:txBody>
+      </p:sp>
+      <p:sp>
+        <p:nvSpPr>
+          <p:cNvPr id="35" name="AutoShape 2">
+            <a:extLst>
+              <a:ext uri="{FF2B5EF4-FFF2-40B4-BE49-F238E27FC236}">
+                <a16:creationId xmlns:a16="http://schemas.microsoft.com/office/drawing/2014/main" id="{F2051C70-C4C1-4AB0-98D9-23B78B5CEF9B}"/>
+              </a:ext>
+            </a:extLst>
+          </p:cNvPr>
+          <p:cNvSpPr>
+            <a:spLocks noChangeArrowheads="1"/>
+          </p:cNvSpPr>
+          <p:nvPr/>
+        </p:nvSpPr>
+        <p:spPr bwMode="auto">
+          <a:xfrm>
+            <a:off x="8937873" y="4990912"/>
+            <a:ext cx="807720" cy="301752"/>
+          </a:xfrm>
+          <a:prstGeom prst="homePlate">
+            <a:avLst>
+              <a:gd name="adj" fmla="val 28868"/>
+            </a:avLst>
+          </a:prstGeom>
+          <a:solidFill>
+            <a:srgbClr val="00B050"/>
+          </a:solidFill>
+          <a:ln w="12700" algn="ctr">
+            <a:noFill/>
+            <a:miter lim="800000"/>
+            <a:headEnd/>
+            <a:tailEnd/>
+          </a:ln>
+          <a:effectLst/>
+        </p:spPr>
+        <p:txBody>
+          <a:bodyPr lIns="96000" tIns="48000" rIns="96000" bIns="48000" anchor="ctr" anchorCtr="0"/>
+          <a:lstStyle/>
+          <a:p>
+            <a:pPr eaLnBrk="0" hangingPunct="0">
+              <a:spcBef>
+                <a:spcPts val="400"/>
+              </a:spcBef>
+            </a:pPr>
+            <a:endParaRPr lang="en-US" sz="1067" b="1" dirty="0">
+              <a:solidFill>
+                <a:srgbClr val="FFFFFF"/>
+              </a:solidFill>
+            </a:endParaRPr>
+          </a:p>
+        </p:txBody>
+      </p:sp>
+      <p:sp>
+        <p:nvSpPr>
+          <p:cNvPr id="38" name="Pentagon 30">
+            <a:extLst>
+              <a:ext uri="{FF2B5EF4-FFF2-40B4-BE49-F238E27FC236}">
+                <a16:creationId xmlns:a16="http://schemas.microsoft.com/office/drawing/2014/main" id="{AE6AEF77-522D-59D1-E8C6-6A3B854E723F}"/>
+              </a:ext>
+            </a:extLst>
+          </p:cNvPr>
+          <p:cNvSpPr/>
+          <p:nvPr/>
+        </p:nvSpPr>
+        <p:spPr bwMode="gray">
+          <a:xfrm>
+            <a:off x="2429529" y="4990912"/>
+            <a:ext cx="500056" cy="242299"/>
+          </a:xfrm>
+          <a:prstGeom prst="homePlate">
+            <a:avLst>
+              <a:gd name="adj" fmla="val 28868"/>
+            </a:avLst>
+          </a:prstGeom>
+          <a:solidFill>
+            <a:srgbClr val="AA1133"/>
+          </a:solidFill>
+          <a:ln w="6350">
+            <a:noFill/>
+            <a:miter lim="800000"/>
+            <a:headEnd/>
+            <a:tailEnd/>
+          </a:ln>
+          <a:effectLst/>
+        </p:spPr>
+        <p:txBody>
+          <a:bodyPr vert="horz" wrap="square" lIns="96000" tIns="96000" rIns="96000" bIns="96000" numCol="1" rtlCol="0" anchor="ctr" anchorCtr="0" compatLnSpc="1">
+            <a:prstTxWarp prst="textNoShape">
+              <a:avLst/>
+            </a:prstTxWarp>
+            <a:noAutofit/>
+          </a:bodyPr>
+          <a:lstStyle/>
+          <a:p>
+            <a:pPr>
+              <a:spcAft>
+                <a:spcPts val="400"/>
+              </a:spcAft>
+            </a:pPr>
+            <a:r>
+              <a:rPr lang="en-US" sz="800" b="1" kern="0" dirty="0">
+                <a:solidFill>
+                  <a:prstClr val="white"/>
+                </a:solidFill>
+                <a:latin typeface="Arial" pitchFamily="34" charset="0"/>
+                <a:cs typeface="Arial" pitchFamily="34" charset="0"/>
+              </a:rPr>
+              <a:t>PH 8</a:t>
+            </a:r>
+          </a:p>
+        </p:txBody>
+      </p:sp>
+    </p:spTree>
+    <p:extLst>
+      <p:ext uri="{BB962C8B-B14F-4D97-AF65-F5344CB8AC3E}">
+        <p14:creationId xmlns:p14="http://schemas.microsoft.com/office/powerpoint/2010/main" val="1668264821"/>
+      </p:ext>
+    </p:extLst>
+  </p:cSld>
+  <p:clrMapOvr>
+    <a:masterClrMapping/>
+  </p:clrMapOvr>
+</p:sld>
+</file>
+
+<file path=ppt/slides/slide2.xml><?xml version="1.0" encoding="utf-8"?>
+<p:sld xmlns:a="http://schemas.openxmlformats.org/drawingml/2006/main" xmlns:r="http://schemas.openxmlformats.org/officeDocument/2006/relationships" xmlns:p="http://schemas.openxmlformats.org/presentationml/2006/main">
+  <p:cSld>
+    <p:spTree>
+      <p:nvGrpSpPr>
+        <p:cNvPr id="1" name=""/>
+        <p:cNvGrpSpPr/>
+        <p:nvPr/>
+      </p:nvGrpSpPr>
+      <p:grpSpPr>
+        <a:xfrm>
+          <a:off x="0" y="0"/>
+          <a:ext cx="0" cy="0"/>
+          <a:chOff x="0" y="0"/>
+          <a:chExt cx="0" cy="0"/>
+        </a:xfrm>
+      </p:grpSpPr>
+      <p:sp>
+        <p:nvSpPr>
+          <p:cNvPr id="2" name="Title 1">
+            <a:extLst>
+              <a:ext uri="{FF2B5EF4-FFF2-40B4-BE49-F238E27FC236}">
+                <a16:creationId xmlns:a16="http://schemas.microsoft.com/office/drawing/2014/main" id="{7AB7D52F-AC69-EEAB-D63C-D8F3A05E2DAE}"/>
+              </a:ext>
+            </a:extLst>
+          </p:cNvPr>
+          <p:cNvSpPr>
+            <a:spLocks noGrp="1"/>
+          </p:cNvSpPr>
+          <p:nvPr>
+            <p:ph type="title"/>
+          </p:nvPr>
+        </p:nvSpPr>
+        <p:spPr/>
+        <p:txBody>
+          <a:bodyPr/>
+          <a:lstStyle/>
+          <a:p>
+            <a:r>
+              <a:rPr lang="en-US" dirty="0"/>
+              <a:t>Contents</a:t>
+            </a:r>
+            <a:endParaRPr lang="el-GR" dirty="0"/>
+          </a:p>
+        </p:txBody>
+      </p:sp>
+      <p:sp>
+        <p:nvSpPr>
+          <p:cNvPr id="3" name="Content Placeholder 2">
+            <a:extLst>
+              <a:ext uri="{FF2B5EF4-FFF2-40B4-BE49-F238E27FC236}">
+                <a16:creationId xmlns:a16="http://schemas.microsoft.com/office/drawing/2014/main" id="{DC5F23A2-BCDB-4B8E-6F22-886CB4B39F08}"/>
+              </a:ext>
+            </a:extLst>
+          </p:cNvPr>
+          <p:cNvSpPr>
+            <a:spLocks noGrp="1"/>
+          </p:cNvSpPr>
+          <p:nvPr>
+            <p:ph idx="1"/>
+          </p:nvPr>
+        </p:nvSpPr>
+        <p:spPr/>
+        <p:txBody>
+          <a:bodyPr/>
+          <a:lstStyle/>
+          <a:p>
+            <a:r>
+              <a:rPr lang="en-US" dirty="0"/>
+              <a:t>Introduction</a:t>
+            </a:r>
+          </a:p>
+          <a:p>
+            <a:r>
+              <a:rPr lang="en-US" dirty="0" err="1"/>
+              <a:t>MultiSpider</a:t>
+            </a:r>
+            <a:endParaRPr lang="en-US" dirty="0"/>
+          </a:p>
+          <a:p>
+            <a:r>
+              <a:rPr lang="en-US" dirty="0"/>
+              <a:t>Translation Pipeline</a:t>
+            </a:r>
+          </a:p>
+          <a:p>
+            <a:r>
+              <a:rPr lang="en-US" dirty="0"/>
+              <a:t>Schema Augmentation: </a:t>
+            </a:r>
+            <a:r>
+              <a:rPr lang="en-US" dirty="0" err="1"/>
+              <a:t>SAVe</a:t>
+            </a:r>
+            <a:endParaRPr lang="en-US" dirty="0"/>
+          </a:p>
+          <a:p>
+            <a:r>
+              <a:rPr lang="en-US" dirty="0"/>
+              <a:t>Experiment Settings, Results &amp; Discussion</a:t>
+            </a:r>
+          </a:p>
+          <a:p>
+            <a:r>
+              <a:rPr lang="en-US" dirty="0"/>
+              <a:t>Related Work</a:t>
+            </a:r>
+          </a:p>
+          <a:p>
+            <a:r>
+              <a:rPr lang="en-US" dirty="0"/>
+              <a:t>Conclusion</a:t>
+            </a:r>
+          </a:p>
+          <a:p>
+            <a:r>
+              <a:rPr lang="en-US" dirty="0"/>
+              <a:t>Our Approach</a:t>
+            </a:r>
+          </a:p>
+        </p:txBody>
+      </p:sp>
+    </p:spTree>
+    <p:extLst>
+      <p:ext uri="{BB962C8B-B14F-4D97-AF65-F5344CB8AC3E}">
+        <p14:creationId xmlns:p14="http://schemas.microsoft.com/office/powerpoint/2010/main" val="3989824502"/>
+      </p:ext>
+    </p:extLst>
+  </p:cSld>
+  <p:clrMapOvr>
+    <a:masterClrMapping/>
+  </p:clrMapOvr>
+</p:sld>
+</file>
+
+<file path=ppt/slides/slide20.xml><?xml version="1.0" encoding="utf-8"?>
 <p:sld xmlns:a="http://schemas.openxmlformats.org/drawingml/2006/main" xmlns:r="http://schemas.openxmlformats.org/officeDocument/2006/relationships" xmlns:p="http://schemas.openxmlformats.org/presentationml/2006/main">
   <p:cSld>
     <p:spTree>
@@ -6451,141 +13700,6 @@
     <p:extLst>
       <p:ext uri="{BB962C8B-B14F-4D97-AF65-F5344CB8AC3E}">
         <p14:creationId xmlns:p14="http://schemas.microsoft.com/office/powerpoint/2010/main" val="264760685"/>
-      </p:ext>
-    </p:extLst>
-  </p:cSld>
-  <p:clrMapOvr>
-    <a:masterClrMapping/>
-  </p:clrMapOvr>
-</p:sld>
-</file>
-
-<file path=ppt/slides/slide2.xml><?xml version="1.0" encoding="utf-8"?>
-<p:sld xmlns:a="http://schemas.openxmlformats.org/drawingml/2006/main" xmlns:r="http://schemas.openxmlformats.org/officeDocument/2006/relationships" xmlns:p="http://schemas.openxmlformats.org/presentationml/2006/main">
-  <p:cSld>
-    <p:spTree>
-      <p:nvGrpSpPr>
-        <p:cNvPr id="1" name=""/>
-        <p:cNvGrpSpPr/>
-        <p:nvPr/>
-      </p:nvGrpSpPr>
-      <p:grpSpPr>
-        <a:xfrm>
-          <a:off x="0" y="0"/>
-          <a:ext cx="0" cy="0"/>
-          <a:chOff x="0" y="0"/>
-          <a:chExt cx="0" cy="0"/>
-        </a:xfrm>
-      </p:grpSpPr>
-      <p:sp>
-        <p:nvSpPr>
-          <p:cNvPr id="2" name="Title 1">
-            <a:extLst>
-              <a:ext uri="{FF2B5EF4-FFF2-40B4-BE49-F238E27FC236}">
-                <a16:creationId xmlns:a16="http://schemas.microsoft.com/office/drawing/2014/main" id="{7AB7D52F-AC69-EEAB-D63C-D8F3A05E2DAE}"/>
-              </a:ext>
-            </a:extLst>
-          </p:cNvPr>
-          <p:cNvSpPr>
-            <a:spLocks noGrp="1"/>
-          </p:cNvSpPr>
-          <p:nvPr>
-            <p:ph type="title"/>
-          </p:nvPr>
-        </p:nvSpPr>
-        <p:spPr/>
-        <p:txBody>
-          <a:bodyPr/>
-          <a:lstStyle/>
-          <a:p>
-            <a:r>
-              <a:rPr lang="en-US" dirty="0"/>
-              <a:t>Contents</a:t>
-            </a:r>
-            <a:endParaRPr lang="el-GR" dirty="0"/>
-          </a:p>
-        </p:txBody>
-      </p:sp>
-      <p:sp>
-        <p:nvSpPr>
-          <p:cNvPr id="3" name="Content Placeholder 2">
-            <a:extLst>
-              <a:ext uri="{FF2B5EF4-FFF2-40B4-BE49-F238E27FC236}">
-                <a16:creationId xmlns:a16="http://schemas.microsoft.com/office/drawing/2014/main" id="{DC5F23A2-BCDB-4B8E-6F22-886CB4B39F08}"/>
-              </a:ext>
-            </a:extLst>
-          </p:cNvPr>
-          <p:cNvSpPr>
-            <a:spLocks noGrp="1"/>
-          </p:cNvSpPr>
-          <p:nvPr>
-            <p:ph idx="1"/>
-          </p:nvPr>
-        </p:nvSpPr>
-        <p:spPr/>
-        <p:txBody>
-          <a:bodyPr/>
-          <a:lstStyle/>
-          <a:p>
-            <a:r>
-              <a:rPr lang="en-US" dirty="0"/>
-              <a:t>Introduction</a:t>
-            </a:r>
-          </a:p>
-          <a:p>
-            <a:r>
-              <a:rPr lang="en-US" dirty="0" err="1"/>
-              <a:t>MultiSpider</a:t>
-            </a:r>
-            <a:endParaRPr lang="en-US" dirty="0"/>
-          </a:p>
-          <a:p>
-            <a:r>
-              <a:rPr lang="en-US" dirty="0"/>
-              <a:t>Translation Pipeline</a:t>
-            </a:r>
-          </a:p>
-          <a:p>
-            <a:r>
-              <a:rPr lang="en-US" dirty="0"/>
-              <a:t>Schema Augmentation: </a:t>
-            </a:r>
-            <a:r>
-              <a:rPr lang="en-US" dirty="0" err="1"/>
-              <a:t>SAVe</a:t>
-            </a:r>
-            <a:endParaRPr lang="en-US" dirty="0"/>
-          </a:p>
-          <a:p>
-            <a:r>
-              <a:rPr lang="en-US" dirty="0"/>
-              <a:t>Experiment Settings, Results &amp; Discussion</a:t>
-            </a:r>
-          </a:p>
-          <a:p>
-            <a:r>
-              <a:rPr lang="en-US" dirty="0"/>
-              <a:t>Related Work</a:t>
-            </a:r>
-          </a:p>
-          <a:p>
-            <a:r>
-              <a:rPr lang="en-US" dirty="0"/>
-              <a:t>Conclusion</a:t>
-            </a:r>
-          </a:p>
-          <a:p>
-            <a:r>
-              <a:rPr lang="en-US" dirty="0"/>
-              <a:t>Our Approach</a:t>
-            </a:r>
-          </a:p>
-        </p:txBody>
-      </p:sp>
-    </p:spTree>
-    <p:extLst>
-      <p:ext uri="{BB962C8B-B14F-4D97-AF65-F5344CB8AC3E}">
-        <p14:creationId xmlns:p14="http://schemas.microsoft.com/office/powerpoint/2010/main" val="3989824502"/>
       </p:ext>
     </p:extLst>
   </p:cSld>
@@ -7973,7 +15087,7 @@
           <p:nvPr/>
         </p:nvPicPr>
         <p:blipFill>
-          <a:blip r:embed="rId2"/>
+          <a:blip r:embed="rId3"/>
           <a:stretch>
             <a:fillRect/>
           </a:stretch>
@@ -8034,6 +15148,12 @@
     <a:masterClrMapping/>
   </p:clrMapOvr>
 </p:sld>
+</file>
+
+<file path=ppt/tags/tag1.xml><?xml version="1.0" encoding="utf-8"?>
+<p:tagLst xmlns:a="http://schemas.openxmlformats.org/drawingml/2006/main" xmlns:r="http://schemas.openxmlformats.org/officeDocument/2006/relationships" xmlns:p="http://schemas.openxmlformats.org/presentationml/2006/main">
+  <p:tag name="MCSTAMP" val="00"/>
+</p:tagLst>
 </file>
 
 <file path=ppt/theme/theme1.xml><?xml version="1.0" encoding="utf-8"?>
